--- a/ICARUS 최종(일껄).pptx
+++ b/ICARUS 최종(일껄).pptx
@@ -10,7 +10,7 @@
     <p:sldId id="277" r:id="rId4"/>
     <p:sldId id="278" r:id="rId5"/>
     <p:sldId id="285" r:id="rId6"/>
-    <p:sldId id="292" r:id="rId7"/>
+    <p:sldId id="293" r:id="rId7"/>
     <p:sldId id="287" r:id="rId8"/>
     <p:sldId id="279" r:id="rId9"/>
     <p:sldId id="265" r:id="rId10"/>
@@ -24,17 +24,16 @@
     <p:sldId id="291" r:id="rId18"/>
     <p:sldId id="288" r:id="rId19"/>
     <p:sldId id="289" r:id="rId20"/>
-    <p:sldId id="290" r:id="rId21"/>
-    <p:sldId id="272" r:id="rId22"/>
-    <p:sldId id="273" r:id="rId23"/>
-    <p:sldId id="274" r:id="rId24"/>
-    <p:sldId id="275" r:id="rId25"/>
-    <p:sldId id="282" r:id="rId26"/>
-    <p:sldId id="258" r:id="rId27"/>
-    <p:sldId id="259" r:id="rId28"/>
-    <p:sldId id="280" r:id="rId29"/>
-    <p:sldId id="261" r:id="rId30"/>
-    <p:sldId id="262" r:id="rId31"/>
+    <p:sldId id="272" r:id="rId21"/>
+    <p:sldId id="273" r:id="rId22"/>
+    <p:sldId id="274" r:id="rId23"/>
+    <p:sldId id="294" r:id="rId24"/>
+    <p:sldId id="282" r:id="rId25"/>
+    <p:sldId id="258" r:id="rId26"/>
+    <p:sldId id="259" r:id="rId27"/>
+    <p:sldId id="280" r:id="rId28"/>
+    <p:sldId id="261" r:id="rId29"/>
+    <p:sldId id="262" r:id="rId30"/>
   </p:sldIdLst>
   <p:sldSz cx="12192000" cy="6858000"/>
   <p:notesSz cx="6858000" cy="9144000"/>
@@ -283,7 +282,7 @@
           <a:p>
             <a:fld id="{0A837266-5F83-43E5-8B4C-B854B0D57007}" type="datetimeFigureOut">
               <a:rPr lang="ko-KR" altLang="en-US" smtClean="0"/>
-              <a:t>2018-11-25</a:t>
+              <a:t>2018-11-27</a:t>
             </a:fld>
             <a:endParaRPr lang="ko-KR" altLang="en-US"/>
           </a:p>
@@ -453,7 +452,7 @@
           <a:p>
             <a:fld id="{0A837266-5F83-43E5-8B4C-B854B0D57007}" type="datetimeFigureOut">
               <a:rPr lang="ko-KR" altLang="en-US" smtClean="0"/>
-              <a:t>2018-11-25</a:t>
+              <a:t>2018-11-27</a:t>
             </a:fld>
             <a:endParaRPr lang="ko-KR" altLang="en-US"/>
           </a:p>
@@ -633,7 +632,7 @@
           <a:p>
             <a:fld id="{0A837266-5F83-43E5-8B4C-B854B0D57007}" type="datetimeFigureOut">
               <a:rPr lang="ko-KR" altLang="en-US" smtClean="0"/>
-              <a:t>2018-11-25</a:t>
+              <a:t>2018-11-27</a:t>
             </a:fld>
             <a:endParaRPr lang="ko-KR" altLang="en-US"/>
           </a:p>
@@ -813,7 +812,7 @@
           <a:p>
             <a:fld id="{0A837266-5F83-43E5-8B4C-B854B0D57007}" type="datetimeFigureOut">
               <a:rPr lang="ko-KR" altLang="en-US" smtClean="0"/>
-              <a:t>2018-11-25</a:t>
+              <a:t>2018-11-27</a:t>
             </a:fld>
             <a:endParaRPr lang="ko-KR" altLang="en-US"/>
           </a:p>
@@ -1059,7 +1058,7 @@
           <a:p>
             <a:fld id="{0A837266-5F83-43E5-8B4C-B854B0D57007}" type="datetimeFigureOut">
               <a:rPr lang="ko-KR" altLang="en-US" smtClean="0"/>
-              <a:t>2018-11-25</a:t>
+              <a:t>2018-11-27</a:t>
             </a:fld>
             <a:endParaRPr lang="ko-KR" altLang="en-US"/>
           </a:p>
@@ -1291,7 +1290,7 @@
           <a:p>
             <a:fld id="{0A837266-5F83-43E5-8B4C-B854B0D57007}" type="datetimeFigureOut">
               <a:rPr lang="ko-KR" altLang="en-US" smtClean="0"/>
-              <a:t>2018-11-25</a:t>
+              <a:t>2018-11-27</a:t>
             </a:fld>
             <a:endParaRPr lang="ko-KR" altLang="en-US"/>
           </a:p>
@@ -1658,7 +1657,7 @@
           <a:p>
             <a:fld id="{0A837266-5F83-43E5-8B4C-B854B0D57007}" type="datetimeFigureOut">
               <a:rPr lang="ko-KR" altLang="en-US" smtClean="0"/>
-              <a:t>2018-11-25</a:t>
+              <a:t>2018-11-27</a:t>
             </a:fld>
             <a:endParaRPr lang="ko-KR" altLang="en-US"/>
           </a:p>
@@ -1776,7 +1775,7 @@
           <a:p>
             <a:fld id="{0A837266-5F83-43E5-8B4C-B854B0D57007}" type="datetimeFigureOut">
               <a:rPr lang="ko-KR" altLang="en-US" smtClean="0"/>
-              <a:t>2018-11-25</a:t>
+              <a:t>2018-11-27</a:t>
             </a:fld>
             <a:endParaRPr lang="ko-KR" altLang="en-US"/>
           </a:p>
@@ -1871,7 +1870,7 @@
           <a:p>
             <a:fld id="{0A837266-5F83-43E5-8B4C-B854B0D57007}" type="datetimeFigureOut">
               <a:rPr lang="ko-KR" altLang="en-US" smtClean="0"/>
-              <a:t>2018-11-25</a:t>
+              <a:t>2018-11-27</a:t>
             </a:fld>
             <a:endParaRPr lang="ko-KR" altLang="en-US"/>
           </a:p>
@@ -2148,7 +2147,7 @@
           <a:p>
             <a:fld id="{0A837266-5F83-43E5-8B4C-B854B0D57007}" type="datetimeFigureOut">
               <a:rPr lang="ko-KR" altLang="en-US" smtClean="0"/>
-              <a:t>2018-11-25</a:t>
+              <a:t>2018-11-27</a:t>
             </a:fld>
             <a:endParaRPr lang="ko-KR" altLang="en-US"/>
           </a:p>
@@ -2401,7 +2400,7 @@
           <a:p>
             <a:fld id="{0A837266-5F83-43E5-8B4C-B854B0D57007}" type="datetimeFigureOut">
               <a:rPr lang="ko-KR" altLang="en-US" smtClean="0"/>
-              <a:t>2018-11-25</a:t>
+              <a:t>2018-11-27</a:t>
             </a:fld>
             <a:endParaRPr lang="ko-KR" altLang="en-US"/>
           </a:p>
@@ -2617,7 +2616,7 @@
             <a:fld id="{0A837266-5F83-43E5-8B4C-B854B0D57007}" type="datetimeFigureOut">
               <a:rPr lang="ko-KR" altLang="en-US" smtClean="0"/>
               <a:pPr/>
-              <a:t>2018-11-25</a:t>
+              <a:t>2018-11-27</a:t>
             </a:fld>
             <a:endParaRPr lang="ko-KR" altLang="en-US" dirty="0"/>
           </a:p>
@@ -4023,7 +4022,7 @@
           </a:ln>
           <a:extLst>
             <a:ext uri="{C572A759-6A51-4108-AA02-DFA0A04FC94B}">
-              <ma14:wrappingTextBoxFlag xmlns:ma14="http://schemas.microsoft.com/office/mac/drawingml/2011/main" xmlns="" val="1"/>
+              <ma14:wrappingTextBoxFlag xmlns="" xmlns:ma14="http://schemas.microsoft.com/office/mac/drawingml/2011/main" val="1"/>
             </a:ext>
           </a:extLst>
         </p:spPr>
@@ -4086,17 +4085,15 @@
                 <a:latin typeface="나눔고딕 Light" panose="020D0904000000000000" pitchFamily="50" charset="-127"/>
                 <a:ea typeface="나눔고딕 Light" panose="020D0904000000000000" pitchFamily="50" charset="-127"/>
               </a:rPr>
-              <a:t>people.</a:t>
-            </a:r>
-          </a:p>
-          <a:p>
-            <a:pPr marL="285750" indent="-285750" fontAlgn="base">
-              <a:lnSpc>
-                <a:spcPct val="150000"/>
-              </a:lnSpc>
-              <a:buFontTx/>
-              <a:buChar char="-"/>
-            </a:pPr>
+              <a:t>people</a:t>
+            </a:r>
+            <a:r>
+              <a:rPr lang="en-US" altLang="ko-KR" dirty="0" smtClean="0">
+                <a:latin typeface="나눔고딕 Light" panose="020D0904000000000000" pitchFamily="50" charset="-127"/>
+                <a:ea typeface="나눔고딕 Light" panose="020D0904000000000000" pitchFamily="50" charset="-127"/>
+              </a:rPr>
+              <a:t>.</a:t>
+            </a:r>
             <a:endParaRPr lang="en-US" altLang="ko-KR" dirty="0">
               <a:latin typeface="나눔고딕 Light" panose="020D0904000000000000" pitchFamily="50" charset="-127"/>
               <a:ea typeface="나눔고딕 Light" panose="020D0904000000000000" pitchFamily="50" charset="-127"/>
@@ -4624,7 +4621,7 @@
           </a:ln>
           <a:extLst>
             <a:ext uri="{C572A759-6A51-4108-AA02-DFA0A04FC94B}">
-              <ma14:wrappingTextBoxFlag xmlns:ma14="http://schemas.microsoft.com/office/mac/drawingml/2011/main" xmlns="" val="1"/>
+              <ma14:wrappingTextBoxFlag xmlns="" xmlns:ma14="http://schemas.microsoft.com/office/mac/drawingml/2011/main" val="1"/>
             </a:ext>
           </a:extLst>
         </p:spPr>
@@ -5246,7 +5243,7 @@
           </a:ln>
           <a:extLst>
             <a:ext uri="{C572A759-6A51-4108-AA02-DFA0A04FC94B}">
-              <ma14:wrappingTextBoxFlag xmlns:ma14="http://schemas.microsoft.com/office/mac/drawingml/2011/main" xmlns="" val="1"/>
+              <ma14:wrappingTextBoxFlag xmlns="" xmlns:ma14="http://schemas.microsoft.com/office/mac/drawingml/2011/main" val="1"/>
             </a:ext>
           </a:extLst>
         </p:spPr>
@@ -5602,7 +5599,7 @@
         <p:spPr bwMode="auto">
           <a:xfrm>
             <a:off x="2406377" y="608585"/>
-            <a:ext cx="6456269" cy="738664"/>
+            <a:ext cx="8737873" cy="738664"/>
           </a:xfrm>
           <a:prstGeom prst="rect">
             <a:avLst/>
@@ -5879,7 +5876,7 @@
           </a:ln>
           <a:extLst>
             <a:ext uri="{C572A759-6A51-4108-AA02-DFA0A04FC94B}">
-              <ma14:wrappingTextBoxFlag xmlns:ma14="http://schemas.microsoft.com/office/mac/drawingml/2011/main" xmlns="" val="1"/>
+              <ma14:wrappingTextBoxFlag xmlns="" xmlns:ma14="http://schemas.microsoft.com/office/mac/drawingml/2011/main" val="1"/>
             </a:ext>
           </a:extLst>
         </p:spPr>
@@ -5949,7 +5946,7 @@
           </a:ln>
           <a:extLst>
             <a:ext uri="{C572A759-6A51-4108-AA02-DFA0A04FC94B}">
-              <ma14:wrappingTextBoxFlag xmlns:ma14="http://schemas.microsoft.com/office/mac/drawingml/2011/main" xmlns="" val="1"/>
+              <ma14:wrappingTextBoxFlag xmlns="" xmlns:ma14="http://schemas.microsoft.com/office/mac/drawingml/2011/main" val="1"/>
             </a:ext>
           </a:extLst>
         </p:spPr>
@@ -6200,11 +6197,11 @@
   <p:clrMapOvr>
     <a:masterClrMapping/>
   </p:clrMapOvr>
-  <mc:AlternateContent xmlns:mc="http://schemas.openxmlformats.org/markup-compatibility/2006" xmlns:p14="http://schemas.microsoft.com/office/powerpoint/2010/main">
-    <mc:Choice Requires="p14">
+  <mc:AlternateContent xmlns:mc="http://schemas.openxmlformats.org/markup-compatibility/2006">
+    <mc:Choice xmlns:p14="http://schemas.microsoft.com/office/powerpoint/2010/main" Requires="p14">
       <p:transition spd="slow" p14:dur="2000"/>
     </mc:Choice>
-    <mc:Fallback xmlns="">
+    <mc:Fallback>
       <p:transition spd="slow"/>
     </mc:Fallback>
   </mc:AlternateContent>
@@ -6219,7 +6216,7 @@
 </file>
 
 <file path=ppt/slides/slide14.xml><?xml version="1.0" encoding="utf-8"?>
-<p:sld xmlns:a="http://schemas.openxmlformats.org/drawingml/2006/main" xmlns:r="http://schemas.openxmlformats.org/officeDocument/2006/relationships" xmlns:p="http://schemas.openxmlformats.org/presentationml/2006/main">
+<p:sld xmlns:a="http://schemas.openxmlformats.org/drawingml/2006/main" xmlns:r="http://schemas.openxmlformats.org/officeDocument/2006/relationships" xmlns:p="http://schemas.openxmlformats.org/presentationml/2006/main" show="0">
   <p:cSld>
     <p:bg>
       <p:bgPr>
@@ -6582,7 +6579,7 @@
           </a:ln>
           <a:extLst>
             <a:ext uri="{C572A759-6A51-4108-AA02-DFA0A04FC94B}">
-              <ma14:wrappingTextBoxFlag xmlns:ma14="http://schemas.microsoft.com/office/mac/drawingml/2011/main" xmlns="" val="1"/>
+              <ma14:wrappingTextBoxFlag xmlns="" xmlns:ma14="http://schemas.microsoft.com/office/mac/drawingml/2011/main" val="1"/>
             </a:ext>
           </a:extLst>
         </p:spPr>
@@ -6741,7 +6738,14 @@
                 <a:latin typeface="나눔고딕 Light" panose="020D0904000000000000" pitchFamily="50" charset="-127"/>
                 <a:ea typeface="나눔고딕 Light" panose="020D0904000000000000" pitchFamily="50" charset="-127"/>
               </a:rPr>
-              <a:t>Test basic operation of RC cars with raspberry pie</a:t>
+              <a:t>Test basic operation of RC cars with raspberry </a:t>
+            </a:r>
+            <a:r>
+              <a:rPr lang="en-US" altLang="ko-KR" dirty="0" smtClean="0">
+                <a:latin typeface="나눔고딕 Light" panose="020D0904000000000000" pitchFamily="50" charset="-127"/>
+                <a:ea typeface="나눔고딕 Light" panose="020D0904000000000000" pitchFamily="50" charset="-127"/>
+              </a:rPr>
+              <a:t>pi</a:t>
             </a:r>
             <a:endParaRPr lang="en-US" altLang="ko-KR" dirty="0" smtClean="0">
               <a:latin typeface="나눔고딕 Light" pitchFamily="50" charset="-127"/>
@@ -6927,6 +6931,44 @@
               <a:latin typeface="나눔고딕 Light" pitchFamily="50" charset="-127"/>
               <a:ea typeface="나눔고딕 Light" pitchFamily="50" charset="-127"/>
             </a:endParaRPr>
+          </a:p>
+        </p:txBody>
+      </p:sp>
+      <p:sp>
+        <p:nvSpPr>
+          <p:cNvPr id="2" name="제목 1"/>
+          <p:cNvSpPr>
+            <a:spLocks noGrp="1"/>
+          </p:cNvSpPr>
+          <p:nvPr>
+            <p:ph type="title"/>
+          </p:nvPr>
+        </p:nvSpPr>
+        <p:spPr/>
+        <p:txBody>
+          <a:bodyPr/>
+          <a:lstStyle/>
+          <a:p>
+            <a:endParaRPr lang="ko-KR" altLang="en-US"/>
+          </a:p>
+        </p:txBody>
+      </p:sp>
+      <p:sp>
+        <p:nvSpPr>
+          <p:cNvPr id="3" name="내용 개체 틀 2"/>
+          <p:cNvSpPr>
+            <a:spLocks noGrp="1"/>
+          </p:cNvSpPr>
+          <p:nvPr>
+            <p:ph idx="1"/>
+          </p:nvPr>
+        </p:nvSpPr>
+        <p:spPr/>
+        <p:txBody>
+          <a:bodyPr/>
+          <a:lstStyle/>
+          <a:p>
+            <a:endParaRPr lang="ko-KR" altLang="en-US"/>
           </a:p>
         </p:txBody>
       </p:sp>
@@ -6940,6 +6982,14 @@
   <p:clrMapOvr>
     <a:masterClrMapping/>
   </p:clrMapOvr>
+  <mc:AlternateContent xmlns:mc="http://schemas.openxmlformats.org/markup-compatibility/2006">
+    <mc:Choice xmlns:p14="http://schemas.microsoft.com/office/powerpoint/2010/main" Requires="p14">
+      <p:transition spd="slow" p14:dur="2000"/>
+    </mc:Choice>
+    <mc:Fallback>
+      <p:transition spd="slow"/>
+    </mc:Fallback>
+  </mc:AlternateContent>
   <p:timing>
     <p:tnLst>
       <p:par>
@@ -6951,7 +7001,7 @@
 </file>
 
 <file path=ppt/slides/slide15.xml><?xml version="1.0" encoding="utf-8"?>
-<p:sld xmlns:a="http://schemas.openxmlformats.org/drawingml/2006/main" xmlns:r="http://schemas.openxmlformats.org/officeDocument/2006/relationships" xmlns:p="http://schemas.openxmlformats.org/presentationml/2006/main" show="0">
+<p:sld xmlns:a="http://schemas.openxmlformats.org/drawingml/2006/main" xmlns:r="http://schemas.openxmlformats.org/officeDocument/2006/relationships" xmlns:p="http://schemas.openxmlformats.org/presentationml/2006/main">
   <p:cSld>
     <p:spTree>
       <p:nvGrpSpPr>
@@ -7304,7 +7354,7 @@
           </a:ln>
           <a:extLst>
             <a:ext uri="{C572A759-6A51-4108-AA02-DFA0A04FC94B}">
-              <ma14:wrappingTextBoxFlag xmlns:ma14="http://schemas.microsoft.com/office/mac/drawingml/2011/main" xmlns="" val="1"/>
+              <ma14:wrappingTextBoxFlag xmlns="" xmlns:ma14="http://schemas.microsoft.com/office/mac/drawingml/2011/main" val="1"/>
             </a:ext>
           </a:extLst>
         </p:spPr>
@@ -7322,11 +7372,18 @@
               <a:buChar char="-"/>
             </a:pPr>
             <a:r>
-              <a:rPr lang="ko-KR" altLang="en-US" dirty="0" err="1" smtClean="0">
+              <a:rPr lang="en-US" altLang="ko-KR" dirty="0" err="1" smtClean="0">
                 <a:latin typeface="나눔고딕 Light" pitchFamily="50" charset="-127"/>
                 <a:ea typeface="나눔고딕 Light" pitchFamily="50" charset="-127"/>
               </a:rPr>
-              <a:t>강문재</a:t>
+              <a:t>Moonjae</a:t>
+            </a:r>
+            <a:r>
+              <a:rPr lang="en-US" altLang="ko-KR" dirty="0" smtClean="0">
+                <a:latin typeface="나눔고딕 Light" pitchFamily="50" charset="-127"/>
+                <a:ea typeface="나눔고딕 Light" pitchFamily="50" charset="-127"/>
+              </a:rPr>
+              <a:t> Kang: 3/5</a:t>
             </a:r>
             <a:endParaRPr lang="en-US" altLang="ko-KR" dirty="0" smtClean="0">
               <a:latin typeface="나눔고딕 Light" pitchFamily="50" charset="-127"/>
@@ -7342,11 +7399,18 @@
               <a:buChar char="-"/>
             </a:pPr>
             <a:r>
-              <a:rPr lang="ko-KR" altLang="en-US" dirty="0" err="1" smtClean="0">
+              <a:rPr lang="en-US" altLang="ko-KR" dirty="0" err="1" smtClean="0">
                 <a:latin typeface="나눔고딕 Light" pitchFamily="50" charset="-127"/>
                 <a:ea typeface="나눔고딕 Light" pitchFamily="50" charset="-127"/>
               </a:rPr>
-              <a:t>김무선</a:t>
+              <a:t>Mooseon</a:t>
+            </a:r>
+            <a:r>
+              <a:rPr lang="en-US" altLang="ko-KR" dirty="0" smtClean="0">
+                <a:latin typeface="나눔고딕 Light" pitchFamily="50" charset="-127"/>
+                <a:ea typeface="나눔고딕 Light" pitchFamily="50" charset="-127"/>
+              </a:rPr>
+              <a:t> Kim: 3/5</a:t>
             </a:r>
             <a:endParaRPr lang="en-US" altLang="ko-KR" dirty="0" smtClean="0">
               <a:latin typeface="나눔고딕 Light" pitchFamily="50" charset="-127"/>
@@ -7362,16 +7426,33 @@
               <a:buChar char="-"/>
             </a:pPr>
             <a:r>
-              <a:rPr lang="ko-KR" altLang="en-US" dirty="0" smtClean="0">
+              <a:rPr lang="en-US" altLang="ko-KR" dirty="0" err="1" smtClean="0">
                 <a:latin typeface="나눔고딕 Light" pitchFamily="50" charset="-127"/>
                 <a:ea typeface="나눔고딕 Light" pitchFamily="50" charset="-127"/>
               </a:rPr>
-              <a:t>김석준</a:t>
-            </a:r>
-            <a:endParaRPr lang="en-US" altLang="ko-KR" dirty="0" smtClean="0">
-              <a:latin typeface="나눔고딕 Light" pitchFamily="50" charset="-127"/>
-              <a:ea typeface="나눔고딕 Light" pitchFamily="50" charset="-127"/>
-            </a:endParaRPr>
+              <a:t>Jun</a:t>
+            </a:r>
+            <a:r>
+              <a:rPr lang="en-US" altLang="ko-KR" dirty="0" err="1">
+                <a:latin typeface="나눔고딕 Light" pitchFamily="50" charset="-127"/>
+                <a:ea typeface="나눔고딕 Light" pitchFamily="50" charset="-127"/>
+              </a:rPr>
+              <a:t>e</a:t>
+            </a:r>
+            <a:r>
+              <a:rPr lang="en-US" altLang="ko-KR" dirty="0" err="1" smtClean="0">
+                <a:latin typeface="나눔고딕 Light" pitchFamily="50" charset="-127"/>
+                <a:ea typeface="나눔고딕 Light" pitchFamily="50" charset="-127"/>
+              </a:rPr>
+              <a:t>seo</a:t>
+            </a:r>
+            <a:r>
+              <a:rPr lang="en-US" altLang="ko-KR" dirty="0" smtClean="0">
+                <a:latin typeface="나눔고딕 Light" pitchFamily="50" charset="-127"/>
+                <a:ea typeface="나눔고딕 Light" pitchFamily="50" charset="-127"/>
+              </a:rPr>
+              <a:t> Lee: 2/5</a:t>
+            </a:r>
           </a:p>
           <a:p>
             <a:pPr marL="285750" indent="-285750" fontAlgn="base">
@@ -7382,12 +7463,16 @@
               <a:buChar char="-"/>
             </a:pPr>
             <a:r>
-              <a:rPr lang="ko-KR" altLang="en-US" dirty="0" smtClean="0">
+              <a:rPr lang="en-US" altLang="ko-KR" dirty="0" smtClean="0">
                 <a:latin typeface="나눔고딕 Light" pitchFamily="50" charset="-127"/>
                 <a:ea typeface="나눔고딕 Light" pitchFamily="50" charset="-127"/>
               </a:rPr>
-              <a:t>이준서 </a:t>
-            </a:r>
+              <a:t>Not include anyone: -3/5</a:t>
+            </a:r>
+            <a:endParaRPr lang="ko-KR" altLang="en-US" dirty="0" smtClean="0">
+              <a:latin typeface="나눔고딕 Light" pitchFamily="50" charset="-127"/>
+              <a:ea typeface="나눔고딕 Light" pitchFamily="50" charset="-127"/>
+            </a:endParaRPr>
           </a:p>
         </p:txBody>
       </p:sp>
@@ -7401,11 +7486,11 @@
   <p:clrMapOvr>
     <a:masterClrMapping/>
   </p:clrMapOvr>
-  <mc:AlternateContent xmlns:mc="http://schemas.openxmlformats.org/markup-compatibility/2006" xmlns:p14="http://schemas.microsoft.com/office/powerpoint/2010/main">
-    <mc:Choice Requires="p14">
+  <mc:AlternateContent xmlns:mc="http://schemas.openxmlformats.org/markup-compatibility/2006">
+    <mc:Choice xmlns:p14="http://schemas.microsoft.com/office/powerpoint/2010/main" Requires="p14">
       <p:transition spd="slow" p14:dur="2000"/>
     </mc:Choice>
-    <mc:Fallback xmlns="">
+    <mc:Fallback>
       <p:transition spd="slow"/>
     </mc:Fallback>
   </mc:AlternateContent>
@@ -7783,7 +7868,7 @@
           </a:ln>
           <a:extLst>
             <a:ext uri="{C572A759-6A51-4108-AA02-DFA0A04FC94B}">
-              <ma14:wrappingTextBoxFlag xmlns:ma14="http://schemas.microsoft.com/office/mac/drawingml/2011/main" xmlns="" val="1"/>
+              <ma14:wrappingTextBoxFlag xmlns="" xmlns:ma14="http://schemas.microsoft.com/office/mac/drawingml/2011/main" val="1"/>
             </a:ext>
           </a:extLst>
         </p:spPr>
@@ -9612,7 +9697,7 @@
         <p:spPr bwMode="auto">
           <a:xfrm>
             <a:off x="2406377" y="608585"/>
-            <a:ext cx="4352674" cy="649280"/>
+            <a:ext cx="4352674" cy="654666"/>
           </a:xfrm>
           <a:prstGeom prst="rect">
             <a:avLst/>
@@ -9750,12 +9835,12 @@
               </a:lnSpc>
             </a:pPr>
             <a:r>
-              <a:rPr lang="ko-KR" altLang="en-US" sz="2800" b="1" dirty="0" smtClean="0">
+              <a:rPr lang="en-US" altLang="ko-KR" sz="2800" b="1" dirty="0" smtClean="0">
                 <a:latin typeface="나눔스퀘어 Bold" panose="020B0600000101010101" pitchFamily="50" charset="-127"/>
                 <a:ea typeface="나눔스퀘어 Bold" panose="020B0600000101010101" pitchFamily="50" charset="-127"/>
                 <a:cs typeface="Calibri" panose="020F0502020204030204" pitchFamily="34" charset="0"/>
               </a:rPr>
-              <a:t>사용 도구</a:t>
+              <a:t>Tools Used</a:t>
             </a:r>
             <a:endParaRPr lang="ru-RU" altLang="ko-KR" sz="2800" b="1" dirty="0">
               <a:latin typeface="나눔스퀘어 Bold" panose="020B0600000101010101" pitchFamily="50" charset="-127"/>
@@ -9870,342 +9955,6 @@
           </p:txBody>
         </p:sp>
       </p:grpSp>
-      <p:graphicFrame>
-        <p:nvGraphicFramePr>
-          <p:cNvPr id="2" name="표 1"/>
-          <p:cNvGraphicFramePr>
-            <a:graphicFrameLocks noGrp="1"/>
-          </p:cNvGraphicFramePr>
-          <p:nvPr>
-            <p:extLst>
-              <p:ext uri="{D42A27DB-BD31-4B8C-83A1-F6EECF244321}">
-                <p14:modId xmlns:p14="http://schemas.microsoft.com/office/powerpoint/2010/main" val="2487851740"/>
-              </p:ext>
-            </p:extLst>
-          </p:nvPr>
-        </p:nvGraphicFramePr>
-        <p:xfrm>
-          <a:off x="2742676" y="1797820"/>
-          <a:ext cx="8128000" cy="4661168"/>
-        </p:xfrm>
-        <a:graphic>
-          <a:graphicData uri="http://schemas.openxmlformats.org/drawingml/2006/table">
-            <a:tbl>
-              <a:tblPr firstRow="1" bandRow="1">
-                <a:tableStyleId>{5C22544A-7EE6-4342-B048-85BDC9FD1C3A}</a:tableStyleId>
-              </a:tblPr>
-              <a:tblGrid>
-                <a:gridCol w="4064000">
-                  <a:extLst>
-                    <a:ext uri="{9D8B030D-6E8A-4147-A177-3AD203B41FA5}">
-                      <a16:colId xmlns:a16="http://schemas.microsoft.com/office/drawing/2014/main" val="1706536396"/>
-                    </a:ext>
-                  </a:extLst>
-                </a:gridCol>
-                <a:gridCol w="4064000">
-                  <a:extLst>
-                    <a:ext uri="{9D8B030D-6E8A-4147-A177-3AD203B41FA5}">
-                      <a16:colId xmlns:a16="http://schemas.microsoft.com/office/drawing/2014/main" val="180925292"/>
-                    </a:ext>
-                  </a:extLst>
-                </a:gridCol>
-              </a:tblGrid>
-              <a:tr h="582646">
-                <a:tc>
-                  <a:txBody>
-                    <a:bodyPr/>
-                    <a:lstStyle/>
-                    <a:p>
-                      <a:pPr latinLnBrk="1"/>
-                      <a:endParaRPr lang="ko-KR" altLang="en-US" dirty="0">
-                        <a:latin typeface="나눔고딕 Light" panose="020D0904000000000000" pitchFamily="50" charset="-127"/>
-                        <a:ea typeface="나눔고딕 Light" panose="020D0904000000000000" pitchFamily="50" charset="-127"/>
-                      </a:endParaRPr>
-                    </a:p>
-                  </a:txBody>
-                  <a:tcPr/>
-                </a:tc>
-                <a:tc>
-                  <a:txBody>
-                    <a:bodyPr/>
-                    <a:lstStyle/>
-                    <a:p>
-                      <a:pPr latinLnBrk="1"/>
-                      <a:endParaRPr lang="ko-KR" altLang="en-US" dirty="0">
-                        <a:latin typeface="나눔고딕 Light" panose="020D0904000000000000" pitchFamily="50" charset="-127"/>
-                        <a:ea typeface="나눔고딕 Light" panose="020D0904000000000000" pitchFamily="50" charset="-127"/>
-                      </a:endParaRPr>
-                    </a:p>
-                  </a:txBody>
-                  <a:tcPr/>
-                </a:tc>
-                <a:extLst>
-                  <a:ext uri="{0D108BD9-81ED-4DB2-BD59-A6C34878D82A}">
-                    <a16:rowId xmlns:a16="http://schemas.microsoft.com/office/drawing/2014/main" val="120179758"/>
-                  </a:ext>
-                </a:extLst>
-              </a:tr>
-              <a:tr h="582646">
-                <a:tc>
-                  <a:txBody>
-                    <a:bodyPr/>
-                    <a:lstStyle/>
-                    <a:p>
-                      <a:pPr latinLnBrk="1"/>
-                      <a:endParaRPr lang="ko-KR" altLang="en-US" dirty="0">
-                        <a:latin typeface="나눔고딕 Light" panose="020D0904000000000000" pitchFamily="50" charset="-127"/>
-                        <a:ea typeface="나눔고딕 Light" panose="020D0904000000000000" pitchFamily="50" charset="-127"/>
-                      </a:endParaRPr>
-                    </a:p>
-                  </a:txBody>
-                  <a:tcPr/>
-                </a:tc>
-                <a:tc>
-                  <a:txBody>
-                    <a:bodyPr/>
-                    <a:lstStyle/>
-                    <a:p>
-                      <a:pPr latinLnBrk="1"/>
-                      <a:r>
-                        <a:rPr lang="en-US" altLang="ko-KR" dirty="0" smtClean="0">
-                          <a:latin typeface="나눔고딕 Light" panose="020D0904000000000000" pitchFamily="50" charset="-127"/>
-                          <a:ea typeface="나눔고딕 Light" panose="020D0904000000000000" pitchFamily="50" charset="-127"/>
-                        </a:rPr>
-                        <a:t>Python</a:t>
-                      </a:r>
-                      <a:r>
-                        <a:rPr lang="en-US" altLang="ko-KR" baseline="0" dirty="0" smtClean="0"/>
-                        <a:t> 3.6</a:t>
-                      </a:r>
-                      <a:endParaRPr lang="ko-KR" altLang="en-US" dirty="0"/>
-                    </a:p>
-                  </a:txBody>
-                  <a:tcPr/>
-                </a:tc>
-                <a:extLst>
-                  <a:ext uri="{0D108BD9-81ED-4DB2-BD59-A6C34878D82A}">
-                    <a16:rowId xmlns:a16="http://schemas.microsoft.com/office/drawing/2014/main" val="2157843232"/>
-                  </a:ext>
-                </a:extLst>
-              </a:tr>
-              <a:tr h="582646">
-                <a:tc>
-                  <a:txBody>
-                    <a:bodyPr/>
-                    <a:lstStyle/>
-                    <a:p>
-                      <a:pPr latinLnBrk="1"/>
-                      <a:endParaRPr lang="ko-KR" altLang="en-US" dirty="0">
-                        <a:latin typeface="나눔고딕 Light" panose="020D0904000000000000" pitchFamily="50" charset="-127"/>
-                        <a:ea typeface="나눔고딕 Light" panose="020D0904000000000000" pitchFamily="50" charset="-127"/>
-                      </a:endParaRPr>
-                    </a:p>
-                  </a:txBody>
-                  <a:tcPr/>
-                </a:tc>
-                <a:tc>
-                  <a:txBody>
-                    <a:bodyPr/>
-                    <a:lstStyle/>
-                    <a:p>
-                      <a:pPr latinLnBrk="1"/>
-                      <a:r>
-                        <a:rPr lang="en-US" altLang="ko-KR" dirty="0" err="1" smtClean="0">
-                          <a:latin typeface="나눔고딕 Light" panose="020D0904000000000000" pitchFamily="50" charset="-127"/>
-                          <a:ea typeface="나눔고딕 Light" panose="020D0904000000000000" pitchFamily="50" charset="-127"/>
-                        </a:rPr>
-                        <a:t>opencv</a:t>
-                      </a:r>
-                      <a:endParaRPr lang="ko-KR" altLang="en-US" dirty="0"/>
-                    </a:p>
-                  </a:txBody>
-                  <a:tcPr/>
-                </a:tc>
-                <a:extLst>
-                  <a:ext uri="{0D108BD9-81ED-4DB2-BD59-A6C34878D82A}">
-                    <a16:rowId xmlns:a16="http://schemas.microsoft.com/office/drawing/2014/main" val="3478002515"/>
-                  </a:ext>
-                </a:extLst>
-              </a:tr>
-              <a:tr h="582646">
-                <a:tc>
-                  <a:txBody>
-                    <a:bodyPr/>
-                    <a:lstStyle/>
-                    <a:p>
-                      <a:pPr latinLnBrk="1"/>
-                      <a:endParaRPr lang="ko-KR" altLang="en-US" dirty="0">
-                        <a:latin typeface="나눔고딕 Light" panose="020D0904000000000000" pitchFamily="50" charset="-127"/>
-                        <a:ea typeface="나눔고딕 Light" panose="020D0904000000000000" pitchFamily="50" charset="-127"/>
-                      </a:endParaRPr>
-                    </a:p>
-                  </a:txBody>
-                  <a:tcPr/>
-                </a:tc>
-                <a:tc>
-                  <a:txBody>
-                    <a:bodyPr/>
-                    <a:lstStyle/>
-                    <a:p>
-                      <a:pPr latinLnBrk="1"/>
-                      <a:endParaRPr lang="ko-KR" altLang="en-US" dirty="0">
-                        <a:latin typeface="나눔고딕 Light" panose="020D0904000000000000" pitchFamily="50" charset="-127"/>
-                        <a:ea typeface="나눔고딕 Light" panose="020D0904000000000000" pitchFamily="50" charset="-127"/>
-                      </a:endParaRPr>
-                    </a:p>
-                  </a:txBody>
-                  <a:tcPr/>
-                </a:tc>
-                <a:extLst>
-                  <a:ext uri="{0D108BD9-81ED-4DB2-BD59-A6C34878D82A}">
-                    <a16:rowId xmlns:a16="http://schemas.microsoft.com/office/drawing/2014/main" val="1173269682"/>
-                  </a:ext>
-                </a:extLst>
-              </a:tr>
-              <a:tr h="582646">
-                <a:tc>
-                  <a:txBody>
-                    <a:bodyPr/>
-                    <a:lstStyle/>
-                    <a:p>
-                      <a:pPr latinLnBrk="1"/>
-                      <a:endParaRPr lang="ko-KR" altLang="en-US" dirty="0">
-                        <a:latin typeface="나눔고딕 Light" panose="020D0904000000000000" pitchFamily="50" charset="-127"/>
-                        <a:ea typeface="나눔고딕 Light" panose="020D0904000000000000" pitchFamily="50" charset="-127"/>
-                      </a:endParaRPr>
-                    </a:p>
-                  </a:txBody>
-                  <a:tcPr/>
-                </a:tc>
-                <a:tc>
-                  <a:txBody>
-                    <a:bodyPr/>
-                    <a:lstStyle/>
-                    <a:p>
-                      <a:pPr latinLnBrk="1"/>
-                      <a:endParaRPr lang="ko-KR" altLang="en-US" dirty="0">
-                        <a:latin typeface="나눔고딕 Light" panose="020D0904000000000000" pitchFamily="50" charset="-127"/>
-                        <a:ea typeface="나눔고딕 Light" panose="020D0904000000000000" pitchFamily="50" charset="-127"/>
-                      </a:endParaRPr>
-                    </a:p>
-                  </a:txBody>
-                  <a:tcPr/>
-                </a:tc>
-                <a:extLst>
-                  <a:ext uri="{0D108BD9-81ED-4DB2-BD59-A6C34878D82A}">
-                    <a16:rowId xmlns:a16="http://schemas.microsoft.com/office/drawing/2014/main" val="1666862093"/>
-                  </a:ext>
-                </a:extLst>
-              </a:tr>
-              <a:tr h="582646">
-                <a:tc>
-                  <a:txBody>
-                    <a:bodyPr/>
-                    <a:lstStyle/>
-                    <a:p>
-                      <a:pPr latinLnBrk="1"/>
-                      <a:endParaRPr lang="ko-KR" altLang="en-US" dirty="0">
-                        <a:latin typeface="나눔고딕 Light" panose="020D0904000000000000" pitchFamily="50" charset="-127"/>
-                        <a:ea typeface="나눔고딕 Light" panose="020D0904000000000000" pitchFamily="50" charset="-127"/>
-                      </a:endParaRPr>
-                    </a:p>
-                  </a:txBody>
-                  <a:tcPr/>
-                </a:tc>
-                <a:tc>
-                  <a:txBody>
-                    <a:bodyPr/>
-                    <a:lstStyle/>
-                    <a:p>
-                      <a:pPr latinLnBrk="1"/>
-                      <a:endParaRPr lang="ko-KR" altLang="en-US" dirty="0">
-                        <a:latin typeface="나눔고딕 Light" panose="020D0904000000000000" pitchFamily="50" charset="-127"/>
-                        <a:ea typeface="나눔고딕 Light" panose="020D0904000000000000" pitchFamily="50" charset="-127"/>
-                      </a:endParaRPr>
-                    </a:p>
-                  </a:txBody>
-                  <a:tcPr/>
-                </a:tc>
-                <a:extLst>
-                  <a:ext uri="{0D108BD9-81ED-4DB2-BD59-A6C34878D82A}">
-                    <a16:rowId xmlns:a16="http://schemas.microsoft.com/office/drawing/2014/main" val="639746645"/>
-                  </a:ext>
-                </a:extLst>
-              </a:tr>
-              <a:tr h="582646">
-                <a:tc>
-                  <a:txBody>
-                    <a:bodyPr/>
-                    <a:lstStyle/>
-                    <a:p>
-                      <a:pPr latinLnBrk="1"/>
-                      <a:endParaRPr lang="ko-KR" altLang="en-US" dirty="0">
-                        <a:latin typeface="나눔고딕 Light" panose="020D0904000000000000" pitchFamily="50" charset="-127"/>
-                        <a:ea typeface="나눔고딕 Light" panose="020D0904000000000000" pitchFamily="50" charset="-127"/>
-                      </a:endParaRPr>
-                    </a:p>
-                  </a:txBody>
-                  <a:tcPr/>
-                </a:tc>
-                <a:tc>
-                  <a:txBody>
-                    <a:bodyPr/>
-                    <a:lstStyle/>
-                    <a:p>
-                      <a:pPr latinLnBrk="1"/>
-                      <a:endParaRPr lang="ko-KR" altLang="en-US" dirty="0">
-                        <a:latin typeface="나눔고딕 Light" panose="020D0904000000000000" pitchFamily="50" charset="-127"/>
-                        <a:ea typeface="나눔고딕 Light" panose="020D0904000000000000" pitchFamily="50" charset="-127"/>
-                      </a:endParaRPr>
-                    </a:p>
-                  </a:txBody>
-                  <a:tcPr/>
-                </a:tc>
-                <a:extLst>
-                  <a:ext uri="{0D108BD9-81ED-4DB2-BD59-A6C34878D82A}">
-                    <a16:rowId xmlns:a16="http://schemas.microsoft.com/office/drawing/2014/main" val="3271477911"/>
-                  </a:ext>
-                </a:extLst>
-              </a:tr>
-              <a:tr h="582646">
-                <a:tc>
-                  <a:txBody>
-                    <a:bodyPr/>
-                    <a:lstStyle/>
-                    <a:p>
-                      <a:pPr latinLnBrk="1"/>
-                      <a:endParaRPr lang="ko-KR" altLang="en-US" dirty="0">
-                        <a:latin typeface="나눔고딕 Light" panose="020D0904000000000000" pitchFamily="50" charset="-127"/>
-                        <a:ea typeface="나눔고딕 Light" panose="020D0904000000000000" pitchFamily="50" charset="-127"/>
-                      </a:endParaRPr>
-                    </a:p>
-                  </a:txBody>
-                  <a:tcPr/>
-                </a:tc>
-                <a:tc>
-                  <a:txBody>
-                    <a:bodyPr/>
-                    <a:lstStyle/>
-                    <a:p>
-                      <a:pPr latinLnBrk="1"/>
-                      <a:endParaRPr lang="ko-KR" altLang="en-US" dirty="0">
-                        <a:latin typeface="나눔고딕 Light" panose="020D0904000000000000" pitchFamily="50" charset="-127"/>
-                        <a:ea typeface="나눔고딕 Light" panose="020D0904000000000000" pitchFamily="50" charset="-127"/>
-                      </a:endParaRPr>
-                    </a:p>
-                  </a:txBody>
-                  <a:tcPr/>
-                </a:tc>
-                <a:extLst>
-                  <a:ext uri="{0D108BD9-81ED-4DB2-BD59-A6C34878D82A}">
-                    <a16:rowId xmlns:a16="http://schemas.microsoft.com/office/drawing/2014/main" val="3060747583"/>
-                  </a:ext>
-                </a:extLst>
-              </a:tr>
-            </a:tbl>
-          </a:graphicData>
-        </a:graphic>
-      </p:graphicFrame>
     </p:spTree>
     <p:extLst>
       <p:ext uri="{BB962C8B-B14F-4D97-AF65-F5344CB8AC3E}">
@@ -10449,20 +10198,12 @@
               </a:lnSpc>
             </a:pPr>
             <a:r>
-              <a:rPr lang="ko-KR" altLang="en-US" sz="2800" b="1" dirty="0" smtClean="0">
+              <a:rPr lang="en-US" altLang="ko-KR" sz="2800" b="1" dirty="0" smtClean="0">
                 <a:latin typeface="나눔스퀘어 Bold" panose="020B0600000101010101" pitchFamily="50" charset="-127"/>
                 <a:ea typeface="나눔스퀘어 Bold" panose="020B0600000101010101" pitchFamily="50" charset="-127"/>
                 <a:cs typeface="Calibri" panose="020F0502020204030204" pitchFamily="34" charset="0"/>
               </a:rPr>
-              <a:t>데이터 </a:t>
-            </a:r>
-            <a:r>
-              <a:rPr lang="ko-KR" altLang="en-US" sz="2800" b="1" dirty="0" err="1" smtClean="0">
-                <a:latin typeface="나눔스퀘어 Bold" panose="020B0600000101010101" pitchFamily="50" charset="-127"/>
-                <a:ea typeface="나눔스퀘어 Bold" panose="020B0600000101010101" pitchFamily="50" charset="-127"/>
-                <a:cs typeface="Calibri" panose="020F0502020204030204" pitchFamily="34" charset="0"/>
-              </a:rPr>
-              <a:t>레이블링</a:t>
+              <a:t>Data Labeling</a:t>
             </a:r>
             <a:endParaRPr lang="ru-RU" altLang="ko-KR" sz="2800" b="1" dirty="0">
               <a:latin typeface="나눔스퀘어 Bold" panose="020B0600000101010101" pitchFamily="50" charset="-127"/>
@@ -11428,7 +11169,7 @@
           </a:ln>
           <a:extLst>
             <a:ext uri="{C572A759-6A51-4108-AA02-DFA0A04FC94B}">
-              <ma14:wrappingTextBoxFlag xmlns:ma14="http://schemas.microsoft.com/office/mac/drawingml/2011/main" xmlns="" val="1"/>
+              <ma14:wrappingTextBoxFlag xmlns="" xmlns:ma14="http://schemas.microsoft.com/office/mac/drawingml/2011/main" val="1"/>
             </a:ext>
           </a:extLst>
         </p:spPr>
@@ -11628,8 +11369,18 @@
 </file>
 
 <file path=ppt/slides/slide20.xml><?xml version="1.0" encoding="utf-8"?>
-<p:sld xmlns:a="http://schemas.openxmlformats.org/drawingml/2006/main" xmlns:r="http://schemas.openxmlformats.org/officeDocument/2006/relationships" xmlns:p="http://schemas.openxmlformats.org/presentationml/2006/main" show="0">
+<p:sld xmlns:a="http://schemas.openxmlformats.org/drawingml/2006/main" xmlns:r="http://schemas.openxmlformats.org/officeDocument/2006/relationships" xmlns:p="http://schemas.openxmlformats.org/presentationml/2006/main">
   <p:cSld>
+    <p:bg>
+      <p:bgPr>
+        <a:solidFill>
+          <a:schemeClr val="bg1">
+            <a:lumMod val="95000"/>
+          </a:schemeClr>
+        </a:solidFill>
+        <a:effectLst/>
+      </p:bgPr>
+    </p:bg>
     <p:spTree>
       <p:nvGrpSpPr>
         <p:cNvPr id="1" name=""/>
@@ -11704,7 +11455,7 @@
         <p:spPr bwMode="auto">
           <a:xfrm>
             <a:off x="2406377" y="608585"/>
-            <a:ext cx="4352674" cy="649280"/>
+            <a:ext cx="4352674" cy="676532"/>
           </a:xfrm>
           <a:prstGeom prst="rect">
             <a:avLst/>
@@ -11842,12 +11593,12 @@
               </a:lnSpc>
             </a:pPr>
             <a:r>
-              <a:rPr lang="ko-KR" altLang="en-US" sz="2800" b="1" dirty="0" smtClean="0">
+              <a:rPr lang="en-US" altLang="ko-KR" sz="2800" b="1" dirty="0" smtClean="0">
                 <a:latin typeface="나눔스퀘어 Bold" panose="020B0600000101010101" pitchFamily="50" charset="-127"/>
                 <a:ea typeface="나눔스퀘어 Bold" panose="020B0600000101010101" pitchFamily="50" charset="-127"/>
                 <a:cs typeface="Calibri" panose="020F0502020204030204" pitchFamily="34" charset="0"/>
               </a:rPr>
-              <a:t>학습</a:t>
+              <a:t>Development method</a:t>
             </a:r>
             <a:endParaRPr lang="ru-RU" altLang="ko-KR" sz="2800" b="1" dirty="0">
               <a:latin typeface="나눔스퀘어 Bold" panose="020B0600000101010101" pitchFamily="50" charset="-127"/>
@@ -11981,7 +11732,7 @@
           </a:ln>
           <a:extLst>
             <a:ext uri="{C572A759-6A51-4108-AA02-DFA0A04FC94B}">
-              <ma14:wrappingTextBoxFlag xmlns:ma14="http://schemas.microsoft.com/office/mac/drawingml/2011/main" xmlns="" val="1"/>
+              <ma14:wrappingTextBoxFlag xmlns="" xmlns:ma14="http://schemas.microsoft.com/office/mac/drawingml/2011/main" val="1"/>
             </a:ext>
           </a:extLst>
         </p:spPr>
@@ -11999,44 +11750,107 @@
               <a:buChar char="-"/>
             </a:pPr>
             <a:r>
-              <a:rPr lang="en-US" altLang="ko-KR" dirty="0">
-                <a:latin typeface="나눔고딕 Light" pitchFamily="50" charset="-127"/>
-                <a:ea typeface="나눔고딕 Light" pitchFamily="50" charset="-127"/>
-              </a:rPr>
-              <a:t>https://</a:t>
-            </a:r>
-            <a:r>
               <a:rPr lang="en-US" altLang="ko-KR" dirty="0" smtClean="0">
                 <a:latin typeface="나눔고딕 Light" pitchFamily="50" charset="-127"/>
                 <a:ea typeface="나눔고딕 Light" pitchFamily="50" charset="-127"/>
               </a:rPr>
-              <a:t>github.com/hamuchiwa/AutoRCCar </a:t>
+              <a:t>C, C++, Python</a:t>
             </a:r>
             <a:r>
               <a:rPr lang="ko-KR" altLang="en-US" dirty="0" smtClean="0">
                 <a:latin typeface="나눔고딕 Light" pitchFamily="50" charset="-127"/>
                 <a:ea typeface="나눔고딕 Light" pitchFamily="50" charset="-127"/>
               </a:rPr>
-              <a:t>참고</a:t>
-            </a:r>
+              <a:t>등의 기초적인 프로그래밍 지식 습득</a:t>
+            </a:r>
+            <a:endParaRPr lang="en-US" altLang="ko-KR" dirty="0" smtClean="0">
+              <a:latin typeface="나눔고딕 Light" pitchFamily="50" charset="-127"/>
+              <a:ea typeface="나눔고딕 Light" pitchFamily="50" charset="-127"/>
+            </a:endParaRPr>
+          </a:p>
+          <a:p>
+            <a:pPr marL="285750" indent="-285750" fontAlgn="base">
+              <a:lnSpc>
+                <a:spcPct val="150000"/>
+              </a:lnSpc>
+              <a:buFontTx/>
+              <a:buChar char="-"/>
+            </a:pPr>
+            <a:r>
+              <a:rPr lang="ko-KR" altLang="en-US" dirty="0" smtClean="0">
+                <a:latin typeface="나눔고딕 Light" pitchFamily="50" charset="-127"/>
+                <a:ea typeface="나눔고딕 Light" pitchFamily="50" charset="-127"/>
+              </a:rPr>
+              <a:t>컴퓨터 비전에 대한 기본적인 이해</a:t>
+            </a:r>
+            <a:endParaRPr lang="en-US" altLang="ko-KR" dirty="0" smtClean="0">
+              <a:latin typeface="나눔고딕 Light" pitchFamily="50" charset="-127"/>
+              <a:ea typeface="나눔고딕 Light" pitchFamily="50" charset="-127"/>
+            </a:endParaRPr>
+          </a:p>
+          <a:p>
+            <a:pPr marL="285750" indent="-285750" fontAlgn="base">
+              <a:lnSpc>
+                <a:spcPct val="150000"/>
+              </a:lnSpc>
+              <a:buFontTx/>
+              <a:buChar char="-"/>
+            </a:pPr>
+            <a:r>
+              <a:rPr lang="ko-KR" altLang="en-US" dirty="0" smtClean="0">
+                <a:latin typeface="나눔고딕 Light" pitchFamily="50" charset="-127"/>
+                <a:ea typeface="나눔고딕 Light" pitchFamily="50" charset="-127"/>
+              </a:rPr>
+              <a:t>인공 신경망에 대한 기초적인 지식 습득</a:t>
+            </a:r>
+            <a:endParaRPr lang="en-US" altLang="ko-KR" dirty="0" smtClean="0">
+              <a:latin typeface="나눔고딕 Light" pitchFamily="50" charset="-127"/>
+              <a:ea typeface="나눔고딕 Light" pitchFamily="50" charset="-127"/>
+            </a:endParaRPr>
+          </a:p>
+          <a:p>
+            <a:pPr marL="285750" indent="-285750" fontAlgn="base">
+              <a:lnSpc>
+                <a:spcPct val="150000"/>
+              </a:lnSpc>
+              <a:buFontTx/>
+              <a:buChar char="-"/>
+            </a:pPr>
+            <a:endParaRPr lang="en-US" altLang="ko-KR" dirty="0" smtClean="0">
+              <a:latin typeface="나눔고딕 Light" pitchFamily="50" charset="-127"/>
+              <a:ea typeface="나눔고딕 Light" pitchFamily="50" charset="-127"/>
+            </a:endParaRPr>
+          </a:p>
+          <a:p>
+            <a:pPr marL="285750" indent="-285750" fontAlgn="base">
+              <a:lnSpc>
+                <a:spcPct val="150000"/>
+              </a:lnSpc>
+              <a:buFontTx/>
+              <a:buChar char="-"/>
+            </a:pPr>
+            <a:endParaRPr lang="ko-KR" altLang="en-US" dirty="0" smtClean="0">
+              <a:latin typeface="나눔고딕 Light" pitchFamily="50" charset="-127"/>
+              <a:ea typeface="나눔고딕 Light" pitchFamily="50" charset="-127"/>
+            </a:endParaRPr>
           </a:p>
         </p:txBody>
       </p:sp>
     </p:spTree>
     <p:extLst>
       <p:ext uri="{BB962C8B-B14F-4D97-AF65-F5344CB8AC3E}">
-        <p14:creationId xmlns:p14="http://schemas.microsoft.com/office/powerpoint/2010/main" val="3847157552"/>
+        <p14:creationId xmlns:p14="http://schemas.microsoft.com/office/powerpoint/2010/main" val="1174557929"/>
       </p:ext>
     </p:extLst>
   </p:cSld>
   <p:clrMapOvr>
     <a:masterClrMapping/>
   </p:clrMapOvr>
-  <mc:AlternateContent xmlns:mc="http://schemas.openxmlformats.org/markup-compatibility/2006" xmlns:p14="http://schemas.microsoft.com/office/powerpoint/2010/main">
-    <mc:Choice Requires="p14">
+  <mc:AlternateContent xmlns:mc="http://schemas.openxmlformats.org/markup-compatibility/2006">
+    <mc:Choice xmlns:p14="http://schemas.microsoft.com/office/powerpoint/2010/main" Requires="p14">
       <p:transition spd="slow" p14:dur="2000"/>
     </mc:Choice>
-    <mc:Fallback xmlns="">
+    <mc:Fallback>
       <p:transition spd="slow"/>
     </mc:Fallback>
   </mc:AlternateContent>
@@ -12051,6 +11865,552 @@
 </file>
 
 <file path=ppt/slides/slide21.xml><?xml version="1.0" encoding="utf-8"?>
+<p:sld xmlns:a="http://schemas.openxmlformats.org/drawingml/2006/main" xmlns:r="http://schemas.openxmlformats.org/officeDocument/2006/relationships" xmlns:p="http://schemas.openxmlformats.org/presentationml/2006/main">
+  <p:cSld>
+    <p:bg>
+      <p:bgPr>
+        <a:solidFill>
+          <a:schemeClr val="bg1">
+            <a:lumMod val="95000"/>
+          </a:schemeClr>
+        </a:solidFill>
+        <a:effectLst/>
+      </p:bgPr>
+    </p:bg>
+    <p:spTree>
+      <p:nvGrpSpPr>
+        <p:cNvPr id="1" name=""/>
+        <p:cNvGrpSpPr/>
+        <p:nvPr/>
+      </p:nvGrpSpPr>
+      <p:grpSpPr>
+        <a:xfrm>
+          <a:off x="0" y="0"/>
+          <a:ext cx="0" cy="0"/>
+          <a:chOff x="0" y="0"/>
+          <a:chExt cx="0" cy="0"/>
+        </a:xfrm>
+      </p:grpSpPr>
+      <p:sp>
+        <p:nvSpPr>
+          <p:cNvPr id="4" name="직사각형 3"/>
+          <p:cNvSpPr/>
+          <p:nvPr/>
+        </p:nvSpPr>
+        <p:spPr>
+          <a:xfrm>
+            <a:off x="0" y="-16001"/>
+            <a:ext cx="1657350" cy="6238875"/>
+          </a:xfrm>
+          <a:prstGeom prst="rect">
+            <a:avLst/>
+          </a:prstGeom>
+          <a:solidFill>
+            <a:srgbClr val="EDD0BE"/>
+          </a:solidFill>
+          <a:ln>
+            <a:noFill/>
+          </a:ln>
+        </p:spPr>
+        <p:style>
+          <a:lnRef idx="2">
+            <a:schemeClr val="accent1">
+              <a:shade val="50000"/>
+            </a:schemeClr>
+          </a:lnRef>
+          <a:fillRef idx="1">
+            <a:schemeClr val="accent1"/>
+          </a:fillRef>
+          <a:effectRef idx="0">
+            <a:schemeClr val="accent1"/>
+          </a:effectRef>
+          <a:fontRef idx="minor">
+            <a:schemeClr val="lt1"/>
+          </a:fontRef>
+        </p:style>
+        <p:txBody>
+          <a:bodyPr rtlCol="0" anchor="ctr"/>
+          <a:lstStyle/>
+          <a:p>
+            <a:pPr algn="ctr"/>
+            <a:endParaRPr lang="ko-KR" altLang="en-US" dirty="0">
+              <a:latin typeface="나눔고딕 Light" pitchFamily="50" charset="-127"/>
+              <a:ea typeface="나눔고딕 Light" pitchFamily="50" charset="-127"/>
+            </a:endParaRPr>
+          </a:p>
+        </p:txBody>
+      </p:sp>
+      <p:sp>
+        <p:nvSpPr>
+          <p:cNvPr id="5" name="TextBox 7"/>
+          <p:cNvSpPr txBox="1">
+            <a:spLocks noChangeArrowheads="1"/>
+          </p:cNvSpPr>
+          <p:nvPr/>
+        </p:nvSpPr>
+        <p:spPr bwMode="auto">
+          <a:xfrm>
+            <a:off x="2454002" y="636542"/>
+            <a:ext cx="4352674" cy="676532"/>
+          </a:xfrm>
+          <a:prstGeom prst="rect">
+            <a:avLst/>
+          </a:prstGeom>
+          <a:noFill/>
+          <a:ln>
+            <a:noFill/>
+          </a:ln>
+          <a:extLst>
+            <a:ext uri="{909E8E84-426E-40DD-AFC4-6F175D3DCCD1}">
+              <a14:hiddenFill xmlns:a14="http://schemas.microsoft.com/office/drawing/2010/main">
+                <a:solidFill>
+                  <a:srgbClr val="FFFFFF"/>
+                </a:solidFill>
+              </a14:hiddenFill>
+            </a:ext>
+            <a:ext uri="{91240B29-F687-4F45-9708-019B960494DF}">
+              <a14:hiddenLine xmlns:a14="http://schemas.microsoft.com/office/drawing/2010/main" w="9525">
+                <a:solidFill>
+                  <a:srgbClr val="000000"/>
+                </a:solidFill>
+                <a:miter lim="800000"/>
+                <a:headEnd/>
+                <a:tailEnd/>
+              </a14:hiddenLine>
+            </a:ext>
+          </a:extLst>
+        </p:spPr>
+        <p:txBody>
+          <a:bodyPr wrap="square">
+            <a:spAutoFit/>
+          </a:bodyPr>
+          <a:lstStyle>
+            <a:lvl1pPr>
+              <a:defRPr sz="3600">
+                <a:solidFill>
+                  <a:schemeClr val="tx1"/>
+                </a:solidFill>
+                <a:latin typeface="Lato Light" pitchFamily="34" charset="0"/>
+              </a:defRPr>
+            </a:lvl1pPr>
+            <a:lvl2pPr marL="742950" indent="-285750">
+              <a:defRPr sz="3600">
+                <a:solidFill>
+                  <a:schemeClr val="tx1"/>
+                </a:solidFill>
+                <a:latin typeface="Lato Light" pitchFamily="34" charset="0"/>
+              </a:defRPr>
+            </a:lvl2pPr>
+            <a:lvl3pPr marL="1143000" indent="-228600">
+              <a:defRPr sz="3600">
+                <a:solidFill>
+                  <a:schemeClr val="tx1"/>
+                </a:solidFill>
+                <a:latin typeface="Lato Light" pitchFamily="34" charset="0"/>
+              </a:defRPr>
+            </a:lvl3pPr>
+            <a:lvl4pPr marL="1600200" indent="-228600">
+              <a:defRPr sz="3600">
+                <a:solidFill>
+                  <a:schemeClr val="tx1"/>
+                </a:solidFill>
+                <a:latin typeface="Lato Light" pitchFamily="34" charset="0"/>
+              </a:defRPr>
+            </a:lvl4pPr>
+            <a:lvl5pPr marL="2057400" indent="-228600">
+              <a:defRPr sz="3600">
+                <a:solidFill>
+                  <a:schemeClr val="tx1"/>
+                </a:solidFill>
+                <a:latin typeface="Lato Light" pitchFamily="34" charset="0"/>
+              </a:defRPr>
+            </a:lvl5pPr>
+            <a:lvl6pPr marL="2514600" indent="-228600" defTabSz="1827213" fontAlgn="base">
+              <a:spcBef>
+                <a:spcPct val="0"/>
+              </a:spcBef>
+              <a:spcAft>
+                <a:spcPct val="0"/>
+              </a:spcAft>
+              <a:defRPr sz="3600">
+                <a:solidFill>
+                  <a:schemeClr val="tx1"/>
+                </a:solidFill>
+                <a:latin typeface="Lato Light" pitchFamily="34" charset="0"/>
+              </a:defRPr>
+            </a:lvl6pPr>
+            <a:lvl7pPr marL="2971800" indent="-228600" defTabSz="1827213" fontAlgn="base">
+              <a:spcBef>
+                <a:spcPct val="0"/>
+              </a:spcBef>
+              <a:spcAft>
+                <a:spcPct val="0"/>
+              </a:spcAft>
+              <a:defRPr sz="3600">
+                <a:solidFill>
+                  <a:schemeClr val="tx1"/>
+                </a:solidFill>
+                <a:latin typeface="Lato Light" pitchFamily="34" charset="0"/>
+              </a:defRPr>
+            </a:lvl7pPr>
+            <a:lvl8pPr marL="3429000" indent="-228600" defTabSz="1827213" fontAlgn="base">
+              <a:spcBef>
+                <a:spcPct val="0"/>
+              </a:spcBef>
+              <a:spcAft>
+                <a:spcPct val="0"/>
+              </a:spcAft>
+              <a:defRPr sz="3600">
+                <a:solidFill>
+                  <a:schemeClr val="tx1"/>
+                </a:solidFill>
+                <a:latin typeface="Lato Light" pitchFamily="34" charset="0"/>
+              </a:defRPr>
+            </a:lvl8pPr>
+            <a:lvl9pPr marL="3886200" indent="-228600" defTabSz="1827213" fontAlgn="base">
+              <a:spcBef>
+                <a:spcPct val="0"/>
+              </a:spcBef>
+              <a:spcAft>
+                <a:spcPct val="0"/>
+              </a:spcAft>
+              <a:defRPr sz="3600">
+                <a:solidFill>
+                  <a:schemeClr val="tx1"/>
+                </a:solidFill>
+                <a:latin typeface="Lato Light" pitchFamily="34" charset="0"/>
+              </a:defRPr>
+            </a:lvl9pPr>
+          </a:lstStyle>
+          <a:p>
+            <a:pPr eaLnBrk="1" hangingPunct="1">
+              <a:lnSpc>
+                <a:spcPct val="150000"/>
+              </a:lnSpc>
+            </a:pPr>
+            <a:r>
+              <a:rPr lang="en-US" altLang="ko-KR" sz="2800" b="1" dirty="0" smtClean="0">
+                <a:latin typeface="나눔스퀘어 Bold" panose="020B0600000101010101" pitchFamily="50" charset="-127"/>
+                <a:ea typeface="나눔스퀘어 Bold" panose="020B0600000101010101" pitchFamily="50" charset="-127"/>
+                <a:cs typeface="Calibri" panose="020F0502020204030204" pitchFamily="34" charset="0"/>
+              </a:rPr>
+              <a:t>How to use</a:t>
+            </a:r>
+            <a:endParaRPr lang="ru-RU" altLang="ko-KR" sz="2800" b="1" dirty="0">
+              <a:latin typeface="나눔스퀘어 Bold" panose="020B0600000101010101" pitchFamily="50" charset="-127"/>
+              <a:ea typeface="나눔스퀘어 Bold" panose="020B0600000101010101" pitchFamily="50" charset="-127"/>
+              <a:cs typeface="Calibri" panose="020F0502020204030204" pitchFamily="34" charset="0"/>
+            </a:endParaRPr>
+          </a:p>
+        </p:txBody>
+      </p:sp>
+      <p:grpSp>
+        <p:nvGrpSpPr>
+          <p:cNvPr id="11" name="Group 392"/>
+          <p:cNvGrpSpPr/>
+          <p:nvPr/>
+        </p:nvGrpSpPr>
+        <p:grpSpPr>
+          <a:xfrm>
+            <a:off x="2469103" y="1587290"/>
+            <a:ext cx="8675147" cy="127210"/>
+            <a:chOff x="0" y="0"/>
+            <a:chExt cx="11657498" cy="0"/>
+          </a:xfrm>
+        </p:grpSpPr>
+        <p:sp>
+          <p:nvSpPr>
+            <p:cNvPr id="12" name="Shape 390"/>
+            <p:cNvSpPr/>
+            <p:nvPr/>
+          </p:nvSpPr>
+          <p:spPr>
+            <a:xfrm>
+              <a:off x="0" y="0"/>
+              <a:ext cx="11657498" cy="0"/>
+            </a:xfrm>
+            <a:prstGeom prst="line">
+              <a:avLst/>
+            </a:prstGeom>
+            <a:noFill/>
+            <a:ln w="25400" cap="flat">
+              <a:solidFill>
+                <a:srgbClr val="E5E5E5"/>
+              </a:solidFill>
+              <a:prstDash val="solid"/>
+              <a:miter lim="400000"/>
+            </a:ln>
+            <a:effectLst/>
+          </p:spPr>
+          <p:txBody>
+            <a:bodyPr wrap="square" lIns="38100" tIns="38100" rIns="38100" bIns="38100" numCol="1" anchor="ctr">
+              <a:noAutofit/>
+            </a:bodyPr>
+            <a:lstStyle/>
+            <a:p>
+              <a:pPr algn="ctr">
+                <a:defRPr sz="3000">
+                  <a:solidFill>
+                    <a:srgbClr val="000000"/>
+                  </a:solidFill>
+                  <a:latin typeface="Helvetica Light"/>
+                  <a:ea typeface="Helvetica Light"/>
+                  <a:cs typeface="Helvetica Light"/>
+                  <a:sym typeface="Helvetica Light"/>
+                </a:defRPr>
+              </a:pPr>
+              <a:endParaRPr/>
+            </a:p>
+          </p:txBody>
+        </p:sp>
+        <p:sp>
+          <p:nvSpPr>
+            <p:cNvPr id="13" name="Shape 391"/>
+            <p:cNvSpPr/>
+            <p:nvPr/>
+          </p:nvSpPr>
+          <p:spPr>
+            <a:xfrm>
+              <a:off x="12700" y="0"/>
+              <a:ext cx="1456385" cy="0"/>
+            </a:xfrm>
+            <a:prstGeom prst="line">
+              <a:avLst/>
+            </a:prstGeom>
+            <a:noFill/>
+            <a:ln w="25400" cap="flat">
+              <a:solidFill>
+                <a:srgbClr val="000000"/>
+              </a:solidFill>
+              <a:prstDash val="solid"/>
+              <a:miter lim="400000"/>
+            </a:ln>
+            <a:effectLst/>
+          </p:spPr>
+          <p:txBody>
+            <a:bodyPr wrap="square" lIns="38100" tIns="38100" rIns="38100" bIns="38100" numCol="1" anchor="ctr">
+              <a:noAutofit/>
+            </a:bodyPr>
+            <a:lstStyle/>
+            <a:p>
+              <a:pPr algn="ctr">
+                <a:defRPr sz="3000">
+                  <a:solidFill>
+                    <a:srgbClr val="000000"/>
+                  </a:solidFill>
+                  <a:latin typeface="Helvetica Light"/>
+                  <a:ea typeface="Helvetica Light"/>
+                  <a:cs typeface="Helvetica Light"/>
+                  <a:sym typeface="Helvetica Light"/>
+                </a:defRPr>
+              </a:pPr>
+              <a:endParaRPr/>
+            </a:p>
+          </p:txBody>
+        </p:sp>
+      </p:grpSp>
+      <p:sp>
+        <p:nvSpPr>
+          <p:cNvPr id="9" name="Shape 388"/>
+          <p:cNvSpPr/>
+          <p:nvPr/>
+        </p:nvSpPr>
+        <p:spPr>
+          <a:xfrm>
+            <a:off x="2469103" y="2135723"/>
+            <a:ext cx="8951372" cy="3936831"/>
+          </a:xfrm>
+          <a:prstGeom prst="rect">
+            <a:avLst/>
+          </a:prstGeom>
+          <a:ln w="3175">
+            <a:miter lim="400000"/>
+          </a:ln>
+          <a:extLst>
+            <a:ext uri="{C572A759-6A51-4108-AA02-DFA0A04FC94B}">
+              <ma14:wrappingTextBoxFlag xmlns="" xmlns:ma14="http://schemas.microsoft.com/office/mac/drawingml/2011/main" val="1"/>
+            </a:ext>
+          </a:extLst>
+        </p:spPr>
+        <p:txBody>
+          <a:bodyPr lIns="38100" tIns="38100" rIns="38100" bIns="38100">
+            <a:normAutofit/>
+          </a:bodyPr>
+          <a:lstStyle/>
+          <a:p>
+            <a:pPr marL="285750" indent="-285750" fontAlgn="base">
+              <a:lnSpc>
+                <a:spcPct val="150000"/>
+              </a:lnSpc>
+              <a:buFontTx/>
+              <a:buChar char="-"/>
+            </a:pPr>
+            <a:r>
+              <a:rPr lang="en-US" altLang="ko-KR" dirty="0" smtClean="0">
+                <a:latin typeface="나눔고딕 Light" pitchFamily="50" charset="-127"/>
+                <a:ea typeface="나눔고딕 Light" pitchFamily="50" charset="-127"/>
+              </a:rPr>
+              <a:t>1. RC</a:t>
+            </a:r>
+            <a:r>
+              <a:rPr lang="ko-KR" altLang="en-US" dirty="0" smtClean="0">
+                <a:latin typeface="나눔고딕 Light" pitchFamily="50" charset="-127"/>
+                <a:ea typeface="나눔고딕 Light" pitchFamily="50" charset="-127"/>
+              </a:rPr>
+              <a:t>카 전원을 </a:t>
+            </a:r>
+            <a:r>
+              <a:rPr lang="ko-KR" altLang="en-US" dirty="0">
+                <a:latin typeface="나눔고딕 Light" pitchFamily="50" charset="-127"/>
+                <a:ea typeface="나눔고딕 Light" pitchFamily="50" charset="-127"/>
+              </a:rPr>
+              <a:t>켠</a:t>
+            </a:r>
+            <a:r>
+              <a:rPr lang="ko-KR" altLang="en-US" dirty="0" smtClean="0">
+                <a:latin typeface="나눔고딕 Light" pitchFamily="50" charset="-127"/>
+                <a:ea typeface="나눔고딕 Light" pitchFamily="50" charset="-127"/>
+              </a:rPr>
+              <a:t>다</a:t>
+            </a:r>
+            <a:r>
+              <a:rPr lang="en-US" altLang="ko-KR" dirty="0" smtClean="0">
+                <a:latin typeface="나눔고딕 Light" pitchFamily="50" charset="-127"/>
+                <a:ea typeface="나눔고딕 Light" pitchFamily="50" charset="-127"/>
+              </a:rPr>
+              <a:t>.</a:t>
+            </a:r>
+            <a:endParaRPr lang="en-US" altLang="ko-KR" dirty="0" smtClean="0">
+              <a:latin typeface="나눔고딕 Light" pitchFamily="50" charset="-127"/>
+              <a:ea typeface="나눔고딕 Light" pitchFamily="50" charset="-127"/>
+            </a:endParaRPr>
+          </a:p>
+          <a:p>
+            <a:pPr marL="285750" indent="-285750" fontAlgn="base">
+              <a:lnSpc>
+                <a:spcPct val="150000"/>
+              </a:lnSpc>
+              <a:buFontTx/>
+              <a:buChar char="-"/>
+            </a:pPr>
+            <a:r>
+              <a:rPr lang="en-US" altLang="ko-KR" dirty="0" smtClean="0">
+                <a:latin typeface="나눔고딕 Light" pitchFamily="50" charset="-127"/>
+                <a:ea typeface="나눔고딕 Light" pitchFamily="50" charset="-127"/>
+              </a:rPr>
+              <a:t>2. </a:t>
+            </a:r>
+            <a:r>
+              <a:rPr lang="ko-KR" altLang="en-US" dirty="0" smtClean="0">
+                <a:latin typeface="나눔고딕 Light" pitchFamily="50" charset="-127"/>
+                <a:ea typeface="나눔고딕 Light" pitchFamily="50" charset="-127"/>
+              </a:rPr>
+              <a:t>인식할 수 있는 도로에 배치 한다</a:t>
+            </a:r>
+            <a:r>
+              <a:rPr lang="en-US" altLang="ko-KR" dirty="0" smtClean="0">
+                <a:latin typeface="나눔고딕 Light" pitchFamily="50" charset="-127"/>
+                <a:ea typeface="나눔고딕 Light" pitchFamily="50" charset="-127"/>
+              </a:rPr>
+              <a:t>.</a:t>
+            </a:r>
+            <a:endParaRPr lang="en-US" altLang="ko-KR" dirty="0" smtClean="0">
+              <a:latin typeface="나눔고딕 Light" pitchFamily="50" charset="-127"/>
+              <a:ea typeface="나눔고딕 Light" pitchFamily="50" charset="-127"/>
+            </a:endParaRPr>
+          </a:p>
+          <a:p>
+            <a:pPr marL="285750" indent="-285750" fontAlgn="base">
+              <a:lnSpc>
+                <a:spcPct val="150000"/>
+              </a:lnSpc>
+              <a:buFontTx/>
+              <a:buChar char="-"/>
+            </a:pPr>
+            <a:r>
+              <a:rPr lang="en-US" altLang="ko-KR" dirty="0" smtClean="0">
+                <a:latin typeface="나눔고딕 Light" pitchFamily="50" charset="-127"/>
+                <a:ea typeface="나눔고딕 Light" pitchFamily="50" charset="-127"/>
+              </a:rPr>
+              <a:t>3</a:t>
+            </a:r>
+            <a:r>
+              <a:rPr lang="en-US" altLang="ko-KR" dirty="0" smtClean="0">
+                <a:latin typeface="나눔고딕 Light" pitchFamily="50" charset="-127"/>
+                <a:ea typeface="나눔고딕 Light" pitchFamily="50" charset="-127"/>
+              </a:rPr>
+              <a:t>. </a:t>
+            </a:r>
+            <a:r>
+              <a:rPr lang="ko-KR" altLang="en-US" dirty="0" smtClean="0">
+                <a:latin typeface="나눔고딕 Light" pitchFamily="50" charset="-127"/>
+                <a:ea typeface="나눔고딕 Light" pitchFamily="50" charset="-127"/>
+              </a:rPr>
+              <a:t>자율주행 하는 차량으로 부터 도움을 </a:t>
+            </a:r>
+            <a:r>
+              <a:rPr lang="ko-KR" altLang="en-US" dirty="0" smtClean="0">
+                <a:latin typeface="나눔고딕 Light" pitchFamily="50" charset="-127"/>
+                <a:ea typeface="나눔고딕 Light" pitchFamily="50" charset="-127"/>
+              </a:rPr>
+              <a:t>받는다</a:t>
+            </a:r>
+            <a:r>
+              <a:rPr lang="en-US" altLang="ko-KR" dirty="0" smtClean="0">
+                <a:latin typeface="나눔고딕 Light" pitchFamily="50" charset="-127"/>
+                <a:ea typeface="나눔고딕 Light" pitchFamily="50" charset="-127"/>
+              </a:rPr>
+              <a:t>.</a:t>
+            </a:r>
+          </a:p>
+          <a:p>
+            <a:pPr fontAlgn="base">
+              <a:lnSpc>
+                <a:spcPct val="150000"/>
+              </a:lnSpc>
+            </a:pPr>
+            <a:endParaRPr lang="en-US" altLang="ko-KR" dirty="0" smtClean="0">
+              <a:latin typeface="나눔고딕 Light" pitchFamily="50" charset="-127"/>
+              <a:ea typeface="나눔고딕 Light" pitchFamily="50" charset="-127"/>
+            </a:endParaRPr>
+          </a:p>
+          <a:p>
+            <a:pPr fontAlgn="base">
+              <a:lnSpc>
+                <a:spcPct val="120000"/>
+              </a:lnSpc>
+            </a:pPr>
+            <a:r>
+              <a:rPr lang="ko-KR" altLang="en-US" dirty="0" smtClean="0">
+                <a:latin typeface="나눔고딕 Light" pitchFamily="50" charset="-127"/>
+                <a:ea typeface="나눔고딕 Light" pitchFamily="50" charset="-127"/>
+              </a:rPr>
+              <a:t> </a:t>
+            </a:r>
+          </a:p>
+        </p:txBody>
+      </p:sp>
+    </p:spTree>
+    <p:extLst>
+      <p:ext uri="{BB962C8B-B14F-4D97-AF65-F5344CB8AC3E}">
+        <p14:creationId xmlns:p14="http://schemas.microsoft.com/office/powerpoint/2010/main" val="1217320246"/>
+      </p:ext>
+    </p:extLst>
+  </p:cSld>
+  <p:clrMapOvr>
+    <a:masterClrMapping/>
+  </p:clrMapOvr>
+  <p:timing>
+    <p:tnLst>
+      <p:par>
+        <p:cTn id="1" dur="indefinite" restart="never" nodeType="tmRoot"/>
+      </p:par>
+    </p:tnLst>
+  </p:timing>
+</p:sld>
+</file>
+
+<file path=ppt/slides/slide22.xml><?xml version="1.0" encoding="utf-8"?>
 <p:sld xmlns:a="http://schemas.openxmlformats.org/drawingml/2006/main" xmlns:r="http://schemas.openxmlformats.org/officeDocument/2006/relationships" xmlns:p="http://schemas.openxmlformats.org/presentationml/2006/main" show="0">
   <p:cSld>
     <p:bg>
@@ -12280,7 +12640,7 @@
                 <a:ea typeface="나눔스퀘어 Bold" panose="020B0600000101010101" pitchFamily="50" charset="-127"/>
                 <a:cs typeface="Calibri" panose="020F0502020204030204" pitchFamily="34" charset="0"/>
               </a:rPr>
-              <a:t>Development method</a:t>
+              <a:t>Running</a:t>
             </a:r>
             <a:endParaRPr lang="ru-RU" altLang="ko-KR" sz="2800" b="1" dirty="0">
               <a:latin typeface="나눔스퀘어 Bold" panose="020B0600000101010101" pitchFamily="50" charset="-127"/>
@@ -12414,13 +12774,13 @@
           </a:ln>
           <a:extLst>
             <a:ext uri="{C572A759-6A51-4108-AA02-DFA0A04FC94B}">
-              <ma14:wrappingTextBoxFlag xmlns:ma14="http://schemas.microsoft.com/office/mac/drawingml/2011/main" xmlns="" val="1"/>
+              <ma14:wrappingTextBoxFlag xmlns="" xmlns:ma14="http://schemas.microsoft.com/office/mac/drawingml/2011/main" val="1"/>
             </a:ext>
           </a:extLst>
         </p:spPr>
         <p:txBody>
           <a:bodyPr lIns="38100" tIns="38100" rIns="38100" bIns="38100">
-            <a:normAutofit/>
+            <a:normAutofit lnSpcReduction="10000"/>
           </a:bodyPr>
           <a:lstStyle/>
           <a:p>
@@ -12432,25 +12792,444 @@
               <a:buChar char="-"/>
             </a:pPr>
             <a:r>
+              <a:rPr lang="ko-KR" altLang="en-US" dirty="0" smtClean="0">
+                <a:latin typeface="나눔고딕 Light" pitchFamily="50" charset="-127"/>
+                <a:ea typeface="나눔고딕 Light" pitchFamily="50" charset="-127"/>
+              </a:rPr>
+              <a:t>참여 인원</a:t>
+            </a:r>
+            <a:r>
+              <a:rPr lang="en-US" altLang="ko-KR" dirty="0" smtClean="0">
+                <a:latin typeface="나눔고딕 Light" pitchFamily="50" charset="-127"/>
+                <a:ea typeface="나눔고딕 Light" pitchFamily="50" charset="-127"/>
+              </a:rPr>
+              <a:t>(4</a:t>
+            </a:r>
+            <a:r>
+              <a:rPr lang="ko-KR" altLang="en-US" dirty="0" smtClean="0">
+                <a:latin typeface="나눔고딕 Light" pitchFamily="50" charset="-127"/>
+                <a:ea typeface="나눔고딕 Light" pitchFamily="50" charset="-127"/>
+              </a:rPr>
+              <a:t>명</a:t>
+            </a:r>
+            <a:r>
+              <a:rPr lang="en-US" altLang="ko-KR" dirty="0" smtClean="0">
+                <a:latin typeface="나눔고딕 Light" pitchFamily="50" charset="-127"/>
+                <a:ea typeface="나눔고딕 Light" pitchFamily="50" charset="-127"/>
+              </a:rPr>
+              <a:t>): </a:t>
+            </a:r>
+            <a:r>
+              <a:rPr lang="ko-KR" altLang="en-US" dirty="0" err="1" smtClean="0">
+                <a:latin typeface="나눔고딕 Light" pitchFamily="50" charset="-127"/>
+                <a:ea typeface="나눔고딕 Light" pitchFamily="50" charset="-127"/>
+              </a:rPr>
+              <a:t>김무선</a:t>
+            </a:r>
+            <a:r>
+              <a:rPr lang="en-US" altLang="ko-KR" dirty="0" smtClean="0">
+                <a:latin typeface="나눔고딕 Light" pitchFamily="50" charset="-127"/>
+                <a:ea typeface="나눔고딕 Light" pitchFamily="50" charset="-127"/>
+              </a:rPr>
+              <a:t>, </a:t>
+            </a:r>
+            <a:r>
+              <a:rPr lang="ko-KR" altLang="en-US" dirty="0" smtClean="0">
+                <a:latin typeface="나눔고딕 Light" pitchFamily="50" charset="-127"/>
+                <a:ea typeface="나눔고딕 Light" pitchFamily="50" charset="-127"/>
+              </a:rPr>
+              <a:t>강문재</a:t>
+            </a:r>
+            <a:r>
+              <a:rPr lang="en-US" altLang="ko-KR" dirty="0" smtClean="0">
+                <a:latin typeface="나눔고딕 Light" pitchFamily="50" charset="-127"/>
+                <a:ea typeface="나눔고딕 Light" pitchFamily="50" charset="-127"/>
+              </a:rPr>
+              <a:t>, </a:t>
+            </a:r>
+            <a:r>
+              <a:rPr lang="ko-KR" altLang="en-US" dirty="0" smtClean="0">
+                <a:latin typeface="나눔고딕 Light" pitchFamily="50" charset="-127"/>
+                <a:ea typeface="나눔고딕 Light" pitchFamily="50" charset="-127"/>
+              </a:rPr>
+              <a:t>이준서</a:t>
+            </a:r>
+            <a:r>
+              <a:rPr lang="en-US" altLang="ko-KR" dirty="0" smtClean="0">
+                <a:latin typeface="나눔고딕 Light" pitchFamily="50" charset="-127"/>
+                <a:ea typeface="나눔고딕 Light" pitchFamily="50" charset="-127"/>
+              </a:rPr>
+              <a:t>, </a:t>
+            </a:r>
+            <a:r>
+              <a:rPr lang="ko-KR" altLang="en-US" dirty="0" smtClean="0">
+                <a:latin typeface="나눔고딕 Light" pitchFamily="50" charset="-127"/>
+                <a:ea typeface="나눔고딕 Light" pitchFamily="50" charset="-127"/>
+              </a:rPr>
+              <a:t>김석준</a:t>
+            </a:r>
+            <a:endParaRPr lang="en-US" altLang="ko-KR" dirty="0">
+              <a:latin typeface="나눔고딕 Light" pitchFamily="50" charset="-127"/>
+              <a:ea typeface="나눔고딕 Light" pitchFamily="50" charset="-127"/>
+            </a:endParaRPr>
+          </a:p>
+          <a:p>
+            <a:pPr marL="285750" indent="-285750" fontAlgn="base">
+              <a:lnSpc>
+                <a:spcPct val="150000"/>
+              </a:lnSpc>
+              <a:buFontTx/>
+              <a:buChar char="-"/>
+            </a:pPr>
+            <a:endParaRPr lang="en-US" altLang="ko-KR" dirty="0" smtClean="0">
+              <a:latin typeface="나눔고딕 Light" pitchFamily="50" charset="-127"/>
+              <a:ea typeface="나눔고딕 Light" pitchFamily="50" charset="-127"/>
+            </a:endParaRPr>
+          </a:p>
+          <a:p>
+            <a:pPr marL="285750" indent="-285750" fontAlgn="base">
+              <a:lnSpc>
+                <a:spcPct val="150000"/>
+              </a:lnSpc>
+              <a:buFontTx/>
+              <a:buChar char="-"/>
+            </a:pPr>
+            <a:r>
+              <a:rPr lang="en-US" altLang="ko-KR" dirty="0" smtClean="0">
+                <a:latin typeface="나눔고딕 Light" pitchFamily="50" charset="-127"/>
+                <a:ea typeface="나눔고딕 Light" pitchFamily="50" charset="-127"/>
+              </a:rPr>
+              <a:t>0: R&amp;E</a:t>
+            </a:r>
+            <a:r>
+              <a:rPr lang="ko-KR" altLang="en-US" dirty="0" smtClean="0">
+                <a:latin typeface="나눔고딕 Light" pitchFamily="50" charset="-127"/>
+                <a:ea typeface="나눔고딕 Light" pitchFamily="50" charset="-127"/>
+              </a:rPr>
+              <a:t>를 통하여 컴퓨터 공학과 윤은영 교수님께 다양한 지도</a:t>
+            </a:r>
+            <a:r>
+              <a:rPr lang="ko-KR" altLang="en-US" dirty="0">
+                <a:latin typeface="나눔고딕 Light" pitchFamily="50" charset="-127"/>
+                <a:ea typeface="나눔고딕 Light" pitchFamily="50" charset="-127"/>
+              </a:rPr>
+              <a:t>를</a:t>
+            </a:r>
+            <a:r>
+              <a:rPr lang="ko-KR" altLang="en-US" dirty="0" smtClean="0">
+                <a:latin typeface="나눔고딕 Light" pitchFamily="50" charset="-127"/>
+                <a:ea typeface="나눔고딕 Light" pitchFamily="50" charset="-127"/>
+              </a:rPr>
+              <a:t> 받음</a:t>
+            </a:r>
+            <a:endParaRPr lang="en-US" altLang="ko-KR" dirty="0" smtClean="0">
+              <a:latin typeface="나눔고딕 Light" pitchFamily="50" charset="-127"/>
+              <a:ea typeface="나눔고딕 Light" pitchFamily="50" charset="-127"/>
+            </a:endParaRPr>
+          </a:p>
+          <a:p>
+            <a:pPr marL="285750" indent="-285750" fontAlgn="base">
+              <a:lnSpc>
+                <a:spcPct val="150000"/>
+              </a:lnSpc>
+              <a:buFontTx/>
+              <a:buChar char="-"/>
+            </a:pPr>
+            <a:r>
+              <a:rPr lang="en-US" altLang="ko-KR" dirty="0" smtClean="0">
+                <a:latin typeface="나눔고딕 Light" pitchFamily="50" charset="-127"/>
+                <a:ea typeface="나눔고딕 Light" pitchFamily="50" charset="-127"/>
+              </a:rPr>
+              <a:t>1: </a:t>
+            </a:r>
+            <a:r>
+              <a:rPr lang="ko-KR" altLang="en-US" dirty="0" err="1" smtClean="0">
+                <a:latin typeface="나눔고딕 Light" pitchFamily="50" charset="-127"/>
+                <a:ea typeface="나눔고딕 Light" pitchFamily="50" charset="-127"/>
+              </a:rPr>
+              <a:t>라즈베리</a:t>
+            </a:r>
+            <a:r>
+              <a:rPr lang="ko-KR" altLang="en-US" dirty="0" smtClean="0">
+                <a:latin typeface="나눔고딕 Light" pitchFamily="50" charset="-127"/>
+                <a:ea typeface="나눔고딕 Light" pitchFamily="50" charset="-127"/>
+              </a:rPr>
+              <a:t> 파이를 통한 </a:t>
+            </a:r>
+            <a:r>
+              <a:rPr lang="en-US" altLang="ko-KR" dirty="0" smtClean="0">
+                <a:latin typeface="나눔고딕 Light" pitchFamily="50" charset="-127"/>
+                <a:ea typeface="나눔고딕 Light" pitchFamily="50" charset="-127"/>
+              </a:rPr>
+              <a:t>RC</a:t>
+            </a:r>
+            <a:r>
+              <a:rPr lang="ko-KR" altLang="en-US" dirty="0" smtClean="0">
+                <a:latin typeface="나눔고딕 Light" pitchFamily="50" charset="-127"/>
+                <a:ea typeface="나눔고딕 Light" pitchFamily="50" charset="-127"/>
+              </a:rPr>
+              <a:t>카 기본적인 작동 테스트</a:t>
+            </a:r>
+            <a:endParaRPr lang="en-US" altLang="ko-KR" dirty="0" smtClean="0">
+              <a:latin typeface="나눔고딕 Light" pitchFamily="50" charset="-127"/>
+              <a:ea typeface="나눔고딕 Light" pitchFamily="50" charset="-127"/>
+            </a:endParaRPr>
+          </a:p>
+          <a:p>
+            <a:pPr marL="285750" indent="-285750" fontAlgn="base">
+              <a:lnSpc>
+                <a:spcPct val="150000"/>
+              </a:lnSpc>
+              <a:buFontTx/>
+              <a:buChar char="-"/>
+            </a:pPr>
+            <a:r>
+              <a:rPr lang="en-US" altLang="ko-KR" dirty="0" smtClean="0">
+                <a:latin typeface="나눔고딕 Light" pitchFamily="50" charset="-127"/>
+                <a:ea typeface="나눔고딕 Light" pitchFamily="50" charset="-127"/>
+              </a:rPr>
+              <a:t>2: RNN</a:t>
+            </a:r>
+            <a:r>
+              <a:rPr lang="ko-KR" altLang="en-US" dirty="0" smtClean="0">
+                <a:latin typeface="나눔고딕 Light" pitchFamily="50" charset="-127"/>
+                <a:ea typeface="나눔고딕 Light" pitchFamily="50" charset="-127"/>
+              </a:rPr>
+              <a:t>과 </a:t>
+            </a:r>
+            <a:r>
+              <a:rPr lang="en-US" altLang="ko-KR" dirty="0" smtClean="0">
+                <a:latin typeface="나눔고딕 Light" pitchFamily="50" charset="-127"/>
+                <a:ea typeface="나눔고딕 Light" pitchFamily="50" charset="-127"/>
+              </a:rPr>
+              <a:t>CNN</a:t>
+            </a:r>
+            <a:r>
+              <a:rPr lang="ko-KR" altLang="en-US" dirty="0" smtClean="0">
+                <a:latin typeface="나눔고딕 Light" pitchFamily="50" charset="-127"/>
+                <a:ea typeface="나눔고딕 Light" pitchFamily="50" charset="-127"/>
+              </a:rPr>
+              <a:t>을 활용하여 자율주행 인공지능 개발</a:t>
+            </a:r>
+            <a:endParaRPr lang="en-US" altLang="ko-KR" dirty="0" smtClean="0">
+              <a:latin typeface="나눔고딕 Light" pitchFamily="50" charset="-127"/>
+              <a:ea typeface="나눔고딕 Light" pitchFamily="50" charset="-127"/>
+            </a:endParaRPr>
+          </a:p>
+          <a:p>
+            <a:pPr marL="285750" indent="-285750" fontAlgn="base">
+              <a:lnSpc>
+                <a:spcPct val="150000"/>
+              </a:lnSpc>
+              <a:buFontTx/>
+              <a:buChar char="-"/>
+            </a:pPr>
+            <a:r>
               <a:rPr lang="en-US" altLang="ko-KR" dirty="0">
                 <a:latin typeface="나눔고딕 Light" pitchFamily="50" charset="-127"/>
                 <a:ea typeface="나눔고딕 Light" pitchFamily="50" charset="-127"/>
               </a:rPr>
-              <a:t>https://</a:t>
+              <a:t>3</a:t>
             </a:r>
             <a:r>
               <a:rPr lang="en-US" altLang="ko-KR" dirty="0" smtClean="0">
                 <a:latin typeface="나눔고딕 Light" pitchFamily="50" charset="-127"/>
                 <a:ea typeface="나눔고딕 Light" pitchFamily="50" charset="-127"/>
               </a:rPr>
-              <a:t>github.com/hamuchiwa/AutoRCCar </a:t>
+              <a:t>: </a:t>
             </a:r>
             <a:r>
               <a:rPr lang="ko-KR" altLang="en-US" dirty="0" smtClean="0">
                 <a:latin typeface="나눔고딕 Light" pitchFamily="50" charset="-127"/>
                 <a:ea typeface="나눔고딕 Light" pitchFamily="50" charset="-127"/>
               </a:rPr>
-              <a:t>참고</a:t>
+              <a:t>자율주행 인공지능 학습에 사용할 데이터 </a:t>
+            </a:r>
+            <a:r>
+              <a:rPr lang="ko-KR" altLang="en-US" dirty="0" err="1" smtClean="0">
+                <a:latin typeface="나눔고딕 Light" pitchFamily="50" charset="-127"/>
+                <a:ea typeface="나눔고딕 Light" pitchFamily="50" charset="-127"/>
+              </a:rPr>
+              <a:t>라벨링</a:t>
+            </a:r>
+            <a:r>
+              <a:rPr lang="ko-KR" altLang="en-US" dirty="0" smtClean="0">
+                <a:latin typeface="나눔고딕 Light" pitchFamily="50" charset="-127"/>
+                <a:ea typeface="나눔고딕 Light" pitchFamily="50" charset="-127"/>
+              </a:rPr>
+              <a:t> </a:t>
+            </a:r>
+            <a:endParaRPr lang="en-US" altLang="ko-KR" dirty="0" smtClean="0">
+              <a:latin typeface="나눔고딕 Light" pitchFamily="50" charset="-127"/>
+              <a:ea typeface="나눔고딕 Light" pitchFamily="50" charset="-127"/>
+            </a:endParaRPr>
+          </a:p>
+          <a:p>
+            <a:pPr marL="285750" indent="-285750" fontAlgn="base">
+              <a:lnSpc>
+                <a:spcPct val="150000"/>
+              </a:lnSpc>
+              <a:buFontTx/>
+              <a:buChar char="-"/>
+            </a:pPr>
+            <a:r>
+              <a:rPr lang="en-US" altLang="ko-KR" dirty="0">
+                <a:latin typeface="나눔고딕 Light" pitchFamily="50" charset="-127"/>
+                <a:ea typeface="나눔고딕 Light" pitchFamily="50" charset="-127"/>
+              </a:rPr>
+              <a:t>4</a:t>
+            </a:r>
+            <a:r>
+              <a:rPr lang="en-US" altLang="ko-KR" dirty="0" smtClean="0">
+                <a:latin typeface="나눔고딕 Light" pitchFamily="50" charset="-127"/>
+                <a:ea typeface="나눔고딕 Light" pitchFamily="50" charset="-127"/>
+              </a:rPr>
+              <a:t>: </a:t>
+            </a:r>
+            <a:r>
+              <a:rPr lang="ko-KR" altLang="en-US" dirty="0" smtClean="0">
+                <a:latin typeface="나눔고딕 Light" pitchFamily="50" charset="-127"/>
+                <a:ea typeface="나눔고딕 Light" pitchFamily="50" charset="-127"/>
+              </a:rPr>
+              <a:t>위 데이터를 이용하여 자율주행 인공지능 학습</a:t>
+            </a:r>
+            <a:endParaRPr lang="en-US" altLang="ko-KR" dirty="0" smtClean="0">
+              <a:latin typeface="나눔고딕 Light" pitchFamily="50" charset="-127"/>
+              <a:ea typeface="나눔고딕 Light" pitchFamily="50" charset="-127"/>
+            </a:endParaRPr>
+          </a:p>
+          <a:p>
+            <a:pPr marL="285750" indent="-285750" fontAlgn="base">
+              <a:lnSpc>
+                <a:spcPct val="150000"/>
+              </a:lnSpc>
+              <a:buFontTx/>
+              <a:buChar char="-"/>
+            </a:pPr>
+            <a:r>
+              <a:rPr lang="en-US" altLang="ko-KR" dirty="0" smtClean="0">
+                <a:latin typeface="나눔고딕 Light" pitchFamily="50" charset="-127"/>
+                <a:ea typeface="나눔고딕 Light" pitchFamily="50" charset="-127"/>
+              </a:rPr>
+              <a:t>5: </a:t>
+            </a:r>
+            <a:r>
+              <a:rPr lang="en-US" altLang="ko-KR" dirty="0" err="1" smtClean="0">
+                <a:latin typeface="나눔고딕 Light" pitchFamily="50" charset="-127"/>
+                <a:ea typeface="나눔고딕 Light" pitchFamily="50" charset="-127"/>
+              </a:rPr>
+              <a:t>Wifi</a:t>
+            </a:r>
+            <a:r>
+              <a:rPr lang="ko-KR" altLang="en-US" dirty="0" smtClean="0">
+                <a:latin typeface="나눔고딕 Light" pitchFamily="50" charset="-127"/>
+                <a:ea typeface="나눔고딕 Light" pitchFamily="50" charset="-127"/>
+              </a:rPr>
+              <a:t>를 이용하여 </a:t>
+            </a:r>
+            <a:r>
+              <a:rPr lang="en-US" altLang="ko-KR" dirty="0" smtClean="0">
+                <a:latin typeface="나눔고딕 Light" pitchFamily="50" charset="-127"/>
+                <a:ea typeface="나눔고딕 Light" pitchFamily="50" charset="-127"/>
+              </a:rPr>
+              <a:t>RC</a:t>
+            </a:r>
+            <a:r>
+              <a:rPr lang="ko-KR" altLang="en-US" dirty="0" err="1" smtClean="0">
+                <a:latin typeface="나눔고딕 Light" pitchFamily="50" charset="-127"/>
+                <a:ea typeface="나눔고딕 Light" pitchFamily="50" charset="-127"/>
+              </a:rPr>
+              <a:t>카와</a:t>
+            </a:r>
+            <a:r>
+              <a:rPr lang="ko-KR" altLang="en-US" dirty="0" smtClean="0">
+                <a:latin typeface="나눔고딕 Light" pitchFamily="50" charset="-127"/>
+                <a:ea typeface="나눔고딕 Light" pitchFamily="50" charset="-127"/>
+              </a:rPr>
+              <a:t> </a:t>
+            </a:r>
+            <a:r>
+              <a:rPr lang="en-US" altLang="ko-KR" dirty="0" smtClean="0">
+                <a:latin typeface="나눔고딕 Light" pitchFamily="50" charset="-127"/>
+                <a:ea typeface="나눔고딕 Light" pitchFamily="50" charset="-127"/>
+              </a:rPr>
+              <a:t>TCP </a:t>
+            </a:r>
+            <a:r>
+              <a:rPr lang="ko-KR" altLang="en-US" dirty="0" smtClean="0">
+                <a:latin typeface="나눔고딕 Light" pitchFamily="50" charset="-127"/>
+                <a:ea typeface="나눔고딕 Light" pitchFamily="50" charset="-127"/>
+              </a:rPr>
+              <a:t>서버간 통신을 통해 자율주행 구현</a:t>
+            </a:r>
+            <a:endParaRPr lang="en-US" altLang="ko-KR" dirty="0" smtClean="0">
+              <a:latin typeface="나눔고딕 Light" pitchFamily="50" charset="-127"/>
+              <a:ea typeface="나눔고딕 Light" pitchFamily="50" charset="-127"/>
+            </a:endParaRPr>
+          </a:p>
+          <a:p>
+            <a:pPr marL="285750" indent="-285750" fontAlgn="base">
+              <a:lnSpc>
+                <a:spcPct val="150000"/>
+              </a:lnSpc>
+              <a:buFontTx/>
+              <a:buChar char="-"/>
+            </a:pPr>
+            <a:r>
+              <a:rPr lang="en-US" altLang="ko-KR" dirty="0">
+                <a:latin typeface="나눔고딕 Light" pitchFamily="50" charset="-127"/>
+                <a:ea typeface="나눔고딕 Light" pitchFamily="50" charset="-127"/>
+              </a:rPr>
+              <a:t>6</a:t>
+            </a:r>
+            <a:r>
+              <a:rPr lang="en-US" altLang="ko-KR" dirty="0" smtClean="0">
+                <a:latin typeface="나눔고딕 Light" pitchFamily="50" charset="-127"/>
+                <a:ea typeface="나눔고딕 Light" pitchFamily="50" charset="-127"/>
+              </a:rPr>
+              <a:t>: </a:t>
+            </a:r>
+            <a:r>
+              <a:rPr lang="ko-KR" altLang="en-US" dirty="0" smtClean="0">
+                <a:latin typeface="나눔고딕 Light" pitchFamily="50" charset="-127"/>
+                <a:ea typeface="나눔고딕 Light" pitchFamily="50" charset="-127"/>
+              </a:rPr>
+              <a:t>기본적인 코스 제작 후 </a:t>
+            </a:r>
+            <a:r>
+              <a:rPr lang="en-US" altLang="ko-KR" dirty="0" smtClean="0">
+                <a:latin typeface="나눔고딕 Light" pitchFamily="50" charset="-127"/>
+                <a:ea typeface="나눔고딕 Light" pitchFamily="50" charset="-127"/>
+              </a:rPr>
+              <a:t>RC</a:t>
+            </a:r>
+            <a:r>
+              <a:rPr lang="ko-KR" altLang="en-US" dirty="0" smtClean="0">
+                <a:latin typeface="나눔고딕 Light" pitchFamily="50" charset="-127"/>
+                <a:ea typeface="나눔고딕 Light" pitchFamily="50" charset="-127"/>
+              </a:rPr>
+              <a:t>카 자율주행 테스트</a:t>
+            </a:r>
+            <a:r>
+              <a:rPr lang="en-US" altLang="ko-KR" dirty="0" smtClean="0">
+                <a:latin typeface="나눔고딕 Light" pitchFamily="50" charset="-127"/>
+                <a:ea typeface="나눔고딕 Light" pitchFamily="50" charset="-127"/>
+              </a:rPr>
+              <a:t> </a:t>
+            </a:r>
+          </a:p>
+          <a:p>
+            <a:pPr fontAlgn="base">
+              <a:lnSpc>
+                <a:spcPct val="120000"/>
+              </a:lnSpc>
+            </a:pPr>
+            <a:r>
+              <a:rPr lang="ko-KR" altLang="en-US" dirty="0" smtClean="0">
+                <a:latin typeface="나눔고딕 Light" pitchFamily="50" charset="-127"/>
+                <a:ea typeface="나눔고딕 Light" pitchFamily="50" charset="-127"/>
+              </a:rPr>
+              <a:t> </a:t>
             </a:r>
           </a:p>
         </p:txBody>
@@ -12458,7 +13237,7 @@
     </p:spTree>
     <p:extLst>
       <p:ext uri="{BB962C8B-B14F-4D97-AF65-F5344CB8AC3E}">
-        <p14:creationId xmlns:p14="http://schemas.microsoft.com/office/powerpoint/2010/main" val="1174557929"/>
+        <p14:creationId xmlns:p14="http://schemas.microsoft.com/office/powerpoint/2010/main" val="892555294"/>
       </p:ext>
     </p:extLst>
   </p:cSld>
@@ -12483,7 +13262,7 @@
 </p:sld>
 </file>
 
-<file path=ppt/slides/slide22.xml><?xml version="1.0" encoding="utf-8"?>
+<file path=ppt/slides/slide23.xml><?xml version="1.0" encoding="utf-8"?>
 <p:sld xmlns:a="http://schemas.openxmlformats.org/drawingml/2006/main" xmlns:r="http://schemas.openxmlformats.org/officeDocument/2006/relationships" xmlns:p="http://schemas.openxmlformats.org/presentationml/2006/main">
   <p:cSld>
     <p:bg>
@@ -12569,8 +13348,8 @@
         </p:nvSpPr>
         <p:spPr bwMode="auto">
           <a:xfrm>
-            <a:off x="2454002" y="636542"/>
-            <a:ext cx="4352674" cy="676532"/>
+            <a:off x="2406377" y="608585"/>
+            <a:ext cx="6130794" cy="651525"/>
           </a:xfrm>
           <a:prstGeom prst="rect">
             <a:avLst/>
@@ -12713,502 +13492,7 @@
                 <a:ea typeface="나눔스퀘어 Bold" panose="020B0600000101010101" pitchFamily="50" charset="-127"/>
                 <a:cs typeface="Calibri" panose="020F0502020204030204" pitchFamily="34" charset="0"/>
               </a:rPr>
-              <a:t>How to use</a:t>
-            </a:r>
-            <a:endParaRPr lang="ru-RU" altLang="ko-KR" sz="2800" b="1" dirty="0">
-              <a:latin typeface="나눔스퀘어 Bold" panose="020B0600000101010101" pitchFamily="50" charset="-127"/>
-              <a:ea typeface="나눔스퀘어 Bold" panose="020B0600000101010101" pitchFamily="50" charset="-127"/>
-              <a:cs typeface="Calibri" panose="020F0502020204030204" pitchFamily="34" charset="0"/>
-            </a:endParaRPr>
-          </a:p>
-        </p:txBody>
-      </p:sp>
-      <p:grpSp>
-        <p:nvGrpSpPr>
-          <p:cNvPr id="11" name="Group 392"/>
-          <p:cNvGrpSpPr/>
-          <p:nvPr/>
-        </p:nvGrpSpPr>
-        <p:grpSpPr>
-          <a:xfrm>
-            <a:off x="2469103" y="1587290"/>
-            <a:ext cx="8675147" cy="127210"/>
-            <a:chOff x="0" y="0"/>
-            <a:chExt cx="11657498" cy="0"/>
-          </a:xfrm>
-        </p:grpSpPr>
-        <p:sp>
-          <p:nvSpPr>
-            <p:cNvPr id="12" name="Shape 390"/>
-            <p:cNvSpPr/>
-            <p:nvPr/>
-          </p:nvSpPr>
-          <p:spPr>
-            <a:xfrm>
-              <a:off x="0" y="0"/>
-              <a:ext cx="11657498" cy="0"/>
-            </a:xfrm>
-            <a:prstGeom prst="line">
-              <a:avLst/>
-            </a:prstGeom>
-            <a:noFill/>
-            <a:ln w="25400" cap="flat">
-              <a:solidFill>
-                <a:srgbClr val="E5E5E5"/>
-              </a:solidFill>
-              <a:prstDash val="solid"/>
-              <a:miter lim="400000"/>
-            </a:ln>
-            <a:effectLst/>
-          </p:spPr>
-          <p:txBody>
-            <a:bodyPr wrap="square" lIns="38100" tIns="38100" rIns="38100" bIns="38100" numCol="1" anchor="ctr">
-              <a:noAutofit/>
-            </a:bodyPr>
-            <a:lstStyle/>
-            <a:p>
-              <a:pPr algn="ctr">
-                <a:defRPr sz="3000">
-                  <a:solidFill>
-                    <a:srgbClr val="000000"/>
-                  </a:solidFill>
-                  <a:latin typeface="Helvetica Light"/>
-                  <a:ea typeface="Helvetica Light"/>
-                  <a:cs typeface="Helvetica Light"/>
-                  <a:sym typeface="Helvetica Light"/>
-                </a:defRPr>
-              </a:pPr>
-              <a:endParaRPr/>
-            </a:p>
-          </p:txBody>
-        </p:sp>
-        <p:sp>
-          <p:nvSpPr>
-            <p:cNvPr id="13" name="Shape 391"/>
-            <p:cNvSpPr/>
-            <p:nvPr/>
-          </p:nvSpPr>
-          <p:spPr>
-            <a:xfrm>
-              <a:off x="12700" y="0"/>
-              <a:ext cx="1456385" cy="0"/>
-            </a:xfrm>
-            <a:prstGeom prst="line">
-              <a:avLst/>
-            </a:prstGeom>
-            <a:noFill/>
-            <a:ln w="25400" cap="flat">
-              <a:solidFill>
-                <a:srgbClr val="000000"/>
-              </a:solidFill>
-              <a:prstDash val="solid"/>
-              <a:miter lim="400000"/>
-            </a:ln>
-            <a:effectLst/>
-          </p:spPr>
-          <p:txBody>
-            <a:bodyPr wrap="square" lIns="38100" tIns="38100" rIns="38100" bIns="38100" numCol="1" anchor="ctr">
-              <a:noAutofit/>
-            </a:bodyPr>
-            <a:lstStyle/>
-            <a:p>
-              <a:pPr algn="ctr">
-                <a:defRPr sz="3000">
-                  <a:solidFill>
-                    <a:srgbClr val="000000"/>
-                  </a:solidFill>
-                  <a:latin typeface="Helvetica Light"/>
-                  <a:ea typeface="Helvetica Light"/>
-                  <a:cs typeface="Helvetica Light"/>
-                  <a:sym typeface="Helvetica Light"/>
-                </a:defRPr>
-              </a:pPr>
-              <a:endParaRPr/>
-            </a:p>
-          </p:txBody>
-        </p:sp>
-      </p:grpSp>
-      <p:sp>
-        <p:nvSpPr>
-          <p:cNvPr id="9" name="Shape 388"/>
-          <p:cNvSpPr/>
-          <p:nvPr/>
-        </p:nvSpPr>
-        <p:spPr>
-          <a:xfrm>
-            <a:off x="2469103" y="2135723"/>
-            <a:ext cx="8951372" cy="3936831"/>
-          </a:xfrm>
-          <a:prstGeom prst="rect">
-            <a:avLst/>
-          </a:prstGeom>
-          <a:ln w="3175">
-            <a:miter lim="400000"/>
-          </a:ln>
-          <a:extLst>
-            <a:ext uri="{C572A759-6A51-4108-AA02-DFA0A04FC94B}">
-              <ma14:wrappingTextBoxFlag xmlns:ma14="http://schemas.microsoft.com/office/mac/drawingml/2011/main" xmlns="" val="1"/>
-            </a:ext>
-          </a:extLst>
-        </p:spPr>
-        <p:txBody>
-          <a:bodyPr lIns="38100" tIns="38100" rIns="38100" bIns="38100">
-            <a:normAutofit/>
-          </a:bodyPr>
-          <a:lstStyle/>
-          <a:p>
-            <a:pPr marL="285750" indent="-285750" fontAlgn="base">
-              <a:lnSpc>
-                <a:spcPct val="150000"/>
-              </a:lnSpc>
-              <a:buFontTx/>
-              <a:buChar char="-"/>
-            </a:pPr>
-            <a:r>
-              <a:rPr lang="en-US" altLang="ko-KR" dirty="0" smtClean="0">
-                <a:latin typeface="나눔고딕 Light" pitchFamily="50" charset="-127"/>
-                <a:ea typeface="나눔고딕 Light" pitchFamily="50" charset="-127"/>
-              </a:rPr>
-              <a:t>1. RC</a:t>
-            </a:r>
-            <a:r>
-              <a:rPr lang="ko-KR" altLang="en-US" dirty="0" smtClean="0">
-                <a:latin typeface="나눔고딕 Light" pitchFamily="50" charset="-127"/>
-                <a:ea typeface="나눔고딕 Light" pitchFamily="50" charset="-127"/>
-              </a:rPr>
-              <a:t>카 전원을 키고 바닥에 놓는다</a:t>
-            </a:r>
-            <a:endParaRPr lang="en-US" altLang="ko-KR" dirty="0" smtClean="0">
-              <a:latin typeface="나눔고딕 Light" pitchFamily="50" charset="-127"/>
-              <a:ea typeface="나눔고딕 Light" pitchFamily="50" charset="-127"/>
-            </a:endParaRPr>
-          </a:p>
-          <a:p>
-            <a:pPr marL="285750" indent="-285750" fontAlgn="base">
-              <a:lnSpc>
-                <a:spcPct val="150000"/>
-              </a:lnSpc>
-              <a:buFontTx/>
-              <a:buChar char="-"/>
-            </a:pPr>
-            <a:r>
-              <a:rPr lang="en-US" altLang="ko-KR" dirty="0" smtClean="0">
-                <a:latin typeface="나눔고딕 Light" pitchFamily="50" charset="-127"/>
-                <a:ea typeface="나눔고딕 Light" pitchFamily="50" charset="-127"/>
-              </a:rPr>
-              <a:t>2.  </a:t>
-            </a:r>
-          </a:p>
-          <a:p>
-            <a:pPr marL="285750" indent="-285750" fontAlgn="base">
-              <a:lnSpc>
-                <a:spcPct val="150000"/>
-              </a:lnSpc>
-              <a:buFontTx/>
-              <a:buChar char="-"/>
-            </a:pPr>
-            <a:r>
-              <a:rPr lang="en-US" altLang="ko-KR" dirty="0" smtClean="0">
-                <a:latin typeface="나눔고딕 Light" pitchFamily="50" charset="-127"/>
-                <a:ea typeface="나눔고딕 Light" pitchFamily="50" charset="-127"/>
-              </a:rPr>
-              <a:t>3. </a:t>
-            </a:r>
-          </a:p>
-          <a:p>
-            <a:pPr marL="285750" indent="-285750" fontAlgn="base">
-              <a:lnSpc>
-                <a:spcPct val="150000"/>
-              </a:lnSpc>
-              <a:buFontTx/>
-              <a:buChar char="-"/>
-            </a:pPr>
-            <a:r>
-              <a:rPr lang="en-US" altLang="ko-KR" dirty="0" smtClean="0">
-                <a:latin typeface="나눔고딕 Light" pitchFamily="50" charset="-127"/>
-                <a:ea typeface="나눔고딕 Light" pitchFamily="50" charset="-127"/>
-              </a:rPr>
-              <a:t>4. </a:t>
-            </a:r>
-            <a:r>
-              <a:rPr lang="ko-KR" altLang="en-US" dirty="0" smtClean="0">
-                <a:latin typeface="나눔고딕 Light" pitchFamily="50" charset="-127"/>
-                <a:ea typeface="나눔고딕 Light" pitchFamily="50" charset="-127"/>
-              </a:rPr>
-              <a:t>자율주행 하는 차량으로 부터 도움을 받는다</a:t>
-            </a:r>
-            <a:endParaRPr lang="en-US" altLang="ko-KR" dirty="0" smtClean="0">
-              <a:latin typeface="나눔고딕 Light" pitchFamily="50" charset="-127"/>
-              <a:ea typeface="나눔고딕 Light" pitchFamily="50" charset="-127"/>
-            </a:endParaRPr>
-          </a:p>
-          <a:p>
-            <a:pPr fontAlgn="base">
-              <a:lnSpc>
-                <a:spcPct val="120000"/>
-              </a:lnSpc>
-            </a:pPr>
-            <a:r>
-              <a:rPr lang="ko-KR" altLang="en-US" dirty="0" smtClean="0">
-                <a:latin typeface="나눔고딕 Light" pitchFamily="50" charset="-127"/>
-                <a:ea typeface="나눔고딕 Light" pitchFamily="50" charset="-127"/>
-              </a:rPr>
-              <a:t> </a:t>
-            </a:r>
-          </a:p>
-        </p:txBody>
-      </p:sp>
-    </p:spTree>
-    <p:extLst>
-      <p:ext uri="{BB962C8B-B14F-4D97-AF65-F5344CB8AC3E}">
-        <p14:creationId xmlns:p14="http://schemas.microsoft.com/office/powerpoint/2010/main" val="1217320246"/>
-      </p:ext>
-    </p:extLst>
-  </p:cSld>
-  <p:clrMapOvr>
-    <a:masterClrMapping/>
-  </p:clrMapOvr>
-  <p:timing>
-    <p:tnLst>
-      <p:par>
-        <p:cTn id="1" dur="indefinite" restart="never" nodeType="tmRoot"/>
-      </p:par>
-    </p:tnLst>
-  </p:timing>
-</p:sld>
-</file>
-
-<file path=ppt/slides/slide23.xml><?xml version="1.0" encoding="utf-8"?>
-<p:sld xmlns:a="http://schemas.openxmlformats.org/drawingml/2006/main" xmlns:r="http://schemas.openxmlformats.org/officeDocument/2006/relationships" xmlns:p="http://schemas.openxmlformats.org/presentationml/2006/main" show="0">
-  <p:cSld>
-    <p:bg>
-      <p:bgPr>
-        <a:solidFill>
-          <a:schemeClr val="bg1">
-            <a:lumMod val="95000"/>
-          </a:schemeClr>
-        </a:solidFill>
-        <a:effectLst/>
-      </p:bgPr>
-    </p:bg>
-    <p:spTree>
-      <p:nvGrpSpPr>
-        <p:cNvPr id="1" name=""/>
-        <p:cNvGrpSpPr/>
-        <p:nvPr/>
-      </p:nvGrpSpPr>
-      <p:grpSpPr>
-        <a:xfrm>
-          <a:off x="0" y="0"/>
-          <a:ext cx="0" cy="0"/>
-          <a:chOff x="0" y="0"/>
-          <a:chExt cx="0" cy="0"/>
-        </a:xfrm>
-      </p:grpSpPr>
-      <p:sp>
-        <p:nvSpPr>
-          <p:cNvPr id="4" name="직사각형 3"/>
-          <p:cNvSpPr/>
-          <p:nvPr/>
-        </p:nvSpPr>
-        <p:spPr>
-          <a:xfrm>
-            <a:off x="0" y="-16001"/>
-            <a:ext cx="1657350" cy="6238875"/>
-          </a:xfrm>
-          <a:prstGeom prst="rect">
-            <a:avLst/>
-          </a:prstGeom>
-          <a:solidFill>
-            <a:srgbClr val="EDD0BE"/>
-          </a:solidFill>
-          <a:ln>
-            <a:noFill/>
-          </a:ln>
-        </p:spPr>
-        <p:style>
-          <a:lnRef idx="2">
-            <a:schemeClr val="accent1">
-              <a:shade val="50000"/>
-            </a:schemeClr>
-          </a:lnRef>
-          <a:fillRef idx="1">
-            <a:schemeClr val="accent1"/>
-          </a:fillRef>
-          <a:effectRef idx="0">
-            <a:schemeClr val="accent1"/>
-          </a:effectRef>
-          <a:fontRef idx="minor">
-            <a:schemeClr val="lt1"/>
-          </a:fontRef>
-        </p:style>
-        <p:txBody>
-          <a:bodyPr rtlCol="0" anchor="ctr"/>
-          <a:lstStyle/>
-          <a:p>
-            <a:pPr algn="ctr"/>
-            <a:endParaRPr lang="ko-KR" altLang="en-US" dirty="0">
-              <a:latin typeface="나눔고딕 Light" pitchFamily="50" charset="-127"/>
-              <a:ea typeface="나눔고딕 Light" pitchFamily="50" charset="-127"/>
-            </a:endParaRPr>
-          </a:p>
-        </p:txBody>
-      </p:sp>
-      <p:sp>
-        <p:nvSpPr>
-          <p:cNvPr id="5" name="TextBox 7"/>
-          <p:cNvSpPr txBox="1">
-            <a:spLocks noChangeArrowheads="1"/>
-          </p:cNvSpPr>
-          <p:nvPr/>
-        </p:nvSpPr>
-        <p:spPr bwMode="auto">
-          <a:xfrm>
-            <a:off x="2406377" y="608585"/>
-            <a:ext cx="4352674" cy="676532"/>
-          </a:xfrm>
-          <a:prstGeom prst="rect">
-            <a:avLst/>
-          </a:prstGeom>
-          <a:noFill/>
-          <a:ln>
-            <a:noFill/>
-          </a:ln>
-          <a:extLst>
-            <a:ext uri="{909E8E84-426E-40DD-AFC4-6F175D3DCCD1}">
-              <a14:hiddenFill xmlns:a14="http://schemas.microsoft.com/office/drawing/2010/main">
-                <a:solidFill>
-                  <a:srgbClr val="FFFFFF"/>
-                </a:solidFill>
-              </a14:hiddenFill>
-            </a:ext>
-            <a:ext uri="{91240B29-F687-4F45-9708-019B960494DF}">
-              <a14:hiddenLine xmlns:a14="http://schemas.microsoft.com/office/drawing/2010/main" w="9525">
-                <a:solidFill>
-                  <a:srgbClr val="000000"/>
-                </a:solidFill>
-                <a:miter lim="800000"/>
-                <a:headEnd/>
-                <a:tailEnd/>
-              </a14:hiddenLine>
-            </a:ext>
-          </a:extLst>
-        </p:spPr>
-        <p:txBody>
-          <a:bodyPr wrap="square">
-            <a:spAutoFit/>
-          </a:bodyPr>
-          <a:lstStyle>
-            <a:lvl1pPr>
-              <a:defRPr sz="3600">
-                <a:solidFill>
-                  <a:schemeClr val="tx1"/>
-                </a:solidFill>
-                <a:latin typeface="Lato Light" pitchFamily="34" charset="0"/>
-              </a:defRPr>
-            </a:lvl1pPr>
-            <a:lvl2pPr marL="742950" indent="-285750">
-              <a:defRPr sz="3600">
-                <a:solidFill>
-                  <a:schemeClr val="tx1"/>
-                </a:solidFill>
-                <a:latin typeface="Lato Light" pitchFamily="34" charset="0"/>
-              </a:defRPr>
-            </a:lvl2pPr>
-            <a:lvl3pPr marL="1143000" indent="-228600">
-              <a:defRPr sz="3600">
-                <a:solidFill>
-                  <a:schemeClr val="tx1"/>
-                </a:solidFill>
-                <a:latin typeface="Lato Light" pitchFamily="34" charset="0"/>
-              </a:defRPr>
-            </a:lvl3pPr>
-            <a:lvl4pPr marL="1600200" indent="-228600">
-              <a:defRPr sz="3600">
-                <a:solidFill>
-                  <a:schemeClr val="tx1"/>
-                </a:solidFill>
-                <a:latin typeface="Lato Light" pitchFamily="34" charset="0"/>
-              </a:defRPr>
-            </a:lvl4pPr>
-            <a:lvl5pPr marL="2057400" indent="-228600">
-              <a:defRPr sz="3600">
-                <a:solidFill>
-                  <a:schemeClr val="tx1"/>
-                </a:solidFill>
-                <a:latin typeface="Lato Light" pitchFamily="34" charset="0"/>
-              </a:defRPr>
-            </a:lvl5pPr>
-            <a:lvl6pPr marL="2514600" indent="-228600" defTabSz="1827213" fontAlgn="base">
-              <a:spcBef>
-                <a:spcPct val="0"/>
-              </a:spcBef>
-              <a:spcAft>
-                <a:spcPct val="0"/>
-              </a:spcAft>
-              <a:defRPr sz="3600">
-                <a:solidFill>
-                  <a:schemeClr val="tx1"/>
-                </a:solidFill>
-                <a:latin typeface="Lato Light" pitchFamily="34" charset="0"/>
-              </a:defRPr>
-            </a:lvl6pPr>
-            <a:lvl7pPr marL="2971800" indent="-228600" defTabSz="1827213" fontAlgn="base">
-              <a:spcBef>
-                <a:spcPct val="0"/>
-              </a:spcBef>
-              <a:spcAft>
-                <a:spcPct val="0"/>
-              </a:spcAft>
-              <a:defRPr sz="3600">
-                <a:solidFill>
-                  <a:schemeClr val="tx1"/>
-                </a:solidFill>
-                <a:latin typeface="Lato Light" pitchFamily="34" charset="0"/>
-              </a:defRPr>
-            </a:lvl7pPr>
-            <a:lvl8pPr marL="3429000" indent="-228600" defTabSz="1827213" fontAlgn="base">
-              <a:spcBef>
-                <a:spcPct val="0"/>
-              </a:spcBef>
-              <a:spcAft>
-                <a:spcPct val="0"/>
-              </a:spcAft>
-              <a:defRPr sz="3600">
-                <a:solidFill>
-                  <a:schemeClr val="tx1"/>
-                </a:solidFill>
-                <a:latin typeface="Lato Light" pitchFamily="34" charset="0"/>
-              </a:defRPr>
-            </a:lvl8pPr>
-            <a:lvl9pPr marL="3886200" indent="-228600" defTabSz="1827213" fontAlgn="base">
-              <a:spcBef>
-                <a:spcPct val="0"/>
-              </a:spcBef>
-              <a:spcAft>
-                <a:spcPct val="0"/>
-              </a:spcAft>
-              <a:defRPr sz="3600">
-                <a:solidFill>
-                  <a:schemeClr val="tx1"/>
-                </a:solidFill>
-                <a:latin typeface="Lato Light" pitchFamily="34" charset="0"/>
-              </a:defRPr>
-            </a:lvl9pPr>
-          </a:lstStyle>
-          <a:p>
-            <a:pPr eaLnBrk="1" hangingPunct="1">
-              <a:lnSpc>
-                <a:spcPct val="150000"/>
-              </a:lnSpc>
-            </a:pPr>
-            <a:r>
-              <a:rPr lang="en-US" altLang="ko-KR" sz="2800" b="1" dirty="0" smtClean="0">
-                <a:latin typeface="나눔스퀘어 Bold" panose="020B0600000101010101" pitchFamily="50" charset="-127"/>
-                <a:ea typeface="나눔스퀘어 Bold" panose="020B0600000101010101" pitchFamily="50" charset="-127"/>
-                <a:cs typeface="Calibri" panose="020F0502020204030204" pitchFamily="34" charset="0"/>
-              </a:rPr>
-              <a:t>Running</a:t>
+              <a:t>Demo</a:t>
             </a:r>
             <a:endParaRPr lang="ru-RU" altLang="ko-KR" sz="2800" b="1" dirty="0">
               <a:latin typeface="나눔스퀘어 Bold" panose="020B0600000101010101" pitchFamily="50" charset="-127"/>
@@ -13342,13 +13626,13 @@
           </a:ln>
           <a:extLst>
             <a:ext uri="{C572A759-6A51-4108-AA02-DFA0A04FC94B}">
-              <ma14:wrappingTextBoxFlag xmlns:ma14="http://schemas.microsoft.com/office/mac/drawingml/2011/main" xmlns="" val="1"/>
+              <ma14:wrappingTextBoxFlag xmlns="" xmlns:ma14="http://schemas.microsoft.com/office/mac/drawingml/2011/main" val="1"/>
             </a:ext>
           </a:extLst>
         </p:spPr>
         <p:txBody>
           <a:bodyPr lIns="38100" tIns="38100" rIns="38100" bIns="38100">
-            <a:normAutofit lnSpcReduction="10000"/>
+            <a:normAutofit/>
           </a:bodyPr>
           <a:lstStyle/>
           <a:p>
@@ -13360,86 +13644,58 @@
               <a:buChar char="-"/>
             </a:pPr>
             <a:r>
-              <a:rPr lang="ko-KR" altLang="en-US" dirty="0" smtClean="0">
+              <a:rPr lang="en-US" altLang="ko-KR" dirty="0" err="1" smtClean="0">
                 <a:latin typeface="나눔고딕 Light" pitchFamily="50" charset="-127"/>
                 <a:ea typeface="나눔고딕 Light" pitchFamily="50" charset="-127"/>
               </a:rPr>
-              <a:t>참여 인원</a:t>
+              <a:t>AlphaBot</a:t>
             </a:r>
             <a:r>
               <a:rPr lang="en-US" altLang="ko-KR" dirty="0" smtClean="0">
                 <a:latin typeface="나눔고딕 Light" pitchFamily="50" charset="-127"/>
                 <a:ea typeface="나눔고딕 Light" pitchFamily="50" charset="-127"/>
               </a:rPr>
-              <a:t>(4</a:t>
-            </a:r>
-            <a:r>
-              <a:rPr lang="ko-KR" altLang="en-US" dirty="0" smtClean="0">
-                <a:latin typeface="나눔고딕 Light" pitchFamily="50" charset="-127"/>
-                <a:ea typeface="나눔고딕 Light" pitchFamily="50" charset="-127"/>
-              </a:rPr>
-              <a:t>명</a:t>
-            </a:r>
-            <a:r>
-              <a:rPr lang="en-US" altLang="ko-KR" dirty="0" smtClean="0">
-                <a:latin typeface="나눔고딕 Light" pitchFamily="50" charset="-127"/>
-                <a:ea typeface="나눔고딕 Light" pitchFamily="50" charset="-127"/>
-              </a:rPr>
-              <a:t>): </a:t>
-            </a:r>
-            <a:r>
-              <a:rPr lang="ko-KR" altLang="en-US" dirty="0" err="1" smtClean="0">
-                <a:latin typeface="나눔고딕 Light" pitchFamily="50" charset="-127"/>
-                <a:ea typeface="나눔고딕 Light" pitchFamily="50" charset="-127"/>
-              </a:rPr>
-              <a:t>김무선</a:t>
-            </a:r>
-            <a:r>
-              <a:rPr lang="en-US" altLang="ko-KR" dirty="0" smtClean="0">
-                <a:latin typeface="나눔고딕 Light" pitchFamily="50" charset="-127"/>
-                <a:ea typeface="나눔고딕 Light" pitchFamily="50" charset="-127"/>
-              </a:rPr>
-              <a:t>, </a:t>
-            </a:r>
-            <a:r>
-              <a:rPr lang="ko-KR" altLang="en-US" dirty="0" smtClean="0">
-                <a:latin typeface="나눔고딕 Light" pitchFamily="50" charset="-127"/>
-                <a:ea typeface="나눔고딕 Light" pitchFamily="50" charset="-127"/>
-              </a:rPr>
-              <a:t>강문재</a:t>
-            </a:r>
-            <a:r>
-              <a:rPr lang="en-US" altLang="ko-KR" dirty="0" smtClean="0">
-                <a:latin typeface="나눔고딕 Light" pitchFamily="50" charset="-127"/>
-                <a:ea typeface="나눔고딕 Light" pitchFamily="50" charset="-127"/>
-              </a:rPr>
-              <a:t>, </a:t>
-            </a:r>
-            <a:r>
-              <a:rPr lang="ko-KR" altLang="en-US" dirty="0" smtClean="0">
-                <a:latin typeface="나눔고딕 Light" pitchFamily="50" charset="-127"/>
-                <a:ea typeface="나눔고딕 Light" pitchFamily="50" charset="-127"/>
-              </a:rPr>
-              <a:t>이준서</a:t>
-            </a:r>
-            <a:r>
-              <a:rPr lang="en-US" altLang="ko-KR" dirty="0" smtClean="0">
-                <a:latin typeface="나눔고딕 Light" pitchFamily="50" charset="-127"/>
-                <a:ea typeface="나눔고딕 Light" pitchFamily="50" charset="-127"/>
-              </a:rPr>
-              <a:t>, </a:t>
-            </a:r>
-            <a:r>
-              <a:rPr lang="ko-KR" altLang="en-US" dirty="0" smtClean="0">
-                <a:latin typeface="나눔고딕 Light" pitchFamily="50" charset="-127"/>
-                <a:ea typeface="나눔고딕 Light" pitchFamily="50" charset="-127"/>
-              </a:rPr>
-              <a:t>김석준</a:t>
-            </a:r>
-            <a:endParaRPr lang="en-US" altLang="ko-KR" dirty="0">
-              <a:latin typeface="나눔고딕 Light" pitchFamily="50" charset="-127"/>
-              <a:ea typeface="나눔고딕 Light" pitchFamily="50" charset="-127"/>
-            </a:endParaRPr>
+              <a:t> 3: Infrared Line Tracking - </a:t>
+            </a:r>
+            <a:r>
+              <a:rPr lang="en-US" altLang="ko-KR" u="sng" dirty="0" smtClean="0">
+                <a:hlinkClick r:id="rId2"/>
+              </a:rPr>
+              <a:t>https</a:t>
+            </a:r>
+            <a:r>
+              <a:rPr lang="en-US" altLang="ko-KR" u="sng" dirty="0">
+                <a:hlinkClick r:id="rId2"/>
+              </a:rPr>
+              <a:t>://</a:t>
+            </a:r>
+            <a:r>
+              <a:rPr lang="en-US" altLang="ko-KR" u="sng" dirty="0" smtClean="0">
+                <a:hlinkClick r:id="rId2"/>
+              </a:rPr>
+              <a:t>youtu.be/5Nc4KturL-U</a:t>
+            </a:r>
+            <a:endParaRPr lang="en-US" altLang="ko-KR" u="sng" dirty="0"/>
+          </a:p>
+          <a:p>
+            <a:pPr marL="285750" indent="-285750" fontAlgn="base">
+              <a:lnSpc>
+                <a:spcPct val="150000"/>
+              </a:lnSpc>
+              <a:buFontTx/>
+              <a:buChar char="-"/>
+            </a:pPr>
+            <a:endParaRPr lang="en-US" altLang="ko-KR" u="sng" dirty="0" smtClean="0"/>
+          </a:p>
+          <a:p>
+            <a:pPr marL="285750" indent="-285750" fontAlgn="base">
+              <a:lnSpc>
+                <a:spcPct val="150000"/>
+              </a:lnSpc>
+              <a:buFontTx/>
+              <a:buChar char="-"/>
+            </a:pPr>
+            <a:endParaRPr lang="en-US" altLang="ko-KR" dirty="0"/>
           </a:p>
           <a:p>
             <a:pPr marL="285750" indent="-285750" fontAlgn="base">
@@ -13455,338 +13711,6 @@
             </a:endParaRPr>
           </a:p>
           <a:p>
-            <a:pPr marL="285750" indent="-285750" fontAlgn="base">
-              <a:lnSpc>
-                <a:spcPct val="150000"/>
-              </a:lnSpc>
-              <a:buFontTx/>
-              <a:buChar char="-"/>
-            </a:pPr>
-            <a:r>
-              <a:rPr lang="en-US" altLang="ko-KR" dirty="0" smtClean="0">
-                <a:latin typeface="나눔고딕 Light" pitchFamily="50" charset="-127"/>
-                <a:ea typeface="나눔고딕 Light" pitchFamily="50" charset="-127"/>
-              </a:rPr>
-              <a:t>0: R&amp;E</a:t>
-            </a:r>
-            <a:r>
-              <a:rPr lang="ko-KR" altLang="en-US" dirty="0" smtClean="0">
-                <a:latin typeface="나눔고딕 Light" pitchFamily="50" charset="-127"/>
-                <a:ea typeface="나눔고딕 Light" pitchFamily="50" charset="-127"/>
-              </a:rPr>
-              <a:t>를 통하여 컴퓨터 공학과 윤은영 교수님께 다양한 지도</a:t>
-            </a:r>
-            <a:r>
-              <a:rPr lang="ko-KR" altLang="en-US" dirty="0">
-                <a:latin typeface="나눔고딕 Light" pitchFamily="50" charset="-127"/>
-                <a:ea typeface="나눔고딕 Light" pitchFamily="50" charset="-127"/>
-              </a:rPr>
-              <a:t>를</a:t>
-            </a:r>
-            <a:r>
-              <a:rPr lang="ko-KR" altLang="en-US" dirty="0" smtClean="0">
-                <a:latin typeface="나눔고딕 Light" pitchFamily="50" charset="-127"/>
-                <a:ea typeface="나눔고딕 Light" pitchFamily="50" charset="-127"/>
-              </a:rPr>
-              <a:t> 받음</a:t>
-            </a:r>
-            <a:endParaRPr lang="en-US" altLang="ko-KR" dirty="0" smtClean="0">
-              <a:latin typeface="나눔고딕 Light" pitchFamily="50" charset="-127"/>
-              <a:ea typeface="나눔고딕 Light" pitchFamily="50" charset="-127"/>
-            </a:endParaRPr>
-          </a:p>
-          <a:p>
-            <a:pPr marL="285750" indent="-285750" fontAlgn="base">
-              <a:lnSpc>
-                <a:spcPct val="150000"/>
-              </a:lnSpc>
-              <a:buFontTx/>
-              <a:buChar char="-"/>
-            </a:pPr>
-            <a:r>
-              <a:rPr lang="en-US" altLang="ko-KR" dirty="0" smtClean="0">
-                <a:latin typeface="나눔고딕 Light" pitchFamily="50" charset="-127"/>
-                <a:ea typeface="나눔고딕 Light" pitchFamily="50" charset="-127"/>
-              </a:rPr>
-              <a:t>1: </a:t>
-            </a:r>
-            <a:r>
-              <a:rPr lang="ko-KR" altLang="en-US" dirty="0" err="1" smtClean="0">
-                <a:latin typeface="나눔고딕 Light" pitchFamily="50" charset="-127"/>
-                <a:ea typeface="나눔고딕 Light" pitchFamily="50" charset="-127"/>
-              </a:rPr>
-              <a:t>라즈베리</a:t>
-            </a:r>
-            <a:r>
-              <a:rPr lang="ko-KR" altLang="en-US" dirty="0" smtClean="0">
-                <a:latin typeface="나눔고딕 Light" pitchFamily="50" charset="-127"/>
-                <a:ea typeface="나눔고딕 Light" pitchFamily="50" charset="-127"/>
-              </a:rPr>
-              <a:t> 파이를 통한 </a:t>
-            </a:r>
-            <a:r>
-              <a:rPr lang="en-US" altLang="ko-KR" dirty="0" smtClean="0">
-                <a:latin typeface="나눔고딕 Light" pitchFamily="50" charset="-127"/>
-                <a:ea typeface="나눔고딕 Light" pitchFamily="50" charset="-127"/>
-              </a:rPr>
-              <a:t>RC</a:t>
-            </a:r>
-            <a:r>
-              <a:rPr lang="ko-KR" altLang="en-US" dirty="0" smtClean="0">
-                <a:latin typeface="나눔고딕 Light" pitchFamily="50" charset="-127"/>
-                <a:ea typeface="나눔고딕 Light" pitchFamily="50" charset="-127"/>
-              </a:rPr>
-              <a:t>카 기본적인 작동 테스트</a:t>
-            </a:r>
-            <a:endParaRPr lang="en-US" altLang="ko-KR" dirty="0" smtClean="0">
-              <a:latin typeface="나눔고딕 Light" pitchFamily="50" charset="-127"/>
-              <a:ea typeface="나눔고딕 Light" pitchFamily="50" charset="-127"/>
-            </a:endParaRPr>
-          </a:p>
-          <a:p>
-            <a:pPr marL="285750" indent="-285750" fontAlgn="base">
-              <a:lnSpc>
-                <a:spcPct val="150000"/>
-              </a:lnSpc>
-              <a:buFontTx/>
-              <a:buChar char="-"/>
-            </a:pPr>
-            <a:r>
-              <a:rPr lang="en-US" altLang="ko-KR" dirty="0" smtClean="0">
-                <a:latin typeface="나눔고딕 Light" pitchFamily="50" charset="-127"/>
-                <a:ea typeface="나눔고딕 Light" pitchFamily="50" charset="-127"/>
-              </a:rPr>
-              <a:t>2: RNN</a:t>
-            </a:r>
-            <a:r>
-              <a:rPr lang="ko-KR" altLang="en-US" dirty="0" smtClean="0">
-                <a:latin typeface="나눔고딕 Light" pitchFamily="50" charset="-127"/>
-                <a:ea typeface="나눔고딕 Light" pitchFamily="50" charset="-127"/>
-              </a:rPr>
-              <a:t>과 </a:t>
-            </a:r>
-            <a:r>
-              <a:rPr lang="en-US" altLang="ko-KR" dirty="0" smtClean="0">
-                <a:latin typeface="나눔고딕 Light" pitchFamily="50" charset="-127"/>
-                <a:ea typeface="나눔고딕 Light" pitchFamily="50" charset="-127"/>
-              </a:rPr>
-              <a:t>CNN</a:t>
-            </a:r>
-            <a:r>
-              <a:rPr lang="ko-KR" altLang="en-US" dirty="0" smtClean="0">
-                <a:latin typeface="나눔고딕 Light" pitchFamily="50" charset="-127"/>
-                <a:ea typeface="나눔고딕 Light" pitchFamily="50" charset="-127"/>
-              </a:rPr>
-              <a:t>을 활용하여 자율주행 인공지능 개발</a:t>
-            </a:r>
-            <a:endParaRPr lang="en-US" altLang="ko-KR" dirty="0" smtClean="0">
-              <a:latin typeface="나눔고딕 Light" pitchFamily="50" charset="-127"/>
-              <a:ea typeface="나눔고딕 Light" pitchFamily="50" charset="-127"/>
-            </a:endParaRPr>
-          </a:p>
-          <a:p>
-            <a:pPr marL="285750" indent="-285750" fontAlgn="base">
-              <a:lnSpc>
-                <a:spcPct val="150000"/>
-              </a:lnSpc>
-              <a:buFontTx/>
-              <a:buChar char="-"/>
-            </a:pPr>
-            <a:r>
-              <a:rPr lang="en-US" altLang="ko-KR" dirty="0">
-                <a:latin typeface="나눔고딕 Light" pitchFamily="50" charset="-127"/>
-                <a:ea typeface="나눔고딕 Light" pitchFamily="50" charset="-127"/>
-              </a:rPr>
-              <a:t>3</a:t>
-            </a:r>
-            <a:r>
-              <a:rPr lang="en-US" altLang="ko-KR" dirty="0" smtClean="0">
-                <a:latin typeface="나눔고딕 Light" pitchFamily="50" charset="-127"/>
-                <a:ea typeface="나눔고딕 Light" pitchFamily="50" charset="-127"/>
-              </a:rPr>
-              <a:t>: </a:t>
-            </a:r>
-            <a:r>
-              <a:rPr lang="ko-KR" altLang="en-US" dirty="0" smtClean="0">
-                <a:latin typeface="나눔고딕 Light" pitchFamily="50" charset="-127"/>
-                <a:ea typeface="나눔고딕 Light" pitchFamily="50" charset="-127"/>
-              </a:rPr>
-              <a:t>자율주행 인공지능 학습에 사용할 데이터 </a:t>
-            </a:r>
-            <a:r>
-              <a:rPr lang="ko-KR" altLang="en-US" dirty="0" err="1" smtClean="0">
-                <a:latin typeface="나눔고딕 Light" pitchFamily="50" charset="-127"/>
-                <a:ea typeface="나눔고딕 Light" pitchFamily="50" charset="-127"/>
-              </a:rPr>
-              <a:t>라벨링</a:t>
-            </a:r>
-            <a:r>
-              <a:rPr lang="ko-KR" altLang="en-US" dirty="0" smtClean="0">
-                <a:latin typeface="나눔고딕 Light" pitchFamily="50" charset="-127"/>
-                <a:ea typeface="나눔고딕 Light" pitchFamily="50" charset="-127"/>
-              </a:rPr>
-              <a:t> </a:t>
-            </a:r>
-            <a:endParaRPr lang="en-US" altLang="ko-KR" dirty="0" smtClean="0">
-              <a:latin typeface="나눔고딕 Light" pitchFamily="50" charset="-127"/>
-              <a:ea typeface="나눔고딕 Light" pitchFamily="50" charset="-127"/>
-            </a:endParaRPr>
-          </a:p>
-          <a:p>
-            <a:pPr marL="285750" indent="-285750" fontAlgn="base">
-              <a:lnSpc>
-                <a:spcPct val="150000"/>
-              </a:lnSpc>
-              <a:buFontTx/>
-              <a:buChar char="-"/>
-            </a:pPr>
-            <a:r>
-              <a:rPr lang="en-US" altLang="ko-KR" dirty="0">
-                <a:latin typeface="나눔고딕 Light" pitchFamily="50" charset="-127"/>
-                <a:ea typeface="나눔고딕 Light" pitchFamily="50" charset="-127"/>
-              </a:rPr>
-              <a:t>4</a:t>
-            </a:r>
-            <a:r>
-              <a:rPr lang="en-US" altLang="ko-KR" dirty="0" smtClean="0">
-                <a:latin typeface="나눔고딕 Light" pitchFamily="50" charset="-127"/>
-                <a:ea typeface="나눔고딕 Light" pitchFamily="50" charset="-127"/>
-              </a:rPr>
-              <a:t>: </a:t>
-            </a:r>
-            <a:r>
-              <a:rPr lang="ko-KR" altLang="en-US" dirty="0" smtClean="0">
-                <a:latin typeface="나눔고딕 Light" pitchFamily="50" charset="-127"/>
-                <a:ea typeface="나눔고딕 Light" pitchFamily="50" charset="-127"/>
-              </a:rPr>
-              <a:t>위 데이터를 이용하여 자율주행 인공지능 학습</a:t>
-            </a:r>
-            <a:endParaRPr lang="en-US" altLang="ko-KR" dirty="0" smtClean="0">
-              <a:latin typeface="나눔고딕 Light" pitchFamily="50" charset="-127"/>
-              <a:ea typeface="나눔고딕 Light" pitchFamily="50" charset="-127"/>
-            </a:endParaRPr>
-          </a:p>
-          <a:p>
-            <a:pPr marL="285750" indent="-285750" fontAlgn="base">
-              <a:lnSpc>
-                <a:spcPct val="150000"/>
-              </a:lnSpc>
-              <a:buFontTx/>
-              <a:buChar char="-"/>
-            </a:pPr>
-            <a:r>
-              <a:rPr lang="en-US" altLang="ko-KR" dirty="0" smtClean="0">
-                <a:latin typeface="나눔고딕 Light" pitchFamily="50" charset="-127"/>
-                <a:ea typeface="나눔고딕 Light" pitchFamily="50" charset="-127"/>
-              </a:rPr>
-              <a:t>5: </a:t>
-            </a:r>
-            <a:r>
-              <a:rPr lang="en-US" altLang="ko-KR" dirty="0" err="1" smtClean="0">
-                <a:latin typeface="나눔고딕 Light" pitchFamily="50" charset="-127"/>
-                <a:ea typeface="나눔고딕 Light" pitchFamily="50" charset="-127"/>
-              </a:rPr>
-              <a:t>Wifi</a:t>
-            </a:r>
-            <a:r>
-              <a:rPr lang="ko-KR" altLang="en-US" dirty="0" smtClean="0">
-                <a:latin typeface="나눔고딕 Light" pitchFamily="50" charset="-127"/>
-                <a:ea typeface="나눔고딕 Light" pitchFamily="50" charset="-127"/>
-              </a:rPr>
-              <a:t>를 이용하여 </a:t>
-            </a:r>
-            <a:r>
-              <a:rPr lang="en-US" altLang="ko-KR" dirty="0" smtClean="0">
-                <a:latin typeface="나눔고딕 Light" pitchFamily="50" charset="-127"/>
-                <a:ea typeface="나눔고딕 Light" pitchFamily="50" charset="-127"/>
-              </a:rPr>
-              <a:t>RC</a:t>
-            </a:r>
-            <a:r>
-              <a:rPr lang="ko-KR" altLang="en-US" dirty="0" err="1" smtClean="0">
-                <a:latin typeface="나눔고딕 Light" pitchFamily="50" charset="-127"/>
-                <a:ea typeface="나눔고딕 Light" pitchFamily="50" charset="-127"/>
-              </a:rPr>
-              <a:t>카와</a:t>
-            </a:r>
-            <a:r>
-              <a:rPr lang="ko-KR" altLang="en-US" dirty="0" smtClean="0">
-                <a:latin typeface="나눔고딕 Light" pitchFamily="50" charset="-127"/>
-                <a:ea typeface="나눔고딕 Light" pitchFamily="50" charset="-127"/>
-              </a:rPr>
-              <a:t> </a:t>
-            </a:r>
-            <a:r>
-              <a:rPr lang="en-US" altLang="ko-KR" dirty="0" smtClean="0">
-                <a:latin typeface="나눔고딕 Light" pitchFamily="50" charset="-127"/>
-                <a:ea typeface="나눔고딕 Light" pitchFamily="50" charset="-127"/>
-              </a:rPr>
-              <a:t>TCP </a:t>
-            </a:r>
-            <a:r>
-              <a:rPr lang="ko-KR" altLang="en-US" dirty="0" smtClean="0">
-                <a:latin typeface="나눔고딕 Light" pitchFamily="50" charset="-127"/>
-                <a:ea typeface="나눔고딕 Light" pitchFamily="50" charset="-127"/>
-              </a:rPr>
-              <a:t>서버간 통신을 통해 자율주행 구현</a:t>
-            </a:r>
-            <a:endParaRPr lang="en-US" altLang="ko-KR" dirty="0" smtClean="0">
-              <a:latin typeface="나눔고딕 Light" pitchFamily="50" charset="-127"/>
-              <a:ea typeface="나눔고딕 Light" pitchFamily="50" charset="-127"/>
-            </a:endParaRPr>
-          </a:p>
-          <a:p>
-            <a:pPr marL="285750" indent="-285750" fontAlgn="base">
-              <a:lnSpc>
-                <a:spcPct val="150000"/>
-              </a:lnSpc>
-              <a:buFontTx/>
-              <a:buChar char="-"/>
-            </a:pPr>
-            <a:r>
-              <a:rPr lang="en-US" altLang="ko-KR" dirty="0">
-                <a:latin typeface="나눔고딕 Light" pitchFamily="50" charset="-127"/>
-                <a:ea typeface="나눔고딕 Light" pitchFamily="50" charset="-127"/>
-              </a:rPr>
-              <a:t>6</a:t>
-            </a:r>
-            <a:r>
-              <a:rPr lang="en-US" altLang="ko-KR" dirty="0" smtClean="0">
-                <a:latin typeface="나눔고딕 Light" pitchFamily="50" charset="-127"/>
-                <a:ea typeface="나눔고딕 Light" pitchFamily="50" charset="-127"/>
-              </a:rPr>
-              <a:t>: </a:t>
-            </a:r>
-            <a:r>
-              <a:rPr lang="ko-KR" altLang="en-US" dirty="0" smtClean="0">
-                <a:latin typeface="나눔고딕 Light" pitchFamily="50" charset="-127"/>
-                <a:ea typeface="나눔고딕 Light" pitchFamily="50" charset="-127"/>
-              </a:rPr>
-              <a:t>기본적인 코스 제작 후 </a:t>
-            </a:r>
-            <a:r>
-              <a:rPr lang="en-US" altLang="ko-KR" dirty="0" smtClean="0">
-                <a:latin typeface="나눔고딕 Light" pitchFamily="50" charset="-127"/>
-                <a:ea typeface="나눔고딕 Light" pitchFamily="50" charset="-127"/>
-              </a:rPr>
-              <a:t>RC</a:t>
-            </a:r>
-            <a:r>
-              <a:rPr lang="ko-KR" altLang="en-US" dirty="0" smtClean="0">
-                <a:latin typeface="나눔고딕 Light" pitchFamily="50" charset="-127"/>
-                <a:ea typeface="나눔고딕 Light" pitchFamily="50" charset="-127"/>
-              </a:rPr>
-              <a:t>카 자율주행 테스트</a:t>
-            </a:r>
-            <a:r>
-              <a:rPr lang="en-US" altLang="ko-KR" dirty="0" smtClean="0">
-                <a:latin typeface="나눔고딕 Light" pitchFamily="50" charset="-127"/>
-                <a:ea typeface="나눔고딕 Light" pitchFamily="50" charset="-127"/>
-              </a:rPr>
-              <a:t> </a:t>
-            </a:r>
-          </a:p>
-          <a:p>
             <a:pPr fontAlgn="base">
               <a:lnSpc>
                 <a:spcPct val="120000"/>
@@ -13805,451 +13729,7 @@
     </p:spTree>
     <p:extLst>
       <p:ext uri="{BB962C8B-B14F-4D97-AF65-F5344CB8AC3E}">
-        <p14:creationId xmlns:p14="http://schemas.microsoft.com/office/powerpoint/2010/main" val="892555294"/>
-      </p:ext>
-    </p:extLst>
-  </p:cSld>
-  <p:clrMapOvr>
-    <a:masterClrMapping/>
-  </p:clrMapOvr>
-  <mc:AlternateContent xmlns:mc="http://schemas.openxmlformats.org/markup-compatibility/2006" xmlns:p14="http://schemas.microsoft.com/office/powerpoint/2010/main">
-    <mc:Choice Requires="p14">
-      <p:transition spd="slow" p14:dur="2000"/>
-    </mc:Choice>
-    <mc:Fallback xmlns="">
-      <p:transition spd="slow"/>
-    </mc:Fallback>
-  </mc:AlternateContent>
-  <p:timing>
-    <p:tnLst>
-      <p:par>
-        <p:cTn id="1" dur="indefinite" restart="never" nodeType="tmRoot"/>
-      </p:par>
-    </p:tnLst>
-  </p:timing>
-</p:sld>
-</file>
-
-<file path=ppt/slides/slide24.xml><?xml version="1.0" encoding="utf-8"?>
-<p:sld xmlns:a="http://schemas.openxmlformats.org/drawingml/2006/main" xmlns:r="http://schemas.openxmlformats.org/officeDocument/2006/relationships" xmlns:p="http://schemas.openxmlformats.org/presentationml/2006/main">
-  <p:cSld>
-    <p:bg>
-      <p:bgPr>
-        <a:solidFill>
-          <a:schemeClr val="bg1">
-            <a:lumMod val="95000"/>
-          </a:schemeClr>
-        </a:solidFill>
-        <a:effectLst/>
-      </p:bgPr>
-    </p:bg>
-    <p:spTree>
-      <p:nvGrpSpPr>
-        <p:cNvPr id="1" name=""/>
-        <p:cNvGrpSpPr/>
-        <p:nvPr/>
-      </p:nvGrpSpPr>
-      <p:grpSpPr>
-        <a:xfrm>
-          <a:off x="0" y="0"/>
-          <a:ext cx="0" cy="0"/>
-          <a:chOff x="0" y="0"/>
-          <a:chExt cx="0" cy="0"/>
-        </a:xfrm>
-      </p:grpSpPr>
-      <p:sp>
-        <p:nvSpPr>
-          <p:cNvPr id="4" name="직사각형 3"/>
-          <p:cNvSpPr/>
-          <p:nvPr/>
-        </p:nvSpPr>
-        <p:spPr>
-          <a:xfrm>
-            <a:off x="0" y="-16001"/>
-            <a:ext cx="1657350" cy="6238875"/>
-          </a:xfrm>
-          <a:prstGeom prst="rect">
-            <a:avLst/>
-          </a:prstGeom>
-          <a:solidFill>
-            <a:srgbClr val="EDD0BE"/>
-          </a:solidFill>
-          <a:ln>
-            <a:noFill/>
-          </a:ln>
-        </p:spPr>
-        <p:style>
-          <a:lnRef idx="2">
-            <a:schemeClr val="accent1">
-              <a:shade val="50000"/>
-            </a:schemeClr>
-          </a:lnRef>
-          <a:fillRef idx="1">
-            <a:schemeClr val="accent1"/>
-          </a:fillRef>
-          <a:effectRef idx="0">
-            <a:schemeClr val="accent1"/>
-          </a:effectRef>
-          <a:fontRef idx="minor">
-            <a:schemeClr val="lt1"/>
-          </a:fontRef>
-        </p:style>
-        <p:txBody>
-          <a:bodyPr rtlCol="0" anchor="ctr"/>
-          <a:lstStyle/>
-          <a:p>
-            <a:pPr algn="ctr"/>
-            <a:endParaRPr lang="ko-KR" altLang="en-US" dirty="0">
-              <a:latin typeface="나눔고딕 Light" pitchFamily="50" charset="-127"/>
-              <a:ea typeface="나눔고딕 Light" pitchFamily="50" charset="-127"/>
-            </a:endParaRPr>
-          </a:p>
-        </p:txBody>
-      </p:sp>
-      <p:sp>
-        <p:nvSpPr>
-          <p:cNvPr id="5" name="TextBox 7"/>
-          <p:cNvSpPr txBox="1">
-            <a:spLocks noChangeArrowheads="1"/>
-          </p:cNvSpPr>
-          <p:nvPr/>
-        </p:nvSpPr>
-        <p:spPr bwMode="auto">
-          <a:xfrm>
-            <a:off x="2406377" y="608585"/>
-            <a:ext cx="4352674" cy="676532"/>
-          </a:xfrm>
-          <a:prstGeom prst="rect">
-            <a:avLst/>
-          </a:prstGeom>
-          <a:noFill/>
-          <a:ln>
-            <a:noFill/>
-          </a:ln>
-          <a:extLst>
-            <a:ext uri="{909E8E84-426E-40DD-AFC4-6F175D3DCCD1}">
-              <a14:hiddenFill xmlns:a14="http://schemas.microsoft.com/office/drawing/2010/main">
-                <a:solidFill>
-                  <a:srgbClr val="FFFFFF"/>
-                </a:solidFill>
-              </a14:hiddenFill>
-            </a:ext>
-            <a:ext uri="{91240B29-F687-4F45-9708-019B960494DF}">
-              <a14:hiddenLine xmlns:a14="http://schemas.microsoft.com/office/drawing/2010/main" w="9525">
-                <a:solidFill>
-                  <a:srgbClr val="000000"/>
-                </a:solidFill>
-                <a:miter lim="800000"/>
-                <a:headEnd/>
-                <a:tailEnd/>
-              </a14:hiddenLine>
-            </a:ext>
-          </a:extLst>
-        </p:spPr>
-        <p:txBody>
-          <a:bodyPr wrap="square">
-            <a:spAutoFit/>
-          </a:bodyPr>
-          <a:lstStyle>
-            <a:lvl1pPr>
-              <a:defRPr sz="3600">
-                <a:solidFill>
-                  <a:schemeClr val="tx1"/>
-                </a:solidFill>
-                <a:latin typeface="Lato Light" pitchFamily="34" charset="0"/>
-              </a:defRPr>
-            </a:lvl1pPr>
-            <a:lvl2pPr marL="742950" indent="-285750">
-              <a:defRPr sz="3600">
-                <a:solidFill>
-                  <a:schemeClr val="tx1"/>
-                </a:solidFill>
-                <a:latin typeface="Lato Light" pitchFamily="34" charset="0"/>
-              </a:defRPr>
-            </a:lvl2pPr>
-            <a:lvl3pPr marL="1143000" indent="-228600">
-              <a:defRPr sz="3600">
-                <a:solidFill>
-                  <a:schemeClr val="tx1"/>
-                </a:solidFill>
-                <a:latin typeface="Lato Light" pitchFamily="34" charset="0"/>
-              </a:defRPr>
-            </a:lvl3pPr>
-            <a:lvl4pPr marL="1600200" indent="-228600">
-              <a:defRPr sz="3600">
-                <a:solidFill>
-                  <a:schemeClr val="tx1"/>
-                </a:solidFill>
-                <a:latin typeface="Lato Light" pitchFamily="34" charset="0"/>
-              </a:defRPr>
-            </a:lvl4pPr>
-            <a:lvl5pPr marL="2057400" indent="-228600">
-              <a:defRPr sz="3600">
-                <a:solidFill>
-                  <a:schemeClr val="tx1"/>
-                </a:solidFill>
-                <a:latin typeface="Lato Light" pitchFamily="34" charset="0"/>
-              </a:defRPr>
-            </a:lvl5pPr>
-            <a:lvl6pPr marL="2514600" indent="-228600" defTabSz="1827213" fontAlgn="base">
-              <a:spcBef>
-                <a:spcPct val="0"/>
-              </a:spcBef>
-              <a:spcAft>
-                <a:spcPct val="0"/>
-              </a:spcAft>
-              <a:defRPr sz="3600">
-                <a:solidFill>
-                  <a:schemeClr val="tx1"/>
-                </a:solidFill>
-                <a:latin typeface="Lato Light" pitchFamily="34" charset="0"/>
-              </a:defRPr>
-            </a:lvl6pPr>
-            <a:lvl7pPr marL="2971800" indent="-228600" defTabSz="1827213" fontAlgn="base">
-              <a:spcBef>
-                <a:spcPct val="0"/>
-              </a:spcBef>
-              <a:spcAft>
-                <a:spcPct val="0"/>
-              </a:spcAft>
-              <a:defRPr sz="3600">
-                <a:solidFill>
-                  <a:schemeClr val="tx1"/>
-                </a:solidFill>
-                <a:latin typeface="Lato Light" pitchFamily="34" charset="0"/>
-              </a:defRPr>
-            </a:lvl7pPr>
-            <a:lvl8pPr marL="3429000" indent="-228600" defTabSz="1827213" fontAlgn="base">
-              <a:spcBef>
-                <a:spcPct val="0"/>
-              </a:spcBef>
-              <a:spcAft>
-                <a:spcPct val="0"/>
-              </a:spcAft>
-              <a:defRPr sz="3600">
-                <a:solidFill>
-                  <a:schemeClr val="tx1"/>
-                </a:solidFill>
-                <a:latin typeface="Lato Light" pitchFamily="34" charset="0"/>
-              </a:defRPr>
-            </a:lvl8pPr>
-            <a:lvl9pPr marL="3886200" indent="-228600" defTabSz="1827213" fontAlgn="base">
-              <a:spcBef>
-                <a:spcPct val="0"/>
-              </a:spcBef>
-              <a:spcAft>
-                <a:spcPct val="0"/>
-              </a:spcAft>
-              <a:defRPr sz="3600">
-                <a:solidFill>
-                  <a:schemeClr val="tx1"/>
-                </a:solidFill>
-                <a:latin typeface="Lato Light" pitchFamily="34" charset="0"/>
-              </a:defRPr>
-            </a:lvl9pPr>
-          </a:lstStyle>
-          <a:p>
-            <a:pPr eaLnBrk="1" hangingPunct="1">
-              <a:lnSpc>
-                <a:spcPct val="150000"/>
-              </a:lnSpc>
-            </a:pPr>
-            <a:r>
-              <a:rPr lang="en-US" altLang="ko-KR" sz="2800" b="1" dirty="0" smtClean="0">
-                <a:latin typeface="나눔스퀘어 Bold" panose="020B0600000101010101" pitchFamily="50" charset="-127"/>
-                <a:ea typeface="나눔스퀘어 Bold" panose="020B0600000101010101" pitchFamily="50" charset="-127"/>
-                <a:cs typeface="Calibri" panose="020F0502020204030204" pitchFamily="34" charset="0"/>
-              </a:rPr>
-              <a:t>Demo</a:t>
-            </a:r>
-            <a:endParaRPr lang="ru-RU" altLang="ko-KR" sz="2800" b="1" dirty="0">
-              <a:latin typeface="나눔스퀘어 Bold" panose="020B0600000101010101" pitchFamily="50" charset="-127"/>
-              <a:ea typeface="나눔스퀘어 Bold" panose="020B0600000101010101" pitchFamily="50" charset="-127"/>
-              <a:cs typeface="Calibri" panose="020F0502020204030204" pitchFamily="34" charset="0"/>
-            </a:endParaRPr>
-          </a:p>
-        </p:txBody>
-      </p:sp>
-      <p:grpSp>
-        <p:nvGrpSpPr>
-          <p:cNvPr id="11" name="Group 392"/>
-          <p:cNvGrpSpPr/>
-          <p:nvPr/>
-        </p:nvGrpSpPr>
-        <p:grpSpPr>
-          <a:xfrm>
-            <a:off x="2469103" y="1587290"/>
-            <a:ext cx="8675147" cy="127210"/>
-            <a:chOff x="0" y="0"/>
-            <a:chExt cx="11657498" cy="0"/>
-          </a:xfrm>
-        </p:grpSpPr>
-        <p:sp>
-          <p:nvSpPr>
-            <p:cNvPr id="12" name="Shape 390"/>
-            <p:cNvSpPr/>
-            <p:nvPr/>
-          </p:nvSpPr>
-          <p:spPr>
-            <a:xfrm>
-              <a:off x="0" y="0"/>
-              <a:ext cx="11657498" cy="0"/>
-            </a:xfrm>
-            <a:prstGeom prst="line">
-              <a:avLst/>
-            </a:prstGeom>
-            <a:noFill/>
-            <a:ln w="25400" cap="flat">
-              <a:solidFill>
-                <a:srgbClr val="E5E5E5"/>
-              </a:solidFill>
-              <a:prstDash val="solid"/>
-              <a:miter lim="400000"/>
-            </a:ln>
-            <a:effectLst/>
-          </p:spPr>
-          <p:txBody>
-            <a:bodyPr wrap="square" lIns="38100" tIns="38100" rIns="38100" bIns="38100" numCol="1" anchor="ctr">
-              <a:noAutofit/>
-            </a:bodyPr>
-            <a:lstStyle/>
-            <a:p>
-              <a:pPr algn="ctr">
-                <a:defRPr sz="3000">
-                  <a:solidFill>
-                    <a:srgbClr val="000000"/>
-                  </a:solidFill>
-                  <a:latin typeface="Helvetica Light"/>
-                  <a:ea typeface="Helvetica Light"/>
-                  <a:cs typeface="Helvetica Light"/>
-                  <a:sym typeface="Helvetica Light"/>
-                </a:defRPr>
-              </a:pPr>
-              <a:endParaRPr/>
-            </a:p>
-          </p:txBody>
-        </p:sp>
-        <p:sp>
-          <p:nvSpPr>
-            <p:cNvPr id="13" name="Shape 391"/>
-            <p:cNvSpPr/>
-            <p:nvPr/>
-          </p:nvSpPr>
-          <p:spPr>
-            <a:xfrm>
-              <a:off x="12700" y="0"/>
-              <a:ext cx="1456385" cy="0"/>
-            </a:xfrm>
-            <a:prstGeom prst="line">
-              <a:avLst/>
-            </a:prstGeom>
-            <a:noFill/>
-            <a:ln w="25400" cap="flat">
-              <a:solidFill>
-                <a:srgbClr val="000000"/>
-              </a:solidFill>
-              <a:prstDash val="solid"/>
-              <a:miter lim="400000"/>
-            </a:ln>
-            <a:effectLst/>
-          </p:spPr>
-          <p:txBody>
-            <a:bodyPr wrap="square" lIns="38100" tIns="38100" rIns="38100" bIns="38100" numCol="1" anchor="ctr">
-              <a:noAutofit/>
-            </a:bodyPr>
-            <a:lstStyle/>
-            <a:p>
-              <a:pPr algn="ctr">
-                <a:defRPr sz="3000">
-                  <a:solidFill>
-                    <a:srgbClr val="000000"/>
-                  </a:solidFill>
-                  <a:latin typeface="Helvetica Light"/>
-                  <a:ea typeface="Helvetica Light"/>
-                  <a:cs typeface="Helvetica Light"/>
-                  <a:sym typeface="Helvetica Light"/>
-                </a:defRPr>
-              </a:pPr>
-              <a:endParaRPr/>
-            </a:p>
-          </p:txBody>
-        </p:sp>
-      </p:grpSp>
-      <p:sp>
-        <p:nvSpPr>
-          <p:cNvPr id="8" name="Shape 388"/>
-          <p:cNvSpPr/>
-          <p:nvPr/>
-        </p:nvSpPr>
-        <p:spPr>
-          <a:xfrm>
-            <a:off x="2469103" y="2135723"/>
-            <a:ext cx="8951372" cy="3936831"/>
-          </a:xfrm>
-          <a:prstGeom prst="rect">
-            <a:avLst/>
-          </a:prstGeom>
-          <a:ln w="3175">
-            <a:miter lim="400000"/>
-          </a:ln>
-          <a:extLst>
-            <a:ext uri="{C572A759-6A51-4108-AA02-DFA0A04FC94B}">
-              <ma14:wrappingTextBoxFlag xmlns:ma14="http://schemas.microsoft.com/office/mac/drawingml/2011/main" xmlns="" val="1"/>
-            </a:ext>
-          </a:extLst>
-        </p:spPr>
-        <p:txBody>
-          <a:bodyPr lIns="38100" tIns="38100" rIns="38100" bIns="38100">
-            <a:normAutofit/>
-          </a:bodyPr>
-          <a:lstStyle/>
-          <a:p>
-            <a:pPr marL="285750" indent="-285750" fontAlgn="base">
-              <a:lnSpc>
-                <a:spcPct val="150000"/>
-              </a:lnSpc>
-              <a:buFontTx/>
-              <a:buChar char="-"/>
-            </a:pPr>
-            <a:r>
-              <a:rPr lang="ko-KR" altLang="en-US" dirty="0" smtClean="0">
-                <a:latin typeface="나눔고딕 Light" pitchFamily="50" charset="-127"/>
-                <a:ea typeface="나눔고딕 Light" pitchFamily="50" charset="-127"/>
-              </a:rPr>
-              <a:t>시연 영상 </a:t>
-            </a:r>
-            <a:r>
-              <a:rPr lang="ko-KR" altLang="en-US" dirty="0" err="1" smtClean="0">
-                <a:latin typeface="나눔고딕 Light" pitchFamily="50" charset="-127"/>
-                <a:ea typeface="나눔고딕 Light" pitchFamily="50" charset="-127"/>
-              </a:rPr>
-              <a:t>준비중</a:t>
-            </a:r>
-            <a:endParaRPr lang="en-US" altLang="ko-KR" dirty="0" smtClean="0">
-              <a:latin typeface="나눔고딕 Light" pitchFamily="50" charset="-127"/>
-              <a:ea typeface="나눔고딕 Light" pitchFamily="50" charset="-127"/>
-            </a:endParaRPr>
-          </a:p>
-          <a:p>
-            <a:pPr fontAlgn="base">
-              <a:lnSpc>
-                <a:spcPct val="120000"/>
-              </a:lnSpc>
-            </a:pPr>
-            <a:r>
-              <a:rPr lang="ko-KR" altLang="en-US" dirty="0" smtClean="0">
-                <a:latin typeface="나눔고딕 Light" pitchFamily="50" charset="-127"/>
-                <a:ea typeface="나눔고딕 Light" pitchFamily="50" charset="-127"/>
-              </a:rPr>
-              <a:t> </a:t>
-            </a:r>
-          </a:p>
-        </p:txBody>
-      </p:sp>
-    </p:spTree>
-    <p:extLst>
-      <p:ext uri="{BB962C8B-B14F-4D97-AF65-F5344CB8AC3E}">
-        <p14:creationId xmlns:p14="http://schemas.microsoft.com/office/powerpoint/2010/main" val="300720256"/>
+        <p14:creationId xmlns:p14="http://schemas.microsoft.com/office/powerpoint/2010/main" val="3747629164"/>
       </p:ext>
     </p:extLst>
   </p:cSld>
@@ -14266,8 +13746,8 @@
 </p:sld>
 </file>
 
-<file path=ppt/slides/slide25.xml><?xml version="1.0" encoding="utf-8"?>
-<p:sld xmlns:a="http://schemas.openxmlformats.org/drawingml/2006/main" xmlns:r="http://schemas.openxmlformats.org/officeDocument/2006/relationships" xmlns:p="http://schemas.openxmlformats.org/presentationml/2006/main" show="0">
+<file path=ppt/slides/slide24.xml><?xml version="1.0" encoding="utf-8"?>
+<p:sld xmlns:a="http://schemas.openxmlformats.org/drawingml/2006/main" xmlns:r="http://schemas.openxmlformats.org/officeDocument/2006/relationships" xmlns:p="http://schemas.openxmlformats.org/presentationml/2006/main">
   <p:cSld>
     <p:bg>
       <p:bgPr>
@@ -15508,13 +14988,13 @@
           </a:ln>
           <a:extLst>
             <a:ext uri="{C572A759-6A51-4108-AA02-DFA0A04FC94B}">
-              <ma14:wrappingTextBoxFlag xmlns:ma14="http://schemas.microsoft.com/office/mac/drawingml/2011/main" xmlns="" val="1"/>
+              <ma14:wrappingTextBoxFlag xmlns="" xmlns:ma14="http://schemas.microsoft.com/office/mac/drawingml/2011/main" val="1"/>
             </a:ext>
           </a:extLst>
         </p:spPr>
         <p:txBody>
           <a:bodyPr lIns="38100" tIns="38100" rIns="38100" bIns="38100">
-            <a:normAutofit/>
+            <a:normAutofit fontScale="92500"/>
           </a:bodyPr>
           <a:lstStyle/>
           <a:p>
@@ -15556,7 +15036,7 @@
           </a:ln>
           <a:extLst>
             <a:ext uri="{C572A759-6A51-4108-AA02-DFA0A04FC94B}">
-              <ma14:wrappingTextBoxFlag xmlns:ma14="http://schemas.microsoft.com/office/mac/drawingml/2011/main" xmlns="" val="1"/>
+              <ma14:wrappingTextBoxFlag xmlns="" xmlns:ma14="http://schemas.microsoft.com/office/mac/drawingml/2011/main" val="1"/>
             </a:ext>
           </a:extLst>
         </p:spPr>
@@ -15604,7 +15084,7 @@
           </a:ln>
           <a:extLst>
             <a:ext uri="{C572A759-6A51-4108-AA02-DFA0A04FC94B}">
-              <ma14:wrappingTextBoxFlag xmlns:ma14="http://schemas.microsoft.com/office/mac/drawingml/2011/main" xmlns="" val="1"/>
+              <ma14:wrappingTextBoxFlag xmlns="" xmlns:ma14="http://schemas.microsoft.com/office/mac/drawingml/2011/main" val="1"/>
             </a:ext>
           </a:extLst>
         </p:spPr>
@@ -15652,13 +15132,13 @@
           </a:ln>
           <a:extLst>
             <a:ext uri="{C572A759-6A51-4108-AA02-DFA0A04FC94B}">
-              <ma14:wrappingTextBoxFlag xmlns:ma14="http://schemas.microsoft.com/office/mac/drawingml/2011/main" xmlns="" val="1"/>
+              <ma14:wrappingTextBoxFlag xmlns="" xmlns:ma14="http://schemas.microsoft.com/office/mac/drawingml/2011/main" val="1"/>
             </a:ext>
           </a:extLst>
         </p:spPr>
         <p:txBody>
           <a:bodyPr lIns="38100" tIns="38100" rIns="38100" bIns="38100">
-            <a:normAutofit/>
+            <a:normAutofit fontScale="85000" lnSpcReduction="10000"/>
           </a:bodyPr>
           <a:lstStyle/>
           <a:p>
@@ -15705,11 +15185,11 @@
   <p:clrMapOvr>
     <a:masterClrMapping/>
   </p:clrMapOvr>
-  <mc:AlternateContent xmlns:mc="http://schemas.openxmlformats.org/markup-compatibility/2006" xmlns:p14="http://schemas.microsoft.com/office/powerpoint/2010/main">
-    <mc:Choice Requires="p14">
+  <mc:AlternateContent xmlns:mc="http://schemas.openxmlformats.org/markup-compatibility/2006">
+    <mc:Choice xmlns:p14="http://schemas.microsoft.com/office/powerpoint/2010/main" Requires="p14">
       <p:transition spd="slow" p14:dur="2000"/>
     </mc:Choice>
-    <mc:Fallback xmlns="">
+    <mc:Fallback>
       <p:transition spd="slow"/>
     </mc:Fallback>
   </mc:AlternateContent>
@@ -15723,7 +15203,7 @@
 </p:sld>
 </file>
 
-<file path=ppt/slides/slide26.xml><?xml version="1.0" encoding="utf-8"?>
+<file path=ppt/slides/slide25.xml><?xml version="1.0" encoding="utf-8"?>
 <p:sld xmlns:a="http://schemas.openxmlformats.org/drawingml/2006/main" xmlns:r="http://schemas.openxmlformats.org/officeDocument/2006/relationships" xmlns:p="http://schemas.openxmlformats.org/presentationml/2006/main">
   <p:cSld>
     <p:spTree>
@@ -16111,7 +15591,7 @@
             <a:effectLst/>
             <a:extLst>
               <a:ext uri="{C572A759-6A51-4108-AA02-DFA0A04FC94B}">
-                <ma14:wrappingTextBoxFlag xmlns:ma14="http://schemas.microsoft.com/office/mac/drawingml/2011/main" xmlns="" val="1"/>
+                <ma14:wrappingTextBoxFlag xmlns="" xmlns:ma14="http://schemas.microsoft.com/office/mac/drawingml/2011/main" val="1"/>
               </a:ext>
             </a:extLst>
           </p:spPr>
@@ -16184,7 +15664,7 @@
             <a:effectLst/>
             <a:extLst>
               <a:ext uri="{C572A759-6A51-4108-AA02-DFA0A04FC94B}">
-                <ma14:wrappingTextBoxFlag xmlns:ma14="http://schemas.microsoft.com/office/mac/drawingml/2011/main" xmlns="" val="1"/>
+                <ma14:wrappingTextBoxFlag xmlns="" xmlns:ma14="http://schemas.microsoft.com/office/mac/drawingml/2011/main" val="1"/>
               </a:ext>
             </a:extLst>
           </p:spPr>
@@ -16249,7 +15729,7 @@
             <a:effectLst/>
             <a:extLst>
               <a:ext uri="{C572A759-6A51-4108-AA02-DFA0A04FC94B}">
-                <ma14:wrappingTextBoxFlag xmlns:ma14="http://schemas.microsoft.com/office/mac/drawingml/2011/main" xmlns="" val="1"/>
+                <ma14:wrappingTextBoxFlag xmlns="" xmlns:ma14="http://schemas.microsoft.com/office/mac/drawingml/2011/main" val="1"/>
               </a:ext>
             </a:extLst>
           </p:spPr>
@@ -16489,7 +15969,7 @@
 </p:sld>
 </file>
 
-<file path=ppt/slides/slide27.xml><?xml version="1.0" encoding="utf-8"?>
+<file path=ppt/slides/slide26.xml><?xml version="1.0" encoding="utf-8"?>
 <p:sld xmlns:a="http://schemas.openxmlformats.org/drawingml/2006/main" xmlns:r="http://schemas.openxmlformats.org/officeDocument/2006/relationships" xmlns:p="http://schemas.openxmlformats.org/presentationml/2006/main">
   <p:cSld>
     <p:spTree>
@@ -16528,7 +16008,7 @@
           <a:effectLst/>
           <a:extLst>
             <a:ext uri="{C572A759-6A51-4108-AA02-DFA0A04FC94B}">
-              <ma14:wrappingTextBoxFlag xmlns:ma14="http://schemas.microsoft.com/office/mac/drawingml/2011/main" xmlns="" val="1"/>
+              <ma14:wrappingTextBoxFlag xmlns="" xmlns:ma14="http://schemas.microsoft.com/office/mac/drawingml/2011/main" val="1"/>
             </a:ext>
           </a:extLst>
         </p:spPr>
@@ -16711,7 +16191,7 @@
           <a:effectLst/>
           <a:extLst>
             <a:ext uri="{C572A759-6A51-4108-AA02-DFA0A04FC94B}">
-              <ma14:wrappingTextBoxFlag xmlns:ma14="http://schemas.microsoft.com/office/mac/drawingml/2011/main" xmlns="" val="1"/>
+              <ma14:wrappingTextBoxFlag xmlns="" xmlns:ma14="http://schemas.microsoft.com/office/mac/drawingml/2011/main" val="1"/>
             </a:ext>
           </a:extLst>
         </p:spPr>
@@ -16783,13 +16263,13 @@
             <a:effectLst/>
             <a:extLst>
               <a:ext uri="{C572A759-6A51-4108-AA02-DFA0A04FC94B}">
-                <ma14:wrappingTextBoxFlag xmlns:ma14="http://schemas.microsoft.com/office/mac/drawingml/2011/main" xmlns="" val="1"/>
+                <ma14:wrappingTextBoxFlag xmlns="" xmlns:ma14="http://schemas.microsoft.com/office/mac/drawingml/2011/main" val="1"/>
               </a:ext>
             </a:extLst>
           </p:spPr>
           <p:txBody>
             <a:bodyPr wrap="square" lIns="38100" tIns="38100" rIns="38100" bIns="38100" numCol="1" anchor="t">
-              <a:normAutofit fontScale="85000" lnSpcReduction="10000"/>
+              <a:normAutofit fontScale="77500" lnSpcReduction="20000"/>
             </a:bodyPr>
             <a:lstStyle>
               <a:lvl1pPr algn="l">
@@ -16837,7 +16317,7 @@
             <a:effectLst/>
             <a:extLst>
               <a:ext uri="{C572A759-6A51-4108-AA02-DFA0A04FC94B}">
-                <ma14:wrappingTextBoxFlag xmlns:ma14="http://schemas.microsoft.com/office/mac/drawingml/2011/main" xmlns="" val="1"/>
+                <ma14:wrappingTextBoxFlag xmlns="" xmlns:ma14="http://schemas.microsoft.com/office/mac/drawingml/2011/main" val="1"/>
               </a:ext>
             </a:extLst>
           </p:spPr>
@@ -17089,7 +16569,7 @@
             <a:effectLst/>
             <a:extLst>
               <a:ext uri="{C572A759-6A51-4108-AA02-DFA0A04FC94B}">
-                <ma14:wrappingTextBoxFlag xmlns:ma14="http://schemas.microsoft.com/office/mac/drawingml/2011/main" xmlns="" val="1"/>
+                <ma14:wrappingTextBoxFlag xmlns="" xmlns:ma14="http://schemas.microsoft.com/office/mac/drawingml/2011/main" val="1"/>
               </a:ext>
             </a:extLst>
           </p:spPr>
@@ -17147,7 +16627,7 @@
             <a:effectLst/>
             <a:extLst>
               <a:ext uri="{C572A759-6A51-4108-AA02-DFA0A04FC94B}">
-                <ma14:wrappingTextBoxFlag xmlns:ma14="http://schemas.microsoft.com/office/mac/drawingml/2011/main" xmlns="" val="1"/>
+                <ma14:wrappingTextBoxFlag xmlns="" xmlns:ma14="http://schemas.microsoft.com/office/mac/drawingml/2011/main" val="1"/>
               </a:ext>
             </a:extLst>
           </p:spPr>
@@ -17374,7 +16854,7 @@
 </p:sld>
 </file>
 
-<file path=ppt/slides/slide28.xml><?xml version="1.0" encoding="utf-8"?>
+<file path=ppt/slides/slide27.xml><?xml version="1.0" encoding="utf-8"?>
 <p:sld xmlns:a="http://schemas.openxmlformats.org/drawingml/2006/main" xmlns:r="http://schemas.openxmlformats.org/officeDocument/2006/relationships" xmlns:p="http://schemas.openxmlformats.org/presentationml/2006/main">
   <p:cSld>
     <p:spTree>
@@ -17413,7 +16893,7 @@
           <a:effectLst/>
           <a:extLst>
             <a:ext uri="{C572A759-6A51-4108-AA02-DFA0A04FC94B}">
-              <ma14:wrappingTextBoxFlag xmlns:ma14="http://schemas.microsoft.com/office/mac/drawingml/2011/main" xmlns="" val="1"/>
+              <ma14:wrappingTextBoxFlag xmlns="" xmlns:ma14="http://schemas.microsoft.com/office/mac/drawingml/2011/main" val="1"/>
             </a:ext>
           </a:extLst>
         </p:spPr>
@@ -17596,7 +17076,7 @@
           <a:effectLst/>
           <a:extLst>
             <a:ext uri="{C572A759-6A51-4108-AA02-DFA0A04FC94B}">
-              <ma14:wrappingTextBoxFlag xmlns:ma14="http://schemas.microsoft.com/office/mac/drawingml/2011/main" xmlns="" val="1"/>
+              <ma14:wrappingTextBoxFlag xmlns="" xmlns:ma14="http://schemas.microsoft.com/office/mac/drawingml/2011/main" val="1"/>
             </a:ext>
           </a:extLst>
         </p:spPr>
@@ -17668,7 +17148,7 @@
             <a:effectLst/>
             <a:extLst>
               <a:ext uri="{C572A759-6A51-4108-AA02-DFA0A04FC94B}">
-                <ma14:wrappingTextBoxFlag xmlns:ma14="http://schemas.microsoft.com/office/mac/drawingml/2011/main" xmlns="" val="1"/>
+                <ma14:wrappingTextBoxFlag xmlns="" xmlns:ma14="http://schemas.microsoft.com/office/mac/drawingml/2011/main" val="1"/>
               </a:ext>
             </a:extLst>
           </p:spPr>
@@ -17726,7 +17206,7 @@
             <a:effectLst/>
             <a:extLst>
               <a:ext uri="{C572A759-6A51-4108-AA02-DFA0A04FC94B}">
-                <ma14:wrappingTextBoxFlag xmlns:ma14="http://schemas.microsoft.com/office/mac/drawingml/2011/main" xmlns="" val="1"/>
+                <ma14:wrappingTextBoxFlag xmlns="" xmlns:ma14="http://schemas.microsoft.com/office/mac/drawingml/2011/main" val="1"/>
               </a:ext>
             </a:extLst>
           </p:spPr>
@@ -17967,7 +17447,7 @@
             <a:effectLst/>
             <a:extLst>
               <a:ext uri="{C572A759-6A51-4108-AA02-DFA0A04FC94B}">
-                <ma14:wrappingTextBoxFlag xmlns:ma14="http://schemas.microsoft.com/office/mac/drawingml/2011/main" xmlns="" val="1"/>
+                <ma14:wrappingTextBoxFlag xmlns="" xmlns:ma14="http://schemas.microsoft.com/office/mac/drawingml/2011/main" val="1"/>
               </a:ext>
             </a:extLst>
           </p:spPr>
@@ -18021,7 +17501,7 @@
             <a:effectLst/>
             <a:extLst>
               <a:ext uri="{C572A759-6A51-4108-AA02-DFA0A04FC94B}">
-                <ma14:wrappingTextBoxFlag xmlns:ma14="http://schemas.microsoft.com/office/mac/drawingml/2011/main" xmlns="" val="1"/>
+                <ma14:wrappingTextBoxFlag xmlns="" xmlns:ma14="http://schemas.microsoft.com/office/mac/drawingml/2011/main" val="1"/>
               </a:ext>
             </a:extLst>
           </p:spPr>
@@ -18246,7 +17726,7 @@
 </p:sld>
 </file>
 
-<file path=ppt/slides/slide29.xml><?xml version="1.0" encoding="utf-8"?>
+<file path=ppt/slides/slide28.xml><?xml version="1.0" encoding="utf-8"?>
 <p:sld xmlns:a="http://schemas.openxmlformats.org/drawingml/2006/main" xmlns:r="http://schemas.openxmlformats.org/officeDocument/2006/relationships" xmlns:p="http://schemas.openxmlformats.org/presentationml/2006/main">
   <p:cSld>
     <p:spTree>
@@ -18634,7 +18114,7 @@
             <a:effectLst/>
             <a:extLst>
               <a:ext uri="{C572A759-6A51-4108-AA02-DFA0A04FC94B}">
-                <ma14:wrappingTextBoxFlag xmlns:ma14="http://schemas.microsoft.com/office/mac/drawingml/2011/main" xmlns="" val="1"/>
+                <ma14:wrappingTextBoxFlag xmlns="" xmlns:ma14="http://schemas.microsoft.com/office/mac/drawingml/2011/main" val="1"/>
               </a:ext>
             </a:extLst>
           </p:spPr>
@@ -18778,7 +18258,7 @@
             <a:effectLst/>
             <a:extLst>
               <a:ext uri="{C572A759-6A51-4108-AA02-DFA0A04FC94B}">
-                <ma14:wrappingTextBoxFlag xmlns:ma14="http://schemas.microsoft.com/office/mac/drawingml/2011/main" xmlns="" val="1"/>
+                <ma14:wrappingTextBoxFlag xmlns="" xmlns:ma14="http://schemas.microsoft.com/office/mac/drawingml/2011/main" val="1"/>
               </a:ext>
             </a:extLst>
           </p:spPr>
@@ -18836,7 +18316,7 @@
             <a:effectLst/>
             <a:extLst>
               <a:ext uri="{C572A759-6A51-4108-AA02-DFA0A04FC94B}">
-                <ma14:wrappingTextBoxFlag xmlns:ma14="http://schemas.microsoft.com/office/mac/drawingml/2011/main" xmlns="" val="1"/>
+                <ma14:wrappingTextBoxFlag xmlns="" xmlns:ma14="http://schemas.microsoft.com/office/mac/drawingml/2011/main" val="1"/>
               </a:ext>
             </a:extLst>
           </p:spPr>
@@ -19014,532 +18494,7 @@
 </p:sld>
 </file>
 
-<file path=ppt/slides/slide3.xml><?xml version="1.0" encoding="utf-8"?>
-<p:sld xmlns:a="http://schemas.openxmlformats.org/drawingml/2006/main" xmlns:r="http://schemas.openxmlformats.org/officeDocument/2006/relationships" xmlns:p="http://schemas.openxmlformats.org/presentationml/2006/main">
-  <p:cSld>
-    <p:bg>
-      <p:bgPr>
-        <a:solidFill>
-          <a:schemeClr val="bg1">
-            <a:lumMod val="95000"/>
-          </a:schemeClr>
-        </a:solidFill>
-        <a:effectLst/>
-      </p:bgPr>
-    </p:bg>
-    <p:spTree>
-      <p:nvGrpSpPr>
-        <p:cNvPr id="1" name=""/>
-        <p:cNvGrpSpPr/>
-        <p:nvPr/>
-      </p:nvGrpSpPr>
-      <p:grpSpPr>
-        <a:xfrm>
-          <a:off x="0" y="0"/>
-          <a:ext cx="0" cy="0"/>
-          <a:chOff x="0" y="0"/>
-          <a:chExt cx="0" cy="0"/>
-        </a:xfrm>
-      </p:grpSpPr>
-      <p:sp>
-        <p:nvSpPr>
-          <p:cNvPr id="4" name="직사각형 3"/>
-          <p:cNvSpPr/>
-          <p:nvPr/>
-        </p:nvSpPr>
-        <p:spPr>
-          <a:xfrm>
-            <a:off x="0" y="-16001"/>
-            <a:ext cx="1657350" cy="6238875"/>
-          </a:xfrm>
-          <a:prstGeom prst="rect">
-            <a:avLst/>
-          </a:prstGeom>
-          <a:solidFill>
-            <a:srgbClr val="EDD0BE"/>
-          </a:solidFill>
-          <a:ln>
-            <a:noFill/>
-          </a:ln>
-        </p:spPr>
-        <p:style>
-          <a:lnRef idx="2">
-            <a:schemeClr val="accent1">
-              <a:shade val="50000"/>
-            </a:schemeClr>
-          </a:lnRef>
-          <a:fillRef idx="1">
-            <a:schemeClr val="accent1"/>
-          </a:fillRef>
-          <a:effectRef idx="0">
-            <a:schemeClr val="accent1"/>
-          </a:effectRef>
-          <a:fontRef idx="minor">
-            <a:schemeClr val="lt1"/>
-          </a:fontRef>
-        </p:style>
-        <p:txBody>
-          <a:bodyPr rtlCol="0" anchor="ctr"/>
-          <a:lstStyle/>
-          <a:p>
-            <a:pPr algn="ctr"/>
-            <a:endParaRPr lang="ko-KR" altLang="en-US" dirty="0">
-              <a:latin typeface="나눔고딕 Light" pitchFamily="50" charset="-127"/>
-              <a:ea typeface="나눔고딕 Light" pitchFamily="50" charset="-127"/>
-            </a:endParaRPr>
-          </a:p>
-        </p:txBody>
-      </p:sp>
-      <p:sp>
-        <p:nvSpPr>
-          <p:cNvPr id="5" name="TextBox 7"/>
-          <p:cNvSpPr txBox="1">
-            <a:spLocks noChangeArrowheads="1"/>
-          </p:cNvSpPr>
-          <p:nvPr/>
-        </p:nvSpPr>
-        <p:spPr bwMode="auto">
-          <a:xfrm>
-            <a:off x="2406377" y="608585"/>
-            <a:ext cx="4352674" cy="676532"/>
-          </a:xfrm>
-          <a:prstGeom prst="rect">
-            <a:avLst/>
-          </a:prstGeom>
-          <a:noFill/>
-          <a:ln>
-            <a:noFill/>
-          </a:ln>
-          <a:extLst>
-            <a:ext uri="{909E8E84-426E-40DD-AFC4-6F175D3DCCD1}">
-              <a14:hiddenFill xmlns:a14="http://schemas.microsoft.com/office/drawing/2010/main">
-                <a:solidFill>
-                  <a:srgbClr val="FFFFFF"/>
-                </a:solidFill>
-              </a14:hiddenFill>
-            </a:ext>
-            <a:ext uri="{91240B29-F687-4F45-9708-019B960494DF}">
-              <a14:hiddenLine xmlns:a14="http://schemas.microsoft.com/office/drawing/2010/main" w="9525">
-                <a:solidFill>
-                  <a:srgbClr val="000000"/>
-                </a:solidFill>
-                <a:miter lim="800000"/>
-                <a:headEnd/>
-                <a:tailEnd/>
-              </a14:hiddenLine>
-            </a:ext>
-          </a:extLst>
-        </p:spPr>
-        <p:txBody>
-          <a:bodyPr wrap="square">
-            <a:spAutoFit/>
-          </a:bodyPr>
-          <a:lstStyle>
-            <a:lvl1pPr>
-              <a:defRPr sz="3600">
-                <a:solidFill>
-                  <a:schemeClr val="tx1"/>
-                </a:solidFill>
-                <a:latin typeface="Lato Light" pitchFamily="34" charset="0"/>
-              </a:defRPr>
-            </a:lvl1pPr>
-            <a:lvl2pPr marL="742950" indent="-285750">
-              <a:defRPr sz="3600">
-                <a:solidFill>
-                  <a:schemeClr val="tx1"/>
-                </a:solidFill>
-                <a:latin typeface="Lato Light" pitchFamily="34" charset="0"/>
-              </a:defRPr>
-            </a:lvl2pPr>
-            <a:lvl3pPr marL="1143000" indent="-228600">
-              <a:defRPr sz="3600">
-                <a:solidFill>
-                  <a:schemeClr val="tx1"/>
-                </a:solidFill>
-                <a:latin typeface="Lato Light" pitchFamily="34" charset="0"/>
-              </a:defRPr>
-            </a:lvl3pPr>
-            <a:lvl4pPr marL="1600200" indent="-228600">
-              <a:defRPr sz="3600">
-                <a:solidFill>
-                  <a:schemeClr val="tx1"/>
-                </a:solidFill>
-                <a:latin typeface="Lato Light" pitchFamily="34" charset="0"/>
-              </a:defRPr>
-            </a:lvl4pPr>
-            <a:lvl5pPr marL="2057400" indent="-228600">
-              <a:defRPr sz="3600">
-                <a:solidFill>
-                  <a:schemeClr val="tx1"/>
-                </a:solidFill>
-                <a:latin typeface="Lato Light" pitchFamily="34" charset="0"/>
-              </a:defRPr>
-            </a:lvl5pPr>
-            <a:lvl6pPr marL="2514600" indent="-228600" defTabSz="1827213" fontAlgn="base">
-              <a:spcBef>
-                <a:spcPct val="0"/>
-              </a:spcBef>
-              <a:spcAft>
-                <a:spcPct val="0"/>
-              </a:spcAft>
-              <a:defRPr sz="3600">
-                <a:solidFill>
-                  <a:schemeClr val="tx1"/>
-                </a:solidFill>
-                <a:latin typeface="Lato Light" pitchFamily="34" charset="0"/>
-              </a:defRPr>
-            </a:lvl6pPr>
-            <a:lvl7pPr marL="2971800" indent="-228600" defTabSz="1827213" fontAlgn="base">
-              <a:spcBef>
-                <a:spcPct val="0"/>
-              </a:spcBef>
-              <a:spcAft>
-                <a:spcPct val="0"/>
-              </a:spcAft>
-              <a:defRPr sz="3600">
-                <a:solidFill>
-                  <a:schemeClr val="tx1"/>
-                </a:solidFill>
-                <a:latin typeface="Lato Light" pitchFamily="34" charset="0"/>
-              </a:defRPr>
-            </a:lvl7pPr>
-            <a:lvl8pPr marL="3429000" indent="-228600" defTabSz="1827213" fontAlgn="base">
-              <a:spcBef>
-                <a:spcPct val="0"/>
-              </a:spcBef>
-              <a:spcAft>
-                <a:spcPct val="0"/>
-              </a:spcAft>
-              <a:defRPr sz="3600">
-                <a:solidFill>
-                  <a:schemeClr val="tx1"/>
-                </a:solidFill>
-                <a:latin typeface="Lato Light" pitchFamily="34" charset="0"/>
-              </a:defRPr>
-            </a:lvl8pPr>
-            <a:lvl9pPr marL="3886200" indent="-228600" defTabSz="1827213" fontAlgn="base">
-              <a:spcBef>
-                <a:spcPct val="0"/>
-              </a:spcBef>
-              <a:spcAft>
-                <a:spcPct val="0"/>
-              </a:spcAft>
-              <a:defRPr sz="3600">
-                <a:solidFill>
-                  <a:schemeClr val="tx1"/>
-                </a:solidFill>
-                <a:latin typeface="Lato Light" pitchFamily="34" charset="0"/>
-              </a:defRPr>
-            </a:lvl9pPr>
-          </a:lstStyle>
-          <a:p>
-            <a:pPr>
-              <a:lnSpc>
-                <a:spcPct val="150000"/>
-              </a:lnSpc>
-            </a:pPr>
-            <a:r>
-              <a:rPr lang="en-US" altLang="ko-KR" sz="2800" b="1" dirty="0" smtClean="0">
-                <a:latin typeface="나눔스퀘어 Bold" panose="020B0600000101010101" pitchFamily="50" charset="-127"/>
-                <a:ea typeface="나눔스퀘어 Bold" panose="020B0600000101010101" pitchFamily="50" charset="-127"/>
-                <a:cs typeface="Calibri" panose="020F0502020204030204" pitchFamily="34" charset="0"/>
-              </a:rPr>
-              <a:t>Outline</a:t>
-            </a:r>
-            <a:endParaRPr lang="ru-RU" altLang="ko-KR" sz="2800" b="1" dirty="0">
-              <a:latin typeface="나눔스퀘어 Bold" panose="020B0600000101010101" pitchFamily="50" charset="-127"/>
-              <a:ea typeface="나눔스퀘어 Bold" panose="020B0600000101010101" pitchFamily="50" charset="-127"/>
-              <a:cs typeface="Calibri" panose="020F0502020204030204" pitchFamily="34" charset="0"/>
-            </a:endParaRPr>
-          </a:p>
-        </p:txBody>
-      </p:sp>
-      <p:sp>
-        <p:nvSpPr>
-          <p:cNvPr id="10" name="Shape 388"/>
-          <p:cNvSpPr/>
-          <p:nvPr/>
-        </p:nvSpPr>
-        <p:spPr>
-          <a:xfrm>
-            <a:off x="2469103" y="2135723"/>
-            <a:ext cx="8951372" cy="3936831"/>
-          </a:xfrm>
-          <a:prstGeom prst="rect">
-            <a:avLst/>
-          </a:prstGeom>
-          <a:ln w="3175">
-            <a:miter lim="400000"/>
-          </a:ln>
-          <a:extLst>
-            <a:ext uri="{C572A759-6A51-4108-AA02-DFA0A04FC94B}">
-              <ma14:wrappingTextBoxFlag xmlns:ma14="http://schemas.microsoft.com/office/mac/drawingml/2011/main" xmlns="" val="1"/>
-            </a:ext>
-          </a:extLst>
-        </p:spPr>
-        <p:txBody>
-          <a:bodyPr lIns="38100" tIns="38100" rIns="38100" bIns="38100">
-            <a:normAutofit/>
-          </a:bodyPr>
-          <a:lstStyle/>
-          <a:p>
-            <a:pPr marL="285750" indent="-285750" fontAlgn="base">
-              <a:lnSpc>
-                <a:spcPct val="150000"/>
-              </a:lnSpc>
-              <a:buFontTx/>
-              <a:buChar char="-"/>
-            </a:pPr>
-            <a:r>
-              <a:rPr lang="en-US" altLang="ko-KR" dirty="0">
-                <a:latin typeface="나눔고딕 Light" panose="020D0904000000000000" pitchFamily="50" charset="-127"/>
-                <a:ea typeface="나눔고딕 Light" panose="020D0904000000000000" pitchFamily="50" charset="-127"/>
-              </a:rPr>
-              <a:t>Launching Object Detection through </a:t>
-            </a:r>
-            <a:r>
-              <a:rPr lang="en-US" altLang="ko-KR" dirty="0" err="1">
-                <a:latin typeface="나눔고딕 Light" panose="020D0904000000000000" pitchFamily="50" charset="-127"/>
-                <a:ea typeface="나눔고딕 Light" panose="020D0904000000000000" pitchFamily="50" charset="-127"/>
-              </a:rPr>
-              <a:t>OpenCV</a:t>
-            </a:r>
-            <a:r>
-              <a:rPr lang="en-US" altLang="ko-KR" dirty="0">
-                <a:latin typeface="나눔고딕 Light" panose="020D0904000000000000" pitchFamily="50" charset="-127"/>
-                <a:ea typeface="나눔고딕 Light" panose="020D0904000000000000" pitchFamily="50" charset="-127"/>
-              </a:rPr>
-              <a:t> of information entered in </a:t>
-            </a:r>
-            <a:r>
-              <a:rPr lang="en-US" altLang="ko-KR" dirty="0" smtClean="0">
-                <a:latin typeface="나눔고딕 Light" panose="020D0904000000000000" pitchFamily="50" charset="-127"/>
-                <a:ea typeface="나눔고딕 Light" panose="020D0904000000000000" pitchFamily="50" charset="-127"/>
-              </a:rPr>
-              <a:t>Pi Camera.</a:t>
-            </a:r>
-          </a:p>
-          <a:p>
-            <a:pPr marL="285750" indent="-285750" fontAlgn="base">
-              <a:lnSpc>
-                <a:spcPct val="150000"/>
-              </a:lnSpc>
-              <a:buFontTx/>
-              <a:buChar char="-"/>
-            </a:pPr>
-            <a:endParaRPr lang="en-US" altLang="ko-KR" dirty="0">
-              <a:latin typeface="나눔고딕 Light" pitchFamily="50" charset="-127"/>
-              <a:ea typeface="나눔고딕 Light" pitchFamily="50" charset="-127"/>
-            </a:endParaRPr>
-          </a:p>
-          <a:p>
-            <a:pPr marL="285750" indent="-285750" fontAlgn="base">
-              <a:lnSpc>
-                <a:spcPct val="150000"/>
-              </a:lnSpc>
-              <a:buFontTx/>
-              <a:buChar char="-"/>
-            </a:pPr>
-            <a:r>
-              <a:rPr lang="en-US" altLang="ko-KR" dirty="0">
-                <a:latin typeface="나눔고딕 Light" pitchFamily="50" charset="-127"/>
-                <a:ea typeface="나눔고딕 Light" pitchFamily="50" charset="-127"/>
-              </a:rPr>
-              <a:t>Determine the driving judgment and driving strategy through CNN and RNN and create the driving path based on the driving strategy determined.</a:t>
-            </a:r>
-          </a:p>
-          <a:p>
-            <a:pPr marL="285750" indent="-285750" fontAlgn="base">
-              <a:lnSpc>
-                <a:spcPct val="150000"/>
-              </a:lnSpc>
-              <a:buFontTx/>
-              <a:buChar char="-"/>
-            </a:pPr>
-            <a:endParaRPr lang="en-US" altLang="ko-KR" dirty="0" smtClean="0">
-              <a:latin typeface="나눔고딕 Light" pitchFamily="50" charset="-127"/>
-              <a:ea typeface="나눔고딕 Light" pitchFamily="50" charset="-127"/>
-            </a:endParaRPr>
-          </a:p>
-          <a:p>
-            <a:pPr marL="285750" indent="-285750" fontAlgn="base">
-              <a:lnSpc>
-                <a:spcPct val="150000"/>
-              </a:lnSpc>
-              <a:buFontTx/>
-              <a:buChar char="-"/>
-            </a:pPr>
-            <a:r>
-              <a:rPr lang="en-US" altLang="ko-KR" dirty="0">
-                <a:latin typeface="나눔고딕 Light" panose="020D0904000000000000" pitchFamily="50" charset="-127"/>
-                <a:ea typeface="나눔고딕 Light" panose="020D0904000000000000" pitchFamily="50" charset="-127"/>
-              </a:rPr>
-              <a:t>Transmits artificial intelligence into RC cars through </a:t>
-            </a:r>
-            <a:r>
-              <a:rPr lang="en-US" altLang="ko-KR" dirty="0" err="1">
-                <a:latin typeface="나눔고딕 Light" panose="020D0904000000000000" pitchFamily="50" charset="-127"/>
-                <a:ea typeface="나눔고딕 Light" panose="020D0904000000000000" pitchFamily="50" charset="-127"/>
-              </a:rPr>
-              <a:t>Wifi</a:t>
-            </a:r>
-            <a:r>
-              <a:rPr lang="en-US" altLang="ko-KR" dirty="0">
-                <a:latin typeface="나눔고딕 Light" panose="020D0904000000000000" pitchFamily="50" charset="-127"/>
-                <a:ea typeface="나눔고딕 Light" panose="020D0904000000000000" pitchFamily="50" charset="-127"/>
-              </a:rPr>
-              <a:t> communication and implements vehicle control based on this </a:t>
-            </a:r>
-            <a:r>
-              <a:rPr lang="en-US" altLang="ko-KR" dirty="0" smtClean="0">
-                <a:latin typeface="나눔고딕 Light" pitchFamily="50" charset="-127"/>
-                <a:ea typeface="나눔고딕 Light" pitchFamily="50" charset="-127"/>
-              </a:rPr>
-              <a:t>decision.</a:t>
-            </a:r>
-          </a:p>
-          <a:p>
-            <a:pPr fontAlgn="base">
-              <a:lnSpc>
-                <a:spcPct val="120000"/>
-              </a:lnSpc>
-            </a:pPr>
-            <a:r>
-              <a:rPr lang="ko-KR" altLang="en-US" dirty="0" smtClean="0">
-                <a:latin typeface="나눔고딕 Light" pitchFamily="50" charset="-127"/>
-                <a:ea typeface="나눔고딕 Light" pitchFamily="50" charset="-127"/>
-              </a:rPr>
-              <a:t> </a:t>
-            </a:r>
-          </a:p>
-        </p:txBody>
-      </p:sp>
-      <p:grpSp>
-        <p:nvGrpSpPr>
-          <p:cNvPr id="11" name="Group 392"/>
-          <p:cNvGrpSpPr/>
-          <p:nvPr/>
-        </p:nvGrpSpPr>
-        <p:grpSpPr>
-          <a:xfrm>
-            <a:off x="2469103" y="1587290"/>
-            <a:ext cx="8675147" cy="127210"/>
-            <a:chOff x="0" y="0"/>
-            <a:chExt cx="11657498" cy="0"/>
-          </a:xfrm>
-        </p:grpSpPr>
-        <p:sp>
-          <p:nvSpPr>
-            <p:cNvPr id="12" name="Shape 390"/>
-            <p:cNvSpPr/>
-            <p:nvPr/>
-          </p:nvSpPr>
-          <p:spPr>
-            <a:xfrm>
-              <a:off x="0" y="0"/>
-              <a:ext cx="11657498" cy="0"/>
-            </a:xfrm>
-            <a:prstGeom prst="line">
-              <a:avLst/>
-            </a:prstGeom>
-            <a:noFill/>
-            <a:ln w="25400" cap="flat">
-              <a:solidFill>
-                <a:srgbClr val="E5E5E5"/>
-              </a:solidFill>
-              <a:prstDash val="solid"/>
-              <a:miter lim="400000"/>
-            </a:ln>
-            <a:effectLst/>
-          </p:spPr>
-          <p:txBody>
-            <a:bodyPr wrap="square" lIns="38100" tIns="38100" rIns="38100" bIns="38100" numCol="1" anchor="ctr">
-              <a:noAutofit/>
-            </a:bodyPr>
-            <a:lstStyle/>
-            <a:p>
-              <a:pPr algn="ctr">
-                <a:defRPr sz="3000">
-                  <a:solidFill>
-                    <a:srgbClr val="000000"/>
-                  </a:solidFill>
-                  <a:latin typeface="Helvetica Light"/>
-                  <a:ea typeface="Helvetica Light"/>
-                  <a:cs typeface="Helvetica Light"/>
-                  <a:sym typeface="Helvetica Light"/>
-                </a:defRPr>
-              </a:pPr>
-              <a:endParaRPr/>
-            </a:p>
-          </p:txBody>
-        </p:sp>
-        <p:sp>
-          <p:nvSpPr>
-            <p:cNvPr id="13" name="Shape 391"/>
-            <p:cNvSpPr/>
-            <p:nvPr/>
-          </p:nvSpPr>
-          <p:spPr>
-            <a:xfrm>
-              <a:off x="12700" y="0"/>
-              <a:ext cx="1456385" cy="0"/>
-            </a:xfrm>
-            <a:prstGeom prst="line">
-              <a:avLst/>
-            </a:prstGeom>
-            <a:noFill/>
-            <a:ln w="25400" cap="flat">
-              <a:solidFill>
-                <a:srgbClr val="000000"/>
-              </a:solidFill>
-              <a:prstDash val="solid"/>
-              <a:miter lim="400000"/>
-            </a:ln>
-            <a:effectLst/>
-          </p:spPr>
-          <p:txBody>
-            <a:bodyPr wrap="square" lIns="38100" tIns="38100" rIns="38100" bIns="38100" numCol="1" anchor="ctr">
-              <a:noAutofit/>
-            </a:bodyPr>
-            <a:lstStyle/>
-            <a:p>
-              <a:pPr algn="ctr">
-                <a:defRPr sz="3000">
-                  <a:solidFill>
-                    <a:srgbClr val="000000"/>
-                  </a:solidFill>
-                  <a:latin typeface="Helvetica Light"/>
-                  <a:ea typeface="Helvetica Light"/>
-                  <a:cs typeface="Helvetica Light"/>
-                  <a:sym typeface="Helvetica Light"/>
-                </a:defRPr>
-              </a:pPr>
-              <a:endParaRPr/>
-            </a:p>
-          </p:txBody>
-        </p:sp>
-      </p:grpSp>
-    </p:spTree>
-    <p:extLst>
-      <p:ext uri="{BB962C8B-B14F-4D97-AF65-F5344CB8AC3E}">
-        <p14:creationId xmlns:p14="http://schemas.microsoft.com/office/powerpoint/2010/main" val="1173058010"/>
-      </p:ext>
-    </p:extLst>
-  </p:cSld>
-  <p:clrMapOvr>
-    <a:masterClrMapping/>
-  </p:clrMapOvr>
-  <p:timing>
-    <p:tnLst>
-      <p:par>
-        <p:cTn id="1" dur="indefinite" restart="never" nodeType="tmRoot"/>
-      </p:par>
-    </p:tnLst>
-  </p:timing>
-</p:sld>
-</file>
-
-<file path=ppt/slides/slide30.xml><?xml version="1.0" encoding="utf-8"?>
+<file path=ppt/slides/slide29.xml><?xml version="1.0" encoding="utf-8"?>
 <p:sld xmlns:a="http://schemas.openxmlformats.org/drawingml/2006/main" xmlns:r="http://schemas.openxmlformats.org/officeDocument/2006/relationships" xmlns:p="http://schemas.openxmlformats.org/presentationml/2006/main">
   <p:cSld>
     <p:spTree>
@@ -20111,6 +19066,531 @@
 </p:sld>
 </file>
 
+<file path=ppt/slides/slide3.xml><?xml version="1.0" encoding="utf-8"?>
+<p:sld xmlns:a="http://schemas.openxmlformats.org/drawingml/2006/main" xmlns:r="http://schemas.openxmlformats.org/officeDocument/2006/relationships" xmlns:p="http://schemas.openxmlformats.org/presentationml/2006/main">
+  <p:cSld>
+    <p:bg>
+      <p:bgPr>
+        <a:solidFill>
+          <a:schemeClr val="bg1">
+            <a:lumMod val="95000"/>
+          </a:schemeClr>
+        </a:solidFill>
+        <a:effectLst/>
+      </p:bgPr>
+    </p:bg>
+    <p:spTree>
+      <p:nvGrpSpPr>
+        <p:cNvPr id="1" name=""/>
+        <p:cNvGrpSpPr/>
+        <p:nvPr/>
+      </p:nvGrpSpPr>
+      <p:grpSpPr>
+        <a:xfrm>
+          <a:off x="0" y="0"/>
+          <a:ext cx="0" cy="0"/>
+          <a:chOff x="0" y="0"/>
+          <a:chExt cx="0" cy="0"/>
+        </a:xfrm>
+      </p:grpSpPr>
+      <p:sp>
+        <p:nvSpPr>
+          <p:cNvPr id="4" name="직사각형 3"/>
+          <p:cNvSpPr/>
+          <p:nvPr/>
+        </p:nvSpPr>
+        <p:spPr>
+          <a:xfrm>
+            <a:off x="0" y="-16001"/>
+            <a:ext cx="1657350" cy="6238875"/>
+          </a:xfrm>
+          <a:prstGeom prst="rect">
+            <a:avLst/>
+          </a:prstGeom>
+          <a:solidFill>
+            <a:srgbClr val="EDD0BE"/>
+          </a:solidFill>
+          <a:ln>
+            <a:noFill/>
+          </a:ln>
+        </p:spPr>
+        <p:style>
+          <a:lnRef idx="2">
+            <a:schemeClr val="accent1">
+              <a:shade val="50000"/>
+            </a:schemeClr>
+          </a:lnRef>
+          <a:fillRef idx="1">
+            <a:schemeClr val="accent1"/>
+          </a:fillRef>
+          <a:effectRef idx="0">
+            <a:schemeClr val="accent1"/>
+          </a:effectRef>
+          <a:fontRef idx="minor">
+            <a:schemeClr val="lt1"/>
+          </a:fontRef>
+        </p:style>
+        <p:txBody>
+          <a:bodyPr rtlCol="0" anchor="ctr"/>
+          <a:lstStyle/>
+          <a:p>
+            <a:pPr algn="ctr"/>
+            <a:endParaRPr lang="ko-KR" altLang="en-US" dirty="0">
+              <a:latin typeface="나눔고딕 Light" pitchFamily="50" charset="-127"/>
+              <a:ea typeface="나눔고딕 Light" pitchFamily="50" charset="-127"/>
+            </a:endParaRPr>
+          </a:p>
+        </p:txBody>
+      </p:sp>
+      <p:sp>
+        <p:nvSpPr>
+          <p:cNvPr id="5" name="TextBox 7"/>
+          <p:cNvSpPr txBox="1">
+            <a:spLocks noChangeArrowheads="1"/>
+          </p:cNvSpPr>
+          <p:nvPr/>
+        </p:nvSpPr>
+        <p:spPr bwMode="auto">
+          <a:xfrm>
+            <a:off x="2406377" y="608585"/>
+            <a:ext cx="4352674" cy="676532"/>
+          </a:xfrm>
+          <a:prstGeom prst="rect">
+            <a:avLst/>
+          </a:prstGeom>
+          <a:noFill/>
+          <a:ln>
+            <a:noFill/>
+          </a:ln>
+          <a:extLst>
+            <a:ext uri="{909E8E84-426E-40DD-AFC4-6F175D3DCCD1}">
+              <a14:hiddenFill xmlns:a14="http://schemas.microsoft.com/office/drawing/2010/main">
+                <a:solidFill>
+                  <a:srgbClr val="FFFFFF"/>
+                </a:solidFill>
+              </a14:hiddenFill>
+            </a:ext>
+            <a:ext uri="{91240B29-F687-4F45-9708-019B960494DF}">
+              <a14:hiddenLine xmlns:a14="http://schemas.microsoft.com/office/drawing/2010/main" w="9525">
+                <a:solidFill>
+                  <a:srgbClr val="000000"/>
+                </a:solidFill>
+                <a:miter lim="800000"/>
+                <a:headEnd/>
+                <a:tailEnd/>
+              </a14:hiddenLine>
+            </a:ext>
+          </a:extLst>
+        </p:spPr>
+        <p:txBody>
+          <a:bodyPr wrap="square">
+            <a:spAutoFit/>
+          </a:bodyPr>
+          <a:lstStyle>
+            <a:lvl1pPr>
+              <a:defRPr sz="3600">
+                <a:solidFill>
+                  <a:schemeClr val="tx1"/>
+                </a:solidFill>
+                <a:latin typeface="Lato Light" pitchFamily="34" charset="0"/>
+              </a:defRPr>
+            </a:lvl1pPr>
+            <a:lvl2pPr marL="742950" indent="-285750">
+              <a:defRPr sz="3600">
+                <a:solidFill>
+                  <a:schemeClr val="tx1"/>
+                </a:solidFill>
+                <a:latin typeface="Lato Light" pitchFamily="34" charset="0"/>
+              </a:defRPr>
+            </a:lvl2pPr>
+            <a:lvl3pPr marL="1143000" indent="-228600">
+              <a:defRPr sz="3600">
+                <a:solidFill>
+                  <a:schemeClr val="tx1"/>
+                </a:solidFill>
+                <a:latin typeface="Lato Light" pitchFamily="34" charset="0"/>
+              </a:defRPr>
+            </a:lvl3pPr>
+            <a:lvl4pPr marL="1600200" indent="-228600">
+              <a:defRPr sz="3600">
+                <a:solidFill>
+                  <a:schemeClr val="tx1"/>
+                </a:solidFill>
+                <a:latin typeface="Lato Light" pitchFamily="34" charset="0"/>
+              </a:defRPr>
+            </a:lvl4pPr>
+            <a:lvl5pPr marL="2057400" indent="-228600">
+              <a:defRPr sz="3600">
+                <a:solidFill>
+                  <a:schemeClr val="tx1"/>
+                </a:solidFill>
+                <a:latin typeface="Lato Light" pitchFamily="34" charset="0"/>
+              </a:defRPr>
+            </a:lvl5pPr>
+            <a:lvl6pPr marL="2514600" indent="-228600" defTabSz="1827213" fontAlgn="base">
+              <a:spcBef>
+                <a:spcPct val="0"/>
+              </a:spcBef>
+              <a:spcAft>
+                <a:spcPct val="0"/>
+              </a:spcAft>
+              <a:defRPr sz="3600">
+                <a:solidFill>
+                  <a:schemeClr val="tx1"/>
+                </a:solidFill>
+                <a:latin typeface="Lato Light" pitchFamily="34" charset="0"/>
+              </a:defRPr>
+            </a:lvl6pPr>
+            <a:lvl7pPr marL="2971800" indent="-228600" defTabSz="1827213" fontAlgn="base">
+              <a:spcBef>
+                <a:spcPct val="0"/>
+              </a:spcBef>
+              <a:spcAft>
+                <a:spcPct val="0"/>
+              </a:spcAft>
+              <a:defRPr sz="3600">
+                <a:solidFill>
+                  <a:schemeClr val="tx1"/>
+                </a:solidFill>
+                <a:latin typeface="Lato Light" pitchFamily="34" charset="0"/>
+              </a:defRPr>
+            </a:lvl7pPr>
+            <a:lvl8pPr marL="3429000" indent="-228600" defTabSz="1827213" fontAlgn="base">
+              <a:spcBef>
+                <a:spcPct val="0"/>
+              </a:spcBef>
+              <a:spcAft>
+                <a:spcPct val="0"/>
+              </a:spcAft>
+              <a:defRPr sz="3600">
+                <a:solidFill>
+                  <a:schemeClr val="tx1"/>
+                </a:solidFill>
+                <a:latin typeface="Lato Light" pitchFamily="34" charset="0"/>
+              </a:defRPr>
+            </a:lvl8pPr>
+            <a:lvl9pPr marL="3886200" indent="-228600" defTabSz="1827213" fontAlgn="base">
+              <a:spcBef>
+                <a:spcPct val="0"/>
+              </a:spcBef>
+              <a:spcAft>
+                <a:spcPct val="0"/>
+              </a:spcAft>
+              <a:defRPr sz="3600">
+                <a:solidFill>
+                  <a:schemeClr val="tx1"/>
+                </a:solidFill>
+                <a:latin typeface="Lato Light" pitchFamily="34" charset="0"/>
+              </a:defRPr>
+            </a:lvl9pPr>
+          </a:lstStyle>
+          <a:p>
+            <a:pPr>
+              <a:lnSpc>
+                <a:spcPct val="150000"/>
+              </a:lnSpc>
+            </a:pPr>
+            <a:r>
+              <a:rPr lang="en-US" altLang="ko-KR" sz="2800" b="1" dirty="0" smtClean="0">
+                <a:latin typeface="나눔스퀘어 Bold" panose="020B0600000101010101" pitchFamily="50" charset="-127"/>
+                <a:ea typeface="나눔스퀘어 Bold" panose="020B0600000101010101" pitchFamily="50" charset="-127"/>
+                <a:cs typeface="Calibri" panose="020F0502020204030204" pitchFamily="34" charset="0"/>
+              </a:rPr>
+              <a:t>Outline</a:t>
+            </a:r>
+            <a:endParaRPr lang="ru-RU" altLang="ko-KR" sz="2800" b="1" dirty="0">
+              <a:latin typeface="나눔스퀘어 Bold" panose="020B0600000101010101" pitchFamily="50" charset="-127"/>
+              <a:ea typeface="나눔스퀘어 Bold" panose="020B0600000101010101" pitchFamily="50" charset="-127"/>
+              <a:cs typeface="Calibri" panose="020F0502020204030204" pitchFamily="34" charset="0"/>
+            </a:endParaRPr>
+          </a:p>
+        </p:txBody>
+      </p:sp>
+      <p:sp>
+        <p:nvSpPr>
+          <p:cNvPr id="10" name="Shape 388"/>
+          <p:cNvSpPr/>
+          <p:nvPr/>
+        </p:nvSpPr>
+        <p:spPr>
+          <a:xfrm>
+            <a:off x="2469103" y="2135723"/>
+            <a:ext cx="8951372" cy="3936831"/>
+          </a:xfrm>
+          <a:prstGeom prst="rect">
+            <a:avLst/>
+          </a:prstGeom>
+          <a:ln w="3175">
+            <a:miter lim="400000"/>
+          </a:ln>
+          <a:extLst>
+            <a:ext uri="{C572A759-6A51-4108-AA02-DFA0A04FC94B}">
+              <ma14:wrappingTextBoxFlag xmlns="" xmlns:ma14="http://schemas.microsoft.com/office/mac/drawingml/2011/main" val="1"/>
+            </a:ext>
+          </a:extLst>
+        </p:spPr>
+        <p:txBody>
+          <a:bodyPr lIns="38100" tIns="38100" rIns="38100" bIns="38100">
+            <a:normAutofit/>
+          </a:bodyPr>
+          <a:lstStyle/>
+          <a:p>
+            <a:pPr marL="285750" indent="-285750" fontAlgn="base">
+              <a:lnSpc>
+                <a:spcPct val="150000"/>
+              </a:lnSpc>
+              <a:buFontTx/>
+              <a:buChar char="-"/>
+            </a:pPr>
+            <a:r>
+              <a:rPr lang="en-US" altLang="ko-KR" dirty="0">
+                <a:latin typeface="나눔고딕 Light" panose="020D0904000000000000" pitchFamily="50" charset="-127"/>
+                <a:ea typeface="나눔고딕 Light" panose="020D0904000000000000" pitchFamily="50" charset="-127"/>
+              </a:rPr>
+              <a:t>Launching Object Detection through </a:t>
+            </a:r>
+            <a:r>
+              <a:rPr lang="en-US" altLang="ko-KR" dirty="0" err="1">
+                <a:latin typeface="나눔고딕 Light" panose="020D0904000000000000" pitchFamily="50" charset="-127"/>
+                <a:ea typeface="나눔고딕 Light" panose="020D0904000000000000" pitchFamily="50" charset="-127"/>
+              </a:rPr>
+              <a:t>OpenCV</a:t>
+            </a:r>
+            <a:r>
+              <a:rPr lang="en-US" altLang="ko-KR" dirty="0">
+                <a:latin typeface="나눔고딕 Light" panose="020D0904000000000000" pitchFamily="50" charset="-127"/>
+                <a:ea typeface="나눔고딕 Light" panose="020D0904000000000000" pitchFamily="50" charset="-127"/>
+              </a:rPr>
+              <a:t> of information entered in </a:t>
+            </a:r>
+            <a:r>
+              <a:rPr lang="en-US" altLang="ko-KR" dirty="0" smtClean="0">
+                <a:latin typeface="나눔고딕 Light" panose="020D0904000000000000" pitchFamily="50" charset="-127"/>
+                <a:ea typeface="나눔고딕 Light" panose="020D0904000000000000" pitchFamily="50" charset="-127"/>
+              </a:rPr>
+              <a:t>Pi Camera.</a:t>
+            </a:r>
+          </a:p>
+          <a:p>
+            <a:pPr marL="285750" indent="-285750" fontAlgn="base">
+              <a:lnSpc>
+                <a:spcPct val="150000"/>
+              </a:lnSpc>
+              <a:buFontTx/>
+              <a:buChar char="-"/>
+            </a:pPr>
+            <a:endParaRPr lang="en-US" altLang="ko-KR" dirty="0">
+              <a:latin typeface="나눔고딕 Light" pitchFamily="50" charset="-127"/>
+              <a:ea typeface="나눔고딕 Light" pitchFamily="50" charset="-127"/>
+            </a:endParaRPr>
+          </a:p>
+          <a:p>
+            <a:pPr marL="285750" indent="-285750" fontAlgn="base">
+              <a:lnSpc>
+                <a:spcPct val="150000"/>
+              </a:lnSpc>
+              <a:buFontTx/>
+              <a:buChar char="-"/>
+            </a:pPr>
+            <a:r>
+              <a:rPr lang="en-US" altLang="ko-KR" dirty="0">
+                <a:latin typeface="나눔고딕 Light" pitchFamily="50" charset="-127"/>
+                <a:ea typeface="나눔고딕 Light" pitchFamily="50" charset="-127"/>
+              </a:rPr>
+              <a:t>Determine the driving judgment and driving strategy through CNN and RNN and create the driving path based on the driving strategy determined.</a:t>
+            </a:r>
+          </a:p>
+          <a:p>
+            <a:pPr marL="285750" indent="-285750" fontAlgn="base">
+              <a:lnSpc>
+                <a:spcPct val="150000"/>
+              </a:lnSpc>
+              <a:buFontTx/>
+              <a:buChar char="-"/>
+            </a:pPr>
+            <a:endParaRPr lang="en-US" altLang="ko-KR" dirty="0" smtClean="0">
+              <a:latin typeface="나눔고딕 Light" pitchFamily="50" charset="-127"/>
+              <a:ea typeface="나눔고딕 Light" pitchFamily="50" charset="-127"/>
+            </a:endParaRPr>
+          </a:p>
+          <a:p>
+            <a:pPr marL="285750" indent="-285750" fontAlgn="base">
+              <a:lnSpc>
+                <a:spcPct val="150000"/>
+              </a:lnSpc>
+              <a:buFontTx/>
+              <a:buChar char="-"/>
+            </a:pPr>
+            <a:r>
+              <a:rPr lang="en-US" altLang="ko-KR" dirty="0">
+                <a:latin typeface="나눔고딕 Light" panose="020D0904000000000000" pitchFamily="50" charset="-127"/>
+                <a:ea typeface="나눔고딕 Light" panose="020D0904000000000000" pitchFamily="50" charset="-127"/>
+              </a:rPr>
+              <a:t>Transmits artificial intelligence into RC cars through </a:t>
+            </a:r>
+            <a:r>
+              <a:rPr lang="en-US" altLang="ko-KR" dirty="0" err="1">
+                <a:latin typeface="나눔고딕 Light" panose="020D0904000000000000" pitchFamily="50" charset="-127"/>
+                <a:ea typeface="나눔고딕 Light" panose="020D0904000000000000" pitchFamily="50" charset="-127"/>
+              </a:rPr>
+              <a:t>Wifi</a:t>
+            </a:r>
+            <a:r>
+              <a:rPr lang="en-US" altLang="ko-KR" dirty="0">
+                <a:latin typeface="나눔고딕 Light" panose="020D0904000000000000" pitchFamily="50" charset="-127"/>
+                <a:ea typeface="나눔고딕 Light" panose="020D0904000000000000" pitchFamily="50" charset="-127"/>
+              </a:rPr>
+              <a:t> communication and implements vehicle control based on this </a:t>
+            </a:r>
+            <a:r>
+              <a:rPr lang="en-US" altLang="ko-KR" dirty="0" smtClean="0">
+                <a:latin typeface="나눔고딕 Light" pitchFamily="50" charset="-127"/>
+                <a:ea typeface="나눔고딕 Light" pitchFamily="50" charset="-127"/>
+              </a:rPr>
+              <a:t>decision.</a:t>
+            </a:r>
+          </a:p>
+          <a:p>
+            <a:pPr fontAlgn="base">
+              <a:lnSpc>
+                <a:spcPct val="120000"/>
+              </a:lnSpc>
+            </a:pPr>
+            <a:r>
+              <a:rPr lang="ko-KR" altLang="en-US" dirty="0" smtClean="0">
+                <a:latin typeface="나눔고딕 Light" pitchFamily="50" charset="-127"/>
+                <a:ea typeface="나눔고딕 Light" pitchFamily="50" charset="-127"/>
+              </a:rPr>
+              <a:t> </a:t>
+            </a:r>
+          </a:p>
+        </p:txBody>
+      </p:sp>
+      <p:grpSp>
+        <p:nvGrpSpPr>
+          <p:cNvPr id="11" name="Group 392"/>
+          <p:cNvGrpSpPr/>
+          <p:nvPr/>
+        </p:nvGrpSpPr>
+        <p:grpSpPr>
+          <a:xfrm>
+            <a:off x="2469103" y="1587290"/>
+            <a:ext cx="8675147" cy="127210"/>
+            <a:chOff x="0" y="0"/>
+            <a:chExt cx="11657498" cy="0"/>
+          </a:xfrm>
+        </p:grpSpPr>
+        <p:sp>
+          <p:nvSpPr>
+            <p:cNvPr id="12" name="Shape 390"/>
+            <p:cNvSpPr/>
+            <p:nvPr/>
+          </p:nvSpPr>
+          <p:spPr>
+            <a:xfrm>
+              <a:off x="0" y="0"/>
+              <a:ext cx="11657498" cy="0"/>
+            </a:xfrm>
+            <a:prstGeom prst="line">
+              <a:avLst/>
+            </a:prstGeom>
+            <a:noFill/>
+            <a:ln w="25400" cap="flat">
+              <a:solidFill>
+                <a:srgbClr val="E5E5E5"/>
+              </a:solidFill>
+              <a:prstDash val="solid"/>
+              <a:miter lim="400000"/>
+            </a:ln>
+            <a:effectLst/>
+          </p:spPr>
+          <p:txBody>
+            <a:bodyPr wrap="square" lIns="38100" tIns="38100" rIns="38100" bIns="38100" numCol="1" anchor="ctr">
+              <a:noAutofit/>
+            </a:bodyPr>
+            <a:lstStyle/>
+            <a:p>
+              <a:pPr algn="ctr">
+                <a:defRPr sz="3000">
+                  <a:solidFill>
+                    <a:srgbClr val="000000"/>
+                  </a:solidFill>
+                  <a:latin typeface="Helvetica Light"/>
+                  <a:ea typeface="Helvetica Light"/>
+                  <a:cs typeface="Helvetica Light"/>
+                  <a:sym typeface="Helvetica Light"/>
+                </a:defRPr>
+              </a:pPr>
+              <a:endParaRPr/>
+            </a:p>
+          </p:txBody>
+        </p:sp>
+        <p:sp>
+          <p:nvSpPr>
+            <p:cNvPr id="13" name="Shape 391"/>
+            <p:cNvSpPr/>
+            <p:nvPr/>
+          </p:nvSpPr>
+          <p:spPr>
+            <a:xfrm>
+              <a:off x="12700" y="0"/>
+              <a:ext cx="1456385" cy="0"/>
+            </a:xfrm>
+            <a:prstGeom prst="line">
+              <a:avLst/>
+            </a:prstGeom>
+            <a:noFill/>
+            <a:ln w="25400" cap="flat">
+              <a:solidFill>
+                <a:srgbClr val="000000"/>
+              </a:solidFill>
+              <a:prstDash val="solid"/>
+              <a:miter lim="400000"/>
+            </a:ln>
+            <a:effectLst/>
+          </p:spPr>
+          <p:txBody>
+            <a:bodyPr wrap="square" lIns="38100" tIns="38100" rIns="38100" bIns="38100" numCol="1" anchor="ctr">
+              <a:noAutofit/>
+            </a:bodyPr>
+            <a:lstStyle/>
+            <a:p>
+              <a:pPr algn="ctr">
+                <a:defRPr sz="3000">
+                  <a:solidFill>
+                    <a:srgbClr val="000000"/>
+                  </a:solidFill>
+                  <a:latin typeface="Helvetica Light"/>
+                  <a:ea typeface="Helvetica Light"/>
+                  <a:cs typeface="Helvetica Light"/>
+                  <a:sym typeface="Helvetica Light"/>
+                </a:defRPr>
+              </a:pPr>
+              <a:endParaRPr/>
+            </a:p>
+          </p:txBody>
+        </p:sp>
+      </p:grpSp>
+    </p:spTree>
+    <p:extLst>
+      <p:ext uri="{BB962C8B-B14F-4D97-AF65-F5344CB8AC3E}">
+        <p14:creationId xmlns:p14="http://schemas.microsoft.com/office/powerpoint/2010/main" val="1173058010"/>
+      </p:ext>
+    </p:extLst>
+  </p:cSld>
+  <p:clrMapOvr>
+    <a:masterClrMapping/>
+  </p:clrMapOvr>
+  <p:timing>
+    <p:tnLst>
+      <p:par>
+        <p:cTn id="1" dur="indefinite" restart="never" nodeType="tmRoot"/>
+      </p:par>
+    </p:tnLst>
+  </p:timing>
+</p:sld>
+</file>
+
 <file path=ppt/slides/slide4.xml><?xml version="1.0" encoding="utf-8"?>
 <p:sld xmlns:a="http://schemas.openxmlformats.org/drawingml/2006/main" xmlns:r="http://schemas.openxmlformats.org/officeDocument/2006/relationships" xmlns:p="http://schemas.openxmlformats.org/presentationml/2006/main">
   <p:cSld>
@@ -20370,7 +19850,7 @@
           </a:ln>
           <a:extLst>
             <a:ext uri="{C572A759-6A51-4108-AA02-DFA0A04FC94B}">
-              <ma14:wrappingTextBoxFlag xmlns:ma14="http://schemas.microsoft.com/office/mac/drawingml/2011/main" xmlns="" val="1"/>
+              <ma14:wrappingTextBoxFlag xmlns="" xmlns:ma14="http://schemas.microsoft.com/office/mac/drawingml/2011/main" val="1"/>
             </a:ext>
           </a:extLst>
         </p:spPr>
@@ -20895,7 +20375,7 @@
               </a:ln>
               <a:extLst>
                 <a:ext uri="{C572A759-6A51-4108-AA02-DFA0A04FC94B}">
-                  <ma14:wrappingTextBoxFlag xmlns:ma14="http://schemas.microsoft.com/office/mac/drawingml/2011/main" xmlns="" val="1"/>
+                  <ma14:wrappingTextBoxFlag xmlns="" xmlns:ma14="http://schemas.microsoft.com/office/mac/drawingml/2011/main" val="1"/>
                 </a:ext>
               </a:extLst>
             </p:spPr>
@@ -20906,84 +20386,14 @@
               <a:lstStyle/>
               <a:p>
                 <a:r>
-                  <a:rPr lang="ko-KR" altLang="en-US" b="1" dirty="0" smtClean="0">
+                  <a:rPr lang="en-US" altLang="ko-KR" b="1" dirty="0" smtClean="0">
                     <a:solidFill>
                       <a:srgbClr val="000000"/>
                     </a:solidFill>
                     <a:latin typeface="나눔고딕 Light" panose="020D0904000000000000" pitchFamily="50" charset="-127"/>
                     <a:ea typeface="나눔고딕 Light" panose="020D0904000000000000" pitchFamily="50" charset="-127"/>
                   </a:rPr>
-                  <a:t>라스타 </a:t>
-                </a:r>
-                <a:r>
-                  <a:rPr lang="ko-KR" altLang="en-US" b="1" dirty="0">
-                    <a:solidFill>
-                      <a:srgbClr val="000000"/>
-                    </a:solidFill>
-                    <a:latin typeface="나눔고딕 Light" panose="020D0904000000000000" pitchFamily="50" charset="-127"/>
-                    <a:ea typeface="나눔고딕 Light" panose="020D0904000000000000" pitchFamily="50" charset="-127"/>
-                  </a:rPr>
-                  <a:t>랜드로버 </a:t>
-                </a:r>
-                <a:r>
-                  <a:rPr lang="en-US" altLang="ko-KR" b="1" dirty="0" err="1">
-                    <a:solidFill>
-                      <a:srgbClr val="000000"/>
-                    </a:solidFill>
-                    <a:latin typeface="나눔고딕 Light" panose="020D0904000000000000" pitchFamily="50" charset="-127"/>
-                    <a:ea typeface="나눔고딕 Light" panose="020D0904000000000000" pitchFamily="50" charset="-127"/>
-                  </a:rPr>
-                  <a:t>rc</a:t>
-                </a:r>
-                <a:r>
-                  <a:rPr lang="ko-KR" altLang="en-US" b="1" dirty="0">
-                    <a:solidFill>
-                      <a:srgbClr val="000000"/>
-                    </a:solidFill>
-                    <a:latin typeface="나눔고딕 Light" panose="020D0904000000000000" pitchFamily="50" charset="-127"/>
-                    <a:ea typeface="나눔고딕 Light" panose="020D0904000000000000" pitchFamily="50" charset="-127"/>
-                  </a:rPr>
-                  <a:t>카 </a:t>
-                </a:r>
-                <a:r>
-                  <a:rPr lang="ko-KR" altLang="en-US" b="1" dirty="0" err="1">
-                    <a:solidFill>
-                      <a:srgbClr val="000000"/>
-                    </a:solidFill>
-                    <a:latin typeface="나눔고딕 Light" panose="020D0904000000000000" pitchFamily="50" charset="-127"/>
-                    <a:ea typeface="나눔고딕 Light" panose="020D0904000000000000" pitchFamily="50" charset="-127"/>
-                  </a:rPr>
-                  <a:t>레인지로버</a:t>
-                </a:r>
-                <a:r>
-                  <a:rPr lang="ko-KR" altLang="en-US" b="1" dirty="0">
-                    <a:solidFill>
-                      <a:srgbClr val="000000"/>
-                    </a:solidFill>
-                    <a:latin typeface="나눔고딕 Light" panose="020D0904000000000000" pitchFamily="50" charset="-127"/>
-                    <a:ea typeface="나눔고딕 Light" panose="020D0904000000000000" pitchFamily="50" charset="-127"/>
-                  </a:rPr>
-                  <a:t> </a:t>
-                </a:r>
-                <a:r>
-                  <a:rPr lang="ko-KR" altLang="en-US" b="1" dirty="0" err="1">
-                    <a:solidFill>
-                      <a:srgbClr val="000000"/>
-                    </a:solidFill>
-                    <a:latin typeface="나눔고딕 Light" panose="020D0904000000000000" pitchFamily="50" charset="-127"/>
-                    <a:ea typeface="나눔고딕 Light" panose="020D0904000000000000" pitchFamily="50" charset="-127"/>
-                  </a:rPr>
-                  <a:t>이보크</a:t>
-                </a:r>
-                <a:r>
-                  <a:rPr lang="ko-KR" altLang="en-US" b="1" dirty="0">
-                    <a:solidFill>
-                      <a:srgbClr val="000000"/>
-                    </a:solidFill>
-                    <a:latin typeface="나눔고딕 Light" panose="020D0904000000000000" pitchFamily="50" charset="-127"/>
-                    <a:ea typeface="나눔고딕 Light" panose="020D0904000000000000" pitchFamily="50" charset="-127"/>
-                  </a:rPr>
-                  <a:t> </a:t>
+                  <a:t>Range Rover RC Car</a:t>
                 </a:r>
                 <a:endParaRPr lang="en-US" altLang="ko-KR" b="1" dirty="0" smtClean="0">
                   <a:solidFill>
@@ -21121,7 +20531,7 @@
               <a:blipFill>
                 <a:blip r:embed="rId2"/>
                 <a:stretch>
-                  <a:fillRect l="-2316" t="-929" r="-2861"/>
+                  <a:fillRect l="-2316" t="-929" r="-1907"/>
                 </a:stretch>
               </a:blipFill>
               <a:ln w="3175">
@@ -21129,7 +20539,7 @@
               </a:ln>
               <a:extLst>
                 <a:ext uri="{C572A759-6A51-4108-AA02-DFA0A04FC94B}">
-                  <ma14:wrappingTextBoxFlag xmlns:ma14="http://schemas.microsoft.com/office/mac/drawingml/2011/main" xmlns="" xmlns:a14="http://schemas.microsoft.com/office/drawing/2010/main" val="1"/>
+                  <ma14:wrappingTextBoxFlag xmlns="" xmlns:ma14="http://schemas.microsoft.com/office/mac/drawingml/2011/main" xmlns:a14="http://schemas.microsoft.com/office/drawing/2010/main" val="1"/>
                 </a:ext>
               </a:extLst>
             </p:spPr>
@@ -21316,96 +20726,419 @@
       </p:grpSpPr>
       <p:sp>
         <p:nvSpPr>
-          <p:cNvPr id="2" name="제목 1"/>
-          <p:cNvSpPr>
-            <a:spLocks noGrp="1"/>
-          </p:cNvSpPr>
-          <p:nvPr>
-            <p:ph type="title"/>
-          </p:nvPr>
+          <p:cNvPr id="4" name="직사각형 3"/>
+          <p:cNvSpPr/>
+          <p:nvPr/>
         </p:nvSpPr>
-        <p:spPr/>
+        <p:spPr>
+          <a:xfrm>
+            <a:off x="0" y="-16001"/>
+            <a:ext cx="1657350" cy="6238875"/>
+          </a:xfrm>
+          <a:prstGeom prst="rect">
+            <a:avLst/>
+          </a:prstGeom>
+          <a:solidFill>
+            <a:srgbClr val="EDD0BE"/>
+          </a:solidFill>
+          <a:ln>
+            <a:noFill/>
+          </a:ln>
+        </p:spPr>
+        <p:style>
+          <a:lnRef idx="2">
+            <a:schemeClr val="accent1">
+              <a:shade val="50000"/>
+            </a:schemeClr>
+          </a:lnRef>
+          <a:fillRef idx="1">
+            <a:schemeClr val="accent1"/>
+          </a:fillRef>
+          <a:effectRef idx="0">
+            <a:schemeClr val="accent1"/>
+          </a:effectRef>
+          <a:fontRef idx="minor">
+            <a:schemeClr val="lt1"/>
+          </a:fontRef>
+        </p:style>
         <p:txBody>
-          <a:bodyPr/>
+          <a:bodyPr rtlCol="0" anchor="ctr"/>
           <a:lstStyle/>
           <a:p>
-            <a:r>
-              <a:rPr lang="en-US" altLang="ko-KR" dirty="0" smtClean="0"/>
-              <a:t>Reasons for changing HW </a:t>
-            </a:r>
-            <a:endParaRPr lang="ko-KR" altLang="en-US" dirty="0"/>
+            <a:pPr algn="ctr"/>
+            <a:endParaRPr lang="ko-KR" altLang="en-US" dirty="0">
+              <a:latin typeface="나눔고딕 Light" pitchFamily="50" charset="-127"/>
+              <a:ea typeface="나눔고딕 Light" pitchFamily="50" charset="-127"/>
+            </a:endParaRPr>
           </a:p>
         </p:txBody>
       </p:sp>
       <p:sp>
         <p:nvSpPr>
-          <p:cNvPr id="3" name="내용 개체 틀 2"/>
-          <p:cNvSpPr>
-            <a:spLocks noGrp="1"/>
+          <p:cNvPr id="5" name="TextBox 7"/>
+          <p:cNvSpPr txBox="1">
+            <a:spLocks noChangeArrowheads="1"/>
           </p:cNvSpPr>
-          <p:nvPr>
-            <p:ph idx="1"/>
-          </p:nvPr>
+          <p:nvPr/>
         </p:nvSpPr>
-        <p:spPr/>
+        <p:spPr bwMode="auto">
+          <a:xfrm>
+            <a:off x="2406377" y="608585"/>
+            <a:ext cx="4352674" cy="657488"/>
+          </a:xfrm>
+          <a:prstGeom prst="rect">
+            <a:avLst/>
+          </a:prstGeom>
+          <a:noFill/>
+          <a:ln>
+            <a:noFill/>
+          </a:ln>
+          <a:extLst>
+            <a:ext uri="{909E8E84-426E-40DD-AFC4-6F175D3DCCD1}">
+              <a14:hiddenFill xmlns:a14="http://schemas.microsoft.com/office/drawing/2010/main">
+                <a:solidFill>
+                  <a:srgbClr val="FFFFFF"/>
+                </a:solidFill>
+              </a14:hiddenFill>
+            </a:ext>
+            <a:ext uri="{91240B29-F687-4F45-9708-019B960494DF}">
+              <a14:hiddenLine xmlns:a14="http://schemas.microsoft.com/office/drawing/2010/main" w="9525">
+                <a:solidFill>
+                  <a:srgbClr val="000000"/>
+                </a:solidFill>
+                <a:miter lim="800000"/>
+                <a:headEnd/>
+                <a:tailEnd/>
+              </a14:hiddenLine>
+            </a:ext>
+          </a:extLst>
+        </p:spPr>
         <p:txBody>
-          <a:bodyPr>
+          <a:bodyPr wrap="square">
+            <a:spAutoFit/>
+          </a:bodyPr>
+          <a:lstStyle>
+            <a:lvl1pPr>
+              <a:defRPr sz="3600">
+                <a:solidFill>
+                  <a:schemeClr val="tx1"/>
+                </a:solidFill>
+                <a:latin typeface="Lato Light" pitchFamily="34" charset="0"/>
+              </a:defRPr>
+            </a:lvl1pPr>
+            <a:lvl2pPr marL="742950" indent="-285750">
+              <a:defRPr sz="3600">
+                <a:solidFill>
+                  <a:schemeClr val="tx1"/>
+                </a:solidFill>
+                <a:latin typeface="Lato Light" pitchFamily="34" charset="0"/>
+              </a:defRPr>
+            </a:lvl2pPr>
+            <a:lvl3pPr marL="1143000" indent="-228600">
+              <a:defRPr sz="3600">
+                <a:solidFill>
+                  <a:schemeClr val="tx1"/>
+                </a:solidFill>
+                <a:latin typeface="Lato Light" pitchFamily="34" charset="0"/>
+              </a:defRPr>
+            </a:lvl3pPr>
+            <a:lvl4pPr marL="1600200" indent="-228600">
+              <a:defRPr sz="3600">
+                <a:solidFill>
+                  <a:schemeClr val="tx1"/>
+                </a:solidFill>
+                <a:latin typeface="Lato Light" pitchFamily="34" charset="0"/>
+              </a:defRPr>
+            </a:lvl4pPr>
+            <a:lvl5pPr marL="2057400" indent="-228600">
+              <a:defRPr sz="3600">
+                <a:solidFill>
+                  <a:schemeClr val="tx1"/>
+                </a:solidFill>
+                <a:latin typeface="Lato Light" pitchFamily="34" charset="0"/>
+              </a:defRPr>
+            </a:lvl5pPr>
+            <a:lvl6pPr marL="2514600" indent="-228600" defTabSz="1827213" fontAlgn="base">
+              <a:spcBef>
+                <a:spcPct val="0"/>
+              </a:spcBef>
+              <a:spcAft>
+                <a:spcPct val="0"/>
+              </a:spcAft>
+              <a:defRPr sz="3600">
+                <a:solidFill>
+                  <a:schemeClr val="tx1"/>
+                </a:solidFill>
+                <a:latin typeface="Lato Light" pitchFamily="34" charset="0"/>
+              </a:defRPr>
+            </a:lvl6pPr>
+            <a:lvl7pPr marL="2971800" indent="-228600" defTabSz="1827213" fontAlgn="base">
+              <a:spcBef>
+                <a:spcPct val="0"/>
+              </a:spcBef>
+              <a:spcAft>
+                <a:spcPct val="0"/>
+              </a:spcAft>
+              <a:defRPr sz="3600">
+                <a:solidFill>
+                  <a:schemeClr val="tx1"/>
+                </a:solidFill>
+                <a:latin typeface="Lato Light" pitchFamily="34" charset="0"/>
+              </a:defRPr>
+            </a:lvl7pPr>
+            <a:lvl8pPr marL="3429000" indent="-228600" defTabSz="1827213" fontAlgn="base">
+              <a:spcBef>
+                <a:spcPct val="0"/>
+              </a:spcBef>
+              <a:spcAft>
+                <a:spcPct val="0"/>
+              </a:spcAft>
+              <a:defRPr sz="3600">
+                <a:solidFill>
+                  <a:schemeClr val="tx1"/>
+                </a:solidFill>
+                <a:latin typeface="Lato Light" pitchFamily="34" charset="0"/>
+              </a:defRPr>
+            </a:lvl8pPr>
+            <a:lvl9pPr marL="3886200" indent="-228600" defTabSz="1827213" fontAlgn="base">
+              <a:spcBef>
+                <a:spcPct val="0"/>
+              </a:spcBef>
+              <a:spcAft>
+                <a:spcPct val="0"/>
+              </a:spcAft>
+              <a:defRPr sz="3600">
+                <a:solidFill>
+                  <a:schemeClr val="tx1"/>
+                </a:solidFill>
+                <a:latin typeface="Lato Light" pitchFamily="34" charset="0"/>
+              </a:defRPr>
+            </a:lvl9pPr>
+          </a:lstStyle>
+          <a:p>
+            <a:pPr>
+              <a:lnSpc>
+                <a:spcPct val="150000"/>
+              </a:lnSpc>
+            </a:pPr>
+            <a:r>
+              <a:rPr lang="en-US" altLang="ko-KR" sz="2800" dirty="0"/>
+              <a:t>Reasons for changing HW </a:t>
+            </a:r>
+            <a:endParaRPr lang="ru-RU" altLang="ko-KR" sz="2800" b="1" dirty="0">
+              <a:latin typeface="나눔스퀘어 Bold" panose="020B0600000101010101" pitchFamily="50" charset="-127"/>
+              <a:ea typeface="나눔스퀘어 Bold" panose="020B0600000101010101" pitchFamily="50" charset="-127"/>
+              <a:cs typeface="Calibri" panose="020F0502020204030204" pitchFamily="34" charset="0"/>
+            </a:endParaRPr>
+          </a:p>
+        </p:txBody>
+      </p:sp>
+      <p:sp>
+        <p:nvSpPr>
+          <p:cNvPr id="10" name="Shape 388"/>
+          <p:cNvSpPr/>
+          <p:nvPr/>
+        </p:nvSpPr>
+        <p:spPr>
+          <a:xfrm>
+            <a:off x="2469102" y="2135723"/>
+            <a:ext cx="8675147" cy="3936831"/>
+          </a:xfrm>
+          <a:prstGeom prst="rect">
+            <a:avLst/>
+          </a:prstGeom>
+          <a:ln w="3175">
+            <a:miter lim="400000"/>
+          </a:ln>
+          <a:extLst>
+            <a:ext uri="{C572A759-6A51-4108-AA02-DFA0A04FC94B}">
+              <ma14:wrappingTextBoxFlag xmlns="" xmlns:ma14="http://schemas.microsoft.com/office/mac/drawingml/2011/main" xmlns:a14="http://schemas.microsoft.com/office/drawing/2010/main" xmlns:mc="http://schemas.openxmlformats.org/markup-compatibility/2006" val="1"/>
+            </a:ext>
+          </a:extLst>
+        </p:spPr>
+        <p:txBody>
+          <a:bodyPr lIns="38100" tIns="38100" rIns="38100" bIns="38100">
             <a:normAutofit/>
           </a:bodyPr>
           <a:lstStyle/>
           <a:p>
-            <a:endParaRPr lang="en-US" altLang="ko-KR" sz="1800" dirty="0" smtClean="0"/>
-          </a:p>
-          <a:p>
-            <a:r>
-              <a:rPr lang="en-US" altLang="ko-KR" sz="1800" dirty="0" smtClean="0"/>
+            <a:pPr marL="285750" indent="-285750">
+              <a:buFont typeface="Arial" panose="020B0604020202020204" pitchFamily="34" charset="0"/>
+              <a:buChar char="•"/>
+            </a:pPr>
+            <a:r>
+              <a:rPr lang="en-US" altLang="ko-KR" dirty="0" smtClean="0"/>
               <a:t>Attempted </a:t>
             </a:r>
             <a:r>
-              <a:rPr lang="en-US" altLang="ko-KR" sz="1800" dirty="0"/>
-              <a:t>to use Alpha Bot for price and efficiency, and for linkages with Raspberry Pi</a:t>
-            </a:r>
-            <a:r>
-              <a:rPr lang="en-US" altLang="ko-KR" sz="1800" dirty="0" smtClean="0"/>
-              <a:t>.</a:t>
-            </a:r>
-          </a:p>
-          <a:p>
-            <a:endParaRPr lang="en-US" altLang="ko-KR" sz="1800" dirty="0"/>
-          </a:p>
-          <a:p>
-            <a:r>
-              <a:rPr lang="en-US" altLang="ko-KR" sz="1800" dirty="0"/>
+              <a:rPr lang="en-US" altLang="ko-KR" dirty="0"/>
+              <a:t>to use Alpha Bot for price and efficiency, and for linkages with Raspberry Pi.</a:t>
+            </a:r>
+          </a:p>
+          <a:p>
+            <a:pPr marL="285750" indent="-285750">
+              <a:buFont typeface="Arial" panose="020B0604020202020204" pitchFamily="34" charset="0"/>
+              <a:buChar char="•"/>
+            </a:pPr>
+            <a:endParaRPr lang="en-US" altLang="ko-KR" dirty="0"/>
+          </a:p>
+          <a:p>
+            <a:pPr marL="285750" indent="-285750">
+              <a:buFont typeface="Arial" panose="020B0604020202020204" pitchFamily="34" charset="0"/>
+              <a:buChar char="•"/>
+            </a:pPr>
+            <a:r>
+              <a:rPr lang="en-US" altLang="ko-KR" dirty="0"/>
               <a:t>However, the RPM of both wheels was different, so we bought new hardware.</a:t>
             </a:r>
             <a:r>
-              <a:rPr lang="ko-KR" altLang="en-US" sz="1800" dirty="0" smtClean="0"/>
+              <a:rPr lang="ko-KR" altLang="en-US" dirty="0"/>
               <a:t> </a:t>
             </a:r>
-            <a:endParaRPr lang="en-US" altLang="ko-KR" sz="1800" dirty="0" smtClean="0"/>
-          </a:p>
-          <a:p>
-            <a:endParaRPr lang="en-US" altLang="ko-KR" sz="1800" dirty="0"/>
-          </a:p>
-          <a:p>
-            <a:r>
-              <a:rPr lang="en-US" altLang="ko-KR" sz="1800" dirty="0"/>
+            <a:endParaRPr lang="en-US" altLang="ko-KR" dirty="0"/>
+          </a:p>
+          <a:p>
+            <a:pPr marL="285750" indent="-285750">
+              <a:buFont typeface="Arial" panose="020B0604020202020204" pitchFamily="34" charset="0"/>
+              <a:buChar char="•"/>
+            </a:pPr>
+            <a:endParaRPr lang="en-US" altLang="ko-KR" dirty="0"/>
+          </a:p>
+          <a:p>
+            <a:pPr marL="285750" indent="-285750">
+              <a:buFont typeface="Arial" panose="020B0604020202020204" pitchFamily="34" charset="0"/>
+              <a:buChar char="•"/>
+            </a:pPr>
+            <a:r>
+              <a:rPr lang="en-US" altLang="ko-KR" dirty="0"/>
               <a:t>It was decided to use RC cars because they had excellent directional switching and propulsion compared to kit products.</a:t>
             </a:r>
-            <a:endParaRPr lang="ko-KR" altLang="en-US" sz="1800" dirty="0"/>
+            <a:endParaRPr lang="ko-KR" altLang="en-US" dirty="0"/>
           </a:p>
         </p:txBody>
       </p:sp>
+      <p:grpSp>
+        <p:nvGrpSpPr>
+          <p:cNvPr id="11" name="Group 392"/>
+          <p:cNvGrpSpPr/>
+          <p:nvPr/>
+        </p:nvGrpSpPr>
+        <p:grpSpPr>
+          <a:xfrm>
+            <a:off x="2469103" y="1587290"/>
+            <a:ext cx="8675147" cy="127210"/>
+            <a:chOff x="0" y="0"/>
+            <a:chExt cx="11657498" cy="0"/>
+          </a:xfrm>
+        </p:grpSpPr>
+        <p:sp>
+          <p:nvSpPr>
+            <p:cNvPr id="12" name="Shape 390"/>
+            <p:cNvSpPr/>
+            <p:nvPr/>
+          </p:nvSpPr>
+          <p:spPr>
+            <a:xfrm>
+              <a:off x="0" y="0"/>
+              <a:ext cx="11657498" cy="0"/>
+            </a:xfrm>
+            <a:prstGeom prst="line">
+              <a:avLst/>
+            </a:prstGeom>
+            <a:noFill/>
+            <a:ln w="25400" cap="flat">
+              <a:solidFill>
+                <a:srgbClr val="E5E5E5"/>
+              </a:solidFill>
+              <a:prstDash val="solid"/>
+              <a:miter lim="400000"/>
+            </a:ln>
+            <a:effectLst/>
+          </p:spPr>
+          <p:txBody>
+            <a:bodyPr wrap="square" lIns="38100" tIns="38100" rIns="38100" bIns="38100" numCol="1" anchor="ctr">
+              <a:noAutofit/>
+            </a:bodyPr>
+            <a:lstStyle/>
+            <a:p>
+              <a:pPr algn="ctr">
+                <a:defRPr sz="3000">
+                  <a:solidFill>
+                    <a:srgbClr val="000000"/>
+                  </a:solidFill>
+                  <a:latin typeface="Helvetica Light"/>
+                  <a:ea typeface="Helvetica Light"/>
+                  <a:cs typeface="Helvetica Light"/>
+                  <a:sym typeface="Helvetica Light"/>
+                </a:defRPr>
+              </a:pPr>
+              <a:endParaRPr/>
+            </a:p>
+          </p:txBody>
+        </p:sp>
+        <p:sp>
+          <p:nvSpPr>
+            <p:cNvPr id="13" name="Shape 391"/>
+            <p:cNvSpPr/>
+            <p:nvPr/>
+          </p:nvSpPr>
+          <p:spPr>
+            <a:xfrm>
+              <a:off x="12700" y="0"/>
+              <a:ext cx="1456385" cy="0"/>
+            </a:xfrm>
+            <a:prstGeom prst="line">
+              <a:avLst/>
+            </a:prstGeom>
+            <a:noFill/>
+            <a:ln w="25400" cap="flat">
+              <a:solidFill>
+                <a:srgbClr val="000000"/>
+              </a:solidFill>
+              <a:prstDash val="solid"/>
+              <a:miter lim="400000"/>
+            </a:ln>
+            <a:effectLst/>
+          </p:spPr>
+          <p:txBody>
+            <a:bodyPr wrap="square" lIns="38100" tIns="38100" rIns="38100" bIns="38100" numCol="1" anchor="ctr">
+              <a:noAutofit/>
+            </a:bodyPr>
+            <a:lstStyle/>
+            <a:p>
+              <a:pPr algn="ctr">
+                <a:defRPr sz="3000">
+                  <a:solidFill>
+                    <a:srgbClr val="000000"/>
+                  </a:solidFill>
+                  <a:latin typeface="Helvetica Light"/>
+                  <a:ea typeface="Helvetica Light"/>
+                  <a:cs typeface="Helvetica Light"/>
+                  <a:sym typeface="Helvetica Light"/>
+                </a:defRPr>
+              </a:pPr>
+              <a:endParaRPr/>
+            </a:p>
+          </p:txBody>
+        </p:sp>
+      </p:grpSp>
     </p:spTree>
     <p:extLst>
       <p:ext uri="{BB962C8B-B14F-4D97-AF65-F5344CB8AC3E}">
-        <p14:creationId xmlns:p14="http://schemas.microsoft.com/office/powerpoint/2010/main" val="4122297969"/>
+        <p14:creationId xmlns:p14="http://schemas.microsoft.com/office/powerpoint/2010/main" val="3725013755"/>
       </p:ext>
     </p:extLst>
   </p:cSld>
   <p:clrMapOvr>
     <a:masterClrMapping/>
   </p:clrMapOvr>
+  <p:timing>
+    <p:tnLst>
+      <p:par>
+        <p:cTn id="1" dur="indefinite" restart="never" nodeType="tmRoot"/>
+      </p:par>
+    </p:tnLst>
+  </p:timing>
 </p:sld>
 </file>
 
@@ -21658,7 +21391,7 @@
           </a:ln>
           <a:extLst>
             <a:ext uri="{C572A759-6A51-4108-AA02-DFA0A04FC94B}">
-              <ma14:wrappingTextBoxFlag xmlns:ma14="http://schemas.microsoft.com/office/mac/drawingml/2011/main" xmlns="" val="1"/>
+              <ma14:wrappingTextBoxFlag xmlns="" xmlns:ma14="http://schemas.microsoft.com/office/mac/drawingml/2011/main" val="1"/>
             </a:ext>
           </a:extLst>
         </p:spPr>
@@ -22137,7 +21870,7 @@
           </a:ln>
           <a:extLst>
             <a:ext uri="{C572A759-6A51-4108-AA02-DFA0A04FC94B}">
-              <ma14:wrappingTextBoxFlag xmlns:ma14="http://schemas.microsoft.com/office/mac/drawingml/2011/main" xmlns="" val="1"/>
+              <ma14:wrappingTextBoxFlag xmlns="" xmlns:ma14="http://schemas.microsoft.com/office/mac/drawingml/2011/main" val="1"/>
             </a:ext>
           </a:extLst>
         </p:spPr>
@@ -22443,7 +22176,7 @@
 </file>
 
 <file path=ppt/slides/slide9.xml><?xml version="1.0" encoding="utf-8"?>
-<p:sld xmlns:a="http://schemas.openxmlformats.org/drawingml/2006/main" xmlns:r="http://schemas.openxmlformats.org/officeDocument/2006/relationships" xmlns:p="http://schemas.openxmlformats.org/presentationml/2006/main" show="0">
+<p:sld xmlns:a="http://schemas.openxmlformats.org/drawingml/2006/main" xmlns:r="http://schemas.openxmlformats.org/officeDocument/2006/relationships" xmlns:p="http://schemas.openxmlformats.org/presentationml/2006/main">
   <p:cSld>
     <p:bg>
       <p:bgPr>
@@ -22701,108 +22434,127 @@
           </a:ln>
           <a:extLst>
             <a:ext uri="{C572A759-6A51-4108-AA02-DFA0A04FC94B}">
-              <ma14:wrappingTextBoxFlag xmlns:ma14="http://schemas.microsoft.com/office/mac/drawingml/2011/main" xmlns="" val="1"/>
+              <ma14:wrappingTextBoxFlag xmlns="" xmlns:ma14="http://schemas.microsoft.com/office/mac/drawingml/2011/main" val="1"/>
             </a:ext>
           </a:extLst>
         </p:spPr>
         <p:txBody>
           <a:bodyPr lIns="38100" tIns="38100" rIns="38100" bIns="38100">
-            <a:normAutofit/>
+            <a:normAutofit fontScale="85000" lnSpcReduction="10000"/>
           </a:bodyPr>
           <a:lstStyle/>
           <a:p>
-            <a:pPr>
+            <a:pPr marL="285750" indent="-285750">
               <a:lnSpc>
                 <a:spcPct val="150000"/>
               </a:lnSpc>
+              <a:buFont typeface="Arial" panose="020B0604020202020204" pitchFamily="34" charset="0"/>
+              <a:buChar char="•"/>
             </a:pPr>
             <a:r>
-              <a:rPr lang="ko-KR" altLang="en-US" sz="1300" dirty="0" smtClean="0">
-                <a:latin typeface="나눔고딕 Light" pitchFamily="50" charset="-127"/>
-                <a:ea typeface="나눔고딕 Light" pitchFamily="50" charset="-127"/>
-              </a:rPr>
-              <a:t>이곳에 내용을 입력해주세요 이곳에 내용을 입력해주세요 이곳에 내용을 입력해주세요 이곳에 내용을 입력해주세요</a:t>
-            </a:r>
-          </a:p>
-          <a:p>
-            <a:pPr>
+              <a:rPr lang="ko-KR" altLang="en-US" dirty="0"/>
+              <a:t>장애인들을 돕기 위한 기존의 제품들은 사용자가 어떤 장애를 가지고 있는지에 따라 별도의 제품을 사용해야만 했던 반면</a:t>
+            </a:r>
+            <a:r>
+              <a:rPr lang="en-US" altLang="ko-KR" dirty="0"/>
+              <a:t>, </a:t>
+            </a:r>
+            <a:r>
+              <a:rPr lang="ko-KR" altLang="en-US" dirty="0"/>
+              <a:t>우리의 도우미 </a:t>
+            </a:r>
+            <a:r>
+              <a:rPr lang="en-US" altLang="ko-KR" dirty="0"/>
+              <a:t>RC</a:t>
+            </a:r>
+            <a:r>
+              <a:rPr lang="ko-KR" altLang="en-US" dirty="0" err="1"/>
+              <a:t>카는</a:t>
+            </a:r>
+            <a:r>
+              <a:rPr lang="ko-KR" altLang="en-US" dirty="0"/>
+              <a:t> 시각</a:t>
+            </a:r>
+            <a:r>
+              <a:rPr lang="en-US" altLang="ko-KR" dirty="0"/>
+              <a:t>, </a:t>
+            </a:r>
+            <a:r>
+              <a:rPr lang="ko-KR" altLang="en-US" dirty="0"/>
+              <a:t>청각의 구별 없이 시각장애인과 청각장애인에게 도움을 줄 수 있는 기능을 동시에 가지고 </a:t>
+            </a:r>
+            <a:r>
+              <a:rPr lang="ko-KR" altLang="en-US" dirty="0" smtClean="0"/>
+              <a:t>있어 범용성이 </a:t>
+            </a:r>
+            <a:r>
+              <a:rPr lang="ko-KR" altLang="en-US" dirty="0"/>
+              <a:t>높다</a:t>
+            </a:r>
+            <a:r>
+              <a:rPr lang="en-US" altLang="ko-KR" dirty="0" smtClean="0"/>
+              <a:t>.</a:t>
+            </a:r>
+          </a:p>
+          <a:p>
+            <a:pPr marL="285750" indent="-285750">
               <a:lnSpc>
                 <a:spcPct val="150000"/>
               </a:lnSpc>
+              <a:buFont typeface="Arial" panose="020B0604020202020204" pitchFamily="34" charset="0"/>
+              <a:buChar char="•"/>
             </a:pPr>
-            <a:r>
-              <a:rPr lang="ko-KR" altLang="en-US" sz="1300" dirty="0" smtClean="0">
-                <a:latin typeface="나눔고딕 Light" pitchFamily="50" charset="-127"/>
-                <a:ea typeface="나눔고딕 Light" pitchFamily="50" charset="-127"/>
-              </a:rPr>
-              <a:t>이곳에 내용을 입력해주세요 이곳에 내용을 입력해주세요 이곳에 내용을 입력해주세요 이곳에 내용을 입력해주세요</a:t>
-            </a:r>
-            <a:endParaRPr lang="en-US" altLang="ko-KR" sz="1300" dirty="0" smtClean="0">
-              <a:latin typeface="나눔고딕 Light" pitchFamily="50" charset="-127"/>
-              <a:ea typeface="나눔고딕 Light" pitchFamily="50" charset="-127"/>
-            </a:endParaRPr>
-          </a:p>
-          <a:p>
-            <a:pPr>
+            <a:endParaRPr lang="en-US" altLang="ko-KR" dirty="0" smtClean="0"/>
+          </a:p>
+          <a:p>
+            <a:pPr marL="285750" indent="-285750">
               <a:lnSpc>
                 <a:spcPct val="150000"/>
               </a:lnSpc>
+              <a:buFont typeface="Arial" panose="020B0604020202020204" pitchFamily="34" charset="0"/>
+              <a:buChar char="•"/>
             </a:pPr>
             <a:r>
-              <a:rPr lang="ko-KR" altLang="en-US" sz="1300" dirty="0" smtClean="0">
-                <a:latin typeface="나눔고딕 Light" pitchFamily="50" charset="-127"/>
-                <a:ea typeface="나눔고딕 Light" pitchFamily="50" charset="-127"/>
-              </a:rPr>
-              <a:t>이곳에 내용을 입력해주세요 이곳에 내용을 입력해주세요 이곳에 내용을 입력해주세요 이곳에 내용을 입력해주세요</a:t>
-            </a:r>
-          </a:p>
-          <a:p>
-            <a:pPr>
+              <a:rPr lang="en-US" altLang="ko-KR" dirty="0" smtClean="0"/>
+              <a:t> </a:t>
+            </a:r>
+            <a:r>
+              <a:rPr lang="ko-KR" altLang="en-US" dirty="0" smtClean="0"/>
+              <a:t>기존의 </a:t>
+            </a:r>
+            <a:r>
+              <a:rPr lang="ko-KR" altLang="en-US" dirty="0"/>
+              <a:t>여러 제품에 적용된 기술들</a:t>
+            </a:r>
+            <a:r>
+              <a:rPr lang="en-US" altLang="ko-KR" dirty="0"/>
+              <a:t>, </a:t>
+            </a:r>
+            <a:r>
+              <a:rPr lang="ko-KR" altLang="en-US" dirty="0"/>
+              <a:t>예를 들면 음성인식이나 </a:t>
+            </a:r>
+            <a:r>
+              <a:rPr lang="en-US" altLang="ko-KR" dirty="0"/>
+              <a:t>TTS</a:t>
+            </a:r>
+            <a:r>
+              <a:rPr lang="ko-KR" altLang="en-US" dirty="0"/>
+              <a:t>에 비해 최근 연구되기 시작한 자율주행 기술을 적용하여 장애인들의 생활을 보다 편리하게 해줄 수 있다는 점이 특징적이다</a:t>
+            </a:r>
+            <a:r>
+              <a:rPr lang="en-US" altLang="ko-KR" dirty="0"/>
+              <a:t>. </a:t>
+            </a:r>
+            <a:endParaRPr lang="ko-KR" altLang="en-US" dirty="0"/>
+          </a:p>
+          <a:p>
+            <a:pPr marL="285750" indent="-285750">
               <a:lnSpc>
                 <a:spcPct val="150000"/>
               </a:lnSpc>
-            </a:pPr>
-            <a:r>
-              <a:rPr lang="ko-KR" altLang="en-US" sz="1300" dirty="0" smtClean="0">
-                <a:latin typeface="나눔고딕 Light" pitchFamily="50" charset="-127"/>
-                <a:ea typeface="나눔고딕 Light" pitchFamily="50" charset="-127"/>
-              </a:rPr>
-              <a:t>이곳에 내용을 입력해주세요 이곳에 내용을 입력해주세요 이곳에 내용을 입력해주세요 이곳에 내용을 입력해주세요</a:t>
-            </a:r>
-          </a:p>
-          <a:p>
-            <a:pPr>
-              <a:lnSpc>
-                <a:spcPct val="150000"/>
-              </a:lnSpc>
-            </a:pPr>
-            <a:r>
-              <a:rPr lang="ko-KR" altLang="en-US" sz="1300" dirty="0" smtClean="0">
-                <a:latin typeface="나눔고딕 Light" pitchFamily="50" charset="-127"/>
-                <a:ea typeface="나눔고딕 Light" pitchFamily="50" charset="-127"/>
-              </a:rPr>
-              <a:t>이곳에 내용을 입력해주세요 이곳에 내용을 입력해주세요 이곳에 내용을 입력해주세요 이곳에 내용을 입력해주세요</a:t>
-            </a:r>
-          </a:p>
-          <a:p>
-            <a:pPr>
-              <a:lnSpc>
-                <a:spcPct val="150000"/>
-              </a:lnSpc>
-            </a:pPr>
-            <a:r>
-              <a:rPr lang="ko-KR" altLang="en-US" sz="1300" dirty="0" smtClean="0">
-                <a:latin typeface="나눔고딕 Light" pitchFamily="50" charset="-127"/>
-                <a:ea typeface="나눔고딕 Light" pitchFamily="50" charset="-127"/>
-              </a:rPr>
-              <a:t>이곳에 내용을 입력해주세요 이곳에 내용을 입력해주세요 이곳에 내용을 입력해주세요</a:t>
-            </a:r>
-          </a:p>
-          <a:p>
-            <a:pPr>
-              <a:lnSpc>
-                <a:spcPct val="150000"/>
-              </a:lnSpc>
+              <a:buFont typeface="Arial" panose="020B0604020202020204" pitchFamily="34" charset="0"/>
+              <a:buChar char="•"/>
             </a:pPr>
             <a:endParaRPr lang="ko-KR" altLang="en-US" dirty="0" smtClean="0">
               <a:latin typeface="나눔고딕 Light" pitchFamily="50" charset="-127"/>
@@ -22936,11 +22688,11 @@
   <p:clrMapOvr>
     <a:masterClrMapping/>
   </p:clrMapOvr>
-  <mc:AlternateContent xmlns:mc="http://schemas.openxmlformats.org/markup-compatibility/2006" xmlns:p14="http://schemas.microsoft.com/office/powerpoint/2010/main">
-    <mc:Choice Requires="p14">
+  <mc:AlternateContent xmlns:mc="http://schemas.openxmlformats.org/markup-compatibility/2006">
+    <mc:Choice xmlns:p14="http://schemas.microsoft.com/office/powerpoint/2010/main" Requires="p14">
       <p:transition spd="slow" p14:dur="2000"/>
     </mc:Choice>
-    <mc:Fallback xmlns="">
+    <mc:Fallback>
       <p:transition spd="slow"/>
     </mc:Fallback>
   </mc:AlternateContent>

--- a/ICARUS 최종(일껄).pptx
+++ b/ICARUS 최종(일껄).pptx
@@ -23,16 +23,17 @@
     <p:sldId id="296" r:id="rId17"/>
     <p:sldId id="291" r:id="rId18"/>
     <p:sldId id="282" r:id="rId19"/>
-    <p:sldId id="289" r:id="rId20"/>
-    <p:sldId id="295" r:id="rId21"/>
-    <p:sldId id="272" r:id="rId22"/>
-    <p:sldId id="273" r:id="rId23"/>
-    <p:sldId id="294" r:id="rId24"/>
-    <p:sldId id="258" r:id="rId25"/>
-    <p:sldId id="259" r:id="rId26"/>
-    <p:sldId id="280" r:id="rId27"/>
-    <p:sldId id="261" r:id="rId28"/>
-    <p:sldId id="262" r:id="rId29"/>
+    <p:sldId id="258" r:id="rId20"/>
+    <p:sldId id="259" r:id="rId21"/>
+    <p:sldId id="280" r:id="rId22"/>
+    <p:sldId id="261" r:id="rId23"/>
+    <p:sldId id="289" r:id="rId24"/>
+    <p:sldId id="297" r:id="rId25"/>
+    <p:sldId id="295" r:id="rId26"/>
+    <p:sldId id="272" r:id="rId27"/>
+    <p:sldId id="273" r:id="rId28"/>
+    <p:sldId id="294" r:id="rId29"/>
+    <p:sldId id="262" r:id="rId30"/>
   </p:sldIdLst>
   <p:sldSz cx="12192000" cy="6858000"/>
   <p:notesSz cx="6858000" cy="9144000"/>
@@ -3273,20 +3274,7 @@
                 <a:ea typeface="나눔스퀘어 ExtraBold" panose="020B0600000101010101" pitchFamily="50" charset="-127"/>
                 <a:cs typeface="Segoe UI Black" panose="020B0A02040204020203" pitchFamily="34" charset="0"/>
               </a:rPr>
-              <a:t>RC Car for the </a:t>
-            </a:r>
-            <a:r>
-              <a:rPr lang="en-US" altLang="ko-KR" sz="3700" spc="600" dirty="0" smtClean="0">
-                <a:solidFill>
-                  <a:schemeClr val="bg2">
-                    <a:lumMod val="25000"/>
-                  </a:schemeClr>
-                </a:solidFill>
-                <a:latin typeface="나눔스퀘어 ExtraBold" panose="020B0600000101010101" pitchFamily="50" charset="-127"/>
-                <a:ea typeface="나눔스퀘어 ExtraBold" panose="020B0600000101010101" pitchFamily="50" charset="-127"/>
-                <a:cs typeface="Segoe UI Black" panose="020B0A02040204020203" pitchFamily="34" charset="0"/>
-              </a:rPr>
-              <a:t>Visually Impaired and the Deaf</a:t>
+              <a:t>RC Car for the Visually Impaired and the Deaf</a:t>
             </a:r>
             <a:endParaRPr lang="ru-RU" altLang="ko-KR" sz="3700" spc="600" dirty="0">
               <a:solidFill>
@@ -3498,17 +3486,6 @@
               </a:rPr>
               <a:t> Science High School</a:t>
             </a:r>
-            <a:endParaRPr lang="en-US" altLang="ko-KR" sz="1400" spc="300" dirty="0" smtClean="0">
-              <a:solidFill>
-                <a:schemeClr val="tx1">
-                  <a:lumMod val="75000"/>
-                  <a:lumOff val="25000"/>
-                </a:schemeClr>
-              </a:solidFill>
-              <a:latin typeface="나눔스퀘어 Bold" panose="020B0600000101010101" pitchFamily="50" charset="-127"/>
-              <a:ea typeface="나눔스퀘어 Bold" panose="020B0600000101010101" pitchFamily="50" charset="-127"/>
-              <a:cs typeface="Calibri" panose="020F0502020204030204" pitchFamily="34" charset="0"/>
-            </a:endParaRPr>
           </a:p>
         </p:txBody>
       </p:sp>
@@ -3781,7 +3758,7 @@
           </a:ln>
           <a:extLst>
             <a:ext uri="{C572A759-6A51-4108-AA02-DFA0A04FC94B}">
-              <ma14:wrappingTextBoxFlag xmlns:ma14="http://schemas.microsoft.com/office/mac/drawingml/2011/main" xmlns="" val="1"/>
+              <ma14:wrappingTextBoxFlag xmlns="" xmlns:ma14="http://schemas.microsoft.com/office/mac/drawingml/2011/main" val="1"/>
             </a:ext>
           </a:extLst>
         </p:spPr>
@@ -4260,7 +4237,7 @@
           </a:ln>
           <a:extLst>
             <a:ext uri="{C572A759-6A51-4108-AA02-DFA0A04FC94B}">
-              <ma14:wrappingTextBoxFlag xmlns:ma14="http://schemas.microsoft.com/office/mac/drawingml/2011/main" xmlns="" val="1"/>
+              <ma14:wrappingTextBoxFlag xmlns="" xmlns:ma14="http://schemas.microsoft.com/office/mac/drawingml/2011/main" val="1"/>
             </a:ext>
           </a:extLst>
         </p:spPr>
@@ -4926,7 +4903,7 @@
           </a:ln>
           <a:extLst>
             <a:ext uri="{C572A759-6A51-4108-AA02-DFA0A04FC94B}">
-              <ma14:wrappingTextBoxFlag xmlns:ma14="http://schemas.microsoft.com/office/mac/drawingml/2011/main" xmlns="" val="1"/>
+              <ma14:wrappingTextBoxFlag xmlns="" xmlns:ma14="http://schemas.microsoft.com/office/mac/drawingml/2011/main" val="1"/>
             </a:ext>
           </a:extLst>
         </p:spPr>
@@ -5251,11 +5228,11 @@
   <p:clrMapOvr>
     <a:masterClrMapping/>
   </p:clrMapOvr>
-  <mc:AlternateContent xmlns:mc="http://schemas.openxmlformats.org/markup-compatibility/2006">
-    <mc:Choice xmlns:p14="http://schemas.microsoft.com/office/powerpoint/2010/main" Requires="p14">
+  <mc:AlternateContent xmlns:mc="http://schemas.openxmlformats.org/markup-compatibility/2006" xmlns:p14="http://schemas.microsoft.com/office/powerpoint/2010/main">
+    <mc:Choice Requires="p14">
       <p:transition spd="slow" p14:dur="2000"/>
     </mc:Choice>
-    <mc:Fallback>
+    <mc:Fallback xmlns="">
       <p:transition spd="slow"/>
     </mc:Fallback>
   </mc:AlternateContent>
@@ -5499,15 +5476,7 @@
                 <a:ea typeface="나눔스퀘어 Bold" panose="020B0600000101010101" pitchFamily="50" charset="-127"/>
                 <a:cs typeface="Calibri" panose="020F0502020204030204" pitchFamily="34" charset="0"/>
               </a:rPr>
-              <a:t>Operating </a:t>
-            </a:r>
-            <a:r>
-              <a:rPr lang="en-US" altLang="ko-KR" sz="2800" b="1" dirty="0" smtClean="0">
-                <a:latin typeface="나눔스퀘어 Bold" panose="020B0600000101010101" pitchFamily="50" charset="-127"/>
-                <a:ea typeface="나눔스퀘어 Bold" panose="020B0600000101010101" pitchFamily="50" charset="-127"/>
-                <a:cs typeface="Calibri" panose="020F0502020204030204" pitchFamily="34" charset="0"/>
-              </a:rPr>
-              <a:t>Environment</a:t>
+              <a:t>Operating Environment</a:t>
             </a:r>
             <a:endParaRPr lang="ru-RU" altLang="ko-KR" sz="2800" b="1" dirty="0">
               <a:latin typeface="나눔스퀘어 Bold" panose="020B0600000101010101" pitchFamily="50" charset="-127"/>
@@ -5641,7 +5610,7 @@
           </a:ln>
           <a:extLst>
             <a:ext uri="{C572A759-6A51-4108-AA02-DFA0A04FC94B}">
-              <ma14:wrappingTextBoxFlag xmlns:ma14="http://schemas.microsoft.com/office/mac/drawingml/2011/main" xmlns="" val="1"/>
+              <ma14:wrappingTextBoxFlag xmlns="" xmlns:ma14="http://schemas.microsoft.com/office/mac/drawingml/2011/main" val="1"/>
             </a:ext>
           </a:extLst>
         </p:spPr>
@@ -5711,7 +5680,7 @@
           </a:ln>
           <a:extLst>
             <a:ext uri="{C572A759-6A51-4108-AA02-DFA0A04FC94B}">
-              <ma14:wrappingTextBoxFlag xmlns:ma14="http://schemas.microsoft.com/office/mac/drawingml/2011/main" xmlns="" val="1"/>
+              <ma14:wrappingTextBoxFlag xmlns="" xmlns:ma14="http://schemas.microsoft.com/office/mac/drawingml/2011/main" val="1"/>
             </a:ext>
           </a:extLst>
         </p:spPr>
@@ -5921,11 +5890,11 @@
   <p:clrMapOvr>
     <a:masterClrMapping/>
   </p:clrMapOvr>
-  <mc:AlternateContent xmlns:mc="http://schemas.openxmlformats.org/markup-compatibility/2006">
-    <mc:Choice xmlns:p14="http://schemas.microsoft.com/office/powerpoint/2010/main" Requires="p14">
+  <mc:AlternateContent xmlns:mc="http://schemas.openxmlformats.org/markup-compatibility/2006" xmlns:p14="http://schemas.microsoft.com/office/powerpoint/2010/main">
+    <mc:Choice Requires="p14">
       <p:transition spd="slow" p14:dur="2000"/>
     </mc:Choice>
-    <mc:Fallback>
+    <mc:Fallback xmlns="">
       <p:transition spd="slow"/>
     </mc:Fallback>
   </mc:AlternateContent>
@@ -6303,7 +6272,7 @@
           </a:ln>
           <a:extLst>
             <a:ext uri="{C572A759-6A51-4108-AA02-DFA0A04FC94B}">
-              <ma14:wrappingTextBoxFlag xmlns:ma14="http://schemas.microsoft.com/office/mac/drawingml/2011/main" xmlns="" val="1"/>
+              <ma14:wrappingTextBoxFlag xmlns="" xmlns:ma14="http://schemas.microsoft.com/office/mac/drawingml/2011/main" val="1"/>
             </a:ext>
           </a:extLst>
         </p:spPr>
@@ -6338,14 +6307,7 @@
                 <a:latin typeface="나눔고딕 Light" pitchFamily="50" charset="-127"/>
                 <a:ea typeface="나눔고딕 Light" pitchFamily="50" charset="-127"/>
               </a:rPr>
-              <a:t>0</a:t>
-            </a:r>
-            <a:r>
-              <a:rPr lang="en-US" altLang="ko-KR" dirty="0" smtClean="0">
-                <a:latin typeface="나눔고딕 Light" pitchFamily="50" charset="-127"/>
-                <a:ea typeface="나눔고딕 Light" pitchFamily="50" charset="-127"/>
-              </a:rPr>
-              <a:t>: </a:t>
+              <a:t>0: </a:t>
             </a:r>
             <a:r>
               <a:rPr lang="en-US" altLang="ko-KR" dirty="0">
@@ -6581,14 +6543,7 @@
                 <a:latin typeface="나눔고딕 Light" panose="020D0904000000000000" pitchFamily="50" charset="-127"/>
                 <a:ea typeface="나눔고딕 Light" panose="020D0904000000000000" pitchFamily="50" charset="-127"/>
               </a:rPr>
-              <a:t>        </a:t>
-            </a:r>
-            <a:r>
-              <a:rPr lang="en-US" altLang="ko-KR" dirty="0" smtClean="0">
-                <a:latin typeface="나눔고딕 Light" panose="020D0904000000000000" pitchFamily="50" charset="-127"/>
-                <a:ea typeface="나눔고딕 Light" panose="020D0904000000000000" pitchFamily="50" charset="-127"/>
-              </a:rPr>
-              <a:t>RC car </a:t>
+              <a:t>        RC car </a:t>
             </a:r>
             <a:r>
               <a:rPr lang="en-US" altLang="ko-KR" dirty="0">
@@ -6604,10 +6559,6 @@
               </a:rPr>
               <a:t>Wi-Fi</a:t>
             </a:r>
-            <a:endParaRPr lang="en-US" altLang="ko-KR" dirty="0" smtClean="0">
-              <a:latin typeface="나눔고딕 Light" pitchFamily="50" charset="-127"/>
-              <a:ea typeface="나눔고딕 Light" pitchFamily="50" charset="-127"/>
-            </a:endParaRPr>
           </a:p>
           <a:p>
             <a:pPr marL="285750" indent="-285750" fontAlgn="base">
@@ -6619,8 +6570,8 @@
             </a:pPr>
             <a:r>
               <a:rPr lang="en-US" altLang="ko-KR" dirty="0" smtClean="0">
-                <a:latin typeface="나눔고딕 Light" pitchFamily="50" charset="-127"/>
-                <a:ea typeface="나눔고딕 Light" pitchFamily="50" charset="-127"/>
+                <a:latin typeface="나눔고딕 Light" panose="020D0904000000000000" pitchFamily="50" charset="-127"/>
+                <a:ea typeface="나눔고딕 Light" panose="020D0904000000000000" pitchFamily="50" charset="-127"/>
               </a:rPr>
               <a:t>6: </a:t>
             </a:r>
@@ -6648,11 +6599,11 @@
   <p:clrMapOvr>
     <a:masterClrMapping/>
   </p:clrMapOvr>
-  <mc:AlternateContent xmlns:mc="http://schemas.openxmlformats.org/markup-compatibility/2006">
-    <mc:Choice xmlns:p14="http://schemas.microsoft.com/office/powerpoint/2010/main" Requires="p14">
+  <mc:AlternateContent xmlns:mc="http://schemas.openxmlformats.org/markup-compatibility/2006" xmlns:p14="http://schemas.microsoft.com/office/powerpoint/2010/main">
+    <mc:Choice Requires="p14">
       <p:transition spd="slow" p14:dur="2000"/>
     </mc:Choice>
-    <mc:Fallback>
+    <mc:Fallback xmlns="">
       <p:transition spd="slow"/>
     </mc:Fallback>
   </mc:AlternateContent>
@@ -7030,7 +6981,7 @@
           </a:ln>
           <a:extLst>
             <a:ext uri="{C572A759-6A51-4108-AA02-DFA0A04FC94B}">
-              <ma14:wrappingTextBoxFlag xmlns:ma14="http://schemas.microsoft.com/office/mac/drawingml/2011/main" xmlns="" val="1"/>
+              <ma14:wrappingTextBoxFlag xmlns="" xmlns:ma14="http://schemas.microsoft.com/office/mac/drawingml/2011/main" val="1"/>
             </a:ext>
           </a:extLst>
         </p:spPr>
@@ -8175,11 +8126,11 @@
   <p:clrMapOvr>
     <a:masterClrMapping/>
   </p:clrMapOvr>
-  <mc:AlternateContent xmlns:mc="http://schemas.openxmlformats.org/markup-compatibility/2006">
-    <mc:Choice xmlns:p14="http://schemas.microsoft.com/office/powerpoint/2010/main" Requires="p14">
+  <mc:AlternateContent xmlns:mc="http://schemas.openxmlformats.org/markup-compatibility/2006" xmlns:p14="http://schemas.microsoft.com/office/powerpoint/2010/main">
+    <mc:Choice Requires="p14">
       <p:transition spd="slow" p14:dur="2000"/>
     </mc:Choice>
-    <mc:Fallback>
+    <mc:Fallback xmlns="">
       <p:transition spd="slow"/>
     </mc:Fallback>
   </mc:AlternateContent>
@@ -9448,11 +9399,11 @@
   <p:clrMapOvr>
     <a:masterClrMapping/>
   </p:clrMapOvr>
-  <mc:AlternateContent xmlns:mc="http://schemas.openxmlformats.org/markup-compatibility/2006">
-    <mc:Choice xmlns:p14="http://schemas.microsoft.com/office/powerpoint/2010/main" Requires="p14">
+  <mc:AlternateContent xmlns:mc="http://schemas.openxmlformats.org/markup-compatibility/2006" xmlns:p14="http://schemas.microsoft.com/office/powerpoint/2010/main">
+    <mc:Choice Requires="p14">
       <p:transition spd="slow" p14:dur="2000"/>
     </mc:Choice>
-    <mc:Fallback>
+    <mc:Fallback xmlns="">
       <p:transition spd="slow"/>
     </mc:Fallback>
   </mc:AlternateContent>
@@ -10849,7 +10800,7 @@
           </a:ln>
           <a:extLst>
             <a:ext uri="{C572A759-6A51-4108-AA02-DFA0A04FC94B}">
-              <ma14:wrappingTextBoxFlag xmlns:ma14="http://schemas.microsoft.com/office/mac/drawingml/2011/main" xmlns="" val="1"/>
+              <ma14:wrappingTextBoxFlag xmlns="" xmlns:ma14="http://schemas.microsoft.com/office/mac/drawingml/2011/main" val="1"/>
             </a:ext>
           </a:extLst>
         </p:spPr>
@@ -10897,7 +10848,7 @@
           </a:ln>
           <a:extLst>
             <a:ext uri="{C572A759-6A51-4108-AA02-DFA0A04FC94B}">
-              <ma14:wrappingTextBoxFlag xmlns:ma14="http://schemas.microsoft.com/office/mac/drawingml/2011/main" xmlns="" val="1"/>
+              <ma14:wrappingTextBoxFlag xmlns="" xmlns:ma14="http://schemas.microsoft.com/office/mac/drawingml/2011/main" val="1"/>
             </a:ext>
           </a:extLst>
         </p:spPr>
@@ -10945,7 +10896,7 @@
           </a:ln>
           <a:extLst>
             <a:ext uri="{C572A759-6A51-4108-AA02-DFA0A04FC94B}">
-              <ma14:wrappingTextBoxFlag xmlns:ma14="http://schemas.microsoft.com/office/mac/drawingml/2011/main" xmlns="" val="1"/>
+              <ma14:wrappingTextBoxFlag xmlns="" xmlns:ma14="http://schemas.microsoft.com/office/mac/drawingml/2011/main" val="1"/>
             </a:ext>
           </a:extLst>
         </p:spPr>
@@ -10993,7 +10944,7 @@
           </a:ln>
           <a:extLst>
             <a:ext uri="{C572A759-6A51-4108-AA02-DFA0A04FC94B}">
-              <ma14:wrappingTextBoxFlag xmlns:ma14="http://schemas.microsoft.com/office/mac/drawingml/2011/main" xmlns="" val="1"/>
+              <ma14:wrappingTextBoxFlag xmlns="" xmlns:ma14="http://schemas.microsoft.com/office/mac/drawingml/2011/main" val="1"/>
             </a:ext>
           </a:extLst>
         </p:spPr>
@@ -11261,6 +11212,3758 @@
 </file>
 
 <file path=ppt/slides/slide19.xml><?xml version="1.0" encoding="utf-8"?>
+<p:sld xmlns:a="http://schemas.openxmlformats.org/drawingml/2006/main" xmlns:r="http://schemas.openxmlformats.org/officeDocument/2006/relationships" xmlns:p="http://schemas.openxmlformats.org/presentationml/2006/main">
+  <p:cSld>
+    <p:spTree>
+      <p:nvGrpSpPr>
+        <p:cNvPr id="1" name=""/>
+        <p:cNvGrpSpPr/>
+        <p:nvPr/>
+      </p:nvGrpSpPr>
+      <p:grpSpPr>
+        <a:xfrm>
+          <a:off x="0" y="0"/>
+          <a:ext cx="0" cy="0"/>
+          <a:chOff x="0" y="0"/>
+          <a:chExt cx="0" cy="0"/>
+        </a:xfrm>
+      </p:grpSpPr>
+      <p:sp>
+        <p:nvSpPr>
+          <p:cNvPr id="8" name="직사각형 7"/>
+          <p:cNvSpPr/>
+          <p:nvPr/>
+        </p:nvSpPr>
+        <p:spPr>
+          <a:xfrm>
+            <a:off x="706804" y="2409825"/>
+            <a:ext cx="2236421" cy="76200"/>
+          </a:xfrm>
+          <a:prstGeom prst="rect">
+            <a:avLst/>
+          </a:prstGeom>
+          <a:solidFill>
+            <a:srgbClr val="EDD0BE"/>
+          </a:solidFill>
+          <a:ln>
+            <a:noFill/>
+          </a:ln>
+        </p:spPr>
+        <p:style>
+          <a:lnRef idx="2">
+            <a:schemeClr val="accent1">
+              <a:shade val="50000"/>
+            </a:schemeClr>
+          </a:lnRef>
+          <a:fillRef idx="1">
+            <a:schemeClr val="accent1"/>
+          </a:fillRef>
+          <a:effectRef idx="0">
+            <a:schemeClr val="accent1"/>
+          </a:effectRef>
+          <a:fontRef idx="minor">
+            <a:schemeClr val="lt1"/>
+          </a:fontRef>
+        </p:style>
+        <p:txBody>
+          <a:bodyPr rtlCol="0" anchor="ctr"/>
+          <a:lstStyle/>
+          <a:p>
+            <a:pPr algn="ctr"/>
+            <a:endParaRPr lang="ko-KR" altLang="en-US" baseline="-25000" dirty="0">
+              <a:latin typeface="나눔고딕 Light" pitchFamily="50" charset="-127"/>
+              <a:ea typeface="나눔고딕 Light" pitchFamily="50" charset="-127"/>
+            </a:endParaRPr>
+          </a:p>
+        </p:txBody>
+      </p:sp>
+      <p:sp>
+        <p:nvSpPr>
+          <p:cNvPr id="7" name="TextBox 7"/>
+          <p:cNvSpPr txBox="1">
+            <a:spLocks noChangeArrowheads="1"/>
+          </p:cNvSpPr>
+          <p:nvPr/>
+        </p:nvSpPr>
+        <p:spPr bwMode="auto">
+          <a:xfrm>
+            <a:off x="573454" y="469860"/>
+            <a:ext cx="4714624" cy="2308324"/>
+          </a:xfrm>
+          <a:prstGeom prst="rect">
+            <a:avLst/>
+          </a:prstGeom>
+          <a:noFill/>
+          <a:ln>
+            <a:noFill/>
+          </a:ln>
+          <a:extLst>
+            <a:ext uri="{909E8E84-426E-40DD-AFC4-6F175D3DCCD1}">
+              <a14:hiddenFill xmlns:a14="http://schemas.microsoft.com/office/drawing/2010/main">
+                <a:solidFill>
+                  <a:srgbClr val="FFFFFF"/>
+                </a:solidFill>
+              </a14:hiddenFill>
+            </a:ext>
+            <a:ext uri="{91240B29-F687-4F45-9708-019B960494DF}">
+              <a14:hiddenLine xmlns:a14="http://schemas.microsoft.com/office/drawing/2010/main" w="9525">
+                <a:solidFill>
+                  <a:srgbClr val="000000"/>
+                </a:solidFill>
+                <a:miter lim="800000"/>
+                <a:headEnd/>
+                <a:tailEnd/>
+              </a14:hiddenLine>
+            </a:ext>
+          </a:extLst>
+        </p:spPr>
+        <p:txBody>
+          <a:bodyPr wrap="square">
+            <a:spAutoFit/>
+          </a:bodyPr>
+          <a:lstStyle>
+            <a:lvl1pPr>
+              <a:defRPr sz="3600">
+                <a:solidFill>
+                  <a:schemeClr val="tx1"/>
+                </a:solidFill>
+                <a:latin typeface="Lato Light" pitchFamily="34" charset="0"/>
+              </a:defRPr>
+            </a:lvl1pPr>
+            <a:lvl2pPr marL="742950" indent="-285750">
+              <a:defRPr sz="3600">
+                <a:solidFill>
+                  <a:schemeClr val="tx1"/>
+                </a:solidFill>
+                <a:latin typeface="Lato Light" pitchFamily="34" charset="0"/>
+              </a:defRPr>
+            </a:lvl2pPr>
+            <a:lvl3pPr marL="1143000" indent="-228600">
+              <a:defRPr sz="3600">
+                <a:solidFill>
+                  <a:schemeClr val="tx1"/>
+                </a:solidFill>
+                <a:latin typeface="Lato Light" pitchFamily="34" charset="0"/>
+              </a:defRPr>
+            </a:lvl3pPr>
+            <a:lvl4pPr marL="1600200" indent="-228600">
+              <a:defRPr sz="3600">
+                <a:solidFill>
+                  <a:schemeClr val="tx1"/>
+                </a:solidFill>
+                <a:latin typeface="Lato Light" pitchFamily="34" charset="0"/>
+              </a:defRPr>
+            </a:lvl4pPr>
+            <a:lvl5pPr marL="2057400" indent="-228600">
+              <a:defRPr sz="3600">
+                <a:solidFill>
+                  <a:schemeClr val="tx1"/>
+                </a:solidFill>
+                <a:latin typeface="Lato Light" pitchFamily="34" charset="0"/>
+              </a:defRPr>
+            </a:lvl5pPr>
+            <a:lvl6pPr marL="2514600" indent="-228600" defTabSz="1827213" fontAlgn="base">
+              <a:spcBef>
+                <a:spcPct val="0"/>
+              </a:spcBef>
+              <a:spcAft>
+                <a:spcPct val="0"/>
+              </a:spcAft>
+              <a:defRPr sz="3600">
+                <a:solidFill>
+                  <a:schemeClr val="tx1"/>
+                </a:solidFill>
+                <a:latin typeface="Lato Light" pitchFamily="34" charset="0"/>
+              </a:defRPr>
+            </a:lvl6pPr>
+            <a:lvl7pPr marL="2971800" indent="-228600" defTabSz="1827213" fontAlgn="base">
+              <a:spcBef>
+                <a:spcPct val="0"/>
+              </a:spcBef>
+              <a:spcAft>
+                <a:spcPct val="0"/>
+              </a:spcAft>
+              <a:defRPr sz="3600">
+                <a:solidFill>
+                  <a:schemeClr val="tx1"/>
+                </a:solidFill>
+                <a:latin typeface="Lato Light" pitchFamily="34" charset="0"/>
+              </a:defRPr>
+            </a:lvl7pPr>
+            <a:lvl8pPr marL="3429000" indent="-228600" defTabSz="1827213" fontAlgn="base">
+              <a:spcBef>
+                <a:spcPct val="0"/>
+              </a:spcBef>
+              <a:spcAft>
+                <a:spcPct val="0"/>
+              </a:spcAft>
+              <a:defRPr sz="3600">
+                <a:solidFill>
+                  <a:schemeClr val="tx1"/>
+                </a:solidFill>
+                <a:latin typeface="Lato Light" pitchFamily="34" charset="0"/>
+              </a:defRPr>
+            </a:lvl8pPr>
+            <a:lvl9pPr marL="3886200" indent="-228600" defTabSz="1827213" fontAlgn="base">
+              <a:spcBef>
+                <a:spcPct val="0"/>
+              </a:spcBef>
+              <a:spcAft>
+                <a:spcPct val="0"/>
+              </a:spcAft>
+              <a:defRPr sz="3600">
+                <a:solidFill>
+                  <a:schemeClr val="tx1"/>
+                </a:solidFill>
+                <a:latin typeface="Lato Light" pitchFamily="34" charset="0"/>
+              </a:defRPr>
+            </a:lvl9pPr>
+          </a:lstStyle>
+          <a:p>
+            <a:pPr eaLnBrk="1" hangingPunct="1"/>
+            <a:r>
+              <a:rPr lang="en-US" altLang="ko-KR" b="1" spc="300" dirty="0" smtClean="0">
+                <a:latin typeface="나눔스퀘어 Bold" panose="020B0600000101010101" pitchFamily="50" charset="-127"/>
+                <a:ea typeface="나눔스퀘어 Bold" panose="020B0600000101010101" pitchFamily="50" charset="-127"/>
+                <a:cs typeface="Calibri" panose="020F0502020204030204" pitchFamily="34" charset="0"/>
+              </a:rPr>
+              <a:t>PROCESS</a:t>
+            </a:r>
+          </a:p>
+          <a:p>
+            <a:pPr eaLnBrk="1" hangingPunct="1"/>
+            <a:r>
+              <a:rPr lang="en-US" altLang="ko-KR" b="1" spc="300" dirty="0" smtClean="0">
+                <a:latin typeface="나눔스퀘어 Bold" panose="020B0600000101010101" pitchFamily="50" charset="-127"/>
+                <a:ea typeface="나눔스퀘어 Bold" panose="020B0600000101010101" pitchFamily="50" charset="-127"/>
+                <a:cs typeface="Calibri" panose="020F0502020204030204" pitchFamily="34" charset="0"/>
+              </a:rPr>
+              <a:t>OF</a:t>
+            </a:r>
+            <a:br>
+              <a:rPr lang="en-US" altLang="ko-KR" b="1" spc="300" dirty="0" smtClean="0">
+                <a:latin typeface="나눔스퀘어 Bold" panose="020B0600000101010101" pitchFamily="50" charset="-127"/>
+                <a:ea typeface="나눔스퀘어 Bold" panose="020B0600000101010101" pitchFamily="50" charset="-127"/>
+                <a:cs typeface="Calibri" panose="020F0502020204030204" pitchFamily="34" charset="0"/>
+              </a:rPr>
+            </a:br>
+            <a:r>
+              <a:rPr lang="en-US" altLang="ko-KR" b="1" spc="300" dirty="0" smtClean="0">
+                <a:latin typeface="나눔스퀘어 Bold" panose="020B0600000101010101" pitchFamily="50" charset="-127"/>
+                <a:ea typeface="나눔스퀘어 Bold" panose="020B0600000101010101" pitchFamily="50" charset="-127"/>
+                <a:cs typeface="Calibri" panose="020F0502020204030204" pitchFamily="34" charset="0"/>
+              </a:rPr>
+              <a:t>OUR </a:t>
+            </a:r>
+          </a:p>
+          <a:p>
+            <a:pPr eaLnBrk="1" hangingPunct="1"/>
+            <a:r>
+              <a:rPr lang="en-US" altLang="ko-KR" b="1" spc="300" dirty="0" smtClean="0">
+                <a:latin typeface="나눔스퀘어 Bold" panose="020B0600000101010101" pitchFamily="50" charset="-127"/>
+                <a:ea typeface="나눔스퀘어 Bold" panose="020B0600000101010101" pitchFamily="50" charset="-127"/>
+                <a:cs typeface="Calibri" panose="020F0502020204030204" pitchFamily="34" charset="0"/>
+              </a:rPr>
+              <a:t>PROJECT</a:t>
+            </a:r>
+            <a:endParaRPr lang="ru-RU" altLang="ko-KR" b="1" spc="300" dirty="0">
+              <a:latin typeface="나눔스퀘어 Bold" panose="020B0600000101010101" pitchFamily="50" charset="-127"/>
+              <a:ea typeface="나눔스퀘어 Bold" panose="020B0600000101010101" pitchFamily="50" charset="-127"/>
+              <a:cs typeface="Calibri" panose="020F0502020204030204" pitchFamily="34" charset="0"/>
+            </a:endParaRPr>
+          </a:p>
+        </p:txBody>
+      </p:sp>
+      <p:grpSp>
+        <p:nvGrpSpPr>
+          <p:cNvPr id="12" name="Group 508"/>
+          <p:cNvGrpSpPr/>
+          <p:nvPr/>
+        </p:nvGrpSpPr>
+        <p:grpSpPr>
+          <a:xfrm>
+            <a:off x="5078304" y="2454716"/>
+            <a:ext cx="1666065" cy="5041459"/>
+            <a:chOff x="-240163" y="-282677"/>
+            <a:chExt cx="2128090" cy="6439536"/>
+          </a:xfrm>
+        </p:grpSpPr>
+        <p:sp>
+          <p:nvSpPr>
+            <p:cNvPr id="13" name="Shape 505"/>
+            <p:cNvSpPr/>
+            <p:nvPr/>
+          </p:nvSpPr>
+          <p:spPr>
+            <a:xfrm>
+              <a:off x="835970" y="701882"/>
+              <a:ext cx="0" cy="5454977"/>
+            </a:xfrm>
+            <a:prstGeom prst="line">
+              <a:avLst/>
+            </a:prstGeom>
+            <a:noFill/>
+            <a:ln w="25400" cap="flat">
+              <a:solidFill>
+                <a:srgbClr val="565656"/>
+              </a:solidFill>
+              <a:prstDash val="solid"/>
+              <a:miter lim="400000"/>
+            </a:ln>
+            <a:effectLst/>
+          </p:spPr>
+          <p:txBody>
+            <a:bodyPr wrap="square" lIns="38100" tIns="38100" rIns="38100" bIns="38100" numCol="1" anchor="ctr">
+              <a:noAutofit/>
+            </a:bodyPr>
+            <a:lstStyle/>
+            <a:p>
+              <a:pPr algn="ctr">
+                <a:defRPr sz="3000">
+                  <a:solidFill>
+                    <a:srgbClr val="000000"/>
+                  </a:solidFill>
+                  <a:latin typeface="Helvetica Light"/>
+                  <a:ea typeface="Helvetica Light"/>
+                  <a:cs typeface="Helvetica Light"/>
+                  <a:sym typeface="Helvetica Light"/>
+                </a:defRPr>
+              </a:pPr>
+              <a:endParaRPr/>
+            </a:p>
+          </p:txBody>
+        </p:sp>
+        <p:sp>
+          <p:nvSpPr>
+            <p:cNvPr id="14" name="Shape 506"/>
+            <p:cNvSpPr/>
+            <p:nvPr/>
+          </p:nvSpPr>
+          <p:spPr>
+            <a:xfrm>
+              <a:off x="-240163" y="-282677"/>
+              <a:ext cx="2128090" cy="2107020"/>
+            </a:xfrm>
+            <a:prstGeom prst="ellipse">
+              <a:avLst/>
+            </a:prstGeom>
+            <a:solidFill>
+              <a:srgbClr val="565656"/>
+            </a:solidFill>
+            <a:ln w="3175" cap="flat">
+              <a:noFill/>
+              <a:miter lim="400000"/>
+            </a:ln>
+            <a:effectLst/>
+          </p:spPr>
+          <p:txBody>
+            <a:bodyPr wrap="square" lIns="38100" tIns="38100" rIns="38100" bIns="38100" numCol="1" anchor="ctr">
+              <a:noAutofit/>
+            </a:bodyPr>
+            <a:lstStyle/>
+            <a:p>
+              <a:pPr algn="ctr">
+                <a:defRPr sz="3000">
+                  <a:solidFill>
+                    <a:srgbClr val="FFFFFF"/>
+                  </a:solidFill>
+                  <a:latin typeface="Helvetica Light"/>
+                  <a:ea typeface="Helvetica Light"/>
+                  <a:cs typeface="Helvetica Light"/>
+                  <a:sym typeface="Helvetica Light"/>
+                </a:defRPr>
+              </a:pPr>
+              <a:endParaRPr/>
+            </a:p>
+          </p:txBody>
+        </p:sp>
+        <p:sp>
+          <p:nvSpPr>
+            <p:cNvPr id="15" name="Shape 507"/>
+            <p:cNvSpPr/>
+            <p:nvPr/>
+          </p:nvSpPr>
+          <p:spPr>
+            <a:xfrm>
+              <a:off x="147712" y="485815"/>
+              <a:ext cx="1352339" cy="570035"/>
+            </a:xfrm>
+            <a:prstGeom prst="rect">
+              <a:avLst/>
+            </a:prstGeom>
+            <a:noFill/>
+            <a:ln w="3175" cap="flat">
+              <a:noFill/>
+              <a:miter lim="400000"/>
+            </a:ln>
+            <a:effectLst/>
+            <a:extLst>
+              <a:ext uri="{C572A759-6A51-4108-AA02-DFA0A04FC94B}">
+                <ma14:wrappingTextBoxFlag xmlns="" xmlns:ma14="http://schemas.microsoft.com/office/mac/drawingml/2011/main" val="1"/>
+              </a:ext>
+            </a:extLst>
+          </p:spPr>
+          <p:txBody>
+            <a:bodyPr wrap="square" lIns="38100" tIns="38100" rIns="38100" bIns="38100" numCol="1" anchor="ctr">
+              <a:spAutoFit/>
+            </a:bodyPr>
+            <a:lstStyle>
+              <a:lvl1pPr algn="ctr">
+                <a:defRPr sz="3000">
+                  <a:solidFill>
+                    <a:srgbClr val="FFFFFF"/>
+                  </a:solidFill>
+                  <a:latin typeface="Roboto Slab Regular"/>
+                  <a:ea typeface="Roboto Slab Regular"/>
+                  <a:cs typeface="Roboto Slab Regular"/>
+                  <a:sym typeface="Roboto Slab Regular"/>
+                </a:defRPr>
+              </a:lvl1pPr>
+            </a:lstStyle>
+            <a:p>
+              <a:r>
+                <a:rPr lang="en-US" sz="2400" dirty="0" smtClean="0">
+                  <a:latin typeface="나눔스퀘어 Bold" panose="020B0600000101010101" pitchFamily="50" charset="-127"/>
+                  <a:ea typeface="나눔스퀘어 Bold" panose="020B0600000101010101" pitchFamily="50" charset="-127"/>
+                </a:rPr>
+                <a:t>START</a:t>
+              </a:r>
+              <a:endParaRPr sz="2400" dirty="0">
+                <a:latin typeface="나눔스퀘어 Bold" panose="020B0600000101010101" pitchFamily="50" charset="-127"/>
+                <a:ea typeface="나눔스퀘어 Bold" panose="020B0600000101010101" pitchFamily="50" charset="-127"/>
+              </a:endParaRPr>
+            </a:p>
+          </p:txBody>
+        </p:sp>
+      </p:grpSp>
+      <p:grpSp>
+        <p:nvGrpSpPr>
+          <p:cNvPr id="16" name="Group 503"/>
+          <p:cNvGrpSpPr/>
+          <p:nvPr/>
+        </p:nvGrpSpPr>
+        <p:grpSpPr>
+          <a:xfrm>
+            <a:off x="8266862" y="2614015"/>
+            <a:ext cx="2530695" cy="1959239"/>
+            <a:chOff x="0" y="879100"/>
+            <a:chExt cx="5206950" cy="4031169"/>
+          </a:xfrm>
+        </p:grpSpPr>
+        <p:sp>
+          <p:nvSpPr>
+            <p:cNvPr id="17" name="Shape 498"/>
+            <p:cNvSpPr/>
+            <p:nvPr/>
+          </p:nvSpPr>
+          <p:spPr>
+            <a:xfrm>
+              <a:off x="0" y="879100"/>
+              <a:ext cx="5206950" cy="873112"/>
+            </a:xfrm>
+            <a:prstGeom prst="rect">
+              <a:avLst/>
+            </a:prstGeom>
+            <a:noFill/>
+            <a:ln w="3175" cap="flat">
+              <a:noFill/>
+              <a:miter lim="400000"/>
+            </a:ln>
+            <a:effectLst/>
+            <a:extLst>
+              <a:ext uri="{C572A759-6A51-4108-AA02-DFA0A04FC94B}">
+                <ma14:wrappingTextBoxFlag xmlns="" xmlns:ma14="http://schemas.microsoft.com/office/mac/drawingml/2011/main" val="1"/>
+              </a:ext>
+            </a:extLst>
+          </p:spPr>
+          <p:txBody>
+            <a:bodyPr wrap="square" lIns="38100" tIns="38100" rIns="38100" bIns="38100" numCol="1" anchor="t">
+              <a:normAutofit/>
+            </a:bodyPr>
+            <a:lstStyle>
+              <a:lvl1pPr algn="l">
+                <a:defRPr sz="4500">
+                  <a:solidFill>
+                    <a:srgbClr val="000000"/>
+                  </a:solidFill>
+                  <a:latin typeface="Roboto Slab Regular"/>
+                  <a:ea typeface="Roboto Slab Regular"/>
+                  <a:cs typeface="Roboto Slab Regular"/>
+                  <a:sym typeface="Roboto Slab Regular"/>
+                </a:defRPr>
+              </a:lvl1pPr>
+            </a:lstStyle>
+            <a:p>
+              <a:r>
+                <a:rPr lang="ko-KR" altLang="en-US" sz="2000" dirty="0" smtClean="0">
+                  <a:latin typeface="나눔스퀘어 Bold" panose="020B0600000101010101" pitchFamily="50" charset="-127"/>
+                  <a:ea typeface="나눔스퀘어 Bold" panose="020B0600000101010101" pitchFamily="50" charset="-127"/>
+                </a:rPr>
+                <a:t>도우미 로봇은</a:t>
+              </a:r>
+              <a:r>
+                <a:rPr lang="en-US" altLang="ko-KR" sz="2000" dirty="0" smtClean="0">
+                  <a:latin typeface="나눔스퀘어 Bold" panose="020B0600000101010101" pitchFamily="50" charset="-127"/>
+                  <a:ea typeface="나눔스퀘어 Bold" panose="020B0600000101010101" pitchFamily="50" charset="-127"/>
+                </a:rPr>
+                <a:t>..</a:t>
+              </a:r>
+              <a:endParaRPr sz="2000" dirty="0">
+                <a:latin typeface="나눔스퀘어 Bold" panose="020B0600000101010101" pitchFamily="50" charset="-127"/>
+                <a:ea typeface="나눔스퀘어 Bold" panose="020B0600000101010101" pitchFamily="50" charset="-127"/>
+              </a:endParaRPr>
+            </a:p>
+          </p:txBody>
+        </p:sp>
+        <p:sp>
+          <p:nvSpPr>
+            <p:cNvPr id="18" name="Shape 499"/>
+            <p:cNvSpPr/>
+            <p:nvPr/>
+          </p:nvSpPr>
+          <p:spPr>
+            <a:xfrm>
+              <a:off x="0" y="2410070"/>
+              <a:ext cx="5057971" cy="2500199"/>
+            </a:xfrm>
+            <a:prstGeom prst="rect">
+              <a:avLst/>
+            </a:prstGeom>
+            <a:noFill/>
+            <a:ln w="3175" cap="flat">
+              <a:noFill/>
+              <a:miter lim="400000"/>
+            </a:ln>
+            <a:effectLst/>
+            <a:extLst>
+              <a:ext uri="{C572A759-6A51-4108-AA02-DFA0A04FC94B}">
+                <ma14:wrappingTextBoxFlag xmlns="" xmlns:ma14="http://schemas.microsoft.com/office/mac/drawingml/2011/main" val="1"/>
+              </a:ext>
+            </a:extLst>
+          </p:spPr>
+          <p:txBody>
+            <a:bodyPr wrap="square" lIns="38100" tIns="38100" rIns="38100" bIns="38100" numCol="1" anchor="t">
+              <a:normAutofit/>
+            </a:bodyPr>
+            <a:lstStyle/>
+            <a:p>
+              <a:pPr>
+                <a:lnSpc>
+                  <a:spcPct val="150000"/>
+                </a:lnSpc>
+              </a:pPr>
+              <a:r>
+                <a:rPr lang="ko-KR" altLang="en-US" sz="1200" dirty="0" smtClean="0">
+                  <a:latin typeface="나눔고딕 Light" pitchFamily="50" charset="-127"/>
+                  <a:ea typeface="나눔고딕 Light" pitchFamily="50" charset="-127"/>
+                </a:rPr>
+                <a:t>시청각장애인들의 보행에 도움을 주는 자율주행 로봇이다</a:t>
+              </a:r>
+              <a:r>
+                <a:rPr lang="en-US" altLang="ko-KR" sz="1200" dirty="0" smtClean="0">
+                  <a:latin typeface="나눔고딕 Light" pitchFamily="50" charset="-127"/>
+                  <a:ea typeface="나눔고딕 Light" pitchFamily="50" charset="-127"/>
+                </a:rPr>
+                <a:t>.</a:t>
+              </a:r>
+              <a:endParaRPr sz="1200" dirty="0">
+                <a:latin typeface="나눔고딕 Light" pitchFamily="50" charset="-127"/>
+              </a:endParaRPr>
+            </a:p>
+          </p:txBody>
+        </p:sp>
+        <p:grpSp>
+          <p:nvGrpSpPr>
+            <p:cNvPr id="19" name="Group 502"/>
+            <p:cNvGrpSpPr/>
+            <p:nvPr/>
+          </p:nvGrpSpPr>
+          <p:grpSpPr>
+            <a:xfrm>
+              <a:off x="43160" y="1967464"/>
+              <a:ext cx="4674923" cy="1"/>
+              <a:chOff x="0" y="0"/>
+              <a:chExt cx="4674922" cy="0"/>
+            </a:xfrm>
+          </p:grpSpPr>
+          <p:sp>
+            <p:nvSpPr>
+              <p:cNvPr id="20" name="Shape 500"/>
+              <p:cNvSpPr/>
+              <p:nvPr/>
+            </p:nvSpPr>
+            <p:spPr>
+              <a:xfrm>
+                <a:off x="0" y="0"/>
+                <a:ext cx="4674923" cy="0"/>
+              </a:xfrm>
+              <a:prstGeom prst="line">
+                <a:avLst/>
+              </a:prstGeom>
+              <a:noFill/>
+              <a:ln w="25400" cap="flat">
+                <a:solidFill>
+                  <a:srgbClr val="E5E5E5"/>
+                </a:solidFill>
+                <a:prstDash val="solid"/>
+                <a:miter lim="400000"/>
+              </a:ln>
+              <a:effectLst/>
+            </p:spPr>
+            <p:txBody>
+              <a:bodyPr wrap="square" lIns="38100" tIns="38100" rIns="38100" bIns="38100" numCol="1" anchor="ctr">
+                <a:noAutofit/>
+              </a:bodyPr>
+              <a:lstStyle/>
+              <a:p>
+                <a:pPr algn="ctr">
+                  <a:defRPr sz="3000">
+                    <a:solidFill>
+                      <a:srgbClr val="000000"/>
+                    </a:solidFill>
+                    <a:latin typeface="Helvetica Light"/>
+                    <a:ea typeface="Helvetica Light"/>
+                    <a:cs typeface="Helvetica Light"/>
+                    <a:sym typeface="Helvetica Light"/>
+                  </a:defRPr>
+                </a:pPr>
+                <a:endParaRPr/>
+              </a:p>
+            </p:txBody>
+          </p:sp>
+          <p:sp>
+            <p:nvSpPr>
+              <p:cNvPr id="21" name="Shape 501"/>
+              <p:cNvSpPr/>
+              <p:nvPr/>
+            </p:nvSpPr>
+            <p:spPr>
+              <a:xfrm>
+                <a:off x="12700" y="0"/>
+                <a:ext cx="942922" cy="0"/>
+              </a:xfrm>
+              <a:prstGeom prst="line">
+                <a:avLst/>
+              </a:prstGeom>
+              <a:noFill/>
+              <a:ln w="25400" cap="flat">
+                <a:solidFill>
+                  <a:srgbClr val="000000"/>
+                </a:solidFill>
+                <a:prstDash val="solid"/>
+                <a:miter lim="400000"/>
+              </a:ln>
+              <a:effectLst/>
+            </p:spPr>
+            <p:txBody>
+              <a:bodyPr wrap="square" lIns="38100" tIns="38100" rIns="38100" bIns="38100" numCol="1" anchor="ctr">
+                <a:noAutofit/>
+              </a:bodyPr>
+              <a:lstStyle/>
+              <a:p>
+                <a:pPr algn="ctr">
+                  <a:defRPr sz="3000">
+                    <a:solidFill>
+                      <a:srgbClr val="000000"/>
+                    </a:solidFill>
+                    <a:latin typeface="Helvetica Light"/>
+                    <a:ea typeface="Helvetica Light"/>
+                    <a:cs typeface="Helvetica Light"/>
+                    <a:sym typeface="Helvetica Light"/>
+                  </a:defRPr>
+                </a:pPr>
+                <a:endParaRPr/>
+              </a:p>
+            </p:txBody>
+          </p:sp>
+        </p:grpSp>
+      </p:grpSp>
+      <p:sp>
+        <p:nvSpPr>
+          <p:cNvPr id="22" name="Shape 509"/>
+          <p:cNvSpPr/>
+          <p:nvPr/>
+        </p:nvSpPr>
+        <p:spPr>
+          <a:xfrm rot="13500000">
+            <a:off x="7261034" y="3186747"/>
+            <a:ext cx="211306" cy="211306"/>
+          </a:xfrm>
+          <a:custGeom>
+            <a:avLst/>
+            <a:gdLst/>
+            <a:ahLst/>
+            <a:cxnLst>
+              <a:cxn ang="0">
+                <a:pos x="wd2" y="hd2"/>
+              </a:cxn>
+              <a:cxn ang="5400000">
+                <a:pos x="wd2" y="hd2"/>
+              </a:cxn>
+              <a:cxn ang="10800000">
+                <a:pos x="wd2" y="hd2"/>
+              </a:cxn>
+              <a:cxn ang="16200000">
+                <a:pos x="wd2" y="hd2"/>
+              </a:cxn>
+            </a:cxnLst>
+            <a:rect l="0" t="0" r="r" b="b"/>
+            <a:pathLst>
+              <a:path w="21600" h="21600" extrusionOk="0">
+                <a:moveTo>
+                  <a:pt x="0" y="0"/>
+                </a:moveTo>
+                <a:lnTo>
+                  <a:pt x="0" y="21600"/>
+                </a:lnTo>
+                <a:lnTo>
+                  <a:pt x="21600" y="21600"/>
+                </a:lnTo>
+                <a:close/>
+              </a:path>
+            </a:pathLst>
+          </a:custGeom>
+          <a:solidFill>
+            <a:srgbClr val="000000"/>
+          </a:solidFill>
+          <a:ln w="3175">
+            <a:miter lim="400000"/>
+          </a:ln>
+        </p:spPr>
+        <p:txBody>
+          <a:bodyPr lIns="38100" tIns="38100" rIns="38100" bIns="38100" anchor="ctr"/>
+          <a:lstStyle/>
+          <a:p>
+            <a:pPr algn="ctr">
+              <a:defRPr sz="3000">
+                <a:solidFill>
+                  <a:srgbClr val="FFFFFF"/>
+                </a:solidFill>
+                <a:latin typeface="Helvetica Light"/>
+                <a:ea typeface="Helvetica Light"/>
+                <a:cs typeface="Helvetica Light"/>
+                <a:sym typeface="Helvetica Light"/>
+              </a:defRPr>
+            </a:pPr>
+            <a:endParaRPr/>
+          </a:p>
+        </p:txBody>
+      </p:sp>
+    </p:spTree>
+    <p:extLst>
+      <p:ext uri="{BB962C8B-B14F-4D97-AF65-F5344CB8AC3E}">
+        <p14:creationId xmlns:p14="http://schemas.microsoft.com/office/powerpoint/2010/main" val="3568414443"/>
+      </p:ext>
+    </p:extLst>
+  </p:cSld>
+  <p:clrMapOvr>
+    <a:masterClrMapping/>
+  </p:clrMapOvr>
+  <mc:AlternateContent xmlns:mc="http://schemas.openxmlformats.org/markup-compatibility/2006" xmlns:p14="http://schemas.microsoft.com/office/powerpoint/2010/main">
+    <mc:Choice Requires="p14">
+      <p:transition spd="slow" p14:dur="2000"/>
+    </mc:Choice>
+    <mc:Fallback xmlns="">
+      <p:transition spd="slow"/>
+    </mc:Fallback>
+  </mc:AlternateContent>
+  <p:timing>
+    <p:tnLst>
+      <p:par>
+        <p:cTn id="1" dur="indefinite" restart="never" nodeType="tmRoot"/>
+      </p:par>
+    </p:tnLst>
+  </p:timing>
+</p:sld>
+</file>
+
+<file path=ppt/slides/slide2.xml><?xml version="1.0" encoding="utf-8"?>
+<p:sld xmlns:a="http://schemas.openxmlformats.org/drawingml/2006/main" xmlns:r="http://schemas.openxmlformats.org/officeDocument/2006/relationships" xmlns:p="http://schemas.openxmlformats.org/presentationml/2006/main">
+  <p:cSld>
+    <p:bg>
+      <p:bgPr>
+        <a:solidFill>
+          <a:schemeClr val="bg1">
+            <a:lumMod val="95000"/>
+          </a:schemeClr>
+        </a:solidFill>
+        <a:effectLst/>
+      </p:bgPr>
+    </p:bg>
+    <p:spTree>
+      <p:nvGrpSpPr>
+        <p:cNvPr id="1" name=""/>
+        <p:cNvGrpSpPr/>
+        <p:nvPr/>
+      </p:nvGrpSpPr>
+      <p:grpSpPr>
+        <a:xfrm>
+          <a:off x="0" y="0"/>
+          <a:ext cx="0" cy="0"/>
+          <a:chOff x="0" y="0"/>
+          <a:chExt cx="0" cy="0"/>
+        </a:xfrm>
+      </p:grpSpPr>
+      <p:sp>
+        <p:nvSpPr>
+          <p:cNvPr id="4" name="직사각형 3"/>
+          <p:cNvSpPr/>
+          <p:nvPr/>
+        </p:nvSpPr>
+        <p:spPr>
+          <a:xfrm>
+            <a:off x="0" y="-16001"/>
+            <a:ext cx="1657350" cy="6238875"/>
+          </a:xfrm>
+          <a:prstGeom prst="rect">
+            <a:avLst/>
+          </a:prstGeom>
+          <a:solidFill>
+            <a:srgbClr val="EDD0BE"/>
+          </a:solidFill>
+          <a:ln>
+            <a:noFill/>
+          </a:ln>
+        </p:spPr>
+        <p:style>
+          <a:lnRef idx="2">
+            <a:schemeClr val="accent1">
+              <a:shade val="50000"/>
+            </a:schemeClr>
+          </a:lnRef>
+          <a:fillRef idx="1">
+            <a:schemeClr val="accent1"/>
+          </a:fillRef>
+          <a:effectRef idx="0">
+            <a:schemeClr val="accent1"/>
+          </a:effectRef>
+          <a:fontRef idx="minor">
+            <a:schemeClr val="lt1"/>
+          </a:fontRef>
+        </p:style>
+        <p:txBody>
+          <a:bodyPr rtlCol="0" anchor="ctr"/>
+          <a:lstStyle/>
+          <a:p>
+            <a:pPr algn="ctr"/>
+            <a:endParaRPr lang="ko-KR" altLang="en-US" dirty="0">
+              <a:latin typeface="나눔고딕 Light" pitchFamily="50" charset="-127"/>
+              <a:ea typeface="나눔고딕 Light" pitchFamily="50" charset="-127"/>
+            </a:endParaRPr>
+          </a:p>
+        </p:txBody>
+      </p:sp>
+      <p:sp>
+        <p:nvSpPr>
+          <p:cNvPr id="5" name="TextBox 7"/>
+          <p:cNvSpPr txBox="1">
+            <a:spLocks noChangeArrowheads="1"/>
+          </p:cNvSpPr>
+          <p:nvPr/>
+        </p:nvSpPr>
+        <p:spPr bwMode="auto">
+          <a:xfrm>
+            <a:off x="2406377" y="608585"/>
+            <a:ext cx="4352674" cy="676532"/>
+          </a:xfrm>
+          <a:prstGeom prst="rect">
+            <a:avLst/>
+          </a:prstGeom>
+          <a:noFill/>
+          <a:ln>
+            <a:noFill/>
+          </a:ln>
+          <a:extLst>
+            <a:ext uri="{909E8E84-426E-40DD-AFC4-6F175D3DCCD1}">
+              <a14:hiddenFill xmlns:a14="http://schemas.microsoft.com/office/drawing/2010/main">
+                <a:solidFill>
+                  <a:srgbClr val="FFFFFF"/>
+                </a:solidFill>
+              </a14:hiddenFill>
+            </a:ext>
+            <a:ext uri="{91240B29-F687-4F45-9708-019B960494DF}">
+              <a14:hiddenLine xmlns:a14="http://schemas.microsoft.com/office/drawing/2010/main" w="9525">
+                <a:solidFill>
+                  <a:srgbClr val="000000"/>
+                </a:solidFill>
+                <a:miter lim="800000"/>
+                <a:headEnd/>
+                <a:tailEnd/>
+              </a14:hiddenLine>
+            </a:ext>
+          </a:extLst>
+        </p:spPr>
+        <p:txBody>
+          <a:bodyPr wrap="square">
+            <a:spAutoFit/>
+          </a:bodyPr>
+          <a:lstStyle>
+            <a:lvl1pPr>
+              <a:defRPr sz="3600">
+                <a:solidFill>
+                  <a:schemeClr val="tx1"/>
+                </a:solidFill>
+                <a:latin typeface="Lato Light" pitchFamily="34" charset="0"/>
+              </a:defRPr>
+            </a:lvl1pPr>
+            <a:lvl2pPr marL="742950" indent="-285750">
+              <a:defRPr sz="3600">
+                <a:solidFill>
+                  <a:schemeClr val="tx1"/>
+                </a:solidFill>
+                <a:latin typeface="Lato Light" pitchFamily="34" charset="0"/>
+              </a:defRPr>
+            </a:lvl2pPr>
+            <a:lvl3pPr marL="1143000" indent="-228600">
+              <a:defRPr sz="3600">
+                <a:solidFill>
+                  <a:schemeClr val="tx1"/>
+                </a:solidFill>
+                <a:latin typeface="Lato Light" pitchFamily="34" charset="0"/>
+              </a:defRPr>
+            </a:lvl3pPr>
+            <a:lvl4pPr marL="1600200" indent="-228600">
+              <a:defRPr sz="3600">
+                <a:solidFill>
+                  <a:schemeClr val="tx1"/>
+                </a:solidFill>
+                <a:latin typeface="Lato Light" pitchFamily="34" charset="0"/>
+              </a:defRPr>
+            </a:lvl4pPr>
+            <a:lvl5pPr marL="2057400" indent="-228600">
+              <a:defRPr sz="3600">
+                <a:solidFill>
+                  <a:schemeClr val="tx1"/>
+                </a:solidFill>
+                <a:latin typeface="Lato Light" pitchFamily="34" charset="0"/>
+              </a:defRPr>
+            </a:lvl5pPr>
+            <a:lvl6pPr marL="2514600" indent="-228600" defTabSz="1827213" fontAlgn="base">
+              <a:spcBef>
+                <a:spcPct val="0"/>
+              </a:spcBef>
+              <a:spcAft>
+                <a:spcPct val="0"/>
+              </a:spcAft>
+              <a:defRPr sz="3600">
+                <a:solidFill>
+                  <a:schemeClr val="tx1"/>
+                </a:solidFill>
+                <a:latin typeface="Lato Light" pitchFamily="34" charset="0"/>
+              </a:defRPr>
+            </a:lvl6pPr>
+            <a:lvl7pPr marL="2971800" indent="-228600" defTabSz="1827213" fontAlgn="base">
+              <a:spcBef>
+                <a:spcPct val="0"/>
+              </a:spcBef>
+              <a:spcAft>
+                <a:spcPct val="0"/>
+              </a:spcAft>
+              <a:defRPr sz="3600">
+                <a:solidFill>
+                  <a:schemeClr val="tx1"/>
+                </a:solidFill>
+                <a:latin typeface="Lato Light" pitchFamily="34" charset="0"/>
+              </a:defRPr>
+            </a:lvl7pPr>
+            <a:lvl8pPr marL="3429000" indent="-228600" defTabSz="1827213" fontAlgn="base">
+              <a:spcBef>
+                <a:spcPct val="0"/>
+              </a:spcBef>
+              <a:spcAft>
+                <a:spcPct val="0"/>
+              </a:spcAft>
+              <a:defRPr sz="3600">
+                <a:solidFill>
+                  <a:schemeClr val="tx1"/>
+                </a:solidFill>
+                <a:latin typeface="Lato Light" pitchFamily="34" charset="0"/>
+              </a:defRPr>
+            </a:lvl8pPr>
+            <a:lvl9pPr marL="3886200" indent="-228600" defTabSz="1827213" fontAlgn="base">
+              <a:spcBef>
+                <a:spcPct val="0"/>
+              </a:spcBef>
+              <a:spcAft>
+                <a:spcPct val="0"/>
+              </a:spcAft>
+              <a:defRPr sz="3600">
+                <a:solidFill>
+                  <a:schemeClr val="tx1"/>
+                </a:solidFill>
+                <a:latin typeface="Lato Light" pitchFamily="34" charset="0"/>
+              </a:defRPr>
+            </a:lvl9pPr>
+          </a:lstStyle>
+          <a:p>
+            <a:pPr eaLnBrk="1" hangingPunct="1">
+              <a:lnSpc>
+                <a:spcPct val="150000"/>
+              </a:lnSpc>
+            </a:pPr>
+            <a:r>
+              <a:rPr lang="en-US" altLang="ko-KR" sz="2800" b="1" dirty="0" smtClean="0">
+                <a:latin typeface="나눔스퀘어 Bold" panose="020B0600000101010101" pitchFamily="50" charset="-127"/>
+                <a:ea typeface="나눔스퀘어 Bold" panose="020B0600000101010101" pitchFamily="50" charset="-127"/>
+                <a:cs typeface="Calibri" panose="020F0502020204030204" pitchFamily="34" charset="0"/>
+              </a:rPr>
+              <a:t>Motivation</a:t>
+            </a:r>
+            <a:endParaRPr lang="ru-RU" altLang="ko-KR" sz="2800" b="1" dirty="0">
+              <a:latin typeface="나눔스퀘어 Bold" panose="020B0600000101010101" pitchFamily="50" charset="-127"/>
+              <a:ea typeface="나눔스퀘어 Bold" panose="020B0600000101010101" pitchFamily="50" charset="-127"/>
+              <a:cs typeface="Calibri" panose="020F0502020204030204" pitchFamily="34" charset="0"/>
+            </a:endParaRPr>
+          </a:p>
+        </p:txBody>
+      </p:sp>
+      <p:sp>
+        <p:nvSpPr>
+          <p:cNvPr id="10" name="Shape 388"/>
+          <p:cNvSpPr/>
+          <p:nvPr/>
+        </p:nvSpPr>
+        <p:spPr>
+          <a:xfrm>
+            <a:off x="2469103" y="2135723"/>
+            <a:ext cx="8951372" cy="3936831"/>
+          </a:xfrm>
+          <a:prstGeom prst="rect">
+            <a:avLst/>
+          </a:prstGeom>
+          <a:ln w="3175">
+            <a:miter lim="400000"/>
+          </a:ln>
+          <a:extLst>
+            <a:ext uri="{C572A759-6A51-4108-AA02-DFA0A04FC94B}">
+              <ma14:wrappingTextBoxFlag xmlns="" xmlns:ma14="http://schemas.microsoft.com/office/mac/drawingml/2011/main" val="1"/>
+            </a:ext>
+          </a:extLst>
+        </p:spPr>
+        <p:txBody>
+          <a:bodyPr lIns="38100" tIns="38100" rIns="38100" bIns="38100">
+            <a:normAutofit/>
+          </a:bodyPr>
+          <a:lstStyle/>
+          <a:p>
+            <a:pPr marL="285750" indent="-285750" fontAlgn="base">
+              <a:lnSpc>
+                <a:spcPct val="150000"/>
+              </a:lnSpc>
+              <a:buFontTx/>
+              <a:buChar char="-"/>
+            </a:pPr>
+            <a:r>
+              <a:rPr lang="en-US" altLang="ko-KR" dirty="0">
+                <a:latin typeface="나눔고딕 Light" panose="020D0904000000000000" pitchFamily="50" charset="-127"/>
+                <a:ea typeface="나눔고딕 Light" panose="020D0904000000000000" pitchFamily="50" charset="-127"/>
+              </a:rPr>
+              <a:t>Recently, many companies are developing self-driving cars. As this is a technology that is emerging these days, </a:t>
+            </a:r>
+            <a:r>
+              <a:rPr lang="en-US" altLang="ko-KR" dirty="0" smtClean="0">
+                <a:latin typeface="나눔고딕 Light" panose="020D0904000000000000" pitchFamily="50" charset="-127"/>
+                <a:ea typeface="나눔고딕 Light" panose="020D0904000000000000" pitchFamily="50" charset="-127"/>
+              </a:rPr>
+              <a:t>we think it </a:t>
+            </a:r>
+            <a:r>
+              <a:rPr lang="en-US" altLang="ko-KR" dirty="0">
+                <a:latin typeface="나눔고딕 Light" panose="020D0904000000000000" pitchFamily="50" charset="-127"/>
+                <a:ea typeface="나눔고딕 Light" panose="020D0904000000000000" pitchFamily="50" charset="-127"/>
+              </a:rPr>
+              <a:t>is </a:t>
+            </a:r>
+            <a:r>
+              <a:rPr lang="en-US" altLang="ko-KR" dirty="0" smtClean="0">
+                <a:latin typeface="나눔고딕 Light" panose="020D0904000000000000" pitchFamily="50" charset="-127"/>
+                <a:ea typeface="나눔고딕 Light" panose="020D0904000000000000" pitchFamily="50" charset="-127"/>
+              </a:rPr>
+              <a:t>worth considering to make products using the technology.</a:t>
+            </a:r>
+          </a:p>
+          <a:p>
+            <a:pPr marL="285750" indent="-285750" fontAlgn="base">
+              <a:lnSpc>
+                <a:spcPct val="150000"/>
+              </a:lnSpc>
+              <a:buFontTx/>
+              <a:buChar char="-"/>
+            </a:pPr>
+            <a:endParaRPr lang="en-US" altLang="ko-KR" dirty="0" smtClean="0">
+              <a:latin typeface="나눔고딕 Light" panose="020D0904000000000000" pitchFamily="50" charset="-127"/>
+              <a:ea typeface="나눔고딕 Light" panose="020D0904000000000000" pitchFamily="50" charset="-127"/>
+            </a:endParaRPr>
+          </a:p>
+          <a:p>
+            <a:pPr marL="285750" indent="-285750" fontAlgn="base">
+              <a:lnSpc>
+                <a:spcPct val="150000"/>
+              </a:lnSpc>
+              <a:buFontTx/>
+              <a:buChar char="-"/>
+            </a:pPr>
+            <a:r>
+              <a:rPr lang="en-US" altLang="ko-KR" dirty="0" smtClean="0">
+                <a:latin typeface="나눔고딕 Light" panose="020D0904000000000000" pitchFamily="50" charset="-127"/>
+                <a:ea typeface="나눔고딕 Light" panose="020D0904000000000000" pitchFamily="50" charset="-127"/>
+              </a:rPr>
+              <a:t>We had thought what I can make with self-driving technology, we finally decided to develop a technology that could help the handicapped.</a:t>
+            </a:r>
+          </a:p>
+        </p:txBody>
+      </p:sp>
+      <p:grpSp>
+        <p:nvGrpSpPr>
+          <p:cNvPr id="11" name="Group 392"/>
+          <p:cNvGrpSpPr/>
+          <p:nvPr/>
+        </p:nvGrpSpPr>
+        <p:grpSpPr>
+          <a:xfrm>
+            <a:off x="2469103" y="1587290"/>
+            <a:ext cx="8675147" cy="127210"/>
+            <a:chOff x="0" y="0"/>
+            <a:chExt cx="11657498" cy="0"/>
+          </a:xfrm>
+        </p:grpSpPr>
+        <p:sp>
+          <p:nvSpPr>
+            <p:cNvPr id="12" name="Shape 390"/>
+            <p:cNvSpPr/>
+            <p:nvPr/>
+          </p:nvSpPr>
+          <p:spPr>
+            <a:xfrm>
+              <a:off x="0" y="0"/>
+              <a:ext cx="11657498" cy="0"/>
+            </a:xfrm>
+            <a:prstGeom prst="line">
+              <a:avLst/>
+            </a:prstGeom>
+            <a:noFill/>
+            <a:ln w="25400" cap="flat">
+              <a:solidFill>
+                <a:srgbClr val="E5E5E5"/>
+              </a:solidFill>
+              <a:prstDash val="solid"/>
+              <a:miter lim="400000"/>
+            </a:ln>
+            <a:effectLst/>
+          </p:spPr>
+          <p:txBody>
+            <a:bodyPr wrap="square" lIns="38100" tIns="38100" rIns="38100" bIns="38100" numCol="1" anchor="ctr">
+              <a:noAutofit/>
+            </a:bodyPr>
+            <a:lstStyle/>
+            <a:p>
+              <a:pPr algn="ctr">
+                <a:defRPr sz="3000">
+                  <a:solidFill>
+                    <a:srgbClr val="000000"/>
+                  </a:solidFill>
+                  <a:latin typeface="Helvetica Light"/>
+                  <a:ea typeface="Helvetica Light"/>
+                  <a:cs typeface="Helvetica Light"/>
+                  <a:sym typeface="Helvetica Light"/>
+                </a:defRPr>
+              </a:pPr>
+              <a:endParaRPr/>
+            </a:p>
+          </p:txBody>
+        </p:sp>
+        <p:sp>
+          <p:nvSpPr>
+            <p:cNvPr id="13" name="Shape 391"/>
+            <p:cNvSpPr/>
+            <p:nvPr/>
+          </p:nvSpPr>
+          <p:spPr>
+            <a:xfrm>
+              <a:off x="12700" y="0"/>
+              <a:ext cx="1456385" cy="0"/>
+            </a:xfrm>
+            <a:prstGeom prst="line">
+              <a:avLst/>
+            </a:prstGeom>
+            <a:noFill/>
+            <a:ln w="25400" cap="flat">
+              <a:solidFill>
+                <a:srgbClr val="000000"/>
+              </a:solidFill>
+              <a:prstDash val="solid"/>
+              <a:miter lim="400000"/>
+            </a:ln>
+            <a:effectLst/>
+          </p:spPr>
+          <p:txBody>
+            <a:bodyPr wrap="square" lIns="38100" tIns="38100" rIns="38100" bIns="38100" numCol="1" anchor="ctr">
+              <a:noAutofit/>
+            </a:bodyPr>
+            <a:lstStyle/>
+            <a:p>
+              <a:pPr algn="ctr">
+                <a:defRPr sz="3000">
+                  <a:solidFill>
+                    <a:srgbClr val="000000"/>
+                  </a:solidFill>
+                  <a:latin typeface="Helvetica Light"/>
+                  <a:ea typeface="Helvetica Light"/>
+                  <a:cs typeface="Helvetica Light"/>
+                  <a:sym typeface="Helvetica Light"/>
+                </a:defRPr>
+              </a:pPr>
+              <a:endParaRPr/>
+            </a:p>
+          </p:txBody>
+        </p:sp>
+      </p:grpSp>
+    </p:spTree>
+    <p:extLst>
+      <p:ext uri="{BB962C8B-B14F-4D97-AF65-F5344CB8AC3E}">
+        <p14:creationId xmlns:p14="http://schemas.microsoft.com/office/powerpoint/2010/main" val="656902497"/>
+      </p:ext>
+    </p:extLst>
+  </p:cSld>
+  <p:clrMapOvr>
+    <a:masterClrMapping/>
+  </p:clrMapOvr>
+  <p:timing>
+    <p:tnLst>
+      <p:par>
+        <p:cTn id="1" dur="indefinite" restart="never" nodeType="tmRoot"/>
+      </p:par>
+    </p:tnLst>
+  </p:timing>
+</p:sld>
+</file>
+
+<file path=ppt/slides/slide20.xml><?xml version="1.0" encoding="utf-8"?>
+<p:sld xmlns:a="http://schemas.openxmlformats.org/drawingml/2006/main" xmlns:r="http://schemas.openxmlformats.org/officeDocument/2006/relationships" xmlns:p="http://schemas.openxmlformats.org/presentationml/2006/main">
+  <p:cSld>
+    <p:spTree>
+      <p:nvGrpSpPr>
+        <p:cNvPr id="1" name=""/>
+        <p:cNvGrpSpPr/>
+        <p:nvPr/>
+      </p:nvGrpSpPr>
+      <p:grpSpPr>
+        <a:xfrm>
+          <a:off x="0" y="0"/>
+          <a:ext cx="0" cy="0"/>
+          <a:chOff x="0" y="0"/>
+          <a:chExt cx="0" cy="0"/>
+        </a:xfrm>
+      </p:grpSpPr>
+      <p:sp>
+        <p:nvSpPr>
+          <p:cNvPr id="4" name="Shape 507"/>
+          <p:cNvSpPr/>
+          <p:nvPr/>
+        </p:nvSpPr>
+        <p:spPr>
+          <a:xfrm>
+            <a:off x="5381968" y="3056362"/>
+            <a:ext cx="1058736" cy="446276"/>
+          </a:xfrm>
+          <a:prstGeom prst="rect">
+            <a:avLst/>
+          </a:prstGeom>
+          <a:noFill/>
+          <a:ln w="3175" cap="flat">
+            <a:noFill/>
+            <a:miter lim="400000"/>
+          </a:ln>
+          <a:effectLst/>
+          <a:extLst>
+            <a:ext uri="{C572A759-6A51-4108-AA02-DFA0A04FC94B}">
+              <ma14:wrappingTextBoxFlag xmlns="" xmlns:ma14="http://schemas.microsoft.com/office/mac/drawingml/2011/main" val="1"/>
+            </a:ext>
+          </a:extLst>
+        </p:spPr>
+        <p:txBody>
+          <a:bodyPr wrap="square" lIns="38100" tIns="38100" rIns="38100" bIns="38100" numCol="1" anchor="ctr">
+            <a:spAutoFit/>
+          </a:bodyPr>
+          <a:lstStyle>
+            <a:lvl1pPr algn="ctr">
+              <a:defRPr sz="3000">
+                <a:solidFill>
+                  <a:srgbClr val="FFFFFF"/>
+                </a:solidFill>
+                <a:latin typeface="Roboto Slab Regular"/>
+                <a:ea typeface="Roboto Slab Regular"/>
+                <a:cs typeface="Roboto Slab Regular"/>
+                <a:sym typeface="Roboto Slab Regular"/>
+              </a:defRPr>
+            </a:lvl1pPr>
+          </a:lstStyle>
+          <a:p>
+            <a:r>
+              <a:rPr lang="en-US" sz="2400" dirty="0" smtClean="0">
+                <a:latin typeface="나눔스퀘어 Bold" panose="020B0600000101010101" pitchFamily="50" charset="-127"/>
+                <a:ea typeface="나눔스퀘어 Bold" panose="020B0600000101010101" pitchFamily="50" charset="-127"/>
+              </a:rPr>
+              <a:t>START</a:t>
+            </a:r>
+            <a:endParaRPr sz="2400" dirty="0">
+              <a:latin typeface="나눔스퀘어 Bold" panose="020B0600000101010101" pitchFamily="50" charset="-127"/>
+              <a:ea typeface="나눔스퀘어 Bold" panose="020B0600000101010101" pitchFamily="50" charset="-127"/>
+            </a:endParaRPr>
+          </a:p>
+        </p:txBody>
+      </p:sp>
+      <p:sp>
+        <p:nvSpPr>
+          <p:cNvPr id="9" name="Shape 520"/>
+          <p:cNvSpPr/>
+          <p:nvPr/>
+        </p:nvSpPr>
+        <p:spPr>
+          <a:xfrm rot="10800000">
+            <a:off x="5911325" y="-239958"/>
+            <a:ext cx="2301466" cy="7109254"/>
+          </a:xfrm>
+          <a:custGeom>
+            <a:avLst/>
+            <a:gdLst/>
+            <a:ahLst/>
+            <a:cxnLst>
+              <a:cxn ang="0">
+                <a:pos x="wd2" y="hd2"/>
+              </a:cxn>
+              <a:cxn ang="5400000">
+                <a:pos x="wd2" y="hd2"/>
+              </a:cxn>
+              <a:cxn ang="10800000">
+                <a:pos x="wd2" y="hd2"/>
+              </a:cxn>
+              <a:cxn ang="16200000">
+                <a:pos x="wd2" y="hd2"/>
+              </a:cxn>
+            </a:cxnLst>
+            <a:rect l="0" t="0" r="r" b="b"/>
+            <a:pathLst>
+              <a:path w="21600" h="21600" extrusionOk="0">
+                <a:moveTo>
+                  <a:pt x="21600" y="0"/>
+                </a:moveTo>
+                <a:lnTo>
+                  <a:pt x="21600" y="3805"/>
+                </a:lnTo>
+                <a:lnTo>
+                  <a:pt x="0" y="10800"/>
+                </a:lnTo>
+                <a:lnTo>
+                  <a:pt x="21600" y="17795"/>
+                </a:lnTo>
+                <a:lnTo>
+                  <a:pt x="21600" y="21600"/>
+                </a:lnTo>
+              </a:path>
+            </a:pathLst>
+          </a:custGeom>
+          <a:ln w="25400">
+            <a:solidFill>
+              <a:srgbClr val="565656"/>
+            </a:solidFill>
+            <a:miter lim="400000"/>
+          </a:ln>
+        </p:spPr>
+        <p:txBody>
+          <a:bodyPr lIns="38100" tIns="38100" rIns="38100" bIns="38100" anchor="ctr"/>
+          <a:lstStyle/>
+          <a:p>
+            <a:pPr algn="ctr">
+              <a:defRPr sz="3000">
+                <a:solidFill>
+                  <a:srgbClr val="000000"/>
+                </a:solidFill>
+                <a:latin typeface="Helvetica Light"/>
+                <a:ea typeface="Helvetica Light"/>
+                <a:cs typeface="Helvetica Light"/>
+                <a:sym typeface="Helvetica Light"/>
+              </a:defRPr>
+            </a:pPr>
+            <a:endParaRPr/>
+          </a:p>
+        </p:txBody>
+      </p:sp>
+      <p:sp>
+        <p:nvSpPr>
+          <p:cNvPr id="10" name="다이아몬드 9"/>
+          <p:cNvSpPr/>
+          <p:nvPr/>
+        </p:nvSpPr>
+        <p:spPr>
+          <a:xfrm>
+            <a:off x="4335024" y="1777424"/>
+            <a:ext cx="3199252" cy="3199252"/>
+          </a:xfrm>
+          <a:prstGeom prst="diamond">
+            <a:avLst/>
+          </a:prstGeom>
+          <a:solidFill>
+            <a:srgbClr val="E4B79C"/>
+          </a:solidFill>
+          <a:ln>
+            <a:noFill/>
+          </a:ln>
+        </p:spPr>
+        <p:style>
+          <a:lnRef idx="2">
+            <a:schemeClr val="accent1">
+              <a:shade val="50000"/>
+            </a:schemeClr>
+          </a:lnRef>
+          <a:fillRef idx="1">
+            <a:schemeClr val="accent1"/>
+          </a:fillRef>
+          <a:effectRef idx="0">
+            <a:schemeClr val="accent1"/>
+          </a:effectRef>
+          <a:fontRef idx="minor">
+            <a:schemeClr val="lt1"/>
+          </a:fontRef>
+        </p:style>
+        <p:txBody>
+          <a:bodyPr rtlCol="0" anchor="ctr"/>
+          <a:lstStyle/>
+          <a:p>
+            <a:pPr algn="ctr"/>
+            <a:endParaRPr lang="ko-KR" altLang="en-US" dirty="0">
+              <a:latin typeface="나눔고딕 Light" pitchFamily="50" charset="-127"/>
+              <a:ea typeface="나눔고딕 Light" pitchFamily="50" charset="-127"/>
+            </a:endParaRPr>
+          </a:p>
+        </p:txBody>
+      </p:sp>
+      <p:sp>
+        <p:nvSpPr>
+          <p:cNvPr id="11" name="Shape 507"/>
+          <p:cNvSpPr/>
+          <p:nvPr/>
+        </p:nvSpPr>
+        <p:spPr>
+          <a:xfrm>
+            <a:off x="5201895" y="3143814"/>
+            <a:ext cx="1418882" cy="446276"/>
+          </a:xfrm>
+          <a:prstGeom prst="rect">
+            <a:avLst/>
+          </a:prstGeom>
+          <a:noFill/>
+          <a:ln w="3175" cap="flat">
+            <a:noFill/>
+            <a:miter lim="400000"/>
+          </a:ln>
+          <a:effectLst/>
+          <a:extLst>
+            <a:ext uri="{C572A759-6A51-4108-AA02-DFA0A04FC94B}">
+              <ma14:wrappingTextBoxFlag xmlns="" xmlns:ma14="http://schemas.microsoft.com/office/mac/drawingml/2011/main" val="1"/>
+            </a:ext>
+          </a:extLst>
+        </p:spPr>
+        <p:txBody>
+          <a:bodyPr wrap="square" lIns="38100" tIns="38100" rIns="38100" bIns="38100" numCol="1" anchor="ctr">
+            <a:spAutoFit/>
+          </a:bodyPr>
+          <a:lstStyle>
+            <a:lvl1pPr algn="ctr">
+              <a:defRPr sz="3000">
+                <a:solidFill>
+                  <a:srgbClr val="FFFFFF"/>
+                </a:solidFill>
+                <a:latin typeface="Roboto Slab Regular"/>
+                <a:ea typeface="Roboto Slab Regular"/>
+                <a:cs typeface="Roboto Slab Regular"/>
+                <a:sym typeface="Roboto Slab Regular"/>
+              </a:defRPr>
+            </a:lvl1pPr>
+          </a:lstStyle>
+          <a:p>
+            <a:r>
+              <a:rPr lang="en-US" sz="2400" dirty="0" smtClean="0">
+                <a:latin typeface="나눔스퀘어 Bold" panose="020B0600000101010101" pitchFamily="50" charset="-127"/>
+                <a:ea typeface="나눔스퀘어 Bold" panose="020B0600000101010101" pitchFamily="50" charset="-127"/>
+              </a:rPr>
+              <a:t>PROJECT</a:t>
+            </a:r>
+            <a:endParaRPr sz="2400" dirty="0">
+              <a:latin typeface="나눔스퀘어 Bold" panose="020B0600000101010101" pitchFamily="50" charset="-127"/>
+              <a:ea typeface="나눔스퀘어 Bold" panose="020B0600000101010101" pitchFamily="50" charset="-127"/>
+            </a:endParaRPr>
+          </a:p>
+        </p:txBody>
+      </p:sp>
+      <p:grpSp>
+        <p:nvGrpSpPr>
+          <p:cNvPr id="25" name="Group 503"/>
+          <p:cNvGrpSpPr/>
+          <p:nvPr/>
+        </p:nvGrpSpPr>
+        <p:grpSpPr>
+          <a:xfrm>
+            <a:off x="8164037" y="4730953"/>
+            <a:ext cx="2530695" cy="1959239"/>
+            <a:chOff x="0" y="879100"/>
+            <a:chExt cx="5206950" cy="4031169"/>
+          </a:xfrm>
+        </p:grpSpPr>
+        <p:sp>
+          <p:nvSpPr>
+            <p:cNvPr id="26" name="Shape 498"/>
+            <p:cNvSpPr/>
+            <p:nvPr/>
+          </p:nvSpPr>
+          <p:spPr>
+            <a:xfrm>
+              <a:off x="0" y="879100"/>
+              <a:ext cx="5206950" cy="873112"/>
+            </a:xfrm>
+            <a:prstGeom prst="rect">
+              <a:avLst/>
+            </a:prstGeom>
+            <a:noFill/>
+            <a:ln w="3175" cap="flat">
+              <a:noFill/>
+              <a:miter lim="400000"/>
+            </a:ln>
+            <a:effectLst/>
+            <a:extLst>
+              <a:ext uri="{C572A759-6A51-4108-AA02-DFA0A04FC94B}">
+                <ma14:wrappingTextBoxFlag xmlns="" xmlns:ma14="http://schemas.microsoft.com/office/mac/drawingml/2011/main" val="1"/>
+              </a:ext>
+            </a:extLst>
+          </p:spPr>
+          <p:txBody>
+            <a:bodyPr wrap="square" lIns="38100" tIns="38100" rIns="38100" bIns="38100" numCol="1" anchor="t">
+              <a:normAutofit fontScale="85000" lnSpcReduction="10000"/>
+            </a:bodyPr>
+            <a:lstStyle>
+              <a:lvl1pPr algn="l">
+                <a:defRPr sz="4500">
+                  <a:solidFill>
+                    <a:srgbClr val="000000"/>
+                  </a:solidFill>
+                  <a:latin typeface="Roboto Slab Regular"/>
+                  <a:ea typeface="Roboto Slab Regular"/>
+                  <a:cs typeface="Roboto Slab Regular"/>
+                  <a:sym typeface="Roboto Slab Regular"/>
+                </a:defRPr>
+              </a:lvl1pPr>
+            </a:lstStyle>
+            <a:p>
+              <a:r>
+                <a:rPr lang="en-US" altLang="ko-KR" sz="2000" dirty="0">
+                  <a:latin typeface="나눔스퀘어 Bold" panose="020B0600000101010101" pitchFamily="50" charset="-127"/>
+                  <a:ea typeface="나눔스퀘어 Bold" panose="020B0600000101010101" pitchFamily="50" charset="-127"/>
+                </a:rPr>
+                <a:t>Receiving Camera Data</a:t>
+              </a:r>
+            </a:p>
+          </p:txBody>
+        </p:sp>
+        <p:sp>
+          <p:nvSpPr>
+            <p:cNvPr id="27" name="Shape 499"/>
+            <p:cNvSpPr/>
+            <p:nvPr/>
+          </p:nvSpPr>
+          <p:spPr>
+            <a:xfrm>
+              <a:off x="0" y="2410070"/>
+              <a:ext cx="5057971" cy="2500199"/>
+            </a:xfrm>
+            <a:prstGeom prst="rect">
+              <a:avLst/>
+            </a:prstGeom>
+            <a:noFill/>
+            <a:ln w="3175" cap="flat">
+              <a:noFill/>
+              <a:miter lim="400000"/>
+            </a:ln>
+            <a:effectLst/>
+            <a:extLst>
+              <a:ext uri="{C572A759-6A51-4108-AA02-DFA0A04FC94B}">
+                <ma14:wrappingTextBoxFlag xmlns="" xmlns:ma14="http://schemas.microsoft.com/office/mac/drawingml/2011/main" val="1"/>
+              </a:ext>
+            </a:extLst>
+          </p:spPr>
+          <p:txBody>
+            <a:bodyPr wrap="square" lIns="38100" tIns="38100" rIns="38100" bIns="38100" numCol="1" anchor="t">
+              <a:normAutofit/>
+            </a:bodyPr>
+            <a:lstStyle/>
+            <a:p>
+              <a:pPr>
+                <a:lnSpc>
+                  <a:spcPct val="150000"/>
+                </a:lnSpc>
+              </a:pPr>
+              <a:r>
+                <a:rPr lang="en-US" altLang="ko-KR" sz="1400" dirty="0">
+                  <a:latin typeface="나눔고딕 Light" pitchFamily="50" charset="-127"/>
+                  <a:ea typeface="나눔고딕 Light" panose="020D0904000000000000" pitchFamily="50" charset="-127"/>
+                </a:rPr>
+                <a:t>The server PC receives camera data </a:t>
+              </a:r>
+              <a:r>
+                <a:rPr lang="en-US" altLang="ko-KR" sz="1400" dirty="0" smtClean="0">
+                  <a:latin typeface="나눔고딕 Light" pitchFamily="50" charset="-127"/>
+                  <a:ea typeface="나눔고딕 Light" panose="020D0904000000000000" pitchFamily="50" charset="-127"/>
+                </a:rPr>
+                <a:t>from </a:t>
+              </a:r>
+              <a:r>
+                <a:rPr lang="en-US" altLang="ko-KR" sz="1400" dirty="0">
+                  <a:latin typeface="나눔고딕 Light" pitchFamily="50" charset="-127"/>
+                  <a:ea typeface="나눔고딕 Light" panose="020D0904000000000000" pitchFamily="50" charset="-127"/>
+                </a:rPr>
+                <a:t>Raspberry Pi via network </a:t>
+              </a:r>
+            </a:p>
+          </p:txBody>
+        </p:sp>
+        <p:grpSp>
+          <p:nvGrpSpPr>
+            <p:cNvPr id="28" name="Group 502"/>
+            <p:cNvGrpSpPr/>
+            <p:nvPr/>
+          </p:nvGrpSpPr>
+          <p:grpSpPr>
+            <a:xfrm>
+              <a:off x="43160" y="1967464"/>
+              <a:ext cx="4674923" cy="1"/>
+              <a:chOff x="0" y="0"/>
+              <a:chExt cx="4674922" cy="0"/>
+            </a:xfrm>
+          </p:grpSpPr>
+          <p:sp>
+            <p:nvSpPr>
+              <p:cNvPr id="29" name="Shape 500"/>
+              <p:cNvSpPr/>
+              <p:nvPr/>
+            </p:nvSpPr>
+            <p:spPr>
+              <a:xfrm>
+                <a:off x="0" y="0"/>
+                <a:ext cx="4674923" cy="0"/>
+              </a:xfrm>
+              <a:prstGeom prst="line">
+                <a:avLst/>
+              </a:prstGeom>
+              <a:noFill/>
+              <a:ln w="25400" cap="flat">
+                <a:solidFill>
+                  <a:srgbClr val="E5E5E5"/>
+                </a:solidFill>
+                <a:prstDash val="solid"/>
+                <a:miter lim="400000"/>
+              </a:ln>
+              <a:effectLst/>
+            </p:spPr>
+            <p:txBody>
+              <a:bodyPr wrap="square" lIns="38100" tIns="38100" rIns="38100" bIns="38100" numCol="1" anchor="ctr">
+                <a:noAutofit/>
+              </a:bodyPr>
+              <a:lstStyle/>
+              <a:p>
+                <a:pPr algn="ctr">
+                  <a:defRPr sz="3000">
+                    <a:solidFill>
+                      <a:srgbClr val="000000"/>
+                    </a:solidFill>
+                    <a:latin typeface="Helvetica Light"/>
+                    <a:ea typeface="Helvetica Light"/>
+                    <a:cs typeface="Helvetica Light"/>
+                    <a:sym typeface="Helvetica Light"/>
+                  </a:defRPr>
+                </a:pPr>
+                <a:endParaRPr/>
+              </a:p>
+            </p:txBody>
+          </p:sp>
+          <p:sp>
+            <p:nvSpPr>
+              <p:cNvPr id="30" name="Shape 501"/>
+              <p:cNvSpPr/>
+              <p:nvPr/>
+            </p:nvSpPr>
+            <p:spPr>
+              <a:xfrm>
+                <a:off x="12700" y="0"/>
+                <a:ext cx="942922" cy="0"/>
+              </a:xfrm>
+              <a:prstGeom prst="line">
+                <a:avLst/>
+              </a:prstGeom>
+              <a:noFill/>
+              <a:ln w="25400" cap="flat">
+                <a:solidFill>
+                  <a:srgbClr val="000000"/>
+                </a:solidFill>
+                <a:prstDash val="solid"/>
+                <a:miter lim="400000"/>
+              </a:ln>
+              <a:effectLst/>
+            </p:spPr>
+            <p:txBody>
+              <a:bodyPr wrap="square" lIns="38100" tIns="38100" rIns="38100" bIns="38100" numCol="1" anchor="ctr">
+                <a:noAutofit/>
+              </a:bodyPr>
+              <a:lstStyle/>
+              <a:p>
+                <a:pPr algn="ctr">
+                  <a:defRPr sz="3000">
+                    <a:solidFill>
+                      <a:srgbClr val="000000"/>
+                    </a:solidFill>
+                    <a:latin typeface="Helvetica Light"/>
+                    <a:ea typeface="Helvetica Light"/>
+                    <a:cs typeface="Helvetica Light"/>
+                    <a:sym typeface="Helvetica Light"/>
+                  </a:defRPr>
+                </a:pPr>
+                <a:endParaRPr/>
+              </a:p>
+            </p:txBody>
+          </p:sp>
+        </p:grpSp>
+      </p:grpSp>
+      <p:sp>
+        <p:nvSpPr>
+          <p:cNvPr id="31" name="Shape 509"/>
+          <p:cNvSpPr/>
+          <p:nvPr/>
+        </p:nvSpPr>
+        <p:spPr>
+          <a:xfrm rot="13500000">
+            <a:off x="7158209" y="5303685"/>
+            <a:ext cx="211306" cy="211306"/>
+          </a:xfrm>
+          <a:custGeom>
+            <a:avLst/>
+            <a:gdLst/>
+            <a:ahLst/>
+            <a:cxnLst>
+              <a:cxn ang="0">
+                <a:pos x="wd2" y="hd2"/>
+              </a:cxn>
+              <a:cxn ang="5400000">
+                <a:pos x="wd2" y="hd2"/>
+              </a:cxn>
+              <a:cxn ang="10800000">
+                <a:pos x="wd2" y="hd2"/>
+              </a:cxn>
+              <a:cxn ang="16200000">
+                <a:pos x="wd2" y="hd2"/>
+              </a:cxn>
+            </a:cxnLst>
+            <a:rect l="0" t="0" r="r" b="b"/>
+            <a:pathLst>
+              <a:path w="21600" h="21600" extrusionOk="0">
+                <a:moveTo>
+                  <a:pt x="0" y="0"/>
+                </a:moveTo>
+                <a:lnTo>
+                  <a:pt x="0" y="21600"/>
+                </a:lnTo>
+                <a:lnTo>
+                  <a:pt x="21600" y="21600"/>
+                </a:lnTo>
+                <a:close/>
+              </a:path>
+            </a:pathLst>
+          </a:custGeom>
+          <a:solidFill>
+            <a:srgbClr val="000000"/>
+          </a:solidFill>
+          <a:ln w="3175">
+            <a:miter lim="400000"/>
+          </a:ln>
+        </p:spPr>
+        <p:txBody>
+          <a:bodyPr lIns="38100" tIns="38100" rIns="38100" bIns="38100" anchor="ctr"/>
+          <a:lstStyle/>
+          <a:p>
+            <a:pPr algn="ctr">
+              <a:defRPr sz="3000">
+                <a:solidFill>
+                  <a:srgbClr val="FFFFFF"/>
+                </a:solidFill>
+                <a:latin typeface="Helvetica Light"/>
+                <a:ea typeface="Helvetica Light"/>
+                <a:cs typeface="Helvetica Light"/>
+                <a:sym typeface="Helvetica Light"/>
+              </a:defRPr>
+            </a:pPr>
+            <a:endParaRPr/>
+          </a:p>
+        </p:txBody>
+      </p:sp>
+      <p:grpSp>
+        <p:nvGrpSpPr>
+          <p:cNvPr id="39" name="Group 503"/>
+          <p:cNvGrpSpPr/>
+          <p:nvPr/>
+        </p:nvGrpSpPr>
+        <p:grpSpPr>
+          <a:xfrm>
+            <a:off x="1400720" y="575665"/>
+            <a:ext cx="2530695" cy="1586511"/>
+            <a:chOff x="0" y="879100"/>
+            <a:chExt cx="5206950" cy="3264274"/>
+          </a:xfrm>
+        </p:grpSpPr>
+        <p:sp>
+          <p:nvSpPr>
+            <p:cNvPr id="40" name="Shape 498"/>
+            <p:cNvSpPr/>
+            <p:nvPr/>
+          </p:nvSpPr>
+          <p:spPr>
+            <a:xfrm>
+              <a:off x="0" y="879100"/>
+              <a:ext cx="5206950" cy="873112"/>
+            </a:xfrm>
+            <a:prstGeom prst="rect">
+              <a:avLst/>
+            </a:prstGeom>
+            <a:noFill/>
+            <a:ln w="3175" cap="flat">
+              <a:noFill/>
+              <a:miter lim="400000"/>
+            </a:ln>
+            <a:effectLst/>
+            <a:extLst>
+              <a:ext uri="{C572A759-6A51-4108-AA02-DFA0A04FC94B}">
+                <ma14:wrappingTextBoxFlag xmlns="" xmlns:ma14="http://schemas.microsoft.com/office/mac/drawingml/2011/main" val="1"/>
+              </a:ext>
+            </a:extLst>
+          </p:spPr>
+          <p:txBody>
+            <a:bodyPr wrap="square" lIns="38100" tIns="38100" rIns="38100" bIns="38100" numCol="1" anchor="t">
+              <a:normAutofit/>
+            </a:bodyPr>
+            <a:lstStyle>
+              <a:lvl1pPr algn="l">
+                <a:defRPr sz="4500">
+                  <a:solidFill>
+                    <a:srgbClr val="000000"/>
+                  </a:solidFill>
+                  <a:latin typeface="Roboto Slab Regular"/>
+                  <a:ea typeface="Roboto Slab Regular"/>
+                  <a:cs typeface="Roboto Slab Regular"/>
+                  <a:sym typeface="Roboto Slab Regular"/>
+                </a:defRPr>
+              </a:lvl1pPr>
+            </a:lstStyle>
+            <a:p>
+              <a:r>
+                <a:rPr lang="en-US" altLang="ko-KR" sz="2000" dirty="0" smtClean="0">
+                  <a:latin typeface="나눔스퀘어 Bold" panose="020B0600000101010101" pitchFamily="50" charset="-127"/>
+                  <a:ea typeface="나눔스퀘어 Bold" panose="020B0600000101010101" pitchFamily="50" charset="-127"/>
+                </a:rPr>
+                <a:t>Network Socket</a:t>
+              </a:r>
+              <a:endParaRPr sz="2000" dirty="0">
+                <a:latin typeface="나눔스퀘어 Bold" panose="020B0600000101010101" pitchFamily="50" charset="-127"/>
+                <a:ea typeface="나눔스퀘어 Bold" panose="020B0600000101010101" pitchFamily="50" charset="-127"/>
+              </a:endParaRPr>
+            </a:p>
+          </p:txBody>
+        </p:sp>
+        <p:sp>
+          <p:nvSpPr>
+            <p:cNvPr id="41" name="Shape 499"/>
+            <p:cNvSpPr/>
+            <p:nvPr/>
+          </p:nvSpPr>
+          <p:spPr>
+            <a:xfrm>
+              <a:off x="0" y="2410072"/>
+              <a:ext cx="5057971" cy="1733302"/>
+            </a:xfrm>
+            <a:prstGeom prst="rect">
+              <a:avLst/>
+            </a:prstGeom>
+            <a:noFill/>
+            <a:ln w="3175" cap="flat">
+              <a:noFill/>
+              <a:miter lim="400000"/>
+            </a:ln>
+            <a:effectLst/>
+            <a:extLst>
+              <a:ext uri="{C572A759-6A51-4108-AA02-DFA0A04FC94B}">
+                <ma14:wrappingTextBoxFlag xmlns="" xmlns:ma14="http://schemas.microsoft.com/office/mac/drawingml/2011/main" val="1"/>
+              </a:ext>
+            </a:extLst>
+          </p:spPr>
+          <p:txBody>
+            <a:bodyPr wrap="square" lIns="38100" tIns="38100" rIns="38100" bIns="38100" numCol="1" anchor="t">
+              <a:noAutofit/>
+            </a:bodyPr>
+            <a:lstStyle/>
+            <a:p>
+              <a:pPr>
+                <a:lnSpc>
+                  <a:spcPct val="150000"/>
+                </a:lnSpc>
+              </a:pPr>
+              <a:r>
+                <a:rPr lang="en-US" sz="1400" dirty="0" smtClean="0">
+                  <a:latin typeface="나눔고딕 Light" pitchFamily="50" charset="-127"/>
+                </a:rPr>
+                <a:t>We used network sockets on Python for the communication between the server PC and Raspberry Pi</a:t>
+              </a:r>
+              <a:endParaRPr sz="1400" dirty="0">
+                <a:latin typeface="나눔고딕 Light" pitchFamily="50" charset="-127"/>
+              </a:endParaRPr>
+            </a:p>
+          </p:txBody>
+        </p:sp>
+        <p:grpSp>
+          <p:nvGrpSpPr>
+            <p:cNvPr id="42" name="Group 502"/>
+            <p:cNvGrpSpPr/>
+            <p:nvPr/>
+          </p:nvGrpSpPr>
+          <p:grpSpPr>
+            <a:xfrm>
+              <a:off x="43160" y="1967464"/>
+              <a:ext cx="4674923" cy="1"/>
+              <a:chOff x="0" y="0"/>
+              <a:chExt cx="4674922" cy="0"/>
+            </a:xfrm>
+          </p:grpSpPr>
+          <p:sp>
+            <p:nvSpPr>
+              <p:cNvPr id="43" name="Shape 500"/>
+              <p:cNvSpPr/>
+              <p:nvPr/>
+            </p:nvSpPr>
+            <p:spPr>
+              <a:xfrm>
+                <a:off x="0" y="0"/>
+                <a:ext cx="4674923" cy="0"/>
+              </a:xfrm>
+              <a:prstGeom prst="line">
+                <a:avLst/>
+              </a:prstGeom>
+              <a:noFill/>
+              <a:ln w="25400" cap="flat">
+                <a:solidFill>
+                  <a:srgbClr val="E5E5E5"/>
+                </a:solidFill>
+                <a:prstDash val="solid"/>
+                <a:miter lim="400000"/>
+              </a:ln>
+              <a:effectLst/>
+            </p:spPr>
+            <p:txBody>
+              <a:bodyPr wrap="square" lIns="38100" tIns="38100" rIns="38100" bIns="38100" numCol="1" anchor="ctr">
+                <a:noAutofit/>
+              </a:bodyPr>
+              <a:lstStyle/>
+              <a:p>
+                <a:pPr algn="ctr">
+                  <a:defRPr sz="3000">
+                    <a:solidFill>
+                      <a:srgbClr val="000000"/>
+                    </a:solidFill>
+                    <a:latin typeface="Helvetica Light"/>
+                    <a:ea typeface="Helvetica Light"/>
+                    <a:cs typeface="Helvetica Light"/>
+                    <a:sym typeface="Helvetica Light"/>
+                  </a:defRPr>
+                </a:pPr>
+                <a:endParaRPr/>
+              </a:p>
+            </p:txBody>
+          </p:sp>
+          <p:sp>
+            <p:nvSpPr>
+              <p:cNvPr id="44" name="Shape 501"/>
+              <p:cNvSpPr/>
+              <p:nvPr/>
+            </p:nvSpPr>
+            <p:spPr>
+              <a:xfrm>
+                <a:off x="12700" y="0"/>
+                <a:ext cx="942922" cy="0"/>
+              </a:xfrm>
+              <a:prstGeom prst="line">
+                <a:avLst/>
+              </a:prstGeom>
+              <a:noFill/>
+              <a:ln w="25400" cap="flat">
+                <a:solidFill>
+                  <a:srgbClr val="000000"/>
+                </a:solidFill>
+                <a:prstDash val="solid"/>
+                <a:miter lim="400000"/>
+              </a:ln>
+              <a:effectLst/>
+            </p:spPr>
+            <p:txBody>
+              <a:bodyPr wrap="square" lIns="38100" tIns="38100" rIns="38100" bIns="38100" numCol="1" anchor="ctr">
+                <a:noAutofit/>
+              </a:bodyPr>
+              <a:lstStyle/>
+              <a:p>
+                <a:pPr algn="ctr">
+                  <a:defRPr sz="3000">
+                    <a:solidFill>
+                      <a:srgbClr val="000000"/>
+                    </a:solidFill>
+                    <a:latin typeface="Helvetica Light"/>
+                    <a:ea typeface="Helvetica Light"/>
+                    <a:cs typeface="Helvetica Light"/>
+                    <a:sym typeface="Helvetica Light"/>
+                  </a:defRPr>
+                </a:pPr>
+                <a:endParaRPr/>
+              </a:p>
+            </p:txBody>
+          </p:sp>
+        </p:grpSp>
+      </p:grpSp>
+      <p:sp>
+        <p:nvSpPr>
+          <p:cNvPr id="45" name="Shape 509"/>
+          <p:cNvSpPr/>
+          <p:nvPr/>
+        </p:nvSpPr>
+        <p:spPr>
+          <a:xfrm rot="13500000">
+            <a:off x="4401522" y="1064683"/>
+            <a:ext cx="211306" cy="211306"/>
+          </a:xfrm>
+          <a:custGeom>
+            <a:avLst/>
+            <a:gdLst/>
+            <a:ahLst/>
+            <a:cxnLst>
+              <a:cxn ang="0">
+                <a:pos x="wd2" y="hd2"/>
+              </a:cxn>
+              <a:cxn ang="5400000">
+                <a:pos x="wd2" y="hd2"/>
+              </a:cxn>
+              <a:cxn ang="10800000">
+                <a:pos x="wd2" y="hd2"/>
+              </a:cxn>
+              <a:cxn ang="16200000">
+                <a:pos x="wd2" y="hd2"/>
+              </a:cxn>
+            </a:cxnLst>
+            <a:rect l="0" t="0" r="r" b="b"/>
+            <a:pathLst>
+              <a:path w="21600" h="21600" extrusionOk="0">
+                <a:moveTo>
+                  <a:pt x="0" y="0"/>
+                </a:moveTo>
+                <a:lnTo>
+                  <a:pt x="0" y="21600"/>
+                </a:lnTo>
+                <a:lnTo>
+                  <a:pt x="21600" y="21600"/>
+                </a:lnTo>
+                <a:close/>
+              </a:path>
+            </a:pathLst>
+          </a:custGeom>
+          <a:solidFill>
+            <a:srgbClr val="000000"/>
+          </a:solidFill>
+          <a:ln w="3175">
+            <a:miter lim="400000"/>
+          </a:ln>
+        </p:spPr>
+        <p:txBody>
+          <a:bodyPr lIns="38100" tIns="38100" rIns="38100" bIns="38100" anchor="ctr"/>
+          <a:lstStyle/>
+          <a:p>
+            <a:pPr algn="ctr">
+              <a:defRPr sz="3000">
+                <a:solidFill>
+                  <a:srgbClr val="FFFFFF"/>
+                </a:solidFill>
+                <a:latin typeface="Helvetica Light"/>
+                <a:ea typeface="Helvetica Light"/>
+                <a:cs typeface="Helvetica Light"/>
+                <a:sym typeface="Helvetica Light"/>
+              </a:defRPr>
+            </a:pPr>
+            <a:endParaRPr/>
+          </a:p>
+        </p:txBody>
+      </p:sp>
+    </p:spTree>
+    <p:extLst>
+      <p:ext uri="{BB962C8B-B14F-4D97-AF65-F5344CB8AC3E}">
+        <p14:creationId xmlns:p14="http://schemas.microsoft.com/office/powerpoint/2010/main" val="1818151868"/>
+      </p:ext>
+    </p:extLst>
+  </p:cSld>
+  <p:clrMapOvr>
+    <a:masterClrMapping/>
+  </p:clrMapOvr>
+  <p:transition spd="slow">
+    <p:push dir="u"/>
+  </p:transition>
+  <p:timing>
+    <p:tnLst>
+      <p:par>
+        <p:cTn id="1" dur="indefinite" restart="never" nodeType="tmRoot"/>
+      </p:par>
+    </p:tnLst>
+  </p:timing>
+</p:sld>
+</file>
+
+<file path=ppt/slides/slide21.xml><?xml version="1.0" encoding="utf-8"?>
+<p:sld xmlns:a="http://schemas.openxmlformats.org/drawingml/2006/main" xmlns:r="http://schemas.openxmlformats.org/officeDocument/2006/relationships" xmlns:p="http://schemas.openxmlformats.org/presentationml/2006/main">
+  <p:cSld>
+    <p:spTree>
+      <p:nvGrpSpPr>
+        <p:cNvPr id="1" name=""/>
+        <p:cNvGrpSpPr/>
+        <p:nvPr/>
+      </p:nvGrpSpPr>
+      <p:grpSpPr>
+        <a:xfrm>
+          <a:off x="0" y="0"/>
+          <a:ext cx="0" cy="0"/>
+          <a:chOff x="0" y="0"/>
+          <a:chExt cx="0" cy="0"/>
+        </a:xfrm>
+      </p:grpSpPr>
+      <p:sp>
+        <p:nvSpPr>
+          <p:cNvPr id="4" name="Shape 507"/>
+          <p:cNvSpPr/>
+          <p:nvPr/>
+        </p:nvSpPr>
+        <p:spPr>
+          <a:xfrm>
+            <a:off x="5381968" y="3056362"/>
+            <a:ext cx="1058736" cy="446276"/>
+          </a:xfrm>
+          <a:prstGeom prst="rect">
+            <a:avLst/>
+          </a:prstGeom>
+          <a:noFill/>
+          <a:ln w="3175" cap="flat">
+            <a:noFill/>
+            <a:miter lim="400000"/>
+          </a:ln>
+          <a:effectLst/>
+          <a:extLst>
+            <a:ext uri="{C572A759-6A51-4108-AA02-DFA0A04FC94B}">
+              <ma14:wrappingTextBoxFlag xmlns="" xmlns:ma14="http://schemas.microsoft.com/office/mac/drawingml/2011/main" val="1"/>
+            </a:ext>
+          </a:extLst>
+        </p:spPr>
+        <p:txBody>
+          <a:bodyPr wrap="square" lIns="38100" tIns="38100" rIns="38100" bIns="38100" numCol="1" anchor="ctr">
+            <a:spAutoFit/>
+          </a:bodyPr>
+          <a:lstStyle>
+            <a:lvl1pPr algn="ctr">
+              <a:defRPr sz="3000">
+                <a:solidFill>
+                  <a:srgbClr val="FFFFFF"/>
+                </a:solidFill>
+                <a:latin typeface="Roboto Slab Regular"/>
+                <a:ea typeface="Roboto Slab Regular"/>
+                <a:cs typeface="Roboto Slab Regular"/>
+                <a:sym typeface="Roboto Slab Regular"/>
+              </a:defRPr>
+            </a:lvl1pPr>
+          </a:lstStyle>
+          <a:p>
+            <a:r>
+              <a:rPr lang="en-US" sz="2400" dirty="0" smtClean="0">
+                <a:latin typeface="나눔스퀘어 Bold" panose="020B0600000101010101" pitchFamily="50" charset="-127"/>
+                <a:ea typeface="나눔스퀘어 Bold" panose="020B0600000101010101" pitchFamily="50" charset="-127"/>
+              </a:rPr>
+              <a:t>START</a:t>
+            </a:r>
+            <a:endParaRPr sz="2400" dirty="0">
+              <a:latin typeface="나눔스퀘어 Bold" panose="020B0600000101010101" pitchFamily="50" charset="-127"/>
+              <a:ea typeface="나눔스퀘어 Bold" panose="020B0600000101010101" pitchFamily="50" charset="-127"/>
+            </a:endParaRPr>
+          </a:p>
+        </p:txBody>
+      </p:sp>
+      <p:sp>
+        <p:nvSpPr>
+          <p:cNvPr id="9" name="Shape 520"/>
+          <p:cNvSpPr/>
+          <p:nvPr/>
+        </p:nvSpPr>
+        <p:spPr>
+          <a:xfrm>
+            <a:off x="3616008" y="-224143"/>
+            <a:ext cx="2301466" cy="7109254"/>
+          </a:xfrm>
+          <a:custGeom>
+            <a:avLst/>
+            <a:gdLst/>
+            <a:ahLst/>
+            <a:cxnLst>
+              <a:cxn ang="0">
+                <a:pos x="wd2" y="hd2"/>
+              </a:cxn>
+              <a:cxn ang="5400000">
+                <a:pos x="wd2" y="hd2"/>
+              </a:cxn>
+              <a:cxn ang="10800000">
+                <a:pos x="wd2" y="hd2"/>
+              </a:cxn>
+              <a:cxn ang="16200000">
+                <a:pos x="wd2" y="hd2"/>
+              </a:cxn>
+            </a:cxnLst>
+            <a:rect l="0" t="0" r="r" b="b"/>
+            <a:pathLst>
+              <a:path w="21600" h="21600" extrusionOk="0">
+                <a:moveTo>
+                  <a:pt x="21600" y="0"/>
+                </a:moveTo>
+                <a:lnTo>
+                  <a:pt x="21600" y="3805"/>
+                </a:lnTo>
+                <a:lnTo>
+                  <a:pt x="0" y="10800"/>
+                </a:lnTo>
+                <a:lnTo>
+                  <a:pt x="21600" y="17795"/>
+                </a:lnTo>
+                <a:lnTo>
+                  <a:pt x="21600" y="21600"/>
+                </a:lnTo>
+              </a:path>
+            </a:pathLst>
+          </a:custGeom>
+          <a:ln w="25400">
+            <a:solidFill>
+              <a:srgbClr val="565656"/>
+            </a:solidFill>
+            <a:miter lim="400000"/>
+          </a:ln>
+        </p:spPr>
+        <p:txBody>
+          <a:bodyPr lIns="38100" tIns="38100" rIns="38100" bIns="38100" anchor="ctr"/>
+          <a:lstStyle/>
+          <a:p>
+            <a:pPr algn="ctr">
+              <a:defRPr sz="3000">
+                <a:solidFill>
+                  <a:srgbClr val="000000"/>
+                </a:solidFill>
+                <a:latin typeface="Helvetica Light"/>
+                <a:ea typeface="Helvetica Light"/>
+                <a:cs typeface="Helvetica Light"/>
+                <a:sym typeface="Helvetica Light"/>
+              </a:defRPr>
+            </a:pPr>
+            <a:endParaRPr/>
+          </a:p>
+        </p:txBody>
+      </p:sp>
+      <p:sp>
+        <p:nvSpPr>
+          <p:cNvPr id="10" name="다이아몬드 9"/>
+          <p:cNvSpPr/>
+          <p:nvPr/>
+        </p:nvSpPr>
+        <p:spPr>
+          <a:xfrm>
+            <a:off x="4335024" y="1777424"/>
+            <a:ext cx="3199252" cy="3199252"/>
+          </a:xfrm>
+          <a:prstGeom prst="diamond">
+            <a:avLst/>
+          </a:prstGeom>
+          <a:solidFill>
+            <a:srgbClr val="E4B79C"/>
+          </a:solidFill>
+          <a:ln>
+            <a:noFill/>
+          </a:ln>
+        </p:spPr>
+        <p:style>
+          <a:lnRef idx="2">
+            <a:schemeClr val="accent1">
+              <a:shade val="50000"/>
+            </a:schemeClr>
+          </a:lnRef>
+          <a:fillRef idx="1">
+            <a:schemeClr val="accent1"/>
+          </a:fillRef>
+          <a:effectRef idx="0">
+            <a:schemeClr val="accent1"/>
+          </a:effectRef>
+          <a:fontRef idx="minor">
+            <a:schemeClr val="lt1"/>
+          </a:fontRef>
+        </p:style>
+        <p:txBody>
+          <a:bodyPr rtlCol="0" anchor="ctr"/>
+          <a:lstStyle/>
+          <a:p>
+            <a:pPr algn="ctr"/>
+            <a:endParaRPr lang="ko-KR" altLang="en-US" dirty="0">
+              <a:latin typeface="나눔고딕 Light" pitchFamily="50" charset="-127"/>
+              <a:ea typeface="나눔고딕 Light" pitchFamily="50" charset="-127"/>
+            </a:endParaRPr>
+          </a:p>
+        </p:txBody>
+      </p:sp>
+      <p:sp>
+        <p:nvSpPr>
+          <p:cNvPr id="11" name="Shape 507"/>
+          <p:cNvSpPr/>
+          <p:nvPr/>
+        </p:nvSpPr>
+        <p:spPr>
+          <a:xfrm>
+            <a:off x="5201895" y="3143814"/>
+            <a:ext cx="1418882" cy="446276"/>
+          </a:xfrm>
+          <a:prstGeom prst="rect">
+            <a:avLst/>
+          </a:prstGeom>
+          <a:noFill/>
+          <a:ln w="3175" cap="flat">
+            <a:noFill/>
+            <a:miter lim="400000"/>
+          </a:ln>
+          <a:effectLst/>
+          <a:extLst>
+            <a:ext uri="{C572A759-6A51-4108-AA02-DFA0A04FC94B}">
+              <ma14:wrappingTextBoxFlag xmlns="" xmlns:ma14="http://schemas.microsoft.com/office/mac/drawingml/2011/main" val="1"/>
+            </a:ext>
+          </a:extLst>
+        </p:spPr>
+        <p:txBody>
+          <a:bodyPr wrap="square" lIns="38100" tIns="38100" rIns="38100" bIns="38100" numCol="1" anchor="ctr">
+            <a:spAutoFit/>
+          </a:bodyPr>
+          <a:lstStyle>
+            <a:lvl1pPr algn="ctr">
+              <a:defRPr sz="3000">
+                <a:solidFill>
+                  <a:srgbClr val="FFFFFF"/>
+                </a:solidFill>
+                <a:latin typeface="Roboto Slab Regular"/>
+                <a:ea typeface="Roboto Slab Regular"/>
+                <a:cs typeface="Roboto Slab Regular"/>
+                <a:sym typeface="Roboto Slab Regular"/>
+              </a:defRPr>
+            </a:lvl1pPr>
+          </a:lstStyle>
+          <a:p>
+            <a:r>
+              <a:rPr lang="en-US" sz="2400" dirty="0" smtClean="0">
+                <a:latin typeface="나눔스퀘어 Bold" panose="020B0600000101010101" pitchFamily="50" charset="-127"/>
+                <a:ea typeface="나눔스퀘어 Bold" panose="020B0600000101010101" pitchFamily="50" charset="-127"/>
+              </a:rPr>
+              <a:t>PROJECT</a:t>
+            </a:r>
+            <a:endParaRPr sz="2400" dirty="0">
+              <a:latin typeface="나눔스퀘어 Bold" panose="020B0600000101010101" pitchFamily="50" charset="-127"/>
+              <a:ea typeface="나눔스퀘어 Bold" panose="020B0600000101010101" pitchFamily="50" charset="-127"/>
+            </a:endParaRPr>
+          </a:p>
+        </p:txBody>
+      </p:sp>
+      <p:grpSp>
+        <p:nvGrpSpPr>
+          <p:cNvPr id="25" name="Group 503"/>
+          <p:cNvGrpSpPr/>
+          <p:nvPr/>
+        </p:nvGrpSpPr>
+        <p:grpSpPr>
+          <a:xfrm>
+            <a:off x="8164037" y="4730953"/>
+            <a:ext cx="2530695" cy="1959239"/>
+            <a:chOff x="0" y="879100"/>
+            <a:chExt cx="5206950" cy="4031169"/>
+          </a:xfrm>
+        </p:grpSpPr>
+        <p:sp>
+          <p:nvSpPr>
+            <p:cNvPr id="26" name="Shape 498"/>
+            <p:cNvSpPr/>
+            <p:nvPr/>
+          </p:nvSpPr>
+          <p:spPr>
+            <a:xfrm>
+              <a:off x="0" y="879100"/>
+              <a:ext cx="5206950" cy="873112"/>
+            </a:xfrm>
+            <a:prstGeom prst="rect">
+              <a:avLst/>
+            </a:prstGeom>
+            <a:noFill/>
+            <a:ln w="3175" cap="flat">
+              <a:noFill/>
+              <a:miter lim="400000"/>
+            </a:ln>
+            <a:effectLst/>
+            <a:extLst>
+              <a:ext uri="{C572A759-6A51-4108-AA02-DFA0A04FC94B}">
+                <ma14:wrappingTextBoxFlag xmlns="" xmlns:ma14="http://schemas.microsoft.com/office/mac/drawingml/2011/main" val="1"/>
+              </a:ext>
+            </a:extLst>
+          </p:spPr>
+          <p:txBody>
+            <a:bodyPr wrap="square" lIns="38100" tIns="38100" rIns="38100" bIns="38100" numCol="1" anchor="t">
+              <a:normAutofit/>
+            </a:bodyPr>
+            <a:lstStyle>
+              <a:lvl1pPr algn="l">
+                <a:defRPr sz="4500">
+                  <a:solidFill>
+                    <a:srgbClr val="000000"/>
+                  </a:solidFill>
+                  <a:latin typeface="Roboto Slab Regular"/>
+                  <a:ea typeface="Roboto Slab Regular"/>
+                  <a:cs typeface="Roboto Slab Regular"/>
+                  <a:sym typeface="Roboto Slab Regular"/>
+                </a:defRPr>
+              </a:lvl1pPr>
+            </a:lstStyle>
+            <a:p>
+              <a:r>
+                <a:rPr lang="en-US" altLang="ko-KR" sz="2000" dirty="0" smtClean="0">
+                  <a:latin typeface="나눔스퀘어 Bold" panose="020B0600000101010101" pitchFamily="50" charset="-127"/>
+                  <a:ea typeface="나눔스퀘어 Bold" panose="020B0600000101010101" pitchFamily="50" charset="-127"/>
+                </a:rPr>
+                <a:t>Steering</a:t>
+              </a:r>
+              <a:endParaRPr sz="2000" dirty="0">
+                <a:latin typeface="나눔스퀘어 Bold" panose="020B0600000101010101" pitchFamily="50" charset="-127"/>
+                <a:ea typeface="나눔스퀘어 Bold" panose="020B0600000101010101" pitchFamily="50" charset="-127"/>
+              </a:endParaRPr>
+            </a:p>
+          </p:txBody>
+        </p:sp>
+        <p:sp>
+          <p:nvSpPr>
+            <p:cNvPr id="27" name="Shape 499"/>
+            <p:cNvSpPr/>
+            <p:nvPr/>
+          </p:nvSpPr>
+          <p:spPr>
+            <a:xfrm>
+              <a:off x="0" y="2410070"/>
+              <a:ext cx="5057971" cy="2500199"/>
+            </a:xfrm>
+            <a:prstGeom prst="rect">
+              <a:avLst/>
+            </a:prstGeom>
+            <a:noFill/>
+            <a:ln w="3175" cap="flat">
+              <a:noFill/>
+              <a:miter lim="400000"/>
+            </a:ln>
+            <a:effectLst/>
+            <a:extLst>
+              <a:ext uri="{C572A759-6A51-4108-AA02-DFA0A04FC94B}">
+                <ma14:wrappingTextBoxFlag xmlns="" xmlns:ma14="http://schemas.microsoft.com/office/mac/drawingml/2011/main" val="1"/>
+              </a:ext>
+            </a:extLst>
+          </p:spPr>
+          <p:txBody>
+            <a:bodyPr wrap="square" lIns="38100" tIns="38100" rIns="38100" bIns="38100" numCol="1" anchor="t">
+              <a:noAutofit/>
+            </a:bodyPr>
+            <a:lstStyle/>
+            <a:p>
+              <a:pPr>
+                <a:lnSpc>
+                  <a:spcPct val="150000"/>
+                </a:lnSpc>
+              </a:pPr>
+              <a:r>
+                <a:rPr lang="en-US" sz="1400" dirty="0" smtClean="0">
+                  <a:latin typeface="나눔고딕 Light" pitchFamily="50" charset="-127"/>
+                  <a:ea typeface="나눔고딕 Light" pitchFamily="50" charset="-127"/>
+                </a:rPr>
+                <a:t>Raspberry Pi receives the direction data from the server PC, and it autonomously steers the motors</a:t>
+              </a:r>
+              <a:endParaRPr sz="1400" dirty="0">
+                <a:latin typeface="나눔고딕 Light" pitchFamily="50" charset="-127"/>
+              </a:endParaRPr>
+            </a:p>
+          </p:txBody>
+        </p:sp>
+        <p:grpSp>
+          <p:nvGrpSpPr>
+            <p:cNvPr id="28" name="Group 502"/>
+            <p:cNvGrpSpPr/>
+            <p:nvPr/>
+          </p:nvGrpSpPr>
+          <p:grpSpPr>
+            <a:xfrm>
+              <a:off x="43160" y="1967464"/>
+              <a:ext cx="4674923" cy="1"/>
+              <a:chOff x="0" y="0"/>
+              <a:chExt cx="4674922" cy="0"/>
+            </a:xfrm>
+          </p:grpSpPr>
+          <p:sp>
+            <p:nvSpPr>
+              <p:cNvPr id="29" name="Shape 500"/>
+              <p:cNvSpPr/>
+              <p:nvPr/>
+            </p:nvSpPr>
+            <p:spPr>
+              <a:xfrm>
+                <a:off x="0" y="0"/>
+                <a:ext cx="4674923" cy="0"/>
+              </a:xfrm>
+              <a:prstGeom prst="line">
+                <a:avLst/>
+              </a:prstGeom>
+              <a:noFill/>
+              <a:ln w="25400" cap="flat">
+                <a:solidFill>
+                  <a:srgbClr val="E5E5E5"/>
+                </a:solidFill>
+                <a:prstDash val="solid"/>
+                <a:miter lim="400000"/>
+              </a:ln>
+              <a:effectLst/>
+            </p:spPr>
+            <p:txBody>
+              <a:bodyPr wrap="square" lIns="38100" tIns="38100" rIns="38100" bIns="38100" numCol="1" anchor="ctr">
+                <a:noAutofit/>
+              </a:bodyPr>
+              <a:lstStyle/>
+              <a:p>
+                <a:pPr algn="ctr">
+                  <a:defRPr sz="3000">
+                    <a:solidFill>
+                      <a:srgbClr val="000000"/>
+                    </a:solidFill>
+                    <a:latin typeface="Helvetica Light"/>
+                    <a:ea typeface="Helvetica Light"/>
+                    <a:cs typeface="Helvetica Light"/>
+                    <a:sym typeface="Helvetica Light"/>
+                  </a:defRPr>
+                </a:pPr>
+                <a:endParaRPr/>
+              </a:p>
+            </p:txBody>
+          </p:sp>
+          <p:sp>
+            <p:nvSpPr>
+              <p:cNvPr id="30" name="Shape 501"/>
+              <p:cNvSpPr/>
+              <p:nvPr/>
+            </p:nvSpPr>
+            <p:spPr>
+              <a:xfrm>
+                <a:off x="12700" y="0"/>
+                <a:ext cx="942922" cy="0"/>
+              </a:xfrm>
+              <a:prstGeom prst="line">
+                <a:avLst/>
+              </a:prstGeom>
+              <a:noFill/>
+              <a:ln w="25400" cap="flat">
+                <a:solidFill>
+                  <a:srgbClr val="000000"/>
+                </a:solidFill>
+                <a:prstDash val="solid"/>
+                <a:miter lim="400000"/>
+              </a:ln>
+              <a:effectLst/>
+            </p:spPr>
+            <p:txBody>
+              <a:bodyPr wrap="square" lIns="38100" tIns="38100" rIns="38100" bIns="38100" numCol="1" anchor="ctr">
+                <a:noAutofit/>
+              </a:bodyPr>
+              <a:lstStyle/>
+              <a:p>
+                <a:pPr algn="ctr">
+                  <a:defRPr sz="3000">
+                    <a:solidFill>
+                      <a:srgbClr val="000000"/>
+                    </a:solidFill>
+                    <a:latin typeface="Helvetica Light"/>
+                    <a:ea typeface="Helvetica Light"/>
+                    <a:cs typeface="Helvetica Light"/>
+                    <a:sym typeface="Helvetica Light"/>
+                  </a:defRPr>
+                </a:pPr>
+                <a:endParaRPr/>
+              </a:p>
+            </p:txBody>
+          </p:sp>
+        </p:grpSp>
+      </p:grpSp>
+      <p:sp>
+        <p:nvSpPr>
+          <p:cNvPr id="31" name="Shape 509"/>
+          <p:cNvSpPr/>
+          <p:nvPr/>
+        </p:nvSpPr>
+        <p:spPr>
+          <a:xfrm rot="13500000">
+            <a:off x="7158209" y="5303685"/>
+            <a:ext cx="211306" cy="211306"/>
+          </a:xfrm>
+          <a:custGeom>
+            <a:avLst/>
+            <a:gdLst/>
+            <a:ahLst/>
+            <a:cxnLst>
+              <a:cxn ang="0">
+                <a:pos x="wd2" y="hd2"/>
+              </a:cxn>
+              <a:cxn ang="5400000">
+                <a:pos x="wd2" y="hd2"/>
+              </a:cxn>
+              <a:cxn ang="10800000">
+                <a:pos x="wd2" y="hd2"/>
+              </a:cxn>
+              <a:cxn ang="16200000">
+                <a:pos x="wd2" y="hd2"/>
+              </a:cxn>
+            </a:cxnLst>
+            <a:rect l="0" t="0" r="r" b="b"/>
+            <a:pathLst>
+              <a:path w="21600" h="21600" extrusionOk="0">
+                <a:moveTo>
+                  <a:pt x="0" y="0"/>
+                </a:moveTo>
+                <a:lnTo>
+                  <a:pt x="0" y="21600"/>
+                </a:lnTo>
+                <a:lnTo>
+                  <a:pt x="21600" y="21600"/>
+                </a:lnTo>
+                <a:close/>
+              </a:path>
+            </a:pathLst>
+          </a:custGeom>
+          <a:solidFill>
+            <a:srgbClr val="000000"/>
+          </a:solidFill>
+          <a:ln w="3175">
+            <a:miter lim="400000"/>
+          </a:ln>
+        </p:spPr>
+        <p:txBody>
+          <a:bodyPr lIns="38100" tIns="38100" rIns="38100" bIns="38100" anchor="ctr"/>
+          <a:lstStyle/>
+          <a:p>
+            <a:pPr algn="ctr">
+              <a:defRPr sz="3000">
+                <a:solidFill>
+                  <a:srgbClr val="FFFFFF"/>
+                </a:solidFill>
+                <a:latin typeface="Helvetica Light"/>
+                <a:ea typeface="Helvetica Light"/>
+                <a:cs typeface="Helvetica Light"/>
+                <a:sym typeface="Helvetica Light"/>
+              </a:defRPr>
+            </a:pPr>
+            <a:endParaRPr/>
+          </a:p>
+        </p:txBody>
+      </p:sp>
+      <p:grpSp>
+        <p:nvGrpSpPr>
+          <p:cNvPr id="39" name="Group 503"/>
+          <p:cNvGrpSpPr/>
+          <p:nvPr/>
+        </p:nvGrpSpPr>
+        <p:grpSpPr>
+          <a:xfrm>
+            <a:off x="1400720" y="575665"/>
+            <a:ext cx="2530695" cy="1586511"/>
+            <a:chOff x="0" y="879100"/>
+            <a:chExt cx="5206950" cy="3264274"/>
+          </a:xfrm>
+        </p:grpSpPr>
+        <p:sp>
+          <p:nvSpPr>
+            <p:cNvPr id="40" name="Shape 498"/>
+            <p:cNvSpPr/>
+            <p:nvPr/>
+          </p:nvSpPr>
+          <p:spPr>
+            <a:xfrm>
+              <a:off x="0" y="879100"/>
+              <a:ext cx="5206950" cy="873112"/>
+            </a:xfrm>
+            <a:prstGeom prst="rect">
+              <a:avLst/>
+            </a:prstGeom>
+            <a:noFill/>
+            <a:ln w="3175" cap="flat">
+              <a:noFill/>
+              <a:miter lim="400000"/>
+            </a:ln>
+            <a:effectLst/>
+            <a:extLst>
+              <a:ext uri="{C572A759-6A51-4108-AA02-DFA0A04FC94B}">
+                <ma14:wrappingTextBoxFlag xmlns="" xmlns:ma14="http://schemas.microsoft.com/office/mac/drawingml/2011/main" val="1"/>
+              </a:ext>
+            </a:extLst>
+          </p:spPr>
+          <p:txBody>
+            <a:bodyPr wrap="square" lIns="38100" tIns="38100" rIns="38100" bIns="38100" numCol="1" anchor="t">
+              <a:normAutofit/>
+            </a:bodyPr>
+            <a:lstStyle>
+              <a:lvl1pPr algn="l">
+                <a:defRPr sz="4500">
+                  <a:solidFill>
+                    <a:srgbClr val="000000"/>
+                  </a:solidFill>
+                  <a:latin typeface="Roboto Slab Regular"/>
+                  <a:ea typeface="Roboto Slab Regular"/>
+                  <a:cs typeface="Roboto Slab Regular"/>
+                  <a:sym typeface="Roboto Slab Regular"/>
+                </a:defRPr>
+              </a:lvl1pPr>
+            </a:lstStyle>
+            <a:p>
+              <a:r>
+                <a:rPr lang="en-US" altLang="ko-KR" sz="2000" dirty="0">
+                  <a:latin typeface="나눔스퀘어 Bold" panose="020B0600000101010101" pitchFamily="50" charset="-127"/>
+                  <a:ea typeface="나눔스퀘어 Bold" panose="020B0600000101010101" pitchFamily="50" charset="-127"/>
+                </a:rPr>
+                <a:t>Neural Network</a:t>
+              </a:r>
+            </a:p>
+          </p:txBody>
+        </p:sp>
+        <p:sp>
+          <p:nvSpPr>
+            <p:cNvPr id="41" name="Shape 499"/>
+            <p:cNvSpPr/>
+            <p:nvPr/>
+          </p:nvSpPr>
+          <p:spPr>
+            <a:xfrm>
+              <a:off x="0" y="2410072"/>
+              <a:ext cx="5057971" cy="1733302"/>
+            </a:xfrm>
+            <a:prstGeom prst="rect">
+              <a:avLst/>
+            </a:prstGeom>
+            <a:noFill/>
+            <a:ln w="3175" cap="flat">
+              <a:noFill/>
+              <a:miter lim="400000"/>
+            </a:ln>
+            <a:effectLst/>
+            <a:extLst>
+              <a:ext uri="{C572A759-6A51-4108-AA02-DFA0A04FC94B}">
+                <ma14:wrappingTextBoxFlag xmlns="" xmlns:ma14="http://schemas.microsoft.com/office/mac/drawingml/2011/main" val="1"/>
+              </a:ext>
+            </a:extLst>
+          </p:spPr>
+          <p:txBody>
+            <a:bodyPr wrap="square" lIns="38100" tIns="38100" rIns="38100" bIns="38100" numCol="1" anchor="t">
+              <a:noAutofit/>
+            </a:bodyPr>
+            <a:lstStyle/>
+            <a:p>
+              <a:pPr>
+                <a:lnSpc>
+                  <a:spcPct val="150000"/>
+                </a:lnSpc>
+              </a:pPr>
+              <a:r>
+                <a:rPr lang="en-US" altLang="ko-KR" sz="1400" dirty="0">
+                  <a:latin typeface="나눔고딕 Light" pitchFamily="50" charset="-127"/>
+                  <a:ea typeface="나눔고딕 Light" panose="020D0904000000000000" pitchFamily="50" charset="-127"/>
+                </a:rPr>
+                <a:t>The server pc runs some neural networks to determine the direction</a:t>
+              </a:r>
+            </a:p>
+          </p:txBody>
+        </p:sp>
+        <p:grpSp>
+          <p:nvGrpSpPr>
+            <p:cNvPr id="42" name="Group 502"/>
+            <p:cNvGrpSpPr/>
+            <p:nvPr/>
+          </p:nvGrpSpPr>
+          <p:grpSpPr>
+            <a:xfrm>
+              <a:off x="43160" y="1967464"/>
+              <a:ext cx="4674923" cy="1"/>
+              <a:chOff x="0" y="0"/>
+              <a:chExt cx="4674922" cy="0"/>
+            </a:xfrm>
+          </p:grpSpPr>
+          <p:sp>
+            <p:nvSpPr>
+              <p:cNvPr id="43" name="Shape 500"/>
+              <p:cNvSpPr/>
+              <p:nvPr/>
+            </p:nvSpPr>
+            <p:spPr>
+              <a:xfrm>
+                <a:off x="0" y="0"/>
+                <a:ext cx="4674923" cy="0"/>
+              </a:xfrm>
+              <a:prstGeom prst="line">
+                <a:avLst/>
+              </a:prstGeom>
+              <a:noFill/>
+              <a:ln w="25400" cap="flat">
+                <a:solidFill>
+                  <a:srgbClr val="E5E5E5"/>
+                </a:solidFill>
+                <a:prstDash val="solid"/>
+                <a:miter lim="400000"/>
+              </a:ln>
+              <a:effectLst/>
+            </p:spPr>
+            <p:txBody>
+              <a:bodyPr wrap="square" lIns="38100" tIns="38100" rIns="38100" bIns="38100" numCol="1" anchor="ctr">
+                <a:noAutofit/>
+              </a:bodyPr>
+              <a:lstStyle/>
+              <a:p>
+                <a:pPr algn="ctr">
+                  <a:defRPr sz="3000">
+                    <a:solidFill>
+                      <a:srgbClr val="000000"/>
+                    </a:solidFill>
+                    <a:latin typeface="Helvetica Light"/>
+                    <a:ea typeface="Helvetica Light"/>
+                    <a:cs typeface="Helvetica Light"/>
+                    <a:sym typeface="Helvetica Light"/>
+                  </a:defRPr>
+                </a:pPr>
+                <a:endParaRPr/>
+              </a:p>
+            </p:txBody>
+          </p:sp>
+          <p:sp>
+            <p:nvSpPr>
+              <p:cNvPr id="44" name="Shape 501"/>
+              <p:cNvSpPr/>
+              <p:nvPr/>
+            </p:nvSpPr>
+            <p:spPr>
+              <a:xfrm>
+                <a:off x="12700" y="0"/>
+                <a:ext cx="942922" cy="0"/>
+              </a:xfrm>
+              <a:prstGeom prst="line">
+                <a:avLst/>
+              </a:prstGeom>
+              <a:noFill/>
+              <a:ln w="25400" cap="flat">
+                <a:solidFill>
+                  <a:srgbClr val="000000"/>
+                </a:solidFill>
+                <a:prstDash val="solid"/>
+                <a:miter lim="400000"/>
+              </a:ln>
+              <a:effectLst/>
+            </p:spPr>
+            <p:txBody>
+              <a:bodyPr wrap="square" lIns="38100" tIns="38100" rIns="38100" bIns="38100" numCol="1" anchor="ctr">
+                <a:noAutofit/>
+              </a:bodyPr>
+              <a:lstStyle/>
+              <a:p>
+                <a:pPr algn="ctr">
+                  <a:defRPr sz="3000">
+                    <a:solidFill>
+                      <a:srgbClr val="000000"/>
+                    </a:solidFill>
+                    <a:latin typeface="Helvetica Light"/>
+                    <a:ea typeface="Helvetica Light"/>
+                    <a:cs typeface="Helvetica Light"/>
+                    <a:sym typeface="Helvetica Light"/>
+                  </a:defRPr>
+                </a:pPr>
+                <a:endParaRPr/>
+              </a:p>
+            </p:txBody>
+          </p:sp>
+        </p:grpSp>
+      </p:grpSp>
+      <p:sp>
+        <p:nvSpPr>
+          <p:cNvPr id="45" name="Shape 509"/>
+          <p:cNvSpPr/>
+          <p:nvPr/>
+        </p:nvSpPr>
+        <p:spPr>
+          <a:xfrm rot="13500000">
+            <a:off x="4401522" y="1064683"/>
+            <a:ext cx="211306" cy="211306"/>
+          </a:xfrm>
+          <a:custGeom>
+            <a:avLst/>
+            <a:gdLst/>
+            <a:ahLst/>
+            <a:cxnLst>
+              <a:cxn ang="0">
+                <a:pos x="wd2" y="hd2"/>
+              </a:cxn>
+              <a:cxn ang="5400000">
+                <a:pos x="wd2" y="hd2"/>
+              </a:cxn>
+              <a:cxn ang="10800000">
+                <a:pos x="wd2" y="hd2"/>
+              </a:cxn>
+              <a:cxn ang="16200000">
+                <a:pos x="wd2" y="hd2"/>
+              </a:cxn>
+            </a:cxnLst>
+            <a:rect l="0" t="0" r="r" b="b"/>
+            <a:pathLst>
+              <a:path w="21600" h="21600" extrusionOk="0">
+                <a:moveTo>
+                  <a:pt x="0" y="0"/>
+                </a:moveTo>
+                <a:lnTo>
+                  <a:pt x="0" y="21600"/>
+                </a:lnTo>
+                <a:lnTo>
+                  <a:pt x="21600" y="21600"/>
+                </a:lnTo>
+                <a:close/>
+              </a:path>
+            </a:pathLst>
+          </a:custGeom>
+          <a:solidFill>
+            <a:srgbClr val="000000"/>
+          </a:solidFill>
+          <a:ln w="3175">
+            <a:miter lim="400000"/>
+          </a:ln>
+        </p:spPr>
+        <p:txBody>
+          <a:bodyPr lIns="38100" tIns="38100" rIns="38100" bIns="38100" anchor="ctr"/>
+          <a:lstStyle/>
+          <a:p>
+            <a:pPr algn="ctr">
+              <a:defRPr sz="3000">
+                <a:solidFill>
+                  <a:srgbClr val="FFFFFF"/>
+                </a:solidFill>
+                <a:latin typeface="Helvetica Light"/>
+                <a:ea typeface="Helvetica Light"/>
+                <a:cs typeface="Helvetica Light"/>
+                <a:sym typeface="Helvetica Light"/>
+              </a:defRPr>
+            </a:pPr>
+            <a:endParaRPr/>
+          </a:p>
+        </p:txBody>
+      </p:sp>
+    </p:spTree>
+    <p:extLst>
+      <p:ext uri="{BB962C8B-B14F-4D97-AF65-F5344CB8AC3E}">
+        <p14:creationId xmlns:p14="http://schemas.microsoft.com/office/powerpoint/2010/main" val="1543242924"/>
+      </p:ext>
+    </p:extLst>
+  </p:cSld>
+  <p:clrMapOvr>
+    <a:masterClrMapping/>
+  </p:clrMapOvr>
+  <p:transition spd="slow">
+    <p:push dir="u"/>
+  </p:transition>
+  <p:timing>
+    <p:tnLst>
+      <p:par>
+        <p:cTn id="1" dur="indefinite" restart="never" nodeType="tmRoot"/>
+      </p:par>
+    </p:tnLst>
+  </p:timing>
+</p:sld>
+</file>
+
+<file path=ppt/slides/slide22.xml><?xml version="1.0" encoding="utf-8"?>
+<p:sld xmlns:a="http://schemas.openxmlformats.org/drawingml/2006/main" xmlns:r="http://schemas.openxmlformats.org/officeDocument/2006/relationships" xmlns:p="http://schemas.openxmlformats.org/presentationml/2006/main">
+  <p:cSld>
+    <p:spTree>
+      <p:nvGrpSpPr>
+        <p:cNvPr id="1" name=""/>
+        <p:cNvGrpSpPr/>
+        <p:nvPr/>
+      </p:nvGrpSpPr>
+      <p:grpSpPr>
+        <a:xfrm>
+          <a:off x="0" y="0"/>
+          <a:ext cx="0" cy="0"/>
+          <a:chOff x="0" y="0"/>
+          <a:chExt cx="0" cy="0"/>
+        </a:xfrm>
+      </p:grpSpPr>
+      <p:sp>
+        <p:nvSpPr>
+          <p:cNvPr id="8" name="직사각형 7"/>
+          <p:cNvSpPr/>
+          <p:nvPr/>
+        </p:nvSpPr>
+        <p:spPr>
+          <a:xfrm>
+            <a:off x="706804" y="2409825"/>
+            <a:ext cx="2236421" cy="76200"/>
+          </a:xfrm>
+          <a:prstGeom prst="rect">
+            <a:avLst/>
+          </a:prstGeom>
+          <a:solidFill>
+            <a:srgbClr val="EDD0BE"/>
+          </a:solidFill>
+          <a:ln>
+            <a:noFill/>
+          </a:ln>
+        </p:spPr>
+        <p:style>
+          <a:lnRef idx="2">
+            <a:schemeClr val="accent1">
+              <a:shade val="50000"/>
+            </a:schemeClr>
+          </a:lnRef>
+          <a:fillRef idx="1">
+            <a:schemeClr val="accent1"/>
+          </a:fillRef>
+          <a:effectRef idx="0">
+            <a:schemeClr val="accent1"/>
+          </a:effectRef>
+          <a:fontRef idx="minor">
+            <a:schemeClr val="lt1"/>
+          </a:fontRef>
+        </p:style>
+        <p:txBody>
+          <a:bodyPr rtlCol="0" anchor="ctr"/>
+          <a:lstStyle/>
+          <a:p>
+            <a:pPr algn="ctr"/>
+            <a:endParaRPr lang="ko-KR" altLang="en-US" baseline="-25000" dirty="0">
+              <a:latin typeface="나눔고딕 Light" pitchFamily="50" charset="-127"/>
+              <a:ea typeface="나눔고딕 Light" pitchFamily="50" charset="-127"/>
+            </a:endParaRPr>
+          </a:p>
+        </p:txBody>
+      </p:sp>
+      <p:sp>
+        <p:nvSpPr>
+          <p:cNvPr id="7" name="TextBox 7"/>
+          <p:cNvSpPr txBox="1">
+            <a:spLocks noChangeArrowheads="1"/>
+          </p:cNvSpPr>
+          <p:nvPr/>
+        </p:nvSpPr>
+        <p:spPr bwMode="auto">
+          <a:xfrm>
+            <a:off x="573454" y="469860"/>
+            <a:ext cx="4714624" cy="2308324"/>
+          </a:xfrm>
+          <a:prstGeom prst="rect">
+            <a:avLst/>
+          </a:prstGeom>
+          <a:noFill/>
+          <a:ln>
+            <a:noFill/>
+          </a:ln>
+          <a:extLst>
+            <a:ext uri="{909E8E84-426E-40DD-AFC4-6F175D3DCCD1}">
+              <a14:hiddenFill xmlns:a14="http://schemas.microsoft.com/office/drawing/2010/main">
+                <a:solidFill>
+                  <a:srgbClr val="FFFFFF"/>
+                </a:solidFill>
+              </a14:hiddenFill>
+            </a:ext>
+            <a:ext uri="{91240B29-F687-4F45-9708-019B960494DF}">
+              <a14:hiddenLine xmlns:a14="http://schemas.microsoft.com/office/drawing/2010/main" w="9525">
+                <a:solidFill>
+                  <a:srgbClr val="000000"/>
+                </a:solidFill>
+                <a:miter lim="800000"/>
+                <a:headEnd/>
+                <a:tailEnd/>
+              </a14:hiddenLine>
+            </a:ext>
+          </a:extLst>
+        </p:spPr>
+        <p:txBody>
+          <a:bodyPr wrap="square">
+            <a:spAutoFit/>
+          </a:bodyPr>
+          <a:lstStyle>
+            <a:lvl1pPr>
+              <a:defRPr sz="3600">
+                <a:solidFill>
+                  <a:schemeClr val="tx1"/>
+                </a:solidFill>
+                <a:latin typeface="Lato Light" pitchFamily="34" charset="0"/>
+              </a:defRPr>
+            </a:lvl1pPr>
+            <a:lvl2pPr marL="742950" indent="-285750">
+              <a:defRPr sz="3600">
+                <a:solidFill>
+                  <a:schemeClr val="tx1"/>
+                </a:solidFill>
+                <a:latin typeface="Lato Light" pitchFamily="34" charset="0"/>
+              </a:defRPr>
+            </a:lvl2pPr>
+            <a:lvl3pPr marL="1143000" indent="-228600">
+              <a:defRPr sz="3600">
+                <a:solidFill>
+                  <a:schemeClr val="tx1"/>
+                </a:solidFill>
+                <a:latin typeface="Lato Light" pitchFamily="34" charset="0"/>
+              </a:defRPr>
+            </a:lvl3pPr>
+            <a:lvl4pPr marL="1600200" indent="-228600">
+              <a:defRPr sz="3600">
+                <a:solidFill>
+                  <a:schemeClr val="tx1"/>
+                </a:solidFill>
+                <a:latin typeface="Lato Light" pitchFamily="34" charset="0"/>
+              </a:defRPr>
+            </a:lvl4pPr>
+            <a:lvl5pPr marL="2057400" indent="-228600">
+              <a:defRPr sz="3600">
+                <a:solidFill>
+                  <a:schemeClr val="tx1"/>
+                </a:solidFill>
+                <a:latin typeface="Lato Light" pitchFamily="34" charset="0"/>
+              </a:defRPr>
+            </a:lvl5pPr>
+            <a:lvl6pPr marL="2514600" indent="-228600" defTabSz="1827213" fontAlgn="base">
+              <a:spcBef>
+                <a:spcPct val="0"/>
+              </a:spcBef>
+              <a:spcAft>
+                <a:spcPct val="0"/>
+              </a:spcAft>
+              <a:defRPr sz="3600">
+                <a:solidFill>
+                  <a:schemeClr val="tx1"/>
+                </a:solidFill>
+                <a:latin typeface="Lato Light" pitchFamily="34" charset="0"/>
+              </a:defRPr>
+            </a:lvl6pPr>
+            <a:lvl7pPr marL="2971800" indent="-228600" defTabSz="1827213" fontAlgn="base">
+              <a:spcBef>
+                <a:spcPct val="0"/>
+              </a:spcBef>
+              <a:spcAft>
+                <a:spcPct val="0"/>
+              </a:spcAft>
+              <a:defRPr sz="3600">
+                <a:solidFill>
+                  <a:schemeClr val="tx1"/>
+                </a:solidFill>
+                <a:latin typeface="Lato Light" pitchFamily="34" charset="0"/>
+              </a:defRPr>
+            </a:lvl7pPr>
+            <a:lvl8pPr marL="3429000" indent="-228600" defTabSz="1827213" fontAlgn="base">
+              <a:spcBef>
+                <a:spcPct val="0"/>
+              </a:spcBef>
+              <a:spcAft>
+                <a:spcPct val="0"/>
+              </a:spcAft>
+              <a:defRPr sz="3600">
+                <a:solidFill>
+                  <a:schemeClr val="tx1"/>
+                </a:solidFill>
+                <a:latin typeface="Lato Light" pitchFamily="34" charset="0"/>
+              </a:defRPr>
+            </a:lvl8pPr>
+            <a:lvl9pPr marL="3886200" indent="-228600" defTabSz="1827213" fontAlgn="base">
+              <a:spcBef>
+                <a:spcPct val="0"/>
+              </a:spcBef>
+              <a:spcAft>
+                <a:spcPct val="0"/>
+              </a:spcAft>
+              <a:defRPr sz="3600">
+                <a:solidFill>
+                  <a:schemeClr val="tx1"/>
+                </a:solidFill>
+                <a:latin typeface="Lato Light" pitchFamily="34" charset="0"/>
+              </a:defRPr>
+            </a:lvl9pPr>
+          </a:lstStyle>
+          <a:p>
+            <a:pPr eaLnBrk="1" hangingPunct="1"/>
+            <a:r>
+              <a:rPr lang="en-US" altLang="ko-KR" b="1" spc="300" dirty="0" smtClean="0">
+                <a:latin typeface="나눔스퀘어 Bold" panose="020B0600000101010101" pitchFamily="50" charset="-127"/>
+                <a:ea typeface="나눔스퀘어 Bold" panose="020B0600000101010101" pitchFamily="50" charset="-127"/>
+                <a:cs typeface="Calibri" panose="020F0502020204030204" pitchFamily="34" charset="0"/>
+              </a:rPr>
+              <a:t>PROCESS</a:t>
+            </a:r>
+          </a:p>
+          <a:p>
+            <a:pPr eaLnBrk="1" hangingPunct="1"/>
+            <a:r>
+              <a:rPr lang="en-US" altLang="ko-KR" b="1" spc="300" dirty="0" smtClean="0">
+                <a:latin typeface="나눔스퀘어 Bold" panose="020B0600000101010101" pitchFamily="50" charset="-127"/>
+                <a:ea typeface="나눔스퀘어 Bold" panose="020B0600000101010101" pitchFamily="50" charset="-127"/>
+                <a:cs typeface="Calibri" panose="020F0502020204030204" pitchFamily="34" charset="0"/>
+              </a:rPr>
+              <a:t>OF</a:t>
+            </a:r>
+            <a:br>
+              <a:rPr lang="en-US" altLang="ko-KR" b="1" spc="300" dirty="0" smtClean="0">
+                <a:latin typeface="나눔스퀘어 Bold" panose="020B0600000101010101" pitchFamily="50" charset="-127"/>
+                <a:ea typeface="나눔스퀘어 Bold" panose="020B0600000101010101" pitchFamily="50" charset="-127"/>
+                <a:cs typeface="Calibri" panose="020F0502020204030204" pitchFamily="34" charset="0"/>
+              </a:rPr>
+            </a:br>
+            <a:r>
+              <a:rPr lang="en-US" altLang="ko-KR" b="1" spc="300" dirty="0" smtClean="0">
+                <a:latin typeface="나눔스퀘어 Bold" panose="020B0600000101010101" pitchFamily="50" charset="-127"/>
+                <a:ea typeface="나눔스퀘어 Bold" panose="020B0600000101010101" pitchFamily="50" charset="-127"/>
+                <a:cs typeface="Calibri" panose="020F0502020204030204" pitchFamily="34" charset="0"/>
+              </a:rPr>
+              <a:t>OUR </a:t>
+            </a:r>
+          </a:p>
+          <a:p>
+            <a:pPr eaLnBrk="1" hangingPunct="1"/>
+            <a:r>
+              <a:rPr lang="en-US" altLang="ko-KR" b="1" spc="300" dirty="0" smtClean="0">
+                <a:latin typeface="나눔스퀘어 Bold" panose="020B0600000101010101" pitchFamily="50" charset="-127"/>
+                <a:ea typeface="나눔스퀘어 Bold" panose="020B0600000101010101" pitchFamily="50" charset="-127"/>
+                <a:cs typeface="Calibri" panose="020F0502020204030204" pitchFamily="34" charset="0"/>
+              </a:rPr>
+              <a:t>PROJECT</a:t>
+            </a:r>
+            <a:endParaRPr lang="ru-RU" altLang="ko-KR" b="1" spc="300" dirty="0">
+              <a:latin typeface="나눔스퀘어 Bold" panose="020B0600000101010101" pitchFamily="50" charset="-127"/>
+              <a:ea typeface="나눔스퀘어 Bold" panose="020B0600000101010101" pitchFamily="50" charset="-127"/>
+              <a:cs typeface="Calibri" panose="020F0502020204030204" pitchFamily="34" charset="0"/>
+            </a:endParaRPr>
+          </a:p>
+        </p:txBody>
+      </p:sp>
+      <p:grpSp>
+        <p:nvGrpSpPr>
+          <p:cNvPr id="12" name="Group 508"/>
+          <p:cNvGrpSpPr/>
+          <p:nvPr/>
+        </p:nvGrpSpPr>
+        <p:grpSpPr>
+          <a:xfrm>
+            <a:off x="5078304" y="-546381"/>
+            <a:ext cx="1666065" cy="4650665"/>
+            <a:chOff x="-240163" y="-4116026"/>
+            <a:chExt cx="2128090" cy="5940369"/>
+          </a:xfrm>
+        </p:grpSpPr>
+        <p:sp>
+          <p:nvSpPr>
+            <p:cNvPr id="13" name="Shape 505"/>
+            <p:cNvSpPr/>
+            <p:nvPr/>
+          </p:nvSpPr>
+          <p:spPr>
+            <a:xfrm>
+              <a:off x="835970" y="-4116026"/>
+              <a:ext cx="0" cy="5454977"/>
+            </a:xfrm>
+            <a:prstGeom prst="line">
+              <a:avLst/>
+            </a:prstGeom>
+            <a:noFill/>
+            <a:ln w="25400" cap="flat">
+              <a:solidFill>
+                <a:srgbClr val="565656"/>
+              </a:solidFill>
+              <a:prstDash val="solid"/>
+              <a:miter lim="400000"/>
+            </a:ln>
+            <a:effectLst/>
+          </p:spPr>
+          <p:txBody>
+            <a:bodyPr wrap="square" lIns="38100" tIns="38100" rIns="38100" bIns="38100" numCol="1" anchor="ctr">
+              <a:noAutofit/>
+            </a:bodyPr>
+            <a:lstStyle/>
+            <a:p>
+              <a:pPr algn="ctr">
+                <a:defRPr sz="3000">
+                  <a:solidFill>
+                    <a:srgbClr val="000000"/>
+                  </a:solidFill>
+                  <a:latin typeface="Helvetica Light"/>
+                  <a:ea typeface="Helvetica Light"/>
+                  <a:cs typeface="Helvetica Light"/>
+                  <a:sym typeface="Helvetica Light"/>
+                </a:defRPr>
+              </a:pPr>
+              <a:endParaRPr/>
+            </a:p>
+          </p:txBody>
+        </p:sp>
+        <p:sp>
+          <p:nvSpPr>
+            <p:cNvPr id="14" name="Shape 506"/>
+            <p:cNvSpPr/>
+            <p:nvPr/>
+          </p:nvSpPr>
+          <p:spPr>
+            <a:xfrm>
+              <a:off x="-240163" y="-282677"/>
+              <a:ext cx="2128090" cy="2107020"/>
+            </a:xfrm>
+            <a:prstGeom prst="ellipse">
+              <a:avLst/>
+            </a:prstGeom>
+            <a:solidFill>
+              <a:srgbClr val="565656"/>
+            </a:solidFill>
+            <a:ln w="3175" cap="flat">
+              <a:noFill/>
+              <a:miter lim="400000"/>
+            </a:ln>
+            <a:effectLst/>
+          </p:spPr>
+          <p:txBody>
+            <a:bodyPr wrap="square" lIns="38100" tIns="38100" rIns="38100" bIns="38100" numCol="1" anchor="ctr">
+              <a:noAutofit/>
+            </a:bodyPr>
+            <a:lstStyle/>
+            <a:p>
+              <a:pPr algn="ctr">
+                <a:defRPr sz="3000">
+                  <a:solidFill>
+                    <a:srgbClr val="FFFFFF"/>
+                  </a:solidFill>
+                  <a:latin typeface="Helvetica Light"/>
+                  <a:ea typeface="Helvetica Light"/>
+                  <a:cs typeface="Helvetica Light"/>
+                  <a:sym typeface="Helvetica Light"/>
+                </a:defRPr>
+              </a:pPr>
+              <a:endParaRPr/>
+            </a:p>
+          </p:txBody>
+        </p:sp>
+        <p:sp>
+          <p:nvSpPr>
+            <p:cNvPr id="15" name="Shape 507"/>
+            <p:cNvSpPr/>
+            <p:nvPr/>
+          </p:nvSpPr>
+          <p:spPr>
+            <a:xfrm>
+              <a:off x="147712" y="485815"/>
+              <a:ext cx="1352339" cy="570035"/>
+            </a:xfrm>
+            <a:prstGeom prst="rect">
+              <a:avLst/>
+            </a:prstGeom>
+            <a:noFill/>
+            <a:ln w="3175" cap="flat">
+              <a:noFill/>
+              <a:miter lim="400000"/>
+            </a:ln>
+            <a:effectLst/>
+            <a:extLst>
+              <a:ext uri="{C572A759-6A51-4108-AA02-DFA0A04FC94B}">
+                <ma14:wrappingTextBoxFlag xmlns="" xmlns:ma14="http://schemas.microsoft.com/office/mac/drawingml/2011/main" val="1"/>
+              </a:ext>
+            </a:extLst>
+          </p:spPr>
+          <p:txBody>
+            <a:bodyPr wrap="square" lIns="38100" tIns="38100" rIns="38100" bIns="38100" numCol="1" anchor="ctr">
+              <a:spAutoFit/>
+            </a:bodyPr>
+            <a:lstStyle>
+              <a:lvl1pPr algn="ctr">
+                <a:defRPr sz="3000">
+                  <a:solidFill>
+                    <a:srgbClr val="FFFFFF"/>
+                  </a:solidFill>
+                  <a:latin typeface="Roboto Slab Regular"/>
+                  <a:ea typeface="Roboto Slab Regular"/>
+                  <a:cs typeface="Roboto Slab Regular"/>
+                  <a:sym typeface="Roboto Slab Regular"/>
+                </a:defRPr>
+              </a:lvl1pPr>
+            </a:lstStyle>
+            <a:p>
+              <a:r>
+                <a:rPr lang="en-US" sz="2400" dirty="0" smtClean="0">
+                  <a:latin typeface="나눔스퀘어 Bold" panose="020B0600000101010101" pitchFamily="50" charset="-127"/>
+                  <a:ea typeface="나눔스퀘어 Bold" panose="020B0600000101010101" pitchFamily="50" charset="-127"/>
+                </a:rPr>
+                <a:t>FINISH</a:t>
+              </a:r>
+              <a:endParaRPr sz="2400" dirty="0">
+                <a:latin typeface="나눔스퀘어 Bold" panose="020B0600000101010101" pitchFamily="50" charset="-127"/>
+                <a:ea typeface="나눔스퀘어 Bold" panose="020B0600000101010101" pitchFamily="50" charset="-127"/>
+              </a:endParaRPr>
+            </a:p>
+          </p:txBody>
+        </p:sp>
+      </p:grpSp>
+      <p:sp>
+        <p:nvSpPr>
+          <p:cNvPr id="22" name="Shape 509"/>
+          <p:cNvSpPr/>
+          <p:nvPr/>
+        </p:nvSpPr>
+        <p:spPr>
+          <a:xfrm rot="13500000">
+            <a:off x="7261034" y="3186747"/>
+            <a:ext cx="211306" cy="211306"/>
+          </a:xfrm>
+          <a:custGeom>
+            <a:avLst/>
+            <a:gdLst/>
+            <a:ahLst/>
+            <a:cxnLst>
+              <a:cxn ang="0">
+                <a:pos x="wd2" y="hd2"/>
+              </a:cxn>
+              <a:cxn ang="5400000">
+                <a:pos x="wd2" y="hd2"/>
+              </a:cxn>
+              <a:cxn ang="10800000">
+                <a:pos x="wd2" y="hd2"/>
+              </a:cxn>
+              <a:cxn ang="16200000">
+                <a:pos x="wd2" y="hd2"/>
+              </a:cxn>
+            </a:cxnLst>
+            <a:rect l="0" t="0" r="r" b="b"/>
+            <a:pathLst>
+              <a:path w="21600" h="21600" extrusionOk="0">
+                <a:moveTo>
+                  <a:pt x="0" y="0"/>
+                </a:moveTo>
+                <a:lnTo>
+                  <a:pt x="0" y="21600"/>
+                </a:lnTo>
+                <a:lnTo>
+                  <a:pt x="21600" y="21600"/>
+                </a:lnTo>
+                <a:close/>
+              </a:path>
+            </a:pathLst>
+          </a:custGeom>
+          <a:solidFill>
+            <a:srgbClr val="000000"/>
+          </a:solidFill>
+          <a:ln w="3175">
+            <a:miter lim="400000"/>
+          </a:ln>
+        </p:spPr>
+        <p:txBody>
+          <a:bodyPr lIns="38100" tIns="38100" rIns="38100" bIns="38100" anchor="ctr"/>
+          <a:lstStyle/>
+          <a:p>
+            <a:pPr algn="ctr">
+              <a:defRPr sz="3000">
+                <a:solidFill>
+                  <a:srgbClr val="FFFFFF"/>
+                </a:solidFill>
+                <a:latin typeface="Helvetica Light"/>
+                <a:ea typeface="Helvetica Light"/>
+                <a:cs typeface="Helvetica Light"/>
+                <a:sym typeface="Helvetica Light"/>
+              </a:defRPr>
+            </a:pPr>
+            <a:endParaRPr/>
+          </a:p>
+        </p:txBody>
+      </p:sp>
+      <p:grpSp>
+        <p:nvGrpSpPr>
+          <p:cNvPr id="28" name="Group 503"/>
+          <p:cNvGrpSpPr/>
+          <p:nvPr/>
+        </p:nvGrpSpPr>
+        <p:grpSpPr>
+          <a:xfrm>
+            <a:off x="8266862" y="2614015"/>
+            <a:ext cx="2530695" cy="1959239"/>
+            <a:chOff x="0" y="879100"/>
+            <a:chExt cx="5206950" cy="4031169"/>
+          </a:xfrm>
+        </p:grpSpPr>
+        <p:sp>
+          <p:nvSpPr>
+            <p:cNvPr id="29" name="Shape 498"/>
+            <p:cNvSpPr/>
+            <p:nvPr/>
+          </p:nvSpPr>
+          <p:spPr>
+            <a:xfrm>
+              <a:off x="0" y="879100"/>
+              <a:ext cx="5206950" cy="873112"/>
+            </a:xfrm>
+            <a:prstGeom prst="rect">
+              <a:avLst/>
+            </a:prstGeom>
+            <a:noFill/>
+            <a:ln w="3175" cap="flat">
+              <a:noFill/>
+              <a:miter lim="400000"/>
+            </a:ln>
+            <a:effectLst/>
+            <a:extLst>
+              <a:ext uri="{C572A759-6A51-4108-AA02-DFA0A04FC94B}">
+                <ma14:wrappingTextBoxFlag xmlns="" xmlns:ma14="http://schemas.microsoft.com/office/mac/drawingml/2011/main" val="1"/>
+              </a:ext>
+            </a:extLst>
+          </p:spPr>
+          <p:txBody>
+            <a:bodyPr wrap="square" lIns="38100" tIns="38100" rIns="38100" bIns="38100" numCol="1" anchor="t">
+              <a:normAutofit/>
+            </a:bodyPr>
+            <a:lstStyle>
+              <a:lvl1pPr algn="l">
+                <a:defRPr sz="4500">
+                  <a:solidFill>
+                    <a:srgbClr val="000000"/>
+                  </a:solidFill>
+                  <a:latin typeface="Roboto Slab Regular"/>
+                  <a:ea typeface="Roboto Slab Regular"/>
+                  <a:cs typeface="Roboto Slab Regular"/>
+                  <a:sym typeface="Roboto Slab Regular"/>
+                </a:defRPr>
+              </a:lvl1pPr>
+            </a:lstStyle>
+            <a:p>
+              <a:r>
+                <a:rPr lang="ko-KR" altLang="en-US" sz="2000" dirty="0" smtClean="0">
+                  <a:latin typeface="나눔스퀘어 Bold" panose="020B0600000101010101" pitchFamily="50" charset="-127"/>
+                  <a:ea typeface="나눔스퀘어 Bold" panose="020B0600000101010101" pitchFamily="50" charset="-127"/>
+                </a:rPr>
+                <a:t>자율주행</a:t>
+              </a:r>
+              <a:endParaRPr sz="2000" dirty="0">
+                <a:latin typeface="나눔스퀘어 Bold" panose="020B0600000101010101" pitchFamily="50" charset="-127"/>
+                <a:ea typeface="나눔스퀘어 Bold" panose="020B0600000101010101" pitchFamily="50" charset="-127"/>
+              </a:endParaRPr>
+            </a:p>
+          </p:txBody>
+        </p:sp>
+        <p:sp>
+          <p:nvSpPr>
+            <p:cNvPr id="30" name="Shape 499"/>
+            <p:cNvSpPr/>
+            <p:nvPr/>
+          </p:nvSpPr>
+          <p:spPr>
+            <a:xfrm>
+              <a:off x="0" y="2410070"/>
+              <a:ext cx="5057971" cy="2500199"/>
+            </a:xfrm>
+            <a:prstGeom prst="rect">
+              <a:avLst/>
+            </a:prstGeom>
+            <a:noFill/>
+            <a:ln w="3175" cap="flat">
+              <a:noFill/>
+              <a:miter lim="400000"/>
+            </a:ln>
+            <a:effectLst/>
+            <a:extLst>
+              <a:ext uri="{C572A759-6A51-4108-AA02-DFA0A04FC94B}">
+                <ma14:wrappingTextBoxFlag xmlns="" xmlns:ma14="http://schemas.microsoft.com/office/mac/drawingml/2011/main" val="1"/>
+              </a:ext>
+            </a:extLst>
+          </p:spPr>
+          <p:txBody>
+            <a:bodyPr wrap="square" lIns="38100" tIns="38100" rIns="38100" bIns="38100" numCol="1" anchor="t">
+              <a:normAutofit/>
+            </a:bodyPr>
+            <a:lstStyle/>
+            <a:p>
+              <a:pPr>
+                <a:lnSpc>
+                  <a:spcPct val="150000"/>
+                </a:lnSpc>
+              </a:pPr>
+              <a:r>
+                <a:rPr lang="ko-KR" altLang="en-US" sz="1200" dirty="0" smtClean="0">
+                  <a:latin typeface="나눔고딕 Light" pitchFamily="50" charset="-127"/>
+                  <a:ea typeface="나눔고딕 Light" pitchFamily="50" charset="-127"/>
+                </a:rPr>
+                <a:t>전달 받은 신호를 통하여 </a:t>
+              </a:r>
+              <a:r>
+                <a:rPr lang="en-US" altLang="ko-KR" sz="1200" dirty="0" smtClean="0">
+                  <a:latin typeface="나눔고딕 Light" pitchFamily="50" charset="-127"/>
+                  <a:ea typeface="나눔고딕 Light" pitchFamily="50" charset="-127"/>
+                </a:rPr>
+                <a:t>RC</a:t>
+              </a:r>
+              <a:r>
+                <a:rPr lang="ko-KR" altLang="en-US" sz="1200" dirty="0" err="1" smtClean="0">
+                  <a:latin typeface="나눔고딕 Light" pitchFamily="50" charset="-127"/>
+                  <a:ea typeface="나눔고딕 Light" pitchFamily="50" charset="-127"/>
+                </a:rPr>
+                <a:t>카의</a:t>
+              </a:r>
+              <a:r>
+                <a:rPr lang="ko-KR" altLang="en-US" sz="1200" dirty="0" smtClean="0">
+                  <a:latin typeface="나눔고딕 Light" pitchFamily="50" charset="-127"/>
+                  <a:ea typeface="나눔고딕 Light" pitchFamily="50" charset="-127"/>
+                </a:rPr>
+                <a:t> 자율주행 시행 및 이를 통하여 시청각장애인을 도움</a:t>
+              </a:r>
+              <a:endParaRPr sz="1200" dirty="0">
+                <a:latin typeface="나눔고딕 Light" pitchFamily="50" charset="-127"/>
+              </a:endParaRPr>
+            </a:p>
+          </p:txBody>
+        </p:sp>
+        <p:grpSp>
+          <p:nvGrpSpPr>
+            <p:cNvPr id="31" name="Group 502"/>
+            <p:cNvGrpSpPr/>
+            <p:nvPr/>
+          </p:nvGrpSpPr>
+          <p:grpSpPr>
+            <a:xfrm>
+              <a:off x="43160" y="1967464"/>
+              <a:ext cx="4674923" cy="1"/>
+              <a:chOff x="0" y="0"/>
+              <a:chExt cx="4674922" cy="0"/>
+            </a:xfrm>
+          </p:grpSpPr>
+          <p:sp>
+            <p:nvSpPr>
+              <p:cNvPr id="32" name="Shape 500"/>
+              <p:cNvSpPr/>
+              <p:nvPr/>
+            </p:nvSpPr>
+            <p:spPr>
+              <a:xfrm>
+                <a:off x="0" y="0"/>
+                <a:ext cx="4674923" cy="0"/>
+              </a:xfrm>
+              <a:prstGeom prst="line">
+                <a:avLst/>
+              </a:prstGeom>
+              <a:noFill/>
+              <a:ln w="25400" cap="flat">
+                <a:solidFill>
+                  <a:srgbClr val="E5E5E5"/>
+                </a:solidFill>
+                <a:prstDash val="solid"/>
+                <a:miter lim="400000"/>
+              </a:ln>
+              <a:effectLst/>
+            </p:spPr>
+            <p:txBody>
+              <a:bodyPr wrap="square" lIns="38100" tIns="38100" rIns="38100" bIns="38100" numCol="1" anchor="ctr">
+                <a:noAutofit/>
+              </a:bodyPr>
+              <a:lstStyle/>
+              <a:p>
+                <a:pPr algn="ctr">
+                  <a:defRPr sz="3000">
+                    <a:solidFill>
+                      <a:srgbClr val="000000"/>
+                    </a:solidFill>
+                    <a:latin typeface="Helvetica Light"/>
+                    <a:ea typeface="Helvetica Light"/>
+                    <a:cs typeface="Helvetica Light"/>
+                    <a:sym typeface="Helvetica Light"/>
+                  </a:defRPr>
+                </a:pPr>
+                <a:endParaRPr/>
+              </a:p>
+            </p:txBody>
+          </p:sp>
+          <p:sp>
+            <p:nvSpPr>
+              <p:cNvPr id="33" name="Shape 501"/>
+              <p:cNvSpPr/>
+              <p:nvPr/>
+            </p:nvSpPr>
+            <p:spPr>
+              <a:xfrm>
+                <a:off x="12700" y="0"/>
+                <a:ext cx="942922" cy="0"/>
+              </a:xfrm>
+              <a:prstGeom prst="line">
+                <a:avLst/>
+              </a:prstGeom>
+              <a:noFill/>
+              <a:ln w="25400" cap="flat">
+                <a:solidFill>
+                  <a:srgbClr val="000000"/>
+                </a:solidFill>
+                <a:prstDash val="solid"/>
+                <a:miter lim="400000"/>
+              </a:ln>
+              <a:effectLst/>
+            </p:spPr>
+            <p:txBody>
+              <a:bodyPr wrap="square" lIns="38100" tIns="38100" rIns="38100" bIns="38100" numCol="1" anchor="ctr">
+                <a:noAutofit/>
+              </a:bodyPr>
+              <a:lstStyle/>
+              <a:p>
+                <a:pPr algn="ctr">
+                  <a:defRPr sz="3000">
+                    <a:solidFill>
+                      <a:srgbClr val="000000"/>
+                    </a:solidFill>
+                    <a:latin typeface="Helvetica Light"/>
+                    <a:ea typeface="Helvetica Light"/>
+                    <a:cs typeface="Helvetica Light"/>
+                    <a:sym typeface="Helvetica Light"/>
+                  </a:defRPr>
+                </a:pPr>
+                <a:endParaRPr/>
+              </a:p>
+            </p:txBody>
+          </p:sp>
+        </p:grpSp>
+      </p:grpSp>
+    </p:spTree>
+    <p:extLst>
+      <p:ext uri="{BB962C8B-B14F-4D97-AF65-F5344CB8AC3E}">
+        <p14:creationId xmlns:p14="http://schemas.microsoft.com/office/powerpoint/2010/main" val="3139234149"/>
+      </p:ext>
+    </p:extLst>
+  </p:cSld>
+  <p:clrMapOvr>
+    <a:masterClrMapping/>
+  </p:clrMapOvr>
+  <p:transition spd="slow">
+    <p:push dir="u"/>
+  </p:transition>
+  <p:timing>
+    <p:tnLst>
+      <p:par>
+        <p:cTn id="1" dur="indefinite" restart="never" nodeType="tmRoot"/>
+      </p:par>
+    </p:tnLst>
+  </p:timing>
+</p:sld>
+</file>
+
+<file path=ppt/slides/slide23.xml><?xml version="1.0" encoding="utf-8"?>
 <p:sld xmlns:a="http://schemas.openxmlformats.org/drawingml/2006/main" xmlns:r="http://schemas.openxmlformats.org/officeDocument/2006/relationships" xmlns:p="http://schemas.openxmlformats.org/presentationml/2006/main">
   <p:cSld>
     <p:spTree>
@@ -12073,11 +15776,11 @@
   <p:clrMapOvr>
     <a:masterClrMapping/>
   </p:clrMapOvr>
-  <mc:AlternateContent xmlns:mc="http://schemas.openxmlformats.org/markup-compatibility/2006">
-    <mc:Choice xmlns:p14="http://schemas.microsoft.com/office/powerpoint/2010/main" Requires="p14">
+  <mc:AlternateContent xmlns:mc="http://schemas.openxmlformats.org/markup-compatibility/2006" xmlns:p14="http://schemas.microsoft.com/office/powerpoint/2010/main">
+    <mc:Choice Requires="p14">
       <p:transition spd="slow" p14:dur="2000"/>
     </mc:Choice>
-    <mc:Fallback>
+    <mc:Fallback xmlns="">
       <p:transition spd="slow"/>
     </mc:Fallback>
   </mc:AlternateContent>
@@ -12091,19 +15794,9 @@
 </p:sld>
 </file>
 
-<file path=ppt/slides/slide2.xml><?xml version="1.0" encoding="utf-8"?>
+<file path=ppt/slides/slide24.xml><?xml version="1.0" encoding="utf-8"?>
 <p:sld xmlns:a="http://schemas.openxmlformats.org/drawingml/2006/main" xmlns:r="http://schemas.openxmlformats.org/officeDocument/2006/relationships" xmlns:p="http://schemas.openxmlformats.org/presentationml/2006/main">
   <p:cSld>
-    <p:bg>
-      <p:bgPr>
-        <a:solidFill>
-          <a:schemeClr val="bg1">
-            <a:lumMod val="95000"/>
-          </a:schemeClr>
-        </a:solidFill>
-        <a:effectLst/>
-      </p:bgPr>
-    </p:bg>
     <p:spTree>
       <p:nvGrpSpPr>
         <p:cNvPr id="1" name=""/>
@@ -12126,7 +15819,7 @@
         </p:nvSpPr>
         <p:spPr>
           <a:xfrm>
-            <a:off x="0" y="-16001"/>
+            <a:off x="0" y="0"/>
             <a:ext cx="1657350" cy="6238875"/>
           </a:xfrm>
           <a:prstGeom prst="rect">
@@ -12321,112 +16014,12 @@
                 <a:ea typeface="나눔스퀘어 Bold" panose="020B0600000101010101" pitchFamily="50" charset="-127"/>
                 <a:cs typeface="Calibri" panose="020F0502020204030204" pitchFamily="34" charset="0"/>
               </a:rPr>
-              <a:t>Motivation</a:t>
+              <a:t>Network Socket</a:t>
             </a:r>
             <a:endParaRPr lang="ru-RU" altLang="ko-KR" sz="2800" b="1" dirty="0">
               <a:latin typeface="나눔스퀘어 Bold" panose="020B0600000101010101" pitchFamily="50" charset="-127"/>
               <a:ea typeface="나눔스퀘어 Bold" panose="020B0600000101010101" pitchFamily="50" charset="-127"/>
               <a:cs typeface="Calibri" panose="020F0502020204030204" pitchFamily="34" charset="0"/>
-            </a:endParaRPr>
-          </a:p>
-        </p:txBody>
-      </p:sp>
-      <p:sp>
-        <p:nvSpPr>
-          <p:cNvPr id="10" name="Shape 388"/>
-          <p:cNvSpPr/>
-          <p:nvPr/>
-        </p:nvSpPr>
-        <p:spPr>
-          <a:xfrm>
-            <a:off x="2469103" y="2135723"/>
-            <a:ext cx="8951372" cy="3936831"/>
-          </a:xfrm>
-          <a:prstGeom prst="rect">
-            <a:avLst/>
-          </a:prstGeom>
-          <a:ln w="3175">
-            <a:miter lim="400000"/>
-          </a:ln>
-          <a:extLst>
-            <a:ext uri="{C572A759-6A51-4108-AA02-DFA0A04FC94B}">
-              <ma14:wrappingTextBoxFlag xmlns:ma14="http://schemas.microsoft.com/office/mac/drawingml/2011/main" xmlns="" val="1"/>
-            </a:ext>
-          </a:extLst>
-        </p:spPr>
-        <p:txBody>
-          <a:bodyPr lIns="38100" tIns="38100" rIns="38100" bIns="38100">
-            <a:normAutofit/>
-          </a:bodyPr>
-          <a:lstStyle/>
-          <a:p>
-            <a:pPr marL="285750" indent="-285750" fontAlgn="base">
-              <a:lnSpc>
-                <a:spcPct val="150000"/>
-              </a:lnSpc>
-              <a:buFontTx/>
-              <a:buChar char="-"/>
-            </a:pPr>
-            <a:r>
-              <a:rPr lang="en-US" altLang="ko-KR" dirty="0">
-                <a:latin typeface="나눔고딕 Light" panose="020D0904000000000000" pitchFamily="50" charset="-127"/>
-                <a:ea typeface="나눔고딕 Light" panose="020D0904000000000000" pitchFamily="50" charset="-127"/>
-              </a:rPr>
-              <a:t>Recently, many companies are developing self-driving cars. As this is a technology that is emerging these days, </a:t>
-            </a:r>
-            <a:r>
-              <a:rPr lang="en-US" altLang="ko-KR" dirty="0" smtClean="0">
-                <a:latin typeface="나눔고딕 Light" panose="020D0904000000000000" pitchFamily="50" charset="-127"/>
-                <a:ea typeface="나눔고딕 Light" panose="020D0904000000000000" pitchFamily="50" charset="-127"/>
-              </a:rPr>
-              <a:t>we think it </a:t>
-            </a:r>
-            <a:r>
-              <a:rPr lang="en-US" altLang="ko-KR" dirty="0">
-                <a:latin typeface="나눔고딕 Light" panose="020D0904000000000000" pitchFamily="50" charset="-127"/>
-                <a:ea typeface="나눔고딕 Light" panose="020D0904000000000000" pitchFamily="50" charset="-127"/>
-              </a:rPr>
-              <a:t>is </a:t>
-            </a:r>
-            <a:r>
-              <a:rPr lang="en-US" altLang="ko-KR" dirty="0" smtClean="0">
-                <a:latin typeface="나눔고딕 Light" panose="020D0904000000000000" pitchFamily="50" charset="-127"/>
-                <a:ea typeface="나눔고딕 Light" panose="020D0904000000000000" pitchFamily="50" charset="-127"/>
-              </a:rPr>
-              <a:t>worth considering to make products using the technology.</a:t>
-            </a:r>
-          </a:p>
-          <a:p>
-            <a:pPr marL="285750" indent="-285750" fontAlgn="base">
-              <a:lnSpc>
-                <a:spcPct val="150000"/>
-              </a:lnSpc>
-              <a:buFontTx/>
-              <a:buChar char="-"/>
-            </a:pPr>
-            <a:endParaRPr lang="en-US" altLang="ko-KR" dirty="0" smtClean="0">
-              <a:latin typeface="나눔고딕 Light" panose="020D0904000000000000" pitchFamily="50" charset="-127"/>
-              <a:ea typeface="나눔고딕 Light" panose="020D0904000000000000" pitchFamily="50" charset="-127"/>
-            </a:endParaRPr>
-          </a:p>
-          <a:p>
-            <a:pPr marL="285750" indent="-285750" fontAlgn="base">
-              <a:lnSpc>
-                <a:spcPct val="150000"/>
-              </a:lnSpc>
-              <a:buFontTx/>
-              <a:buChar char="-"/>
-            </a:pPr>
-            <a:r>
-              <a:rPr lang="en-US" altLang="ko-KR" dirty="0" smtClean="0">
-                <a:latin typeface="나눔고딕 Light" panose="020D0904000000000000" pitchFamily="50" charset="-127"/>
-                <a:ea typeface="나눔고딕 Light" panose="020D0904000000000000" pitchFamily="50" charset="-127"/>
-              </a:rPr>
-              <a:t>We had thought what I can make with self-driving technology, we finally decided to develop a technology that could help the handicapped.</a:t>
-            </a:r>
-            <a:endParaRPr lang="en-US" altLang="ko-KR" dirty="0" smtClean="0">
-              <a:latin typeface="나눔고딕 Light" panose="020D0904000000000000" pitchFamily="50" charset="-127"/>
-              <a:ea typeface="나눔고딕 Light" panose="020D0904000000000000" pitchFamily="50" charset="-127"/>
             </a:endParaRPr>
           </a:p>
         </p:txBody>
@@ -12439,7 +16032,7 @@
         </p:nvGrpSpPr>
         <p:grpSpPr>
           <a:xfrm>
-            <a:off x="2469103" y="1587290"/>
+            <a:off x="2331462" y="1656810"/>
             <a:ext cx="8675147" cy="127210"/>
             <a:chOff x="0" y="0"/>
             <a:chExt cx="11657498" cy="0"/>
@@ -12536,16 +16129,278 @@
           </p:txBody>
         </p:sp>
       </p:grpSp>
+      <p:sp>
+        <p:nvSpPr>
+          <p:cNvPr id="14" name="Shape 388"/>
+          <p:cNvSpPr/>
+          <p:nvPr/>
+        </p:nvSpPr>
+        <p:spPr>
+          <a:xfrm>
+            <a:off x="2469103" y="2135723"/>
+            <a:ext cx="8951372" cy="3936831"/>
+          </a:xfrm>
+          <a:prstGeom prst="rect">
+            <a:avLst/>
+          </a:prstGeom>
+          <a:ln w="3175">
+            <a:miter lim="400000"/>
+          </a:ln>
+          <a:extLst>
+            <a:ext uri="{C572A759-6A51-4108-AA02-DFA0A04FC94B}">
+              <ma14:wrappingTextBoxFlag xmlns="" xmlns:ma14="http://schemas.microsoft.com/office/mac/drawingml/2011/main" val="1"/>
+            </a:ext>
+          </a:extLst>
+        </p:spPr>
+        <p:txBody>
+          <a:bodyPr lIns="38100" tIns="38100" rIns="38100" bIns="38100">
+            <a:normAutofit/>
+          </a:bodyPr>
+          <a:lstStyle/>
+          <a:p>
+            <a:pPr marL="285750" indent="-285750" fontAlgn="base">
+              <a:lnSpc>
+                <a:spcPct val="150000"/>
+              </a:lnSpc>
+              <a:buFontTx/>
+              <a:buChar char="-"/>
+            </a:pPr>
+            <a:r>
+              <a:rPr lang="en-US" altLang="ko-KR" dirty="0" smtClean="0"/>
+              <a:t>An </a:t>
+            </a:r>
+            <a:r>
+              <a:rPr lang="ko-KR" altLang="ko-KR" dirty="0" err="1" smtClean="0"/>
+              <a:t>internal</a:t>
+            </a:r>
+            <a:r>
+              <a:rPr lang="ko-KR" altLang="ko-KR" dirty="0" smtClean="0"/>
+              <a:t> </a:t>
+            </a:r>
+            <a:r>
+              <a:rPr lang="ko-KR" altLang="ko-KR" dirty="0" err="1"/>
+              <a:t>endpoint</a:t>
+            </a:r>
+            <a:r>
+              <a:rPr lang="ko-KR" altLang="ko-KR" dirty="0"/>
+              <a:t> </a:t>
+            </a:r>
+            <a:r>
+              <a:rPr lang="ko-KR" altLang="ko-KR" dirty="0" err="1"/>
+              <a:t>for</a:t>
+            </a:r>
+            <a:r>
+              <a:rPr lang="ko-KR" altLang="ko-KR" dirty="0"/>
+              <a:t> </a:t>
+            </a:r>
+            <a:r>
+              <a:rPr lang="ko-KR" altLang="ko-KR" dirty="0" err="1"/>
+              <a:t>sending</a:t>
+            </a:r>
+            <a:r>
+              <a:rPr lang="ko-KR" altLang="ko-KR" dirty="0"/>
+              <a:t> </a:t>
+            </a:r>
+            <a:r>
+              <a:rPr lang="ko-KR" altLang="ko-KR" dirty="0" err="1"/>
+              <a:t>or</a:t>
+            </a:r>
+            <a:r>
+              <a:rPr lang="ko-KR" altLang="ko-KR" dirty="0"/>
+              <a:t> </a:t>
+            </a:r>
+            <a:r>
+              <a:rPr lang="ko-KR" altLang="ko-KR" dirty="0" err="1"/>
+              <a:t>receiving</a:t>
+            </a:r>
+            <a:r>
+              <a:rPr lang="ko-KR" altLang="ko-KR" dirty="0"/>
+              <a:t> </a:t>
+            </a:r>
+            <a:r>
+              <a:rPr lang="ko-KR" altLang="ko-KR" dirty="0" err="1"/>
+              <a:t>data</a:t>
+            </a:r>
+            <a:r>
+              <a:rPr lang="ko-KR" altLang="ko-KR" dirty="0"/>
+              <a:t> </a:t>
+            </a:r>
+            <a:r>
+              <a:rPr lang="ko-KR" altLang="ko-KR" dirty="0" err="1"/>
+              <a:t>within</a:t>
+            </a:r>
+            <a:r>
+              <a:rPr lang="ko-KR" altLang="ko-KR" dirty="0"/>
+              <a:t> </a:t>
+            </a:r>
+            <a:r>
+              <a:rPr lang="ko-KR" altLang="ko-KR" dirty="0" err="1"/>
+              <a:t>a</a:t>
+            </a:r>
+            <a:r>
+              <a:rPr lang="ko-KR" altLang="ko-KR" dirty="0"/>
+              <a:t> </a:t>
+            </a:r>
+            <a:r>
+              <a:rPr lang="ko-KR" altLang="ko-KR" dirty="0" err="1"/>
+              <a:t>node</a:t>
+            </a:r>
+            <a:r>
+              <a:rPr lang="ko-KR" altLang="ko-KR" dirty="0"/>
+              <a:t> </a:t>
+            </a:r>
+            <a:r>
+              <a:rPr lang="ko-KR" altLang="ko-KR" dirty="0" err="1"/>
+              <a:t>on</a:t>
+            </a:r>
+            <a:r>
+              <a:rPr lang="ko-KR" altLang="ko-KR" dirty="0"/>
+              <a:t> </a:t>
+            </a:r>
+            <a:r>
+              <a:rPr lang="ko-KR" altLang="ko-KR" dirty="0" err="1"/>
+              <a:t>a</a:t>
+            </a:r>
+            <a:r>
+              <a:rPr lang="ko-KR" altLang="ko-KR" dirty="0"/>
+              <a:t> </a:t>
+            </a:r>
+            <a:r>
+              <a:rPr lang="ko-KR" altLang="ko-KR" dirty="0" err="1"/>
+              <a:t>computer</a:t>
+            </a:r>
+            <a:r>
+              <a:rPr lang="ko-KR" altLang="ko-KR" dirty="0"/>
+              <a:t> </a:t>
+            </a:r>
+            <a:r>
+              <a:rPr lang="ko-KR" altLang="ko-KR" dirty="0" err="1" smtClean="0"/>
+              <a:t>network</a:t>
+            </a:r>
+            <a:endParaRPr lang="en-US" altLang="ko-KR" dirty="0" smtClean="0"/>
+          </a:p>
+          <a:p>
+            <a:pPr marL="285750" indent="-285750" fontAlgn="base">
+              <a:lnSpc>
+                <a:spcPct val="150000"/>
+              </a:lnSpc>
+              <a:buFontTx/>
+              <a:buChar char="-"/>
+            </a:pPr>
+            <a:endParaRPr lang="en-US" altLang="ko-KR" dirty="0">
+              <a:latin typeface="나눔고딕 Light" pitchFamily="50" charset="-127"/>
+              <a:ea typeface="나눔고딕 Light" pitchFamily="50" charset="-127"/>
+            </a:endParaRPr>
+          </a:p>
+          <a:p>
+            <a:pPr marL="285750" indent="-285750" fontAlgn="base">
+              <a:lnSpc>
+                <a:spcPct val="150000"/>
+              </a:lnSpc>
+              <a:buFontTx/>
+              <a:buChar char="-"/>
+            </a:pPr>
+            <a:r>
+              <a:rPr lang="ko-KR" altLang="ko-KR" dirty="0" err="1"/>
+              <a:t>Concretely</a:t>
+            </a:r>
+            <a:r>
+              <a:rPr lang="ko-KR" altLang="ko-KR" dirty="0"/>
+              <a:t>, </a:t>
+            </a:r>
+            <a:r>
+              <a:rPr lang="ko-KR" altLang="ko-KR" dirty="0" err="1"/>
+              <a:t>it</a:t>
+            </a:r>
+            <a:r>
+              <a:rPr lang="ko-KR" altLang="ko-KR" dirty="0"/>
+              <a:t> </a:t>
+            </a:r>
+            <a:r>
+              <a:rPr lang="ko-KR" altLang="ko-KR" dirty="0" err="1"/>
+              <a:t>is</a:t>
+            </a:r>
+            <a:r>
+              <a:rPr lang="ko-KR" altLang="ko-KR" dirty="0"/>
+              <a:t> </a:t>
+            </a:r>
+            <a:r>
+              <a:rPr lang="ko-KR" altLang="ko-KR" dirty="0" err="1"/>
+              <a:t>a</a:t>
+            </a:r>
+            <a:r>
+              <a:rPr lang="ko-KR" altLang="ko-KR" dirty="0"/>
+              <a:t> </a:t>
+            </a:r>
+            <a:r>
+              <a:rPr lang="ko-KR" altLang="ko-KR" dirty="0" err="1"/>
+              <a:t>representation</a:t>
+            </a:r>
+            <a:r>
+              <a:rPr lang="ko-KR" altLang="ko-KR" dirty="0"/>
+              <a:t> of </a:t>
+            </a:r>
+            <a:r>
+              <a:rPr lang="ko-KR" altLang="ko-KR" dirty="0" err="1"/>
+              <a:t>this</a:t>
+            </a:r>
+            <a:r>
+              <a:rPr lang="ko-KR" altLang="ko-KR" dirty="0"/>
+              <a:t> </a:t>
+            </a:r>
+            <a:r>
+              <a:rPr lang="ko-KR" altLang="ko-KR" dirty="0" err="1"/>
+              <a:t>endpoint</a:t>
+            </a:r>
+            <a:r>
+              <a:rPr lang="ko-KR" altLang="ko-KR" dirty="0"/>
+              <a:t> </a:t>
+            </a:r>
+            <a:r>
+              <a:rPr lang="ko-KR" altLang="ko-KR" dirty="0" err="1"/>
+              <a:t>in</a:t>
+            </a:r>
+            <a:r>
+              <a:rPr lang="ko-KR" altLang="ko-KR" dirty="0"/>
+              <a:t> </a:t>
+            </a:r>
+            <a:r>
+              <a:rPr lang="ko-KR" altLang="ko-KR" dirty="0" err="1"/>
+              <a:t>networking</a:t>
+            </a:r>
+            <a:r>
+              <a:rPr lang="ko-KR" altLang="ko-KR" dirty="0"/>
+              <a:t> </a:t>
+            </a:r>
+            <a:r>
+              <a:rPr lang="ko-KR" altLang="ko-KR" dirty="0" err="1"/>
+              <a:t>software</a:t>
+            </a:r>
+            <a:endParaRPr lang="ko-KR" altLang="en-US" dirty="0" smtClean="0">
+              <a:latin typeface="나눔고딕 Light" pitchFamily="50" charset="-127"/>
+              <a:ea typeface="나눔고딕 Light" pitchFamily="50" charset="-127"/>
+            </a:endParaRPr>
+          </a:p>
+        </p:txBody>
+      </p:sp>
     </p:spTree>
     <p:extLst>
       <p:ext uri="{BB962C8B-B14F-4D97-AF65-F5344CB8AC3E}">
-        <p14:creationId xmlns:p14="http://schemas.microsoft.com/office/powerpoint/2010/main" val="656902497"/>
+        <p14:creationId xmlns:p14="http://schemas.microsoft.com/office/powerpoint/2010/main" val="2964508763"/>
       </p:ext>
     </p:extLst>
   </p:cSld>
   <p:clrMapOvr>
     <a:masterClrMapping/>
   </p:clrMapOvr>
+  <mc:AlternateContent xmlns:mc="http://schemas.openxmlformats.org/markup-compatibility/2006" xmlns:p14="http://schemas.microsoft.com/office/powerpoint/2010/main">
+    <mc:Choice Requires="p14">
+      <p:transition spd="slow" p14:dur="2000"/>
+    </mc:Choice>
+    <mc:Fallback xmlns="">
+      <p:transition spd="slow"/>
+    </mc:Fallback>
+  </mc:AlternateContent>
   <p:timing>
     <p:tnLst>
       <p:par>
@@ -12556,7 +16411,7 @@
 </p:sld>
 </file>
 
-<file path=ppt/slides/slide20.xml><?xml version="1.0" encoding="utf-8"?>
+<file path=ppt/slides/slide25.xml><?xml version="1.0" encoding="utf-8"?>
 <p:sld xmlns:a="http://schemas.openxmlformats.org/drawingml/2006/main" xmlns:r="http://schemas.openxmlformats.org/officeDocument/2006/relationships" xmlns:p="http://schemas.openxmlformats.org/presentationml/2006/main">
   <p:cSld>
     <p:bg>
@@ -12920,7 +16775,7 @@
           </a:ln>
           <a:extLst>
             <a:ext uri="{C572A759-6A51-4108-AA02-DFA0A04FC94B}">
-              <ma14:wrappingTextBoxFlag xmlns:ma14="http://schemas.microsoft.com/office/mac/drawingml/2011/main" xmlns="" val="1"/>
+              <ma14:wrappingTextBoxFlag xmlns="" xmlns:ma14="http://schemas.microsoft.com/office/mac/drawingml/2011/main" val="1"/>
             </a:ext>
           </a:extLst>
         </p:spPr>
@@ -13080,7 +16935,7 @@
 </p:sld>
 </file>
 
-<file path=ppt/slides/slide21.xml><?xml version="1.0" encoding="utf-8"?>
+<file path=ppt/slides/slide26.xml><?xml version="1.0" encoding="utf-8"?>
 <p:sld xmlns:a="http://schemas.openxmlformats.org/drawingml/2006/main" xmlns:r="http://schemas.openxmlformats.org/officeDocument/2006/relationships" xmlns:p="http://schemas.openxmlformats.org/presentationml/2006/main">
   <p:cSld>
     <p:bg>
@@ -13166,8 +17021,8 @@
         </p:nvSpPr>
         <p:spPr bwMode="auto">
           <a:xfrm>
-            <a:off x="2406377" y="608585"/>
-            <a:ext cx="4352674" cy="676532"/>
+            <a:off x="2406376" y="608585"/>
+            <a:ext cx="4843509" cy="738664"/>
           </a:xfrm>
           <a:prstGeom prst="rect">
             <a:avLst/>
@@ -13310,7 +17165,7 @@
                 <a:ea typeface="나눔스퀘어 Bold" panose="020B0600000101010101" pitchFamily="50" charset="-127"/>
                 <a:cs typeface="Calibri" panose="020F0502020204030204" pitchFamily="34" charset="0"/>
               </a:rPr>
-              <a:t>Development method</a:t>
+              <a:t>Method of the Development</a:t>
             </a:r>
             <a:endParaRPr lang="ru-RU" altLang="ko-KR" sz="2800" b="1" dirty="0">
               <a:latin typeface="나눔스퀘어 Bold" panose="020B0600000101010101" pitchFamily="50" charset="-127"/>
@@ -13444,7 +17299,7 @@
           </a:ln>
           <a:extLst>
             <a:ext uri="{C572A759-6A51-4108-AA02-DFA0A04FC94B}">
-              <ma14:wrappingTextBoxFlag xmlns:ma14="http://schemas.microsoft.com/office/mac/drawingml/2011/main" xmlns="" val="1"/>
+              <ma14:wrappingTextBoxFlag xmlns="" xmlns:ma14="http://schemas.microsoft.com/office/mac/drawingml/2011/main" val="1"/>
             </a:ext>
           </a:extLst>
         </p:spPr>
@@ -13576,7 +17431,7 @@
 </p:sld>
 </file>
 
-<file path=ppt/slides/slide22.xml><?xml version="1.0" encoding="utf-8"?>
+<file path=ppt/slides/slide27.xml><?xml version="1.0" encoding="utf-8"?>
 <p:sld xmlns:a="http://schemas.openxmlformats.org/drawingml/2006/main" xmlns:r="http://schemas.openxmlformats.org/officeDocument/2006/relationships" xmlns:p="http://schemas.openxmlformats.org/presentationml/2006/main">
   <p:cSld>
     <p:bg>
@@ -13940,7 +17795,7 @@
           </a:ln>
           <a:extLst>
             <a:ext uri="{C572A759-6A51-4108-AA02-DFA0A04FC94B}">
-              <ma14:wrappingTextBoxFlag xmlns:ma14="http://schemas.microsoft.com/office/mac/drawingml/2011/main" xmlns="" val="1"/>
+              <ma14:wrappingTextBoxFlag xmlns="" xmlns:ma14="http://schemas.microsoft.com/office/mac/drawingml/2011/main" val="1"/>
             </a:ext>
           </a:extLst>
         </p:spPr>
@@ -14100,7 +17955,7 @@
 </p:sld>
 </file>
 
-<file path=ppt/slides/slide23.xml><?xml version="1.0" encoding="utf-8"?>
+<file path=ppt/slides/slide28.xml><?xml version="1.0" encoding="utf-8"?>
 <p:sld xmlns:a="http://schemas.openxmlformats.org/drawingml/2006/main" xmlns:r="http://schemas.openxmlformats.org/officeDocument/2006/relationships" xmlns:p="http://schemas.openxmlformats.org/presentationml/2006/main">
   <p:cSld>
     <p:bg>
@@ -14464,7 +18319,7 @@
           </a:ln>
           <a:extLst>
             <a:ext uri="{C572A759-6A51-4108-AA02-DFA0A04FC94B}">
-              <ma14:wrappingTextBoxFlag xmlns:ma14="http://schemas.microsoft.com/office/mac/drawingml/2011/main" xmlns="" val="1"/>
+              <ma14:wrappingTextBoxFlag xmlns="" xmlns:ma14="http://schemas.microsoft.com/office/mac/drawingml/2011/main" val="1"/>
             </a:ext>
           </a:extLst>
         </p:spPr>
@@ -14604,3298 +18459,7 @@
 </p:sld>
 </file>
 
-<file path=ppt/slides/slide24.xml><?xml version="1.0" encoding="utf-8"?>
-<p:sld xmlns:a="http://schemas.openxmlformats.org/drawingml/2006/main" xmlns:r="http://schemas.openxmlformats.org/officeDocument/2006/relationships" xmlns:p="http://schemas.openxmlformats.org/presentationml/2006/main">
-  <p:cSld>
-    <p:spTree>
-      <p:nvGrpSpPr>
-        <p:cNvPr id="1" name=""/>
-        <p:cNvGrpSpPr/>
-        <p:nvPr/>
-      </p:nvGrpSpPr>
-      <p:grpSpPr>
-        <a:xfrm>
-          <a:off x="0" y="0"/>
-          <a:ext cx="0" cy="0"/>
-          <a:chOff x="0" y="0"/>
-          <a:chExt cx="0" cy="0"/>
-        </a:xfrm>
-      </p:grpSpPr>
-      <p:sp>
-        <p:nvSpPr>
-          <p:cNvPr id="8" name="직사각형 7"/>
-          <p:cNvSpPr/>
-          <p:nvPr/>
-        </p:nvSpPr>
-        <p:spPr>
-          <a:xfrm>
-            <a:off x="706804" y="2409825"/>
-            <a:ext cx="2236421" cy="76200"/>
-          </a:xfrm>
-          <a:prstGeom prst="rect">
-            <a:avLst/>
-          </a:prstGeom>
-          <a:solidFill>
-            <a:srgbClr val="EDD0BE"/>
-          </a:solidFill>
-          <a:ln>
-            <a:noFill/>
-          </a:ln>
-        </p:spPr>
-        <p:style>
-          <a:lnRef idx="2">
-            <a:schemeClr val="accent1">
-              <a:shade val="50000"/>
-            </a:schemeClr>
-          </a:lnRef>
-          <a:fillRef idx="1">
-            <a:schemeClr val="accent1"/>
-          </a:fillRef>
-          <a:effectRef idx="0">
-            <a:schemeClr val="accent1"/>
-          </a:effectRef>
-          <a:fontRef idx="minor">
-            <a:schemeClr val="lt1"/>
-          </a:fontRef>
-        </p:style>
-        <p:txBody>
-          <a:bodyPr rtlCol="0" anchor="ctr"/>
-          <a:lstStyle/>
-          <a:p>
-            <a:pPr algn="ctr"/>
-            <a:endParaRPr lang="ko-KR" altLang="en-US" baseline="-25000" dirty="0">
-              <a:latin typeface="나눔고딕 Light" pitchFamily="50" charset="-127"/>
-              <a:ea typeface="나눔고딕 Light" pitchFamily="50" charset="-127"/>
-            </a:endParaRPr>
-          </a:p>
-        </p:txBody>
-      </p:sp>
-      <p:sp>
-        <p:nvSpPr>
-          <p:cNvPr id="7" name="TextBox 7"/>
-          <p:cNvSpPr txBox="1">
-            <a:spLocks noChangeArrowheads="1"/>
-          </p:cNvSpPr>
-          <p:nvPr/>
-        </p:nvSpPr>
-        <p:spPr bwMode="auto">
-          <a:xfrm>
-            <a:off x="573454" y="469860"/>
-            <a:ext cx="4714624" cy="2308324"/>
-          </a:xfrm>
-          <a:prstGeom prst="rect">
-            <a:avLst/>
-          </a:prstGeom>
-          <a:noFill/>
-          <a:ln>
-            <a:noFill/>
-          </a:ln>
-          <a:extLst>
-            <a:ext uri="{909E8E84-426E-40DD-AFC4-6F175D3DCCD1}">
-              <a14:hiddenFill xmlns:a14="http://schemas.microsoft.com/office/drawing/2010/main">
-                <a:solidFill>
-                  <a:srgbClr val="FFFFFF"/>
-                </a:solidFill>
-              </a14:hiddenFill>
-            </a:ext>
-            <a:ext uri="{91240B29-F687-4F45-9708-019B960494DF}">
-              <a14:hiddenLine xmlns:a14="http://schemas.microsoft.com/office/drawing/2010/main" w="9525">
-                <a:solidFill>
-                  <a:srgbClr val="000000"/>
-                </a:solidFill>
-                <a:miter lim="800000"/>
-                <a:headEnd/>
-                <a:tailEnd/>
-              </a14:hiddenLine>
-            </a:ext>
-          </a:extLst>
-        </p:spPr>
-        <p:txBody>
-          <a:bodyPr wrap="square">
-            <a:spAutoFit/>
-          </a:bodyPr>
-          <a:lstStyle>
-            <a:lvl1pPr>
-              <a:defRPr sz="3600">
-                <a:solidFill>
-                  <a:schemeClr val="tx1"/>
-                </a:solidFill>
-                <a:latin typeface="Lato Light" pitchFamily="34" charset="0"/>
-              </a:defRPr>
-            </a:lvl1pPr>
-            <a:lvl2pPr marL="742950" indent="-285750">
-              <a:defRPr sz="3600">
-                <a:solidFill>
-                  <a:schemeClr val="tx1"/>
-                </a:solidFill>
-                <a:latin typeface="Lato Light" pitchFamily="34" charset="0"/>
-              </a:defRPr>
-            </a:lvl2pPr>
-            <a:lvl3pPr marL="1143000" indent="-228600">
-              <a:defRPr sz="3600">
-                <a:solidFill>
-                  <a:schemeClr val="tx1"/>
-                </a:solidFill>
-                <a:latin typeface="Lato Light" pitchFamily="34" charset="0"/>
-              </a:defRPr>
-            </a:lvl3pPr>
-            <a:lvl4pPr marL="1600200" indent="-228600">
-              <a:defRPr sz="3600">
-                <a:solidFill>
-                  <a:schemeClr val="tx1"/>
-                </a:solidFill>
-                <a:latin typeface="Lato Light" pitchFamily="34" charset="0"/>
-              </a:defRPr>
-            </a:lvl4pPr>
-            <a:lvl5pPr marL="2057400" indent="-228600">
-              <a:defRPr sz="3600">
-                <a:solidFill>
-                  <a:schemeClr val="tx1"/>
-                </a:solidFill>
-                <a:latin typeface="Lato Light" pitchFamily="34" charset="0"/>
-              </a:defRPr>
-            </a:lvl5pPr>
-            <a:lvl6pPr marL="2514600" indent="-228600" defTabSz="1827213" fontAlgn="base">
-              <a:spcBef>
-                <a:spcPct val="0"/>
-              </a:spcBef>
-              <a:spcAft>
-                <a:spcPct val="0"/>
-              </a:spcAft>
-              <a:defRPr sz="3600">
-                <a:solidFill>
-                  <a:schemeClr val="tx1"/>
-                </a:solidFill>
-                <a:latin typeface="Lato Light" pitchFamily="34" charset="0"/>
-              </a:defRPr>
-            </a:lvl6pPr>
-            <a:lvl7pPr marL="2971800" indent="-228600" defTabSz="1827213" fontAlgn="base">
-              <a:spcBef>
-                <a:spcPct val="0"/>
-              </a:spcBef>
-              <a:spcAft>
-                <a:spcPct val="0"/>
-              </a:spcAft>
-              <a:defRPr sz="3600">
-                <a:solidFill>
-                  <a:schemeClr val="tx1"/>
-                </a:solidFill>
-                <a:latin typeface="Lato Light" pitchFamily="34" charset="0"/>
-              </a:defRPr>
-            </a:lvl7pPr>
-            <a:lvl8pPr marL="3429000" indent="-228600" defTabSz="1827213" fontAlgn="base">
-              <a:spcBef>
-                <a:spcPct val="0"/>
-              </a:spcBef>
-              <a:spcAft>
-                <a:spcPct val="0"/>
-              </a:spcAft>
-              <a:defRPr sz="3600">
-                <a:solidFill>
-                  <a:schemeClr val="tx1"/>
-                </a:solidFill>
-                <a:latin typeface="Lato Light" pitchFamily="34" charset="0"/>
-              </a:defRPr>
-            </a:lvl8pPr>
-            <a:lvl9pPr marL="3886200" indent="-228600" defTabSz="1827213" fontAlgn="base">
-              <a:spcBef>
-                <a:spcPct val="0"/>
-              </a:spcBef>
-              <a:spcAft>
-                <a:spcPct val="0"/>
-              </a:spcAft>
-              <a:defRPr sz="3600">
-                <a:solidFill>
-                  <a:schemeClr val="tx1"/>
-                </a:solidFill>
-                <a:latin typeface="Lato Light" pitchFamily="34" charset="0"/>
-              </a:defRPr>
-            </a:lvl9pPr>
-          </a:lstStyle>
-          <a:p>
-            <a:pPr eaLnBrk="1" hangingPunct="1"/>
-            <a:r>
-              <a:rPr lang="en-US" altLang="ko-KR" b="1" spc="300" dirty="0" smtClean="0">
-                <a:latin typeface="나눔스퀘어 Bold" panose="020B0600000101010101" pitchFamily="50" charset="-127"/>
-                <a:ea typeface="나눔스퀘어 Bold" panose="020B0600000101010101" pitchFamily="50" charset="-127"/>
-                <a:cs typeface="Calibri" panose="020F0502020204030204" pitchFamily="34" charset="0"/>
-              </a:rPr>
-              <a:t>PROCESS</a:t>
-            </a:r>
-          </a:p>
-          <a:p>
-            <a:pPr eaLnBrk="1" hangingPunct="1"/>
-            <a:r>
-              <a:rPr lang="en-US" altLang="ko-KR" b="1" spc="300" dirty="0" smtClean="0">
-                <a:latin typeface="나눔스퀘어 Bold" panose="020B0600000101010101" pitchFamily="50" charset="-127"/>
-                <a:ea typeface="나눔스퀘어 Bold" panose="020B0600000101010101" pitchFamily="50" charset="-127"/>
-                <a:cs typeface="Calibri" panose="020F0502020204030204" pitchFamily="34" charset="0"/>
-              </a:rPr>
-              <a:t>OF</a:t>
-            </a:r>
-            <a:br>
-              <a:rPr lang="en-US" altLang="ko-KR" b="1" spc="300" dirty="0" smtClean="0">
-                <a:latin typeface="나눔스퀘어 Bold" panose="020B0600000101010101" pitchFamily="50" charset="-127"/>
-                <a:ea typeface="나눔스퀘어 Bold" panose="020B0600000101010101" pitchFamily="50" charset="-127"/>
-                <a:cs typeface="Calibri" panose="020F0502020204030204" pitchFamily="34" charset="0"/>
-              </a:rPr>
-            </a:br>
-            <a:r>
-              <a:rPr lang="en-US" altLang="ko-KR" b="1" spc="300" dirty="0" smtClean="0">
-                <a:latin typeface="나눔스퀘어 Bold" panose="020B0600000101010101" pitchFamily="50" charset="-127"/>
-                <a:ea typeface="나눔스퀘어 Bold" panose="020B0600000101010101" pitchFamily="50" charset="-127"/>
-                <a:cs typeface="Calibri" panose="020F0502020204030204" pitchFamily="34" charset="0"/>
-              </a:rPr>
-              <a:t>OUR </a:t>
-            </a:r>
-          </a:p>
-          <a:p>
-            <a:pPr eaLnBrk="1" hangingPunct="1"/>
-            <a:r>
-              <a:rPr lang="en-US" altLang="ko-KR" b="1" spc="300" dirty="0" smtClean="0">
-                <a:latin typeface="나눔스퀘어 Bold" panose="020B0600000101010101" pitchFamily="50" charset="-127"/>
-                <a:ea typeface="나눔스퀘어 Bold" panose="020B0600000101010101" pitchFamily="50" charset="-127"/>
-                <a:cs typeface="Calibri" panose="020F0502020204030204" pitchFamily="34" charset="0"/>
-              </a:rPr>
-              <a:t>PROJECT</a:t>
-            </a:r>
-            <a:endParaRPr lang="ru-RU" altLang="ko-KR" b="1" spc="300" dirty="0">
-              <a:latin typeface="나눔스퀘어 Bold" panose="020B0600000101010101" pitchFamily="50" charset="-127"/>
-              <a:ea typeface="나눔스퀘어 Bold" panose="020B0600000101010101" pitchFamily="50" charset="-127"/>
-              <a:cs typeface="Calibri" panose="020F0502020204030204" pitchFamily="34" charset="0"/>
-            </a:endParaRPr>
-          </a:p>
-        </p:txBody>
-      </p:sp>
-      <p:grpSp>
-        <p:nvGrpSpPr>
-          <p:cNvPr id="12" name="Group 508"/>
-          <p:cNvGrpSpPr/>
-          <p:nvPr/>
-        </p:nvGrpSpPr>
-        <p:grpSpPr>
-          <a:xfrm>
-            <a:off x="5078304" y="2454716"/>
-            <a:ext cx="1666065" cy="5041459"/>
-            <a:chOff x="-240163" y="-282677"/>
-            <a:chExt cx="2128090" cy="6439536"/>
-          </a:xfrm>
-        </p:grpSpPr>
-        <p:sp>
-          <p:nvSpPr>
-            <p:cNvPr id="13" name="Shape 505"/>
-            <p:cNvSpPr/>
-            <p:nvPr/>
-          </p:nvSpPr>
-          <p:spPr>
-            <a:xfrm>
-              <a:off x="835970" y="701882"/>
-              <a:ext cx="0" cy="5454977"/>
-            </a:xfrm>
-            <a:prstGeom prst="line">
-              <a:avLst/>
-            </a:prstGeom>
-            <a:noFill/>
-            <a:ln w="25400" cap="flat">
-              <a:solidFill>
-                <a:srgbClr val="565656"/>
-              </a:solidFill>
-              <a:prstDash val="solid"/>
-              <a:miter lim="400000"/>
-            </a:ln>
-            <a:effectLst/>
-          </p:spPr>
-          <p:txBody>
-            <a:bodyPr wrap="square" lIns="38100" tIns="38100" rIns="38100" bIns="38100" numCol="1" anchor="ctr">
-              <a:noAutofit/>
-            </a:bodyPr>
-            <a:lstStyle/>
-            <a:p>
-              <a:pPr algn="ctr">
-                <a:defRPr sz="3000">
-                  <a:solidFill>
-                    <a:srgbClr val="000000"/>
-                  </a:solidFill>
-                  <a:latin typeface="Helvetica Light"/>
-                  <a:ea typeface="Helvetica Light"/>
-                  <a:cs typeface="Helvetica Light"/>
-                  <a:sym typeface="Helvetica Light"/>
-                </a:defRPr>
-              </a:pPr>
-              <a:endParaRPr/>
-            </a:p>
-          </p:txBody>
-        </p:sp>
-        <p:sp>
-          <p:nvSpPr>
-            <p:cNvPr id="14" name="Shape 506"/>
-            <p:cNvSpPr/>
-            <p:nvPr/>
-          </p:nvSpPr>
-          <p:spPr>
-            <a:xfrm>
-              <a:off x="-240163" y="-282677"/>
-              <a:ext cx="2128090" cy="2107020"/>
-            </a:xfrm>
-            <a:prstGeom prst="ellipse">
-              <a:avLst/>
-            </a:prstGeom>
-            <a:solidFill>
-              <a:srgbClr val="565656"/>
-            </a:solidFill>
-            <a:ln w="3175" cap="flat">
-              <a:noFill/>
-              <a:miter lim="400000"/>
-            </a:ln>
-            <a:effectLst/>
-          </p:spPr>
-          <p:txBody>
-            <a:bodyPr wrap="square" lIns="38100" tIns="38100" rIns="38100" bIns="38100" numCol="1" anchor="ctr">
-              <a:noAutofit/>
-            </a:bodyPr>
-            <a:lstStyle/>
-            <a:p>
-              <a:pPr algn="ctr">
-                <a:defRPr sz="3000">
-                  <a:solidFill>
-                    <a:srgbClr val="FFFFFF"/>
-                  </a:solidFill>
-                  <a:latin typeface="Helvetica Light"/>
-                  <a:ea typeface="Helvetica Light"/>
-                  <a:cs typeface="Helvetica Light"/>
-                  <a:sym typeface="Helvetica Light"/>
-                </a:defRPr>
-              </a:pPr>
-              <a:endParaRPr/>
-            </a:p>
-          </p:txBody>
-        </p:sp>
-        <p:sp>
-          <p:nvSpPr>
-            <p:cNvPr id="15" name="Shape 507"/>
-            <p:cNvSpPr/>
-            <p:nvPr/>
-          </p:nvSpPr>
-          <p:spPr>
-            <a:xfrm>
-              <a:off x="147712" y="485815"/>
-              <a:ext cx="1352339" cy="570035"/>
-            </a:xfrm>
-            <a:prstGeom prst="rect">
-              <a:avLst/>
-            </a:prstGeom>
-            <a:noFill/>
-            <a:ln w="3175" cap="flat">
-              <a:noFill/>
-              <a:miter lim="400000"/>
-            </a:ln>
-            <a:effectLst/>
-            <a:extLst>
-              <a:ext uri="{C572A759-6A51-4108-AA02-DFA0A04FC94B}">
-                <ma14:wrappingTextBoxFlag xmlns:ma14="http://schemas.microsoft.com/office/mac/drawingml/2011/main" xmlns="" val="1"/>
-              </a:ext>
-            </a:extLst>
-          </p:spPr>
-          <p:txBody>
-            <a:bodyPr wrap="square" lIns="38100" tIns="38100" rIns="38100" bIns="38100" numCol="1" anchor="ctr">
-              <a:spAutoFit/>
-            </a:bodyPr>
-            <a:lstStyle>
-              <a:lvl1pPr algn="ctr">
-                <a:defRPr sz="3000">
-                  <a:solidFill>
-                    <a:srgbClr val="FFFFFF"/>
-                  </a:solidFill>
-                  <a:latin typeface="Roboto Slab Regular"/>
-                  <a:ea typeface="Roboto Slab Regular"/>
-                  <a:cs typeface="Roboto Slab Regular"/>
-                  <a:sym typeface="Roboto Slab Regular"/>
-                </a:defRPr>
-              </a:lvl1pPr>
-            </a:lstStyle>
-            <a:p>
-              <a:r>
-                <a:rPr lang="en-US" sz="2400" dirty="0" smtClean="0">
-                  <a:latin typeface="나눔스퀘어 Bold" panose="020B0600000101010101" pitchFamily="50" charset="-127"/>
-                  <a:ea typeface="나눔스퀘어 Bold" panose="020B0600000101010101" pitchFamily="50" charset="-127"/>
-                </a:rPr>
-                <a:t>START</a:t>
-              </a:r>
-              <a:endParaRPr sz="2400" dirty="0">
-                <a:latin typeface="나눔스퀘어 Bold" panose="020B0600000101010101" pitchFamily="50" charset="-127"/>
-                <a:ea typeface="나눔스퀘어 Bold" panose="020B0600000101010101" pitchFamily="50" charset="-127"/>
-              </a:endParaRPr>
-            </a:p>
-          </p:txBody>
-        </p:sp>
-      </p:grpSp>
-      <p:grpSp>
-        <p:nvGrpSpPr>
-          <p:cNvPr id="16" name="Group 503"/>
-          <p:cNvGrpSpPr/>
-          <p:nvPr/>
-        </p:nvGrpSpPr>
-        <p:grpSpPr>
-          <a:xfrm>
-            <a:off x="8266862" y="2614015"/>
-            <a:ext cx="2530695" cy="1959239"/>
-            <a:chOff x="0" y="879100"/>
-            <a:chExt cx="5206950" cy="4031169"/>
-          </a:xfrm>
-        </p:grpSpPr>
-        <p:sp>
-          <p:nvSpPr>
-            <p:cNvPr id="17" name="Shape 498"/>
-            <p:cNvSpPr/>
-            <p:nvPr/>
-          </p:nvSpPr>
-          <p:spPr>
-            <a:xfrm>
-              <a:off x="0" y="879100"/>
-              <a:ext cx="5206950" cy="873112"/>
-            </a:xfrm>
-            <a:prstGeom prst="rect">
-              <a:avLst/>
-            </a:prstGeom>
-            <a:noFill/>
-            <a:ln w="3175" cap="flat">
-              <a:noFill/>
-              <a:miter lim="400000"/>
-            </a:ln>
-            <a:effectLst/>
-            <a:extLst>
-              <a:ext uri="{C572A759-6A51-4108-AA02-DFA0A04FC94B}">
-                <ma14:wrappingTextBoxFlag xmlns:ma14="http://schemas.microsoft.com/office/mac/drawingml/2011/main" xmlns="" val="1"/>
-              </a:ext>
-            </a:extLst>
-          </p:spPr>
-          <p:txBody>
-            <a:bodyPr wrap="square" lIns="38100" tIns="38100" rIns="38100" bIns="38100" numCol="1" anchor="t">
-              <a:normAutofit/>
-            </a:bodyPr>
-            <a:lstStyle>
-              <a:lvl1pPr algn="l">
-                <a:defRPr sz="4500">
-                  <a:solidFill>
-                    <a:srgbClr val="000000"/>
-                  </a:solidFill>
-                  <a:latin typeface="Roboto Slab Regular"/>
-                  <a:ea typeface="Roboto Slab Regular"/>
-                  <a:cs typeface="Roboto Slab Regular"/>
-                  <a:sym typeface="Roboto Slab Regular"/>
-                </a:defRPr>
-              </a:lvl1pPr>
-            </a:lstStyle>
-            <a:p>
-              <a:r>
-                <a:rPr lang="ko-KR" altLang="en-US" sz="2000" dirty="0" smtClean="0">
-                  <a:latin typeface="나눔스퀘어 Bold" panose="020B0600000101010101" pitchFamily="50" charset="-127"/>
-                  <a:ea typeface="나눔스퀘어 Bold" panose="020B0600000101010101" pitchFamily="50" charset="-127"/>
-                </a:rPr>
-                <a:t>도우미 로봇은</a:t>
-              </a:r>
-              <a:r>
-                <a:rPr lang="en-US" altLang="ko-KR" sz="2000" dirty="0" smtClean="0">
-                  <a:latin typeface="나눔스퀘어 Bold" panose="020B0600000101010101" pitchFamily="50" charset="-127"/>
-                  <a:ea typeface="나눔스퀘어 Bold" panose="020B0600000101010101" pitchFamily="50" charset="-127"/>
-                </a:rPr>
-                <a:t>..</a:t>
-              </a:r>
-              <a:endParaRPr sz="2000" dirty="0">
-                <a:latin typeface="나눔스퀘어 Bold" panose="020B0600000101010101" pitchFamily="50" charset="-127"/>
-                <a:ea typeface="나눔스퀘어 Bold" panose="020B0600000101010101" pitchFamily="50" charset="-127"/>
-              </a:endParaRPr>
-            </a:p>
-          </p:txBody>
-        </p:sp>
-        <p:sp>
-          <p:nvSpPr>
-            <p:cNvPr id="18" name="Shape 499"/>
-            <p:cNvSpPr/>
-            <p:nvPr/>
-          </p:nvSpPr>
-          <p:spPr>
-            <a:xfrm>
-              <a:off x="0" y="2410070"/>
-              <a:ext cx="5057971" cy="2500199"/>
-            </a:xfrm>
-            <a:prstGeom prst="rect">
-              <a:avLst/>
-            </a:prstGeom>
-            <a:noFill/>
-            <a:ln w="3175" cap="flat">
-              <a:noFill/>
-              <a:miter lim="400000"/>
-            </a:ln>
-            <a:effectLst/>
-            <a:extLst>
-              <a:ext uri="{C572A759-6A51-4108-AA02-DFA0A04FC94B}">
-                <ma14:wrappingTextBoxFlag xmlns:ma14="http://schemas.microsoft.com/office/mac/drawingml/2011/main" xmlns="" val="1"/>
-              </a:ext>
-            </a:extLst>
-          </p:spPr>
-          <p:txBody>
-            <a:bodyPr wrap="square" lIns="38100" tIns="38100" rIns="38100" bIns="38100" numCol="1" anchor="t">
-              <a:normAutofit/>
-            </a:bodyPr>
-            <a:lstStyle/>
-            <a:p>
-              <a:pPr>
-                <a:lnSpc>
-                  <a:spcPct val="150000"/>
-                </a:lnSpc>
-              </a:pPr>
-              <a:r>
-                <a:rPr lang="ko-KR" altLang="en-US" sz="1200" dirty="0" smtClean="0">
-                  <a:latin typeface="나눔고딕 Light" pitchFamily="50" charset="-127"/>
-                  <a:ea typeface="나눔고딕 Light" pitchFamily="50" charset="-127"/>
-                </a:rPr>
-                <a:t>시청각장애인들의 보행에 도움을 주는 자율주행 로봇이다</a:t>
-              </a:r>
-              <a:r>
-                <a:rPr lang="en-US" altLang="ko-KR" sz="1200" dirty="0" smtClean="0">
-                  <a:latin typeface="나눔고딕 Light" pitchFamily="50" charset="-127"/>
-                  <a:ea typeface="나눔고딕 Light" pitchFamily="50" charset="-127"/>
-                </a:rPr>
-                <a:t>.</a:t>
-              </a:r>
-              <a:endParaRPr sz="1200" dirty="0">
-                <a:latin typeface="나눔고딕 Light" pitchFamily="50" charset="-127"/>
-              </a:endParaRPr>
-            </a:p>
-          </p:txBody>
-        </p:sp>
-        <p:grpSp>
-          <p:nvGrpSpPr>
-            <p:cNvPr id="19" name="Group 502"/>
-            <p:cNvGrpSpPr/>
-            <p:nvPr/>
-          </p:nvGrpSpPr>
-          <p:grpSpPr>
-            <a:xfrm>
-              <a:off x="43160" y="1967464"/>
-              <a:ext cx="4674923" cy="1"/>
-              <a:chOff x="0" y="0"/>
-              <a:chExt cx="4674922" cy="0"/>
-            </a:xfrm>
-          </p:grpSpPr>
-          <p:sp>
-            <p:nvSpPr>
-              <p:cNvPr id="20" name="Shape 500"/>
-              <p:cNvSpPr/>
-              <p:nvPr/>
-            </p:nvSpPr>
-            <p:spPr>
-              <a:xfrm>
-                <a:off x="0" y="0"/>
-                <a:ext cx="4674923" cy="0"/>
-              </a:xfrm>
-              <a:prstGeom prst="line">
-                <a:avLst/>
-              </a:prstGeom>
-              <a:noFill/>
-              <a:ln w="25400" cap="flat">
-                <a:solidFill>
-                  <a:srgbClr val="E5E5E5"/>
-                </a:solidFill>
-                <a:prstDash val="solid"/>
-                <a:miter lim="400000"/>
-              </a:ln>
-              <a:effectLst/>
-            </p:spPr>
-            <p:txBody>
-              <a:bodyPr wrap="square" lIns="38100" tIns="38100" rIns="38100" bIns="38100" numCol="1" anchor="ctr">
-                <a:noAutofit/>
-              </a:bodyPr>
-              <a:lstStyle/>
-              <a:p>
-                <a:pPr algn="ctr">
-                  <a:defRPr sz="3000">
-                    <a:solidFill>
-                      <a:srgbClr val="000000"/>
-                    </a:solidFill>
-                    <a:latin typeface="Helvetica Light"/>
-                    <a:ea typeface="Helvetica Light"/>
-                    <a:cs typeface="Helvetica Light"/>
-                    <a:sym typeface="Helvetica Light"/>
-                  </a:defRPr>
-                </a:pPr>
-                <a:endParaRPr/>
-              </a:p>
-            </p:txBody>
-          </p:sp>
-          <p:sp>
-            <p:nvSpPr>
-              <p:cNvPr id="21" name="Shape 501"/>
-              <p:cNvSpPr/>
-              <p:nvPr/>
-            </p:nvSpPr>
-            <p:spPr>
-              <a:xfrm>
-                <a:off x="12700" y="0"/>
-                <a:ext cx="942922" cy="0"/>
-              </a:xfrm>
-              <a:prstGeom prst="line">
-                <a:avLst/>
-              </a:prstGeom>
-              <a:noFill/>
-              <a:ln w="25400" cap="flat">
-                <a:solidFill>
-                  <a:srgbClr val="000000"/>
-                </a:solidFill>
-                <a:prstDash val="solid"/>
-                <a:miter lim="400000"/>
-              </a:ln>
-              <a:effectLst/>
-            </p:spPr>
-            <p:txBody>
-              <a:bodyPr wrap="square" lIns="38100" tIns="38100" rIns="38100" bIns="38100" numCol="1" anchor="ctr">
-                <a:noAutofit/>
-              </a:bodyPr>
-              <a:lstStyle/>
-              <a:p>
-                <a:pPr algn="ctr">
-                  <a:defRPr sz="3000">
-                    <a:solidFill>
-                      <a:srgbClr val="000000"/>
-                    </a:solidFill>
-                    <a:latin typeface="Helvetica Light"/>
-                    <a:ea typeface="Helvetica Light"/>
-                    <a:cs typeface="Helvetica Light"/>
-                    <a:sym typeface="Helvetica Light"/>
-                  </a:defRPr>
-                </a:pPr>
-                <a:endParaRPr/>
-              </a:p>
-            </p:txBody>
-          </p:sp>
-        </p:grpSp>
-      </p:grpSp>
-      <p:sp>
-        <p:nvSpPr>
-          <p:cNvPr id="22" name="Shape 509"/>
-          <p:cNvSpPr/>
-          <p:nvPr/>
-        </p:nvSpPr>
-        <p:spPr>
-          <a:xfrm rot="13500000">
-            <a:off x="7261034" y="3186747"/>
-            <a:ext cx="211306" cy="211306"/>
-          </a:xfrm>
-          <a:custGeom>
-            <a:avLst/>
-            <a:gdLst/>
-            <a:ahLst/>
-            <a:cxnLst>
-              <a:cxn ang="0">
-                <a:pos x="wd2" y="hd2"/>
-              </a:cxn>
-              <a:cxn ang="5400000">
-                <a:pos x="wd2" y="hd2"/>
-              </a:cxn>
-              <a:cxn ang="10800000">
-                <a:pos x="wd2" y="hd2"/>
-              </a:cxn>
-              <a:cxn ang="16200000">
-                <a:pos x="wd2" y="hd2"/>
-              </a:cxn>
-            </a:cxnLst>
-            <a:rect l="0" t="0" r="r" b="b"/>
-            <a:pathLst>
-              <a:path w="21600" h="21600" extrusionOk="0">
-                <a:moveTo>
-                  <a:pt x="0" y="0"/>
-                </a:moveTo>
-                <a:lnTo>
-                  <a:pt x="0" y="21600"/>
-                </a:lnTo>
-                <a:lnTo>
-                  <a:pt x="21600" y="21600"/>
-                </a:lnTo>
-                <a:close/>
-              </a:path>
-            </a:pathLst>
-          </a:custGeom>
-          <a:solidFill>
-            <a:srgbClr val="000000"/>
-          </a:solidFill>
-          <a:ln w="3175">
-            <a:miter lim="400000"/>
-          </a:ln>
-        </p:spPr>
-        <p:txBody>
-          <a:bodyPr lIns="38100" tIns="38100" rIns="38100" bIns="38100" anchor="ctr"/>
-          <a:lstStyle/>
-          <a:p>
-            <a:pPr algn="ctr">
-              <a:defRPr sz="3000">
-                <a:solidFill>
-                  <a:srgbClr val="FFFFFF"/>
-                </a:solidFill>
-                <a:latin typeface="Helvetica Light"/>
-                <a:ea typeface="Helvetica Light"/>
-                <a:cs typeface="Helvetica Light"/>
-                <a:sym typeface="Helvetica Light"/>
-              </a:defRPr>
-            </a:pPr>
-            <a:endParaRPr/>
-          </a:p>
-        </p:txBody>
-      </p:sp>
-    </p:spTree>
-    <p:extLst>
-      <p:ext uri="{BB962C8B-B14F-4D97-AF65-F5344CB8AC3E}">
-        <p14:creationId xmlns:p14="http://schemas.microsoft.com/office/powerpoint/2010/main" val="3568414443"/>
-      </p:ext>
-    </p:extLst>
-  </p:cSld>
-  <p:clrMapOvr>
-    <a:masterClrMapping/>
-  </p:clrMapOvr>
-  <mc:AlternateContent xmlns:mc="http://schemas.openxmlformats.org/markup-compatibility/2006" xmlns:p14="http://schemas.microsoft.com/office/powerpoint/2010/main">
-    <mc:Choice Requires="p14">
-      <p:transition spd="slow" p14:dur="2000"/>
-    </mc:Choice>
-    <mc:Fallback xmlns="">
-      <p:transition spd="slow"/>
-    </mc:Fallback>
-  </mc:AlternateContent>
-  <p:timing>
-    <p:tnLst>
-      <p:par>
-        <p:cTn id="1" dur="indefinite" restart="never" nodeType="tmRoot"/>
-      </p:par>
-    </p:tnLst>
-  </p:timing>
-</p:sld>
-</file>
-
-<file path=ppt/slides/slide25.xml><?xml version="1.0" encoding="utf-8"?>
-<p:sld xmlns:a="http://schemas.openxmlformats.org/drawingml/2006/main" xmlns:r="http://schemas.openxmlformats.org/officeDocument/2006/relationships" xmlns:p="http://schemas.openxmlformats.org/presentationml/2006/main">
-  <p:cSld>
-    <p:spTree>
-      <p:nvGrpSpPr>
-        <p:cNvPr id="1" name=""/>
-        <p:cNvGrpSpPr/>
-        <p:nvPr/>
-      </p:nvGrpSpPr>
-      <p:grpSpPr>
-        <a:xfrm>
-          <a:off x="0" y="0"/>
-          <a:ext cx="0" cy="0"/>
-          <a:chOff x="0" y="0"/>
-          <a:chExt cx="0" cy="0"/>
-        </a:xfrm>
-      </p:grpSpPr>
-      <p:sp>
-        <p:nvSpPr>
-          <p:cNvPr id="4" name="Shape 507"/>
-          <p:cNvSpPr/>
-          <p:nvPr/>
-        </p:nvSpPr>
-        <p:spPr>
-          <a:xfrm>
-            <a:off x="5381968" y="3056362"/>
-            <a:ext cx="1058736" cy="446276"/>
-          </a:xfrm>
-          <a:prstGeom prst="rect">
-            <a:avLst/>
-          </a:prstGeom>
-          <a:noFill/>
-          <a:ln w="3175" cap="flat">
-            <a:noFill/>
-            <a:miter lim="400000"/>
-          </a:ln>
-          <a:effectLst/>
-          <a:extLst>
-            <a:ext uri="{C572A759-6A51-4108-AA02-DFA0A04FC94B}">
-              <ma14:wrappingTextBoxFlag xmlns:ma14="http://schemas.microsoft.com/office/mac/drawingml/2011/main" xmlns="" val="1"/>
-            </a:ext>
-          </a:extLst>
-        </p:spPr>
-        <p:txBody>
-          <a:bodyPr wrap="square" lIns="38100" tIns="38100" rIns="38100" bIns="38100" numCol="1" anchor="ctr">
-            <a:spAutoFit/>
-          </a:bodyPr>
-          <a:lstStyle>
-            <a:lvl1pPr algn="ctr">
-              <a:defRPr sz="3000">
-                <a:solidFill>
-                  <a:srgbClr val="FFFFFF"/>
-                </a:solidFill>
-                <a:latin typeface="Roboto Slab Regular"/>
-                <a:ea typeface="Roboto Slab Regular"/>
-                <a:cs typeface="Roboto Slab Regular"/>
-                <a:sym typeface="Roboto Slab Regular"/>
-              </a:defRPr>
-            </a:lvl1pPr>
-          </a:lstStyle>
-          <a:p>
-            <a:r>
-              <a:rPr lang="en-US" sz="2400" dirty="0" smtClean="0">
-                <a:latin typeface="나눔스퀘어 Bold" panose="020B0600000101010101" pitchFamily="50" charset="-127"/>
-                <a:ea typeface="나눔스퀘어 Bold" panose="020B0600000101010101" pitchFamily="50" charset="-127"/>
-              </a:rPr>
-              <a:t>START</a:t>
-            </a:r>
-            <a:endParaRPr sz="2400" dirty="0">
-              <a:latin typeface="나눔스퀘어 Bold" panose="020B0600000101010101" pitchFamily="50" charset="-127"/>
-              <a:ea typeface="나눔스퀘어 Bold" panose="020B0600000101010101" pitchFamily="50" charset="-127"/>
-            </a:endParaRPr>
-          </a:p>
-        </p:txBody>
-      </p:sp>
-      <p:sp>
-        <p:nvSpPr>
-          <p:cNvPr id="9" name="Shape 520"/>
-          <p:cNvSpPr/>
-          <p:nvPr/>
-        </p:nvSpPr>
-        <p:spPr>
-          <a:xfrm rot="10800000">
-            <a:off x="5911325" y="-239958"/>
-            <a:ext cx="2301466" cy="7109254"/>
-          </a:xfrm>
-          <a:custGeom>
-            <a:avLst/>
-            <a:gdLst/>
-            <a:ahLst/>
-            <a:cxnLst>
-              <a:cxn ang="0">
-                <a:pos x="wd2" y="hd2"/>
-              </a:cxn>
-              <a:cxn ang="5400000">
-                <a:pos x="wd2" y="hd2"/>
-              </a:cxn>
-              <a:cxn ang="10800000">
-                <a:pos x="wd2" y="hd2"/>
-              </a:cxn>
-              <a:cxn ang="16200000">
-                <a:pos x="wd2" y="hd2"/>
-              </a:cxn>
-            </a:cxnLst>
-            <a:rect l="0" t="0" r="r" b="b"/>
-            <a:pathLst>
-              <a:path w="21600" h="21600" extrusionOk="0">
-                <a:moveTo>
-                  <a:pt x="21600" y="0"/>
-                </a:moveTo>
-                <a:lnTo>
-                  <a:pt x="21600" y="3805"/>
-                </a:lnTo>
-                <a:lnTo>
-                  <a:pt x="0" y="10800"/>
-                </a:lnTo>
-                <a:lnTo>
-                  <a:pt x="21600" y="17795"/>
-                </a:lnTo>
-                <a:lnTo>
-                  <a:pt x="21600" y="21600"/>
-                </a:lnTo>
-              </a:path>
-            </a:pathLst>
-          </a:custGeom>
-          <a:ln w="25400">
-            <a:solidFill>
-              <a:srgbClr val="565656"/>
-            </a:solidFill>
-            <a:miter lim="400000"/>
-          </a:ln>
-        </p:spPr>
-        <p:txBody>
-          <a:bodyPr lIns="38100" tIns="38100" rIns="38100" bIns="38100" anchor="ctr"/>
-          <a:lstStyle/>
-          <a:p>
-            <a:pPr algn="ctr">
-              <a:defRPr sz="3000">
-                <a:solidFill>
-                  <a:srgbClr val="000000"/>
-                </a:solidFill>
-                <a:latin typeface="Helvetica Light"/>
-                <a:ea typeface="Helvetica Light"/>
-                <a:cs typeface="Helvetica Light"/>
-                <a:sym typeface="Helvetica Light"/>
-              </a:defRPr>
-            </a:pPr>
-            <a:endParaRPr/>
-          </a:p>
-        </p:txBody>
-      </p:sp>
-      <p:sp>
-        <p:nvSpPr>
-          <p:cNvPr id="10" name="다이아몬드 9"/>
-          <p:cNvSpPr/>
-          <p:nvPr/>
-        </p:nvSpPr>
-        <p:spPr>
-          <a:xfrm>
-            <a:off x="4335024" y="1777424"/>
-            <a:ext cx="3199252" cy="3199252"/>
-          </a:xfrm>
-          <a:prstGeom prst="diamond">
-            <a:avLst/>
-          </a:prstGeom>
-          <a:solidFill>
-            <a:srgbClr val="E4B79C"/>
-          </a:solidFill>
-          <a:ln>
-            <a:noFill/>
-          </a:ln>
-        </p:spPr>
-        <p:style>
-          <a:lnRef idx="2">
-            <a:schemeClr val="accent1">
-              <a:shade val="50000"/>
-            </a:schemeClr>
-          </a:lnRef>
-          <a:fillRef idx="1">
-            <a:schemeClr val="accent1"/>
-          </a:fillRef>
-          <a:effectRef idx="0">
-            <a:schemeClr val="accent1"/>
-          </a:effectRef>
-          <a:fontRef idx="minor">
-            <a:schemeClr val="lt1"/>
-          </a:fontRef>
-        </p:style>
-        <p:txBody>
-          <a:bodyPr rtlCol="0" anchor="ctr"/>
-          <a:lstStyle/>
-          <a:p>
-            <a:pPr algn="ctr"/>
-            <a:endParaRPr lang="ko-KR" altLang="en-US" dirty="0">
-              <a:latin typeface="나눔고딕 Light" pitchFamily="50" charset="-127"/>
-              <a:ea typeface="나눔고딕 Light" pitchFamily="50" charset="-127"/>
-            </a:endParaRPr>
-          </a:p>
-        </p:txBody>
-      </p:sp>
-      <p:sp>
-        <p:nvSpPr>
-          <p:cNvPr id="11" name="Shape 507"/>
-          <p:cNvSpPr/>
-          <p:nvPr/>
-        </p:nvSpPr>
-        <p:spPr>
-          <a:xfrm>
-            <a:off x="5201895" y="3143814"/>
-            <a:ext cx="1418882" cy="446276"/>
-          </a:xfrm>
-          <a:prstGeom prst="rect">
-            <a:avLst/>
-          </a:prstGeom>
-          <a:noFill/>
-          <a:ln w="3175" cap="flat">
-            <a:noFill/>
-            <a:miter lim="400000"/>
-          </a:ln>
-          <a:effectLst/>
-          <a:extLst>
-            <a:ext uri="{C572A759-6A51-4108-AA02-DFA0A04FC94B}">
-              <ma14:wrappingTextBoxFlag xmlns:ma14="http://schemas.microsoft.com/office/mac/drawingml/2011/main" xmlns="" val="1"/>
-            </a:ext>
-          </a:extLst>
-        </p:spPr>
-        <p:txBody>
-          <a:bodyPr wrap="square" lIns="38100" tIns="38100" rIns="38100" bIns="38100" numCol="1" anchor="ctr">
-            <a:spAutoFit/>
-          </a:bodyPr>
-          <a:lstStyle>
-            <a:lvl1pPr algn="ctr">
-              <a:defRPr sz="3000">
-                <a:solidFill>
-                  <a:srgbClr val="FFFFFF"/>
-                </a:solidFill>
-                <a:latin typeface="Roboto Slab Regular"/>
-                <a:ea typeface="Roboto Slab Regular"/>
-                <a:cs typeface="Roboto Slab Regular"/>
-                <a:sym typeface="Roboto Slab Regular"/>
-              </a:defRPr>
-            </a:lvl1pPr>
-          </a:lstStyle>
-          <a:p>
-            <a:r>
-              <a:rPr lang="en-US" sz="2400" dirty="0" smtClean="0">
-                <a:latin typeface="나눔스퀘어 Bold" panose="020B0600000101010101" pitchFamily="50" charset="-127"/>
-                <a:ea typeface="나눔스퀘어 Bold" panose="020B0600000101010101" pitchFamily="50" charset="-127"/>
-              </a:rPr>
-              <a:t>PROJECT</a:t>
-            </a:r>
-            <a:endParaRPr sz="2400" dirty="0">
-              <a:latin typeface="나눔스퀘어 Bold" panose="020B0600000101010101" pitchFamily="50" charset="-127"/>
-              <a:ea typeface="나눔스퀘어 Bold" panose="020B0600000101010101" pitchFamily="50" charset="-127"/>
-            </a:endParaRPr>
-          </a:p>
-        </p:txBody>
-      </p:sp>
-      <p:grpSp>
-        <p:nvGrpSpPr>
-          <p:cNvPr id="25" name="Group 503"/>
-          <p:cNvGrpSpPr/>
-          <p:nvPr/>
-        </p:nvGrpSpPr>
-        <p:grpSpPr>
-          <a:xfrm>
-            <a:off x="8164037" y="4730953"/>
-            <a:ext cx="2530695" cy="1959239"/>
-            <a:chOff x="0" y="879100"/>
-            <a:chExt cx="5206950" cy="4031169"/>
-          </a:xfrm>
-        </p:grpSpPr>
-        <p:sp>
-          <p:nvSpPr>
-            <p:cNvPr id="26" name="Shape 498"/>
-            <p:cNvSpPr/>
-            <p:nvPr/>
-          </p:nvSpPr>
-          <p:spPr>
-            <a:xfrm>
-              <a:off x="0" y="879100"/>
-              <a:ext cx="5206950" cy="873112"/>
-            </a:xfrm>
-            <a:prstGeom prst="rect">
-              <a:avLst/>
-            </a:prstGeom>
-            <a:noFill/>
-            <a:ln w="3175" cap="flat">
-              <a:noFill/>
-              <a:miter lim="400000"/>
-            </a:ln>
-            <a:effectLst/>
-            <a:extLst>
-              <a:ext uri="{C572A759-6A51-4108-AA02-DFA0A04FC94B}">
-                <ma14:wrappingTextBoxFlag xmlns:ma14="http://schemas.microsoft.com/office/mac/drawingml/2011/main" xmlns="" val="1"/>
-              </a:ext>
-            </a:extLst>
-          </p:spPr>
-          <p:txBody>
-            <a:bodyPr wrap="square" lIns="38100" tIns="38100" rIns="38100" bIns="38100" numCol="1" anchor="t">
-              <a:normAutofit fontScale="85000" lnSpcReduction="10000"/>
-            </a:bodyPr>
-            <a:lstStyle>
-              <a:lvl1pPr algn="l">
-                <a:defRPr sz="4500">
-                  <a:solidFill>
-                    <a:srgbClr val="000000"/>
-                  </a:solidFill>
-                  <a:latin typeface="Roboto Slab Regular"/>
-                  <a:ea typeface="Roboto Slab Regular"/>
-                  <a:cs typeface="Roboto Slab Regular"/>
-                  <a:sym typeface="Roboto Slab Regular"/>
-                </a:defRPr>
-              </a:lvl1pPr>
-            </a:lstStyle>
-            <a:p>
-              <a:r>
-                <a:rPr lang="en-US" altLang="ko-KR" sz="2000" dirty="0">
-                  <a:latin typeface="나눔스퀘어 Bold" panose="020B0600000101010101" pitchFamily="50" charset="-127"/>
-                  <a:ea typeface="나눔스퀘어 Bold" panose="020B0600000101010101" pitchFamily="50" charset="-127"/>
-                </a:rPr>
-                <a:t>Receiving Camera Data</a:t>
-              </a:r>
-            </a:p>
-          </p:txBody>
-        </p:sp>
-        <p:sp>
-          <p:nvSpPr>
-            <p:cNvPr id="27" name="Shape 499"/>
-            <p:cNvSpPr/>
-            <p:nvPr/>
-          </p:nvSpPr>
-          <p:spPr>
-            <a:xfrm>
-              <a:off x="0" y="2410070"/>
-              <a:ext cx="5057971" cy="2500199"/>
-            </a:xfrm>
-            <a:prstGeom prst="rect">
-              <a:avLst/>
-            </a:prstGeom>
-            <a:noFill/>
-            <a:ln w="3175" cap="flat">
-              <a:noFill/>
-              <a:miter lim="400000"/>
-            </a:ln>
-            <a:effectLst/>
-            <a:extLst>
-              <a:ext uri="{C572A759-6A51-4108-AA02-DFA0A04FC94B}">
-                <ma14:wrappingTextBoxFlag xmlns:ma14="http://schemas.microsoft.com/office/mac/drawingml/2011/main" xmlns="" val="1"/>
-              </a:ext>
-            </a:extLst>
-          </p:spPr>
-          <p:txBody>
-            <a:bodyPr wrap="square" lIns="38100" tIns="38100" rIns="38100" bIns="38100" numCol="1" anchor="t">
-              <a:normAutofit/>
-            </a:bodyPr>
-            <a:lstStyle/>
-            <a:p>
-              <a:pPr>
-                <a:lnSpc>
-                  <a:spcPct val="150000"/>
-                </a:lnSpc>
-              </a:pPr>
-              <a:r>
-                <a:rPr lang="en-US" altLang="ko-KR" sz="1400" dirty="0">
-                  <a:latin typeface="나눔고딕 Light" pitchFamily="50" charset="-127"/>
-                  <a:ea typeface="나눔고딕 Light" panose="020D0904000000000000" pitchFamily="50" charset="-127"/>
-                </a:rPr>
-                <a:t>The server PC receives camera data </a:t>
-              </a:r>
-              <a:r>
-                <a:rPr lang="en-US" altLang="ko-KR" sz="1400" dirty="0" smtClean="0">
-                  <a:latin typeface="나눔고딕 Light" pitchFamily="50" charset="-127"/>
-                  <a:ea typeface="나눔고딕 Light" panose="020D0904000000000000" pitchFamily="50" charset="-127"/>
-                </a:rPr>
-                <a:t>from </a:t>
-              </a:r>
-              <a:r>
-                <a:rPr lang="en-US" altLang="ko-KR" sz="1400" dirty="0">
-                  <a:latin typeface="나눔고딕 Light" pitchFamily="50" charset="-127"/>
-                  <a:ea typeface="나눔고딕 Light" panose="020D0904000000000000" pitchFamily="50" charset="-127"/>
-                </a:rPr>
-                <a:t>Raspberry Pi via network </a:t>
-              </a:r>
-            </a:p>
-          </p:txBody>
-        </p:sp>
-        <p:grpSp>
-          <p:nvGrpSpPr>
-            <p:cNvPr id="28" name="Group 502"/>
-            <p:cNvGrpSpPr/>
-            <p:nvPr/>
-          </p:nvGrpSpPr>
-          <p:grpSpPr>
-            <a:xfrm>
-              <a:off x="43160" y="1967464"/>
-              <a:ext cx="4674923" cy="1"/>
-              <a:chOff x="0" y="0"/>
-              <a:chExt cx="4674922" cy="0"/>
-            </a:xfrm>
-          </p:grpSpPr>
-          <p:sp>
-            <p:nvSpPr>
-              <p:cNvPr id="29" name="Shape 500"/>
-              <p:cNvSpPr/>
-              <p:nvPr/>
-            </p:nvSpPr>
-            <p:spPr>
-              <a:xfrm>
-                <a:off x="0" y="0"/>
-                <a:ext cx="4674923" cy="0"/>
-              </a:xfrm>
-              <a:prstGeom prst="line">
-                <a:avLst/>
-              </a:prstGeom>
-              <a:noFill/>
-              <a:ln w="25400" cap="flat">
-                <a:solidFill>
-                  <a:srgbClr val="E5E5E5"/>
-                </a:solidFill>
-                <a:prstDash val="solid"/>
-                <a:miter lim="400000"/>
-              </a:ln>
-              <a:effectLst/>
-            </p:spPr>
-            <p:txBody>
-              <a:bodyPr wrap="square" lIns="38100" tIns="38100" rIns="38100" bIns="38100" numCol="1" anchor="ctr">
-                <a:noAutofit/>
-              </a:bodyPr>
-              <a:lstStyle/>
-              <a:p>
-                <a:pPr algn="ctr">
-                  <a:defRPr sz="3000">
-                    <a:solidFill>
-                      <a:srgbClr val="000000"/>
-                    </a:solidFill>
-                    <a:latin typeface="Helvetica Light"/>
-                    <a:ea typeface="Helvetica Light"/>
-                    <a:cs typeface="Helvetica Light"/>
-                    <a:sym typeface="Helvetica Light"/>
-                  </a:defRPr>
-                </a:pPr>
-                <a:endParaRPr/>
-              </a:p>
-            </p:txBody>
-          </p:sp>
-          <p:sp>
-            <p:nvSpPr>
-              <p:cNvPr id="30" name="Shape 501"/>
-              <p:cNvSpPr/>
-              <p:nvPr/>
-            </p:nvSpPr>
-            <p:spPr>
-              <a:xfrm>
-                <a:off x="12700" y="0"/>
-                <a:ext cx="942922" cy="0"/>
-              </a:xfrm>
-              <a:prstGeom prst="line">
-                <a:avLst/>
-              </a:prstGeom>
-              <a:noFill/>
-              <a:ln w="25400" cap="flat">
-                <a:solidFill>
-                  <a:srgbClr val="000000"/>
-                </a:solidFill>
-                <a:prstDash val="solid"/>
-                <a:miter lim="400000"/>
-              </a:ln>
-              <a:effectLst/>
-            </p:spPr>
-            <p:txBody>
-              <a:bodyPr wrap="square" lIns="38100" tIns="38100" rIns="38100" bIns="38100" numCol="1" anchor="ctr">
-                <a:noAutofit/>
-              </a:bodyPr>
-              <a:lstStyle/>
-              <a:p>
-                <a:pPr algn="ctr">
-                  <a:defRPr sz="3000">
-                    <a:solidFill>
-                      <a:srgbClr val="000000"/>
-                    </a:solidFill>
-                    <a:latin typeface="Helvetica Light"/>
-                    <a:ea typeface="Helvetica Light"/>
-                    <a:cs typeface="Helvetica Light"/>
-                    <a:sym typeface="Helvetica Light"/>
-                  </a:defRPr>
-                </a:pPr>
-                <a:endParaRPr/>
-              </a:p>
-            </p:txBody>
-          </p:sp>
-        </p:grpSp>
-      </p:grpSp>
-      <p:sp>
-        <p:nvSpPr>
-          <p:cNvPr id="31" name="Shape 509"/>
-          <p:cNvSpPr/>
-          <p:nvPr/>
-        </p:nvSpPr>
-        <p:spPr>
-          <a:xfrm rot="13500000">
-            <a:off x="7158209" y="5303685"/>
-            <a:ext cx="211306" cy="211306"/>
-          </a:xfrm>
-          <a:custGeom>
-            <a:avLst/>
-            <a:gdLst/>
-            <a:ahLst/>
-            <a:cxnLst>
-              <a:cxn ang="0">
-                <a:pos x="wd2" y="hd2"/>
-              </a:cxn>
-              <a:cxn ang="5400000">
-                <a:pos x="wd2" y="hd2"/>
-              </a:cxn>
-              <a:cxn ang="10800000">
-                <a:pos x="wd2" y="hd2"/>
-              </a:cxn>
-              <a:cxn ang="16200000">
-                <a:pos x="wd2" y="hd2"/>
-              </a:cxn>
-            </a:cxnLst>
-            <a:rect l="0" t="0" r="r" b="b"/>
-            <a:pathLst>
-              <a:path w="21600" h="21600" extrusionOk="0">
-                <a:moveTo>
-                  <a:pt x="0" y="0"/>
-                </a:moveTo>
-                <a:lnTo>
-                  <a:pt x="0" y="21600"/>
-                </a:lnTo>
-                <a:lnTo>
-                  <a:pt x="21600" y="21600"/>
-                </a:lnTo>
-                <a:close/>
-              </a:path>
-            </a:pathLst>
-          </a:custGeom>
-          <a:solidFill>
-            <a:srgbClr val="000000"/>
-          </a:solidFill>
-          <a:ln w="3175">
-            <a:miter lim="400000"/>
-          </a:ln>
-        </p:spPr>
-        <p:txBody>
-          <a:bodyPr lIns="38100" tIns="38100" rIns="38100" bIns="38100" anchor="ctr"/>
-          <a:lstStyle/>
-          <a:p>
-            <a:pPr algn="ctr">
-              <a:defRPr sz="3000">
-                <a:solidFill>
-                  <a:srgbClr val="FFFFFF"/>
-                </a:solidFill>
-                <a:latin typeface="Helvetica Light"/>
-                <a:ea typeface="Helvetica Light"/>
-                <a:cs typeface="Helvetica Light"/>
-                <a:sym typeface="Helvetica Light"/>
-              </a:defRPr>
-            </a:pPr>
-            <a:endParaRPr/>
-          </a:p>
-        </p:txBody>
-      </p:sp>
-      <p:grpSp>
-        <p:nvGrpSpPr>
-          <p:cNvPr id="39" name="Group 503"/>
-          <p:cNvGrpSpPr/>
-          <p:nvPr/>
-        </p:nvGrpSpPr>
-        <p:grpSpPr>
-          <a:xfrm>
-            <a:off x="1400720" y="575665"/>
-            <a:ext cx="2530695" cy="1586511"/>
-            <a:chOff x="0" y="879100"/>
-            <a:chExt cx="5206950" cy="3264274"/>
-          </a:xfrm>
-        </p:grpSpPr>
-        <p:sp>
-          <p:nvSpPr>
-            <p:cNvPr id="40" name="Shape 498"/>
-            <p:cNvSpPr/>
-            <p:nvPr/>
-          </p:nvSpPr>
-          <p:spPr>
-            <a:xfrm>
-              <a:off x="0" y="879100"/>
-              <a:ext cx="5206950" cy="873112"/>
-            </a:xfrm>
-            <a:prstGeom prst="rect">
-              <a:avLst/>
-            </a:prstGeom>
-            <a:noFill/>
-            <a:ln w="3175" cap="flat">
-              <a:noFill/>
-              <a:miter lim="400000"/>
-            </a:ln>
-            <a:effectLst/>
-            <a:extLst>
-              <a:ext uri="{C572A759-6A51-4108-AA02-DFA0A04FC94B}">
-                <ma14:wrappingTextBoxFlag xmlns:ma14="http://schemas.microsoft.com/office/mac/drawingml/2011/main" xmlns="" val="1"/>
-              </a:ext>
-            </a:extLst>
-          </p:spPr>
-          <p:txBody>
-            <a:bodyPr wrap="square" lIns="38100" tIns="38100" rIns="38100" bIns="38100" numCol="1" anchor="t">
-              <a:normAutofit/>
-            </a:bodyPr>
-            <a:lstStyle>
-              <a:lvl1pPr algn="l">
-                <a:defRPr sz="4500">
-                  <a:solidFill>
-                    <a:srgbClr val="000000"/>
-                  </a:solidFill>
-                  <a:latin typeface="Roboto Slab Regular"/>
-                  <a:ea typeface="Roboto Slab Regular"/>
-                  <a:cs typeface="Roboto Slab Regular"/>
-                  <a:sym typeface="Roboto Slab Regular"/>
-                </a:defRPr>
-              </a:lvl1pPr>
-            </a:lstStyle>
-            <a:p>
-              <a:r>
-                <a:rPr lang="en-US" altLang="ko-KR" sz="2000" dirty="0" smtClean="0">
-                  <a:latin typeface="나눔스퀘어 Bold" panose="020B0600000101010101" pitchFamily="50" charset="-127"/>
-                  <a:ea typeface="나눔스퀘어 Bold" panose="020B0600000101010101" pitchFamily="50" charset="-127"/>
-                </a:rPr>
-                <a:t>Network Socket</a:t>
-              </a:r>
-              <a:endParaRPr sz="2000" dirty="0">
-                <a:latin typeface="나눔스퀘어 Bold" panose="020B0600000101010101" pitchFamily="50" charset="-127"/>
-                <a:ea typeface="나눔스퀘어 Bold" panose="020B0600000101010101" pitchFamily="50" charset="-127"/>
-              </a:endParaRPr>
-            </a:p>
-          </p:txBody>
-        </p:sp>
-        <p:sp>
-          <p:nvSpPr>
-            <p:cNvPr id="41" name="Shape 499"/>
-            <p:cNvSpPr/>
-            <p:nvPr/>
-          </p:nvSpPr>
-          <p:spPr>
-            <a:xfrm>
-              <a:off x="0" y="2410072"/>
-              <a:ext cx="5057971" cy="1733302"/>
-            </a:xfrm>
-            <a:prstGeom prst="rect">
-              <a:avLst/>
-            </a:prstGeom>
-            <a:noFill/>
-            <a:ln w="3175" cap="flat">
-              <a:noFill/>
-              <a:miter lim="400000"/>
-            </a:ln>
-            <a:effectLst/>
-            <a:extLst>
-              <a:ext uri="{C572A759-6A51-4108-AA02-DFA0A04FC94B}">
-                <ma14:wrappingTextBoxFlag xmlns:ma14="http://schemas.microsoft.com/office/mac/drawingml/2011/main" xmlns="" val="1"/>
-              </a:ext>
-            </a:extLst>
-          </p:spPr>
-          <p:txBody>
-            <a:bodyPr wrap="square" lIns="38100" tIns="38100" rIns="38100" bIns="38100" numCol="1" anchor="t">
-              <a:noAutofit/>
-            </a:bodyPr>
-            <a:lstStyle/>
-            <a:p>
-              <a:pPr>
-                <a:lnSpc>
-                  <a:spcPct val="150000"/>
-                </a:lnSpc>
-              </a:pPr>
-              <a:r>
-                <a:rPr lang="en-US" sz="1400" dirty="0" smtClean="0">
-                  <a:latin typeface="나눔고딕 Light" pitchFamily="50" charset="-127"/>
-                </a:rPr>
-                <a:t>We used network sockets on Python for the communication between the server PC and Raspberry Pi</a:t>
-              </a:r>
-              <a:endParaRPr sz="1400" dirty="0">
-                <a:latin typeface="나눔고딕 Light" pitchFamily="50" charset="-127"/>
-              </a:endParaRPr>
-            </a:p>
-          </p:txBody>
-        </p:sp>
-        <p:grpSp>
-          <p:nvGrpSpPr>
-            <p:cNvPr id="42" name="Group 502"/>
-            <p:cNvGrpSpPr/>
-            <p:nvPr/>
-          </p:nvGrpSpPr>
-          <p:grpSpPr>
-            <a:xfrm>
-              <a:off x="43160" y="1967464"/>
-              <a:ext cx="4674923" cy="1"/>
-              <a:chOff x="0" y="0"/>
-              <a:chExt cx="4674922" cy="0"/>
-            </a:xfrm>
-          </p:grpSpPr>
-          <p:sp>
-            <p:nvSpPr>
-              <p:cNvPr id="43" name="Shape 500"/>
-              <p:cNvSpPr/>
-              <p:nvPr/>
-            </p:nvSpPr>
-            <p:spPr>
-              <a:xfrm>
-                <a:off x="0" y="0"/>
-                <a:ext cx="4674923" cy="0"/>
-              </a:xfrm>
-              <a:prstGeom prst="line">
-                <a:avLst/>
-              </a:prstGeom>
-              <a:noFill/>
-              <a:ln w="25400" cap="flat">
-                <a:solidFill>
-                  <a:srgbClr val="E5E5E5"/>
-                </a:solidFill>
-                <a:prstDash val="solid"/>
-                <a:miter lim="400000"/>
-              </a:ln>
-              <a:effectLst/>
-            </p:spPr>
-            <p:txBody>
-              <a:bodyPr wrap="square" lIns="38100" tIns="38100" rIns="38100" bIns="38100" numCol="1" anchor="ctr">
-                <a:noAutofit/>
-              </a:bodyPr>
-              <a:lstStyle/>
-              <a:p>
-                <a:pPr algn="ctr">
-                  <a:defRPr sz="3000">
-                    <a:solidFill>
-                      <a:srgbClr val="000000"/>
-                    </a:solidFill>
-                    <a:latin typeface="Helvetica Light"/>
-                    <a:ea typeface="Helvetica Light"/>
-                    <a:cs typeface="Helvetica Light"/>
-                    <a:sym typeface="Helvetica Light"/>
-                  </a:defRPr>
-                </a:pPr>
-                <a:endParaRPr/>
-              </a:p>
-            </p:txBody>
-          </p:sp>
-          <p:sp>
-            <p:nvSpPr>
-              <p:cNvPr id="44" name="Shape 501"/>
-              <p:cNvSpPr/>
-              <p:nvPr/>
-            </p:nvSpPr>
-            <p:spPr>
-              <a:xfrm>
-                <a:off x="12700" y="0"/>
-                <a:ext cx="942922" cy="0"/>
-              </a:xfrm>
-              <a:prstGeom prst="line">
-                <a:avLst/>
-              </a:prstGeom>
-              <a:noFill/>
-              <a:ln w="25400" cap="flat">
-                <a:solidFill>
-                  <a:srgbClr val="000000"/>
-                </a:solidFill>
-                <a:prstDash val="solid"/>
-                <a:miter lim="400000"/>
-              </a:ln>
-              <a:effectLst/>
-            </p:spPr>
-            <p:txBody>
-              <a:bodyPr wrap="square" lIns="38100" tIns="38100" rIns="38100" bIns="38100" numCol="1" anchor="ctr">
-                <a:noAutofit/>
-              </a:bodyPr>
-              <a:lstStyle/>
-              <a:p>
-                <a:pPr algn="ctr">
-                  <a:defRPr sz="3000">
-                    <a:solidFill>
-                      <a:srgbClr val="000000"/>
-                    </a:solidFill>
-                    <a:latin typeface="Helvetica Light"/>
-                    <a:ea typeface="Helvetica Light"/>
-                    <a:cs typeface="Helvetica Light"/>
-                    <a:sym typeface="Helvetica Light"/>
-                  </a:defRPr>
-                </a:pPr>
-                <a:endParaRPr/>
-              </a:p>
-            </p:txBody>
-          </p:sp>
-        </p:grpSp>
-      </p:grpSp>
-      <p:sp>
-        <p:nvSpPr>
-          <p:cNvPr id="45" name="Shape 509"/>
-          <p:cNvSpPr/>
-          <p:nvPr/>
-        </p:nvSpPr>
-        <p:spPr>
-          <a:xfrm rot="13500000">
-            <a:off x="4401522" y="1064683"/>
-            <a:ext cx="211306" cy="211306"/>
-          </a:xfrm>
-          <a:custGeom>
-            <a:avLst/>
-            <a:gdLst/>
-            <a:ahLst/>
-            <a:cxnLst>
-              <a:cxn ang="0">
-                <a:pos x="wd2" y="hd2"/>
-              </a:cxn>
-              <a:cxn ang="5400000">
-                <a:pos x="wd2" y="hd2"/>
-              </a:cxn>
-              <a:cxn ang="10800000">
-                <a:pos x="wd2" y="hd2"/>
-              </a:cxn>
-              <a:cxn ang="16200000">
-                <a:pos x="wd2" y="hd2"/>
-              </a:cxn>
-            </a:cxnLst>
-            <a:rect l="0" t="0" r="r" b="b"/>
-            <a:pathLst>
-              <a:path w="21600" h="21600" extrusionOk="0">
-                <a:moveTo>
-                  <a:pt x="0" y="0"/>
-                </a:moveTo>
-                <a:lnTo>
-                  <a:pt x="0" y="21600"/>
-                </a:lnTo>
-                <a:lnTo>
-                  <a:pt x="21600" y="21600"/>
-                </a:lnTo>
-                <a:close/>
-              </a:path>
-            </a:pathLst>
-          </a:custGeom>
-          <a:solidFill>
-            <a:srgbClr val="000000"/>
-          </a:solidFill>
-          <a:ln w="3175">
-            <a:miter lim="400000"/>
-          </a:ln>
-        </p:spPr>
-        <p:txBody>
-          <a:bodyPr lIns="38100" tIns="38100" rIns="38100" bIns="38100" anchor="ctr"/>
-          <a:lstStyle/>
-          <a:p>
-            <a:pPr algn="ctr">
-              <a:defRPr sz="3000">
-                <a:solidFill>
-                  <a:srgbClr val="FFFFFF"/>
-                </a:solidFill>
-                <a:latin typeface="Helvetica Light"/>
-                <a:ea typeface="Helvetica Light"/>
-                <a:cs typeface="Helvetica Light"/>
-                <a:sym typeface="Helvetica Light"/>
-              </a:defRPr>
-            </a:pPr>
-            <a:endParaRPr/>
-          </a:p>
-        </p:txBody>
-      </p:sp>
-    </p:spTree>
-    <p:extLst>
-      <p:ext uri="{BB962C8B-B14F-4D97-AF65-F5344CB8AC3E}">
-        <p14:creationId xmlns:p14="http://schemas.microsoft.com/office/powerpoint/2010/main" val="1818151868"/>
-      </p:ext>
-    </p:extLst>
-  </p:cSld>
-  <p:clrMapOvr>
-    <a:masterClrMapping/>
-  </p:clrMapOvr>
-  <p:transition spd="slow">
-    <p:push dir="u"/>
-  </p:transition>
-  <p:timing>
-    <p:tnLst>
-      <p:par>
-        <p:cTn id="1" dur="indefinite" restart="never" nodeType="tmRoot"/>
-      </p:par>
-    </p:tnLst>
-  </p:timing>
-</p:sld>
-</file>
-
-<file path=ppt/slides/slide26.xml><?xml version="1.0" encoding="utf-8"?>
-<p:sld xmlns:a="http://schemas.openxmlformats.org/drawingml/2006/main" xmlns:r="http://schemas.openxmlformats.org/officeDocument/2006/relationships" xmlns:p="http://schemas.openxmlformats.org/presentationml/2006/main">
-  <p:cSld>
-    <p:spTree>
-      <p:nvGrpSpPr>
-        <p:cNvPr id="1" name=""/>
-        <p:cNvGrpSpPr/>
-        <p:nvPr/>
-      </p:nvGrpSpPr>
-      <p:grpSpPr>
-        <a:xfrm>
-          <a:off x="0" y="0"/>
-          <a:ext cx="0" cy="0"/>
-          <a:chOff x="0" y="0"/>
-          <a:chExt cx="0" cy="0"/>
-        </a:xfrm>
-      </p:grpSpPr>
-      <p:sp>
-        <p:nvSpPr>
-          <p:cNvPr id="4" name="Shape 507"/>
-          <p:cNvSpPr/>
-          <p:nvPr/>
-        </p:nvSpPr>
-        <p:spPr>
-          <a:xfrm>
-            <a:off x="5381968" y="3056362"/>
-            <a:ext cx="1058736" cy="446276"/>
-          </a:xfrm>
-          <a:prstGeom prst="rect">
-            <a:avLst/>
-          </a:prstGeom>
-          <a:noFill/>
-          <a:ln w="3175" cap="flat">
-            <a:noFill/>
-            <a:miter lim="400000"/>
-          </a:ln>
-          <a:effectLst/>
-          <a:extLst>
-            <a:ext uri="{C572A759-6A51-4108-AA02-DFA0A04FC94B}">
-              <ma14:wrappingTextBoxFlag xmlns:ma14="http://schemas.microsoft.com/office/mac/drawingml/2011/main" xmlns="" val="1"/>
-            </a:ext>
-          </a:extLst>
-        </p:spPr>
-        <p:txBody>
-          <a:bodyPr wrap="square" lIns="38100" tIns="38100" rIns="38100" bIns="38100" numCol="1" anchor="ctr">
-            <a:spAutoFit/>
-          </a:bodyPr>
-          <a:lstStyle>
-            <a:lvl1pPr algn="ctr">
-              <a:defRPr sz="3000">
-                <a:solidFill>
-                  <a:srgbClr val="FFFFFF"/>
-                </a:solidFill>
-                <a:latin typeface="Roboto Slab Regular"/>
-                <a:ea typeface="Roboto Slab Regular"/>
-                <a:cs typeface="Roboto Slab Regular"/>
-                <a:sym typeface="Roboto Slab Regular"/>
-              </a:defRPr>
-            </a:lvl1pPr>
-          </a:lstStyle>
-          <a:p>
-            <a:r>
-              <a:rPr lang="en-US" sz="2400" dirty="0" smtClean="0">
-                <a:latin typeface="나눔스퀘어 Bold" panose="020B0600000101010101" pitchFamily="50" charset="-127"/>
-                <a:ea typeface="나눔스퀘어 Bold" panose="020B0600000101010101" pitchFamily="50" charset="-127"/>
-              </a:rPr>
-              <a:t>START</a:t>
-            </a:r>
-            <a:endParaRPr sz="2400" dirty="0">
-              <a:latin typeface="나눔스퀘어 Bold" panose="020B0600000101010101" pitchFamily="50" charset="-127"/>
-              <a:ea typeface="나눔스퀘어 Bold" panose="020B0600000101010101" pitchFamily="50" charset="-127"/>
-            </a:endParaRPr>
-          </a:p>
-        </p:txBody>
-      </p:sp>
-      <p:sp>
-        <p:nvSpPr>
-          <p:cNvPr id="9" name="Shape 520"/>
-          <p:cNvSpPr/>
-          <p:nvPr/>
-        </p:nvSpPr>
-        <p:spPr>
-          <a:xfrm>
-            <a:off x="3616008" y="-224143"/>
-            <a:ext cx="2301466" cy="7109254"/>
-          </a:xfrm>
-          <a:custGeom>
-            <a:avLst/>
-            <a:gdLst/>
-            <a:ahLst/>
-            <a:cxnLst>
-              <a:cxn ang="0">
-                <a:pos x="wd2" y="hd2"/>
-              </a:cxn>
-              <a:cxn ang="5400000">
-                <a:pos x="wd2" y="hd2"/>
-              </a:cxn>
-              <a:cxn ang="10800000">
-                <a:pos x="wd2" y="hd2"/>
-              </a:cxn>
-              <a:cxn ang="16200000">
-                <a:pos x="wd2" y="hd2"/>
-              </a:cxn>
-            </a:cxnLst>
-            <a:rect l="0" t="0" r="r" b="b"/>
-            <a:pathLst>
-              <a:path w="21600" h="21600" extrusionOk="0">
-                <a:moveTo>
-                  <a:pt x="21600" y="0"/>
-                </a:moveTo>
-                <a:lnTo>
-                  <a:pt x="21600" y="3805"/>
-                </a:lnTo>
-                <a:lnTo>
-                  <a:pt x="0" y="10800"/>
-                </a:lnTo>
-                <a:lnTo>
-                  <a:pt x="21600" y="17795"/>
-                </a:lnTo>
-                <a:lnTo>
-                  <a:pt x="21600" y="21600"/>
-                </a:lnTo>
-              </a:path>
-            </a:pathLst>
-          </a:custGeom>
-          <a:ln w="25400">
-            <a:solidFill>
-              <a:srgbClr val="565656"/>
-            </a:solidFill>
-            <a:miter lim="400000"/>
-          </a:ln>
-        </p:spPr>
-        <p:txBody>
-          <a:bodyPr lIns="38100" tIns="38100" rIns="38100" bIns="38100" anchor="ctr"/>
-          <a:lstStyle/>
-          <a:p>
-            <a:pPr algn="ctr">
-              <a:defRPr sz="3000">
-                <a:solidFill>
-                  <a:srgbClr val="000000"/>
-                </a:solidFill>
-                <a:latin typeface="Helvetica Light"/>
-                <a:ea typeface="Helvetica Light"/>
-                <a:cs typeface="Helvetica Light"/>
-                <a:sym typeface="Helvetica Light"/>
-              </a:defRPr>
-            </a:pPr>
-            <a:endParaRPr/>
-          </a:p>
-        </p:txBody>
-      </p:sp>
-      <p:sp>
-        <p:nvSpPr>
-          <p:cNvPr id="10" name="다이아몬드 9"/>
-          <p:cNvSpPr/>
-          <p:nvPr/>
-        </p:nvSpPr>
-        <p:spPr>
-          <a:xfrm>
-            <a:off x="4335024" y="1777424"/>
-            <a:ext cx="3199252" cy="3199252"/>
-          </a:xfrm>
-          <a:prstGeom prst="diamond">
-            <a:avLst/>
-          </a:prstGeom>
-          <a:solidFill>
-            <a:srgbClr val="E4B79C"/>
-          </a:solidFill>
-          <a:ln>
-            <a:noFill/>
-          </a:ln>
-        </p:spPr>
-        <p:style>
-          <a:lnRef idx="2">
-            <a:schemeClr val="accent1">
-              <a:shade val="50000"/>
-            </a:schemeClr>
-          </a:lnRef>
-          <a:fillRef idx="1">
-            <a:schemeClr val="accent1"/>
-          </a:fillRef>
-          <a:effectRef idx="0">
-            <a:schemeClr val="accent1"/>
-          </a:effectRef>
-          <a:fontRef idx="minor">
-            <a:schemeClr val="lt1"/>
-          </a:fontRef>
-        </p:style>
-        <p:txBody>
-          <a:bodyPr rtlCol="0" anchor="ctr"/>
-          <a:lstStyle/>
-          <a:p>
-            <a:pPr algn="ctr"/>
-            <a:endParaRPr lang="ko-KR" altLang="en-US" dirty="0">
-              <a:latin typeface="나눔고딕 Light" pitchFamily="50" charset="-127"/>
-              <a:ea typeface="나눔고딕 Light" pitchFamily="50" charset="-127"/>
-            </a:endParaRPr>
-          </a:p>
-        </p:txBody>
-      </p:sp>
-      <p:sp>
-        <p:nvSpPr>
-          <p:cNvPr id="11" name="Shape 507"/>
-          <p:cNvSpPr/>
-          <p:nvPr/>
-        </p:nvSpPr>
-        <p:spPr>
-          <a:xfrm>
-            <a:off x="5201895" y="3143814"/>
-            <a:ext cx="1418882" cy="446276"/>
-          </a:xfrm>
-          <a:prstGeom prst="rect">
-            <a:avLst/>
-          </a:prstGeom>
-          <a:noFill/>
-          <a:ln w="3175" cap="flat">
-            <a:noFill/>
-            <a:miter lim="400000"/>
-          </a:ln>
-          <a:effectLst/>
-          <a:extLst>
-            <a:ext uri="{C572A759-6A51-4108-AA02-DFA0A04FC94B}">
-              <ma14:wrappingTextBoxFlag xmlns:ma14="http://schemas.microsoft.com/office/mac/drawingml/2011/main" xmlns="" val="1"/>
-            </a:ext>
-          </a:extLst>
-        </p:spPr>
-        <p:txBody>
-          <a:bodyPr wrap="square" lIns="38100" tIns="38100" rIns="38100" bIns="38100" numCol="1" anchor="ctr">
-            <a:spAutoFit/>
-          </a:bodyPr>
-          <a:lstStyle>
-            <a:lvl1pPr algn="ctr">
-              <a:defRPr sz="3000">
-                <a:solidFill>
-                  <a:srgbClr val="FFFFFF"/>
-                </a:solidFill>
-                <a:latin typeface="Roboto Slab Regular"/>
-                <a:ea typeface="Roboto Slab Regular"/>
-                <a:cs typeface="Roboto Slab Regular"/>
-                <a:sym typeface="Roboto Slab Regular"/>
-              </a:defRPr>
-            </a:lvl1pPr>
-          </a:lstStyle>
-          <a:p>
-            <a:r>
-              <a:rPr lang="en-US" sz="2400" dirty="0" smtClean="0">
-                <a:latin typeface="나눔스퀘어 Bold" panose="020B0600000101010101" pitchFamily="50" charset="-127"/>
-                <a:ea typeface="나눔스퀘어 Bold" panose="020B0600000101010101" pitchFamily="50" charset="-127"/>
-              </a:rPr>
-              <a:t>PROJECT</a:t>
-            </a:r>
-            <a:endParaRPr sz="2400" dirty="0">
-              <a:latin typeface="나눔스퀘어 Bold" panose="020B0600000101010101" pitchFamily="50" charset="-127"/>
-              <a:ea typeface="나눔스퀘어 Bold" panose="020B0600000101010101" pitchFamily="50" charset="-127"/>
-            </a:endParaRPr>
-          </a:p>
-        </p:txBody>
-      </p:sp>
-      <p:grpSp>
-        <p:nvGrpSpPr>
-          <p:cNvPr id="25" name="Group 503"/>
-          <p:cNvGrpSpPr/>
-          <p:nvPr/>
-        </p:nvGrpSpPr>
-        <p:grpSpPr>
-          <a:xfrm>
-            <a:off x="8164037" y="4730953"/>
-            <a:ext cx="2530695" cy="1959239"/>
-            <a:chOff x="0" y="879100"/>
-            <a:chExt cx="5206950" cy="4031169"/>
-          </a:xfrm>
-        </p:grpSpPr>
-        <p:sp>
-          <p:nvSpPr>
-            <p:cNvPr id="26" name="Shape 498"/>
-            <p:cNvSpPr/>
-            <p:nvPr/>
-          </p:nvSpPr>
-          <p:spPr>
-            <a:xfrm>
-              <a:off x="0" y="879100"/>
-              <a:ext cx="5206950" cy="873112"/>
-            </a:xfrm>
-            <a:prstGeom prst="rect">
-              <a:avLst/>
-            </a:prstGeom>
-            <a:noFill/>
-            <a:ln w="3175" cap="flat">
-              <a:noFill/>
-              <a:miter lim="400000"/>
-            </a:ln>
-            <a:effectLst/>
-            <a:extLst>
-              <a:ext uri="{C572A759-6A51-4108-AA02-DFA0A04FC94B}">
-                <ma14:wrappingTextBoxFlag xmlns:ma14="http://schemas.microsoft.com/office/mac/drawingml/2011/main" xmlns="" val="1"/>
-              </a:ext>
-            </a:extLst>
-          </p:spPr>
-          <p:txBody>
-            <a:bodyPr wrap="square" lIns="38100" tIns="38100" rIns="38100" bIns="38100" numCol="1" anchor="t">
-              <a:normAutofit/>
-            </a:bodyPr>
-            <a:lstStyle>
-              <a:lvl1pPr algn="l">
-                <a:defRPr sz="4500">
-                  <a:solidFill>
-                    <a:srgbClr val="000000"/>
-                  </a:solidFill>
-                  <a:latin typeface="Roboto Slab Regular"/>
-                  <a:ea typeface="Roboto Slab Regular"/>
-                  <a:cs typeface="Roboto Slab Regular"/>
-                  <a:sym typeface="Roboto Slab Regular"/>
-                </a:defRPr>
-              </a:lvl1pPr>
-            </a:lstStyle>
-            <a:p>
-              <a:r>
-                <a:rPr lang="en-US" altLang="ko-KR" sz="2000" dirty="0" smtClean="0">
-                  <a:latin typeface="나눔스퀘어 Bold" panose="020B0600000101010101" pitchFamily="50" charset="-127"/>
-                  <a:ea typeface="나눔스퀘어 Bold" panose="020B0600000101010101" pitchFamily="50" charset="-127"/>
-                </a:rPr>
-                <a:t>Steering</a:t>
-              </a:r>
-              <a:endParaRPr sz="2000" dirty="0">
-                <a:latin typeface="나눔스퀘어 Bold" panose="020B0600000101010101" pitchFamily="50" charset="-127"/>
-                <a:ea typeface="나눔스퀘어 Bold" panose="020B0600000101010101" pitchFamily="50" charset="-127"/>
-              </a:endParaRPr>
-            </a:p>
-          </p:txBody>
-        </p:sp>
-        <p:sp>
-          <p:nvSpPr>
-            <p:cNvPr id="27" name="Shape 499"/>
-            <p:cNvSpPr/>
-            <p:nvPr/>
-          </p:nvSpPr>
-          <p:spPr>
-            <a:xfrm>
-              <a:off x="0" y="2410070"/>
-              <a:ext cx="5057971" cy="2500199"/>
-            </a:xfrm>
-            <a:prstGeom prst="rect">
-              <a:avLst/>
-            </a:prstGeom>
-            <a:noFill/>
-            <a:ln w="3175" cap="flat">
-              <a:noFill/>
-              <a:miter lim="400000"/>
-            </a:ln>
-            <a:effectLst/>
-            <a:extLst>
-              <a:ext uri="{C572A759-6A51-4108-AA02-DFA0A04FC94B}">
-                <ma14:wrappingTextBoxFlag xmlns:ma14="http://schemas.microsoft.com/office/mac/drawingml/2011/main" xmlns="" val="1"/>
-              </a:ext>
-            </a:extLst>
-          </p:spPr>
-          <p:txBody>
-            <a:bodyPr wrap="square" lIns="38100" tIns="38100" rIns="38100" bIns="38100" numCol="1" anchor="t">
-              <a:noAutofit/>
-            </a:bodyPr>
-            <a:lstStyle/>
-            <a:p>
-              <a:pPr>
-                <a:lnSpc>
-                  <a:spcPct val="150000"/>
-                </a:lnSpc>
-              </a:pPr>
-              <a:r>
-                <a:rPr lang="en-US" sz="1400" dirty="0" smtClean="0">
-                  <a:latin typeface="나눔고딕 Light" pitchFamily="50" charset="-127"/>
-                  <a:ea typeface="나눔고딕 Light" pitchFamily="50" charset="-127"/>
-                </a:rPr>
-                <a:t>Raspberry Pi receives the direction data from the server PC, and it autonomously steers the motors</a:t>
-              </a:r>
-              <a:endParaRPr sz="1400" dirty="0">
-                <a:latin typeface="나눔고딕 Light" pitchFamily="50" charset="-127"/>
-              </a:endParaRPr>
-            </a:p>
-          </p:txBody>
-        </p:sp>
-        <p:grpSp>
-          <p:nvGrpSpPr>
-            <p:cNvPr id="28" name="Group 502"/>
-            <p:cNvGrpSpPr/>
-            <p:nvPr/>
-          </p:nvGrpSpPr>
-          <p:grpSpPr>
-            <a:xfrm>
-              <a:off x="43160" y="1967464"/>
-              <a:ext cx="4674923" cy="1"/>
-              <a:chOff x="0" y="0"/>
-              <a:chExt cx="4674922" cy="0"/>
-            </a:xfrm>
-          </p:grpSpPr>
-          <p:sp>
-            <p:nvSpPr>
-              <p:cNvPr id="29" name="Shape 500"/>
-              <p:cNvSpPr/>
-              <p:nvPr/>
-            </p:nvSpPr>
-            <p:spPr>
-              <a:xfrm>
-                <a:off x="0" y="0"/>
-                <a:ext cx="4674923" cy="0"/>
-              </a:xfrm>
-              <a:prstGeom prst="line">
-                <a:avLst/>
-              </a:prstGeom>
-              <a:noFill/>
-              <a:ln w="25400" cap="flat">
-                <a:solidFill>
-                  <a:srgbClr val="E5E5E5"/>
-                </a:solidFill>
-                <a:prstDash val="solid"/>
-                <a:miter lim="400000"/>
-              </a:ln>
-              <a:effectLst/>
-            </p:spPr>
-            <p:txBody>
-              <a:bodyPr wrap="square" lIns="38100" tIns="38100" rIns="38100" bIns="38100" numCol="1" anchor="ctr">
-                <a:noAutofit/>
-              </a:bodyPr>
-              <a:lstStyle/>
-              <a:p>
-                <a:pPr algn="ctr">
-                  <a:defRPr sz="3000">
-                    <a:solidFill>
-                      <a:srgbClr val="000000"/>
-                    </a:solidFill>
-                    <a:latin typeface="Helvetica Light"/>
-                    <a:ea typeface="Helvetica Light"/>
-                    <a:cs typeface="Helvetica Light"/>
-                    <a:sym typeface="Helvetica Light"/>
-                  </a:defRPr>
-                </a:pPr>
-                <a:endParaRPr/>
-              </a:p>
-            </p:txBody>
-          </p:sp>
-          <p:sp>
-            <p:nvSpPr>
-              <p:cNvPr id="30" name="Shape 501"/>
-              <p:cNvSpPr/>
-              <p:nvPr/>
-            </p:nvSpPr>
-            <p:spPr>
-              <a:xfrm>
-                <a:off x="12700" y="0"/>
-                <a:ext cx="942922" cy="0"/>
-              </a:xfrm>
-              <a:prstGeom prst="line">
-                <a:avLst/>
-              </a:prstGeom>
-              <a:noFill/>
-              <a:ln w="25400" cap="flat">
-                <a:solidFill>
-                  <a:srgbClr val="000000"/>
-                </a:solidFill>
-                <a:prstDash val="solid"/>
-                <a:miter lim="400000"/>
-              </a:ln>
-              <a:effectLst/>
-            </p:spPr>
-            <p:txBody>
-              <a:bodyPr wrap="square" lIns="38100" tIns="38100" rIns="38100" bIns="38100" numCol="1" anchor="ctr">
-                <a:noAutofit/>
-              </a:bodyPr>
-              <a:lstStyle/>
-              <a:p>
-                <a:pPr algn="ctr">
-                  <a:defRPr sz="3000">
-                    <a:solidFill>
-                      <a:srgbClr val="000000"/>
-                    </a:solidFill>
-                    <a:latin typeface="Helvetica Light"/>
-                    <a:ea typeface="Helvetica Light"/>
-                    <a:cs typeface="Helvetica Light"/>
-                    <a:sym typeface="Helvetica Light"/>
-                  </a:defRPr>
-                </a:pPr>
-                <a:endParaRPr/>
-              </a:p>
-            </p:txBody>
-          </p:sp>
-        </p:grpSp>
-      </p:grpSp>
-      <p:sp>
-        <p:nvSpPr>
-          <p:cNvPr id="31" name="Shape 509"/>
-          <p:cNvSpPr/>
-          <p:nvPr/>
-        </p:nvSpPr>
-        <p:spPr>
-          <a:xfrm rot="13500000">
-            <a:off x="7158209" y="5303685"/>
-            <a:ext cx="211306" cy="211306"/>
-          </a:xfrm>
-          <a:custGeom>
-            <a:avLst/>
-            <a:gdLst/>
-            <a:ahLst/>
-            <a:cxnLst>
-              <a:cxn ang="0">
-                <a:pos x="wd2" y="hd2"/>
-              </a:cxn>
-              <a:cxn ang="5400000">
-                <a:pos x="wd2" y="hd2"/>
-              </a:cxn>
-              <a:cxn ang="10800000">
-                <a:pos x="wd2" y="hd2"/>
-              </a:cxn>
-              <a:cxn ang="16200000">
-                <a:pos x="wd2" y="hd2"/>
-              </a:cxn>
-            </a:cxnLst>
-            <a:rect l="0" t="0" r="r" b="b"/>
-            <a:pathLst>
-              <a:path w="21600" h="21600" extrusionOk="0">
-                <a:moveTo>
-                  <a:pt x="0" y="0"/>
-                </a:moveTo>
-                <a:lnTo>
-                  <a:pt x="0" y="21600"/>
-                </a:lnTo>
-                <a:lnTo>
-                  <a:pt x="21600" y="21600"/>
-                </a:lnTo>
-                <a:close/>
-              </a:path>
-            </a:pathLst>
-          </a:custGeom>
-          <a:solidFill>
-            <a:srgbClr val="000000"/>
-          </a:solidFill>
-          <a:ln w="3175">
-            <a:miter lim="400000"/>
-          </a:ln>
-        </p:spPr>
-        <p:txBody>
-          <a:bodyPr lIns="38100" tIns="38100" rIns="38100" bIns="38100" anchor="ctr"/>
-          <a:lstStyle/>
-          <a:p>
-            <a:pPr algn="ctr">
-              <a:defRPr sz="3000">
-                <a:solidFill>
-                  <a:srgbClr val="FFFFFF"/>
-                </a:solidFill>
-                <a:latin typeface="Helvetica Light"/>
-                <a:ea typeface="Helvetica Light"/>
-                <a:cs typeface="Helvetica Light"/>
-                <a:sym typeface="Helvetica Light"/>
-              </a:defRPr>
-            </a:pPr>
-            <a:endParaRPr/>
-          </a:p>
-        </p:txBody>
-      </p:sp>
-      <p:grpSp>
-        <p:nvGrpSpPr>
-          <p:cNvPr id="39" name="Group 503"/>
-          <p:cNvGrpSpPr/>
-          <p:nvPr/>
-        </p:nvGrpSpPr>
-        <p:grpSpPr>
-          <a:xfrm>
-            <a:off x="1400720" y="575665"/>
-            <a:ext cx="2530695" cy="1586511"/>
-            <a:chOff x="0" y="879100"/>
-            <a:chExt cx="5206950" cy="3264274"/>
-          </a:xfrm>
-        </p:grpSpPr>
-        <p:sp>
-          <p:nvSpPr>
-            <p:cNvPr id="40" name="Shape 498"/>
-            <p:cNvSpPr/>
-            <p:nvPr/>
-          </p:nvSpPr>
-          <p:spPr>
-            <a:xfrm>
-              <a:off x="0" y="879100"/>
-              <a:ext cx="5206950" cy="873112"/>
-            </a:xfrm>
-            <a:prstGeom prst="rect">
-              <a:avLst/>
-            </a:prstGeom>
-            <a:noFill/>
-            <a:ln w="3175" cap="flat">
-              <a:noFill/>
-              <a:miter lim="400000"/>
-            </a:ln>
-            <a:effectLst/>
-            <a:extLst>
-              <a:ext uri="{C572A759-6A51-4108-AA02-DFA0A04FC94B}">
-                <ma14:wrappingTextBoxFlag xmlns:ma14="http://schemas.microsoft.com/office/mac/drawingml/2011/main" xmlns="" val="1"/>
-              </a:ext>
-            </a:extLst>
-          </p:spPr>
-          <p:txBody>
-            <a:bodyPr wrap="square" lIns="38100" tIns="38100" rIns="38100" bIns="38100" numCol="1" anchor="t">
-              <a:normAutofit/>
-            </a:bodyPr>
-            <a:lstStyle>
-              <a:lvl1pPr algn="l">
-                <a:defRPr sz="4500">
-                  <a:solidFill>
-                    <a:srgbClr val="000000"/>
-                  </a:solidFill>
-                  <a:latin typeface="Roboto Slab Regular"/>
-                  <a:ea typeface="Roboto Slab Regular"/>
-                  <a:cs typeface="Roboto Slab Regular"/>
-                  <a:sym typeface="Roboto Slab Regular"/>
-                </a:defRPr>
-              </a:lvl1pPr>
-            </a:lstStyle>
-            <a:p>
-              <a:r>
-                <a:rPr lang="en-US" altLang="ko-KR" sz="2000" dirty="0">
-                  <a:latin typeface="나눔스퀘어 Bold" panose="020B0600000101010101" pitchFamily="50" charset="-127"/>
-                  <a:ea typeface="나눔스퀘어 Bold" panose="020B0600000101010101" pitchFamily="50" charset="-127"/>
-                </a:rPr>
-                <a:t>Neural Network</a:t>
-              </a:r>
-            </a:p>
-          </p:txBody>
-        </p:sp>
-        <p:sp>
-          <p:nvSpPr>
-            <p:cNvPr id="41" name="Shape 499"/>
-            <p:cNvSpPr/>
-            <p:nvPr/>
-          </p:nvSpPr>
-          <p:spPr>
-            <a:xfrm>
-              <a:off x="0" y="2410072"/>
-              <a:ext cx="5057971" cy="1733302"/>
-            </a:xfrm>
-            <a:prstGeom prst="rect">
-              <a:avLst/>
-            </a:prstGeom>
-            <a:noFill/>
-            <a:ln w="3175" cap="flat">
-              <a:noFill/>
-              <a:miter lim="400000"/>
-            </a:ln>
-            <a:effectLst/>
-            <a:extLst>
-              <a:ext uri="{C572A759-6A51-4108-AA02-DFA0A04FC94B}">
-                <ma14:wrappingTextBoxFlag xmlns:ma14="http://schemas.microsoft.com/office/mac/drawingml/2011/main" xmlns="" val="1"/>
-              </a:ext>
-            </a:extLst>
-          </p:spPr>
-          <p:txBody>
-            <a:bodyPr wrap="square" lIns="38100" tIns="38100" rIns="38100" bIns="38100" numCol="1" anchor="t">
-              <a:noAutofit/>
-            </a:bodyPr>
-            <a:lstStyle/>
-            <a:p>
-              <a:pPr>
-                <a:lnSpc>
-                  <a:spcPct val="150000"/>
-                </a:lnSpc>
-              </a:pPr>
-              <a:r>
-                <a:rPr lang="en-US" altLang="ko-KR" sz="1400" dirty="0">
-                  <a:latin typeface="나눔고딕 Light" pitchFamily="50" charset="-127"/>
-                  <a:ea typeface="나눔고딕 Light" panose="020D0904000000000000" pitchFamily="50" charset="-127"/>
-                </a:rPr>
-                <a:t>The server pc runs some neural networks to determine the direction</a:t>
-              </a:r>
-            </a:p>
-          </p:txBody>
-        </p:sp>
-        <p:grpSp>
-          <p:nvGrpSpPr>
-            <p:cNvPr id="42" name="Group 502"/>
-            <p:cNvGrpSpPr/>
-            <p:nvPr/>
-          </p:nvGrpSpPr>
-          <p:grpSpPr>
-            <a:xfrm>
-              <a:off x="43160" y="1967464"/>
-              <a:ext cx="4674923" cy="1"/>
-              <a:chOff x="0" y="0"/>
-              <a:chExt cx="4674922" cy="0"/>
-            </a:xfrm>
-          </p:grpSpPr>
-          <p:sp>
-            <p:nvSpPr>
-              <p:cNvPr id="43" name="Shape 500"/>
-              <p:cNvSpPr/>
-              <p:nvPr/>
-            </p:nvSpPr>
-            <p:spPr>
-              <a:xfrm>
-                <a:off x="0" y="0"/>
-                <a:ext cx="4674923" cy="0"/>
-              </a:xfrm>
-              <a:prstGeom prst="line">
-                <a:avLst/>
-              </a:prstGeom>
-              <a:noFill/>
-              <a:ln w="25400" cap="flat">
-                <a:solidFill>
-                  <a:srgbClr val="E5E5E5"/>
-                </a:solidFill>
-                <a:prstDash val="solid"/>
-                <a:miter lim="400000"/>
-              </a:ln>
-              <a:effectLst/>
-            </p:spPr>
-            <p:txBody>
-              <a:bodyPr wrap="square" lIns="38100" tIns="38100" rIns="38100" bIns="38100" numCol="1" anchor="ctr">
-                <a:noAutofit/>
-              </a:bodyPr>
-              <a:lstStyle/>
-              <a:p>
-                <a:pPr algn="ctr">
-                  <a:defRPr sz="3000">
-                    <a:solidFill>
-                      <a:srgbClr val="000000"/>
-                    </a:solidFill>
-                    <a:latin typeface="Helvetica Light"/>
-                    <a:ea typeface="Helvetica Light"/>
-                    <a:cs typeface="Helvetica Light"/>
-                    <a:sym typeface="Helvetica Light"/>
-                  </a:defRPr>
-                </a:pPr>
-                <a:endParaRPr/>
-              </a:p>
-            </p:txBody>
-          </p:sp>
-          <p:sp>
-            <p:nvSpPr>
-              <p:cNvPr id="44" name="Shape 501"/>
-              <p:cNvSpPr/>
-              <p:nvPr/>
-            </p:nvSpPr>
-            <p:spPr>
-              <a:xfrm>
-                <a:off x="12700" y="0"/>
-                <a:ext cx="942922" cy="0"/>
-              </a:xfrm>
-              <a:prstGeom prst="line">
-                <a:avLst/>
-              </a:prstGeom>
-              <a:noFill/>
-              <a:ln w="25400" cap="flat">
-                <a:solidFill>
-                  <a:srgbClr val="000000"/>
-                </a:solidFill>
-                <a:prstDash val="solid"/>
-                <a:miter lim="400000"/>
-              </a:ln>
-              <a:effectLst/>
-            </p:spPr>
-            <p:txBody>
-              <a:bodyPr wrap="square" lIns="38100" tIns="38100" rIns="38100" bIns="38100" numCol="1" anchor="ctr">
-                <a:noAutofit/>
-              </a:bodyPr>
-              <a:lstStyle/>
-              <a:p>
-                <a:pPr algn="ctr">
-                  <a:defRPr sz="3000">
-                    <a:solidFill>
-                      <a:srgbClr val="000000"/>
-                    </a:solidFill>
-                    <a:latin typeface="Helvetica Light"/>
-                    <a:ea typeface="Helvetica Light"/>
-                    <a:cs typeface="Helvetica Light"/>
-                    <a:sym typeface="Helvetica Light"/>
-                  </a:defRPr>
-                </a:pPr>
-                <a:endParaRPr/>
-              </a:p>
-            </p:txBody>
-          </p:sp>
-        </p:grpSp>
-      </p:grpSp>
-      <p:sp>
-        <p:nvSpPr>
-          <p:cNvPr id="45" name="Shape 509"/>
-          <p:cNvSpPr/>
-          <p:nvPr/>
-        </p:nvSpPr>
-        <p:spPr>
-          <a:xfrm rot="13500000">
-            <a:off x="4401522" y="1064683"/>
-            <a:ext cx="211306" cy="211306"/>
-          </a:xfrm>
-          <a:custGeom>
-            <a:avLst/>
-            <a:gdLst/>
-            <a:ahLst/>
-            <a:cxnLst>
-              <a:cxn ang="0">
-                <a:pos x="wd2" y="hd2"/>
-              </a:cxn>
-              <a:cxn ang="5400000">
-                <a:pos x="wd2" y="hd2"/>
-              </a:cxn>
-              <a:cxn ang="10800000">
-                <a:pos x="wd2" y="hd2"/>
-              </a:cxn>
-              <a:cxn ang="16200000">
-                <a:pos x="wd2" y="hd2"/>
-              </a:cxn>
-            </a:cxnLst>
-            <a:rect l="0" t="0" r="r" b="b"/>
-            <a:pathLst>
-              <a:path w="21600" h="21600" extrusionOk="0">
-                <a:moveTo>
-                  <a:pt x="0" y="0"/>
-                </a:moveTo>
-                <a:lnTo>
-                  <a:pt x="0" y="21600"/>
-                </a:lnTo>
-                <a:lnTo>
-                  <a:pt x="21600" y="21600"/>
-                </a:lnTo>
-                <a:close/>
-              </a:path>
-            </a:pathLst>
-          </a:custGeom>
-          <a:solidFill>
-            <a:srgbClr val="000000"/>
-          </a:solidFill>
-          <a:ln w="3175">
-            <a:miter lim="400000"/>
-          </a:ln>
-        </p:spPr>
-        <p:txBody>
-          <a:bodyPr lIns="38100" tIns="38100" rIns="38100" bIns="38100" anchor="ctr"/>
-          <a:lstStyle/>
-          <a:p>
-            <a:pPr algn="ctr">
-              <a:defRPr sz="3000">
-                <a:solidFill>
-                  <a:srgbClr val="FFFFFF"/>
-                </a:solidFill>
-                <a:latin typeface="Helvetica Light"/>
-                <a:ea typeface="Helvetica Light"/>
-                <a:cs typeface="Helvetica Light"/>
-                <a:sym typeface="Helvetica Light"/>
-              </a:defRPr>
-            </a:pPr>
-            <a:endParaRPr/>
-          </a:p>
-        </p:txBody>
-      </p:sp>
-    </p:spTree>
-    <p:extLst>
-      <p:ext uri="{BB962C8B-B14F-4D97-AF65-F5344CB8AC3E}">
-        <p14:creationId xmlns:p14="http://schemas.microsoft.com/office/powerpoint/2010/main" val="1543242924"/>
-      </p:ext>
-    </p:extLst>
-  </p:cSld>
-  <p:clrMapOvr>
-    <a:masterClrMapping/>
-  </p:clrMapOvr>
-  <p:transition spd="slow">
-    <p:push dir="u"/>
-  </p:transition>
-  <p:timing>
-    <p:tnLst>
-      <p:par>
-        <p:cTn id="1" dur="indefinite" restart="never" nodeType="tmRoot"/>
-      </p:par>
-    </p:tnLst>
-  </p:timing>
-</p:sld>
-</file>
-
-<file path=ppt/slides/slide27.xml><?xml version="1.0" encoding="utf-8"?>
-<p:sld xmlns:a="http://schemas.openxmlformats.org/drawingml/2006/main" xmlns:r="http://schemas.openxmlformats.org/officeDocument/2006/relationships" xmlns:p="http://schemas.openxmlformats.org/presentationml/2006/main">
-  <p:cSld>
-    <p:spTree>
-      <p:nvGrpSpPr>
-        <p:cNvPr id="1" name=""/>
-        <p:cNvGrpSpPr/>
-        <p:nvPr/>
-      </p:nvGrpSpPr>
-      <p:grpSpPr>
-        <a:xfrm>
-          <a:off x="0" y="0"/>
-          <a:ext cx="0" cy="0"/>
-          <a:chOff x="0" y="0"/>
-          <a:chExt cx="0" cy="0"/>
-        </a:xfrm>
-      </p:grpSpPr>
-      <p:sp>
-        <p:nvSpPr>
-          <p:cNvPr id="8" name="직사각형 7"/>
-          <p:cNvSpPr/>
-          <p:nvPr/>
-        </p:nvSpPr>
-        <p:spPr>
-          <a:xfrm>
-            <a:off x="706804" y="2409825"/>
-            <a:ext cx="2236421" cy="76200"/>
-          </a:xfrm>
-          <a:prstGeom prst="rect">
-            <a:avLst/>
-          </a:prstGeom>
-          <a:solidFill>
-            <a:srgbClr val="EDD0BE"/>
-          </a:solidFill>
-          <a:ln>
-            <a:noFill/>
-          </a:ln>
-        </p:spPr>
-        <p:style>
-          <a:lnRef idx="2">
-            <a:schemeClr val="accent1">
-              <a:shade val="50000"/>
-            </a:schemeClr>
-          </a:lnRef>
-          <a:fillRef idx="1">
-            <a:schemeClr val="accent1"/>
-          </a:fillRef>
-          <a:effectRef idx="0">
-            <a:schemeClr val="accent1"/>
-          </a:effectRef>
-          <a:fontRef idx="minor">
-            <a:schemeClr val="lt1"/>
-          </a:fontRef>
-        </p:style>
-        <p:txBody>
-          <a:bodyPr rtlCol="0" anchor="ctr"/>
-          <a:lstStyle/>
-          <a:p>
-            <a:pPr algn="ctr"/>
-            <a:endParaRPr lang="ko-KR" altLang="en-US" baseline="-25000" dirty="0">
-              <a:latin typeface="나눔고딕 Light" pitchFamily="50" charset="-127"/>
-              <a:ea typeface="나눔고딕 Light" pitchFamily="50" charset="-127"/>
-            </a:endParaRPr>
-          </a:p>
-        </p:txBody>
-      </p:sp>
-      <p:sp>
-        <p:nvSpPr>
-          <p:cNvPr id="7" name="TextBox 7"/>
-          <p:cNvSpPr txBox="1">
-            <a:spLocks noChangeArrowheads="1"/>
-          </p:cNvSpPr>
-          <p:nvPr/>
-        </p:nvSpPr>
-        <p:spPr bwMode="auto">
-          <a:xfrm>
-            <a:off x="573454" y="469860"/>
-            <a:ext cx="4714624" cy="2308324"/>
-          </a:xfrm>
-          <a:prstGeom prst="rect">
-            <a:avLst/>
-          </a:prstGeom>
-          <a:noFill/>
-          <a:ln>
-            <a:noFill/>
-          </a:ln>
-          <a:extLst>
-            <a:ext uri="{909E8E84-426E-40DD-AFC4-6F175D3DCCD1}">
-              <a14:hiddenFill xmlns:a14="http://schemas.microsoft.com/office/drawing/2010/main">
-                <a:solidFill>
-                  <a:srgbClr val="FFFFFF"/>
-                </a:solidFill>
-              </a14:hiddenFill>
-            </a:ext>
-            <a:ext uri="{91240B29-F687-4F45-9708-019B960494DF}">
-              <a14:hiddenLine xmlns:a14="http://schemas.microsoft.com/office/drawing/2010/main" w="9525">
-                <a:solidFill>
-                  <a:srgbClr val="000000"/>
-                </a:solidFill>
-                <a:miter lim="800000"/>
-                <a:headEnd/>
-                <a:tailEnd/>
-              </a14:hiddenLine>
-            </a:ext>
-          </a:extLst>
-        </p:spPr>
-        <p:txBody>
-          <a:bodyPr wrap="square">
-            <a:spAutoFit/>
-          </a:bodyPr>
-          <a:lstStyle>
-            <a:lvl1pPr>
-              <a:defRPr sz="3600">
-                <a:solidFill>
-                  <a:schemeClr val="tx1"/>
-                </a:solidFill>
-                <a:latin typeface="Lato Light" pitchFamily="34" charset="0"/>
-              </a:defRPr>
-            </a:lvl1pPr>
-            <a:lvl2pPr marL="742950" indent="-285750">
-              <a:defRPr sz="3600">
-                <a:solidFill>
-                  <a:schemeClr val="tx1"/>
-                </a:solidFill>
-                <a:latin typeface="Lato Light" pitchFamily="34" charset="0"/>
-              </a:defRPr>
-            </a:lvl2pPr>
-            <a:lvl3pPr marL="1143000" indent="-228600">
-              <a:defRPr sz="3600">
-                <a:solidFill>
-                  <a:schemeClr val="tx1"/>
-                </a:solidFill>
-                <a:latin typeface="Lato Light" pitchFamily="34" charset="0"/>
-              </a:defRPr>
-            </a:lvl3pPr>
-            <a:lvl4pPr marL="1600200" indent="-228600">
-              <a:defRPr sz="3600">
-                <a:solidFill>
-                  <a:schemeClr val="tx1"/>
-                </a:solidFill>
-                <a:latin typeface="Lato Light" pitchFamily="34" charset="0"/>
-              </a:defRPr>
-            </a:lvl4pPr>
-            <a:lvl5pPr marL="2057400" indent="-228600">
-              <a:defRPr sz="3600">
-                <a:solidFill>
-                  <a:schemeClr val="tx1"/>
-                </a:solidFill>
-                <a:latin typeface="Lato Light" pitchFamily="34" charset="0"/>
-              </a:defRPr>
-            </a:lvl5pPr>
-            <a:lvl6pPr marL="2514600" indent="-228600" defTabSz="1827213" fontAlgn="base">
-              <a:spcBef>
-                <a:spcPct val="0"/>
-              </a:spcBef>
-              <a:spcAft>
-                <a:spcPct val="0"/>
-              </a:spcAft>
-              <a:defRPr sz="3600">
-                <a:solidFill>
-                  <a:schemeClr val="tx1"/>
-                </a:solidFill>
-                <a:latin typeface="Lato Light" pitchFamily="34" charset="0"/>
-              </a:defRPr>
-            </a:lvl6pPr>
-            <a:lvl7pPr marL="2971800" indent="-228600" defTabSz="1827213" fontAlgn="base">
-              <a:spcBef>
-                <a:spcPct val="0"/>
-              </a:spcBef>
-              <a:spcAft>
-                <a:spcPct val="0"/>
-              </a:spcAft>
-              <a:defRPr sz="3600">
-                <a:solidFill>
-                  <a:schemeClr val="tx1"/>
-                </a:solidFill>
-                <a:latin typeface="Lato Light" pitchFamily="34" charset="0"/>
-              </a:defRPr>
-            </a:lvl7pPr>
-            <a:lvl8pPr marL="3429000" indent="-228600" defTabSz="1827213" fontAlgn="base">
-              <a:spcBef>
-                <a:spcPct val="0"/>
-              </a:spcBef>
-              <a:spcAft>
-                <a:spcPct val="0"/>
-              </a:spcAft>
-              <a:defRPr sz="3600">
-                <a:solidFill>
-                  <a:schemeClr val="tx1"/>
-                </a:solidFill>
-                <a:latin typeface="Lato Light" pitchFamily="34" charset="0"/>
-              </a:defRPr>
-            </a:lvl8pPr>
-            <a:lvl9pPr marL="3886200" indent="-228600" defTabSz="1827213" fontAlgn="base">
-              <a:spcBef>
-                <a:spcPct val="0"/>
-              </a:spcBef>
-              <a:spcAft>
-                <a:spcPct val="0"/>
-              </a:spcAft>
-              <a:defRPr sz="3600">
-                <a:solidFill>
-                  <a:schemeClr val="tx1"/>
-                </a:solidFill>
-                <a:latin typeface="Lato Light" pitchFamily="34" charset="0"/>
-              </a:defRPr>
-            </a:lvl9pPr>
-          </a:lstStyle>
-          <a:p>
-            <a:pPr eaLnBrk="1" hangingPunct="1"/>
-            <a:r>
-              <a:rPr lang="en-US" altLang="ko-KR" b="1" spc="300" dirty="0" smtClean="0">
-                <a:latin typeface="나눔스퀘어 Bold" panose="020B0600000101010101" pitchFamily="50" charset="-127"/>
-                <a:ea typeface="나눔스퀘어 Bold" panose="020B0600000101010101" pitchFamily="50" charset="-127"/>
-                <a:cs typeface="Calibri" panose="020F0502020204030204" pitchFamily="34" charset="0"/>
-              </a:rPr>
-              <a:t>PROCESS</a:t>
-            </a:r>
-          </a:p>
-          <a:p>
-            <a:pPr eaLnBrk="1" hangingPunct="1"/>
-            <a:r>
-              <a:rPr lang="en-US" altLang="ko-KR" b="1" spc="300" dirty="0" smtClean="0">
-                <a:latin typeface="나눔스퀘어 Bold" panose="020B0600000101010101" pitchFamily="50" charset="-127"/>
-                <a:ea typeface="나눔스퀘어 Bold" panose="020B0600000101010101" pitchFamily="50" charset="-127"/>
-                <a:cs typeface="Calibri" panose="020F0502020204030204" pitchFamily="34" charset="0"/>
-              </a:rPr>
-              <a:t>OF</a:t>
-            </a:r>
-            <a:br>
-              <a:rPr lang="en-US" altLang="ko-KR" b="1" spc="300" dirty="0" smtClean="0">
-                <a:latin typeface="나눔스퀘어 Bold" panose="020B0600000101010101" pitchFamily="50" charset="-127"/>
-                <a:ea typeface="나눔스퀘어 Bold" panose="020B0600000101010101" pitchFamily="50" charset="-127"/>
-                <a:cs typeface="Calibri" panose="020F0502020204030204" pitchFamily="34" charset="0"/>
-              </a:rPr>
-            </a:br>
-            <a:r>
-              <a:rPr lang="en-US" altLang="ko-KR" b="1" spc="300" dirty="0" smtClean="0">
-                <a:latin typeface="나눔스퀘어 Bold" panose="020B0600000101010101" pitchFamily="50" charset="-127"/>
-                <a:ea typeface="나눔스퀘어 Bold" panose="020B0600000101010101" pitchFamily="50" charset="-127"/>
-                <a:cs typeface="Calibri" panose="020F0502020204030204" pitchFamily="34" charset="0"/>
-              </a:rPr>
-              <a:t>OUR </a:t>
-            </a:r>
-          </a:p>
-          <a:p>
-            <a:pPr eaLnBrk="1" hangingPunct="1"/>
-            <a:r>
-              <a:rPr lang="en-US" altLang="ko-KR" b="1" spc="300" dirty="0" smtClean="0">
-                <a:latin typeface="나눔스퀘어 Bold" panose="020B0600000101010101" pitchFamily="50" charset="-127"/>
-                <a:ea typeface="나눔스퀘어 Bold" panose="020B0600000101010101" pitchFamily="50" charset="-127"/>
-                <a:cs typeface="Calibri" panose="020F0502020204030204" pitchFamily="34" charset="0"/>
-              </a:rPr>
-              <a:t>PROJECT</a:t>
-            </a:r>
-            <a:endParaRPr lang="ru-RU" altLang="ko-KR" b="1" spc="300" dirty="0">
-              <a:latin typeface="나눔스퀘어 Bold" panose="020B0600000101010101" pitchFamily="50" charset="-127"/>
-              <a:ea typeface="나눔스퀘어 Bold" panose="020B0600000101010101" pitchFamily="50" charset="-127"/>
-              <a:cs typeface="Calibri" panose="020F0502020204030204" pitchFamily="34" charset="0"/>
-            </a:endParaRPr>
-          </a:p>
-        </p:txBody>
-      </p:sp>
-      <p:grpSp>
-        <p:nvGrpSpPr>
-          <p:cNvPr id="12" name="Group 508"/>
-          <p:cNvGrpSpPr/>
-          <p:nvPr/>
-        </p:nvGrpSpPr>
-        <p:grpSpPr>
-          <a:xfrm>
-            <a:off x="5078304" y="-546381"/>
-            <a:ext cx="1666065" cy="4650665"/>
-            <a:chOff x="-240163" y="-4116026"/>
-            <a:chExt cx="2128090" cy="5940369"/>
-          </a:xfrm>
-        </p:grpSpPr>
-        <p:sp>
-          <p:nvSpPr>
-            <p:cNvPr id="13" name="Shape 505"/>
-            <p:cNvSpPr/>
-            <p:nvPr/>
-          </p:nvSpPr>
-          <p:spPr>
-            <a:xfrm>
-              <a:off x="835970" y="-4116026"/>
-              <a:ext cx="0" cy="5454977"/>
-            </a:xfrm>
-            <a:prstGeom prst="line">
-              <a:avLst/>
-            </a:prstGeom>
-            <a:noFill/>
-            <a:ln w="25400" cap="flat">
-              <a:solidFill>
-                <a:srgbClr val="565656"/>
-              </a:solidFill>
-              <a:prstDash val="solid"/>
-              <a:miter lim="400000"/>
-            </a:ln>
-            <a:effectLst/>
-          </p:spPr>
-          <p:txBody>
-            <a:bodyPr wrap="square" lIns="38100" tIns="38100" rIns="38100" bIns="38100" numCol="1" anchor="ctr">
-              <a:noAutofit/>
-            </a:bodyPr>
-            <a:lstStyle/>
-            <a:p>
-              <a:pPr algn="ctr">
-                <a:defRPr sz="3000">
-                  <a:solidFill>
-                    <a:srgbClr val="000000"/>
-                  </a:solidFill>
-                  <a:latin typeface="Helvetica Light"/>
-                  <a:ea typeface="Helvetica Light"/>
-                  <a:cs typeface="Helvetica Light"/>
-                  <a:sym typeface="Helvetica Light"/>
-                </a:defRPr>
-              </a:pPr>
-              <a:endParaRPr/>
-            </a:p>
-          </p:txBody>
-        </p:sp>
-        <p:sp>
-          <p:nvSpPr>
-            <p:cNvPr id="14" name="Shape 506"/>
-            <p:cNvSpPr/>
-            <p:nvPr/>
-          </p:nvSpPr>
-          <p:spPr>
-            <a:xfrm>
-              <a:off x="-240163" y="-282677"/>
-              <a:ext cx="2128090" cy="2107020"/>
-            </a:xfrm>
-            <a:prstGeom prst="ellipse">
-              <a:avLst/>
-            </a:prstGeom>
-            <a:solidFill>
-              <a:srgbClr val="565656"/>
-            </a:solidFill>
-            <a:ln w="3175" cap="flat">
-              <a:noFill/>
-              <a:miter lim="400000"/>
-            </a:ln>
-            <a:effectLst/>
-          </p:spPr>
-          <p:txBody>
-            <a:bodyPr wrap="square" lIns="38100" tIns="38100" rIns="38100" bIns="38100" numCol="1" anchor="ctr">
-              <a:noAutofit/>
-            </a:bodyPr>
-            <a:lstStyle/>
-            <a:p>
-              <a:pPr algn="ctr">
-                <a:defRPr sz="3000">
-                  <a:solidFill>
-                    <a:srgbClr val="FFFFFF"/>
-                  </a:solidFill>
-                  <a:latin typeface="Helvetica Light"/>
-                  <a:ea typeface="Helvetica Light"/>
-                  <a:cs typeface="Helvetica Light"/>
-                  <a:sym typeface="Helvetica Light"/>
-                </a:defRPr>
-              </a:pPr>
-              <a:endParaRPr/>
-            </a:p>
-          </p:txBody>
-        </p:sp>
-        <p:sp>
-          <p:nvSpPr>
-            <p:cNvPr id="15" name="Shape 507"/>
-            <p:cNvSpPr/>
-            <p:nvPr/>
-          </p:nvSpPr>
-          <p:spPr>
-            <a:xfrm>
-              <a:off x="147712" y="485815"/>
-              <a:ext cx="1352339" cy="570035"/>
-            </a:xfrm>
-            <a:prstGeom prst="rect">
-              <a:avLst/>
-            </a:prstGeom>
-            <a:noFill/>
-            <a:ln w="3175" cap="flat">
-              <a:noFill/>
-              <a:miter lim="400000"/>
-            </a:ln>
-            <a:effectLst/>
-            <a:extLst>
-              <a:ext uri="{C572A759-6A51-4108-AA02-DFA0A04FC94B}">
-                <ma14:wrappingTextBoxFlag xmlns:ma14="http://schemas.microsoft.com/office/mac/drawingml/2011/main" xmlns="" val="1"/>
-              </a:ext>
-            </a:extLst>
-          </p:spPr>
-          <p:txBody>
-            <a:bodyPr wrap="square" lIns="38100" tIns="38100" rIns="38100" bIns="38100" numCol="1" anchor="ctr">
-              <a:spAutoFit/>
-            </a:bodyPr>
-            <a:lstStyle>
-              <a:lvl1pPr algn="ctr">
-                <a:defRPr sz="3000">
-                  <a:solidFill>
-                    <a:srgbClr val="FFFFFF"/>
-                  </a:solidFill>
-                  <a:latin typeface="Roboto Slab Regular"/>
-                  <a:ea typeface="Roboto Slab Regular"/>
-                  <a:cs typeface="Roboto Slab Regular"/>
-                  <a:sym typeface="Roboto Slab Regular"/>
-                </a:defRPr>
-              </a:lvl1pPr>
-            </a:lstStyle>
-            <a:p>
-              <a:r>
-                <a:rPr lang="en-US" sz="2400" dirty="0" smtClean="0">
-                  <a:latin typeface="나눔스퀘어 Bold" panose="020B0600000101010101" pitchFamily="50" charset="-127"/>
-                  <a:ea typeface="나눔스퀘어 Bold" panose="020B0600000101010101" pitchFamily="50" charset="-127"/>
-                </a:rPr>
-                <a:t>FINISH</a:t>
-              </a:r>
-              <a:endParaRPr sz="2400" dirty="0">
-                <a:latin typeface="나눔스퀘어 Bold" panose="020B0600000101010101" pitchFamily="50" charset="-127"/>
-                <a:ea typeface="나눔스퀘어 Bold" panose="020B0600000101010101" pitchFamily="50" charset="-127"/>
-              </a:endParaRPr>
-            </a:p>
-          </p:txBody>
-        </p:sp>
-      </p:grpSp>
-      <p:sp>
-        <p:nvSpPr>
-          <p:cNvPr id="22" name="Shape 509"/>
-          <p:cNvSpPr/>
-          <p:nvPr/>
-        </p:nvSpPr>
-        <p:spPr>
-          <a:xfrm rot="13500000">
-            <a:off x="7261034" y="3186747"/>
-            <a:ext cx="211306" cy="211306"/>
-          </a:xfrm>
-          <a:custGeom>
-            <a:avLst/>
-            <a:gdLst/>
-            <a:ahLst/>
-            <a:cxnLst>
-              <a:cxn ang="0">
-                <a:pos x="wd2" y="hd2"/>
-              </a:cxn>
-              <a:cxn ang="5400000">
-                <a:pos x="wd2" y="hd2"/>
-              </a:cxn>
-              <a:cxn ang="10800000">
-                <a:pos x="wd2" y="hd2"/>
-              </a:cxn>
-              <a:cxn ang="16200000">
-                <a:pos x="wd2" y="hd2"/>
-              </a:cxn>
-            </a:cxnLst>
-            <a:rect l="0" t="0" r="r" b="b"/>
-            <a:pathLst>
-              <a:path w="21600" h="21600" extrusionOk="0">
-                <a:moveTo>
-                  <a:pt x="0" y="0"/>
-                </a:moveTo>
-                <a:lnTo>
-                  <a:pt x="0" y="21600"/>
-                </a:lnTo>
-                <a:lnTo>
-                  <a:pt x="21600" y="21600"/>
-                </a:lnTo>
-                <a:close/>
-              </a:path>
-            </a:pathLst>
-          </a:custGeom>
-          <a:solidFill>
-            <a:srgbClr val="000000"/>
-          </a:solidFill>
-          <a:ln w="3175">
-            <a:miter lim="400000"/>
-          </a:ln>
-        </p:spPr>
-        <p:txBody>
-          <a:bodyPr lIns="38100" tIns="38100" rIns="38100" bIns="38100" anchor="ctr"/>
-          <a:lstStyle/>
-          <a:p>
-            <a:pPr algn="ctr">
-              <a:defRPr sz="3000">
-                <a:solidFill>
-                  <a:srgbClr val="FFFFFF"/>
-                </a:solidFill>
-                <a:latin typeface="Helvetica Light"/>
-                <a:ea typeface="Helvetica Light"/>
-                <a:cs typeface="Helvetica Light"/>
-                <a:sym typeface="Helvetica Light"/>
-              </a:defRPr>
-            </a:pPr>
-            <a:endParaRPr/>
-          </a:p>
-        </p:txBody>
-      </p:sp>
-      <p:grpSp>
-        <p:nvGrpSpPr>
-          <p:cNvPr id="28" name="Group 503"/>
-          <p:cNvGrpSpPr/>
-          <p:nvPr/>
-        </p:nvGrpSpPr>
-        <p:grpSpPr>
-          <a:xfrm>
-            <a:off x="8266862" y="2614015"/>
-            <a:ext cx="2530695" cy="1959239"/>
-            <a:chOff x="0" y="879100"/>
-            <a:chExt cx="5206950" cy="4031169"/>
-          </a:xfrm>
-        </p:grpSpPr>
-        <p:sp>
-          <p:nvSpPr>
-            <p:cNvPr id="29" name="Shape 498"/>
-            <p:cNvSpPr/>
-            <p:nvPr/>
-          </p:nvSpPr>
-          <p:spPr>
-            <a:xfrm>
-              <a:off x="0" y="879100"/>
-              <a:ext cx="5206950" cy="873112"/>
-            </a:xfrm>
-            <a:prstGeom prst="rect">
-              <a:avLst/>
-            </a:prstGeom>
-            <a:noFill/>
-            <a:ln w="3175" cap="flat">
-              <a:noFill/>
-              <a:miter lim="400000"/>
-            </a:ln>
-            <a:effectLst/>
-            <a:extLst>
-              <a:ext uri="{C572A759-6A51-4108-AA02-DFA0A04FC94B}">
-                <ma14:wrappingTextBoxFlag xmlns:ma14="http://schemas.microsoft.com/office/mac/drawingml/2011/main" xmlns="" val="1"/>
-              </a:ext>
-            </a:extLst>
-          </p:spPr>
-          <p:txBody>
-            <a:bodyPr wrap="square" lIns="38100" tIns="38100" rIns="38100" bIns="38100" numCol="1" anchor="t">
-              <a:normAutofit/>
-            </a:bodyPr>
-            <a:lstStyle>
-              <a:lvl1pPr algn="l">
-                <a:defRPr sz="4500">
-                  <a:solidFill>
-                    <a:srgbClr val="000000"/>
-                  </a:solidFill>
-                  <a:latin typeface="Roboto Slab Regular"/>
-                  <a:ea typeface="Roboto Slab Regular"/>
-                  <a:cs typeface="Roboto Slab Regular"/>
-                  <a:sym typeface="Roboto Slab Regular"/>
-                </a:defRPr>
-              </a:lvl1pPr>
-            </a:lstStyle>
-            <a:p>
-              <a:r>
-                <a:rPr lang="ko-KR" altLang="en-US" sz="2000" dirty="0" smtClean="0">
-                  <a:latin typeface="나눔스퀘어 Bold" panose="020B0600000101010101" pitchFamily="50" charset="-127"/>
-                  <a:ea typeface="나눔스퀘어 Bold" panose="020B0600000101010101" pitchFamily="50" charset="-127"/>
-                </a:rPr>
-                <a:t>자율주행</a:t>
-              </a:r>
-              <a:endParaRPr sz="2000" dirty="0">
-                <a:latin typeface="나눔스퀘어 Bold" panose="020B0600000101010101" pitchFamily="50" charset="-127"/>
-                <a:ea typeface="나눔스퀘어 Bold" panose="020B0600000101010101" pitchFamily="50" charset="-127"/>
-              </a:endParaRPr>
-            </a:p>
-          </p:txBody>
-        </p:sp>
-        <p:sp>
-          <p:nvSpPr>
-            <p:cNvPr id="30" name="Shape 499"/>
-            <p:cNvSpPr/>
-            <p:nvPr/>
-          </p:nvSpPr>
-          <p:spPr>
-            <a:xfrm>
-              <a:off x="0" y="2410070"/>
-              <a:ext cx="5057971" cy="2500199"/>
-            </a:xfrm>
-            <a:prstGeom prst="rect">
-              <a:avLst/>
-            </a:prstGeom>
-            <a:noFill/>
-            <a:ln w="3175" cap="flat">
-              <a:noFill/>
-              <a:miter lim="400000"/>
-            </a:ln>
-            <a:effectLst/>
-            <a:extLst>
-              <a:ext uri="{C572A759-6A51-4108-AA02-DFA0A04FC94B}">
-                <ma14:wrappingTextBoxFlag xmlns:ma14="http://schemas.microsoft.com/office/mac/drawingml/2011/main" xmlns="" val="1"/>
-              </a:ext>
-            </a:extLst>
-          </p:spPr>
-          <p:txBody>
-            <a:bodyPr wrap="square" lIns="38100" tIns="38100" rIns="38100" bIns="38100" numCol="1" anchor="t">
-              <a:normAutofit/>
-            </a:bodyPr>
-            <a:lstStyle/>
-            <a:p>
-              <a:pPr>
-                <a:lnSpc>
-                  <a:spcPct val="150000"/>
-                </a:lnSpc>
-              </a:pPr>
-              <a:r>
-                <a:rPr lang="ko-KR" altLang="en-US" sz="1200" dirty="0" smtClean="0">
-                  <a:latin typeface="나눔고딕 Light" pitchFamily="50" charset="-127"/>
-                  <a:ea typeface="나눔고딕 Light" pitchFamily="50" charset="-127"/>
-                </a:rPr>
-                <a:t>전달 받은 신호를 통하여 </a:t>
-              </a:r>
-              <a:r>
-                <a:rPr lang="en-US" altLang="ko-KR" sz="1200" dirty="0" smtClean="0">
-                  <a:latin typeface="나눔고딕 Light" pitchFamily="50" charset="-127"/>
-                  <a:ea typeface="나눔고딕 Light" pitchFamily="50" charset="-127"/>
-                </a:rPr>
-                <a:t>RC</a:t>
-              </a:r>
-              <a:r>
-                <a:rPr lang="ko-KR" altLang="en-US" sz="1200" dirty="0" err="1" smtClean="0">
-                  <a:latin typeface="나눔고딕 Light" pitchFamily="50" charset="-127"/>
-                  <a:ea typeface="나눔고딕 Light" pitchFamily="50" charset="-127"/>
-                </a:rPr>
-                <a:t>카의</a:t>
-              </a:r>
-              <a:r>
-                <a:rPr lang="ko-KR" altLang="en-US" sz="1200" dirty="0" smtClean="0">
-                  <a:latin typeface="나눔고딕 Light" pitchFamily="50" charset="-127"/>
-                  <a:ea typeface="나눔고딕 Light" pitchFamily="50" charset="-127"/>
-                </a:rPr>
-                <a:t> 자율주행 시행 및 이를 통하여 시청각장애인을 도움</a:t>
-              </a:r>
-              <a:endParaRPr sz="1200" dirty="0">
-                <a:latin typeface="나눔고딕 Light" pitchFamily="50" charset="-127"/>
-              </a:endParaRPr>
-            </a:p>
-          </p:txBody>
-        </p:sp>
-        <p:grpSp>
-          <p:nvGrpSpPr>
-            <p:cNvPr id="31" name="Group 502"/>
-            <p:cNvGrpSpPr/>
-            <p:nvPr/>
-          </p:nvGrpSpPr>
-          <p:grpSpPr>
-            <a:xfrm>
-              <a:off x="43160" y="1967464"/>
-              <a:ext cx="4674923" cy="1"/>
-              <a:chOff x="0" y="0"/>
-              <a:chExt cx="4674922" cy="0"/>
-            </a:xfrm>
-          </p:grpSpPr>
-          <p:sp>
-            <p:nvSpPr>
-              <p:cNvPr id="32" name="Shape 500"/>
-              <p:cNvSpPr/>
-              <p:nvPr/>
-            </p:nvSpPr>
-            <p:spPr>
-              <a:xfrm>
-                <a:off x="0" y="0"/>
-                <a:ext cx="4674923" cy="0"/>
-              </a:xfrm>
-              <a:prstGeom prst="line">
-                <a:avLst/>
-              </a:prstGeom>
-              <a:noFill/>
-              <a:ln w="25400" cap="flat">
-                <a:solidFill>
-                  <a:srgbClr val="E5E5E5"/>
-                </a:solidFill>
-                <a:prstDash val="solid"/>
-                <a:miter lim="400000"/>
-              </a:ln>
-              <a:effectLst/>
-            </p:spPr>
-            <p:txBody>
-              <a:bodyPr wrap="square" lIns="38100" tIns="38100" rIns="38100" bIns="38100" numCol="1" anchor="ctr">
-                <a:noAutofit/>
-              </a:bodyPr>
-              <a:lstStyle/>
-              <a:p>
-                <a:pPr algn="ctr">
-                  <a:defRPr sz="3000">
-                    <a:solidFill>
-                      <a:srgbClr val="000000"/>
-                    </a:solidFill>
-                    <a:latin typeface="Helvetica Light"/>
-                    <a:ea typeface="Helvetica Light"/>
-                    <a:cs typeface="Helvetica Light"/>
-                    <a:sym typeface="Helvetica Light"/>
-                  </a:defRPr>
-                </a:pPr>
-                <a:endParaRPr/>
-              </a:p>
-            </p:txBody>
-          </p:sp>
-          <p:sp>
-            <p:nvSpPr>
-              <p:cNvPr id="33" name="Shape 501"/>
-              <p:cNvSpPr/>
-              <p:nvPr/>
-            </p:nvSpPr>
-            <p:spPr>
-              <a:xfrm>
-                <a:off x="12700" y="0"/>
-                <a:ext cx="942922" cy="0"/>
-              </a:xfrm>
-              <a:prstGeom prst="line">
-                <a:avLst/>
-              </a:prstGeom>
-              <a:noFill/>
-              <a:ln w="25400" cap="flat">
-                <a:solidFill>
-                  <a:srgbClr val="000000"/>
-                </a:solidFill>
-                <a:prstDash val="solid"/>
-                <a:miter lim="400000"/>
-              </a:ln>
-              <a:effectLst/>
-            </p:spPr>
-            <p:txBody>
-              <a:bodyPr wrap="square" lIns="38100" tIns="38100" rIns="38100" bIns="38100" numCol="1" anchor="ctr">
-                <a:noAutofit/>
-              </a:bodyPr>
-              <a:lstStyle/>
-              <a:p>
-                <a:pPr algn="ctr">
-                  <a:defRPr sz="3000">
-                    <a:solidFill>
-                      <a:srgbClr val="000000"/>
-                    </a:solidFill>
-                    <a:latin typeface="Helvetica Light"/>
-                    <a:ea typeface="Helvetica Light"/>
-                    <a:cs typeface="Helvetica Light"/>
-                    <a:sym typeface="Helvetica Light"/>
-                  </a:defRPr>
-                </a:pPr>
-                <a:endParaRPr/>
-              </a:p>
-            </p:txBody>
-          </p:sp>
-        </p:grpSp>
-      </p:grpSp>
-    </p:spTree>
-    <p:extLst>
-      <p:ext uri="{BB962C8B-B14F-4D97-AF65-F5344CB8AC3E}">
-        <p14:creationId xmlns:p14="http://schemas.microsoft.com/office/powerpoint/2010/main" val="3139234149"/>
-      </p:ext>
-    </p:extLst>
-  </p:cSld>
-  <p:clrMapOvr>
-    <a:masterClrMapping/>
-  </p:clrMapOvr>
-  <p:transition spd="slow">
-    <p:push dir="u"/>
-  </p:transition>
-  <p:timing>
-    <p:tnLst>
-      <p:par>
-        <p:cTn id="1" dur="indefinite" restart="never" nodeType="tmRoot"/>
-      </p:par>
-    </p:tnLst>
-  </p:timing>
-</p:sld>
-</file>
-
-<file path=ppt/slides/slide28.xml><?xml version="1.0" encoding="utf-8"?>
+<file path=ppt/slides/slide29.xml><?xml version="1.0" encoding="utf-8"?>
 <p:sld xmlns:a="http://schemas.openxmlformats.org/drawingml/2006/main" xmlns:r="http://schemas.openxmlformats.org/officeDocument/2006/relationships" xmlns:p="http://schemas.openxmlformats.org/presentationml/2006/main">
   <p:cSld>
     <p:spTree>
@@ -18726,7 +19290,7 @@
           </a:ln>
           <a:extLst>
             <a:ext uri="{C572A759-6A51-4108-AA02-DFA0A04FC94B}">
-              <ma14:wrappingTextBoxFlag xmlns:ma14="http://schemas.microsoft.com/office/mac/drawingml/2011/main" xmlns="" val="1"/>
+              <ma14:wrappingTextBoxFlag xmlns="" xmlns:ma14="http://schemas.microsoft.com/office/mac/drawingml/2011/main" val="1"/>
             </a:ext>
           </a:extLst>
         </p:spPr>
@@ -19356,7 +19920,7 @@
           </a:ln>
           <a:extLst>
             <a:ext uri="{C572A759-6A51-4108-AA02-DFA0A04FC94B}">
-              <ma14:wrappingTextBoxFlag xmlns:ma14="http://schemas.microsoft.com/office/mac/drawingml/2011/main" xmlns="" val="1"/>
+              <ma14:wrappingTextBoxFlag xmlns="" xmlns:ma14="http://schemas.microsoft.com/office/mac/drawingml/2011/main" val="1"/>
             </a:ext>
           </a:extLst>
         </p:spPr>
@@ -19843,7 +20407,7 @@
           </a:ln>
           <a:extLst>
             <a:ext uri="{C572A759-6A51-4108-AA02-DFA0A04FC94B}">
-              <ma14:wrappingTextBoxFlag xmlns:ma14="http://schemas.microsoft.com/office/mac/drawingml/2011/main" xmlns="" val="1"/>
+              <ma14:wrappingTextBoxFlag xmlns="" xmlns:ma14="http://schemas.microsoft.com/office/mac/drawingml/2011/main" val="1"/>
             </a:ext>
           </a:extLst>
         </p:spPr>
@@ -20465,7 +21029,7 @@
           </a:ln>
           <a:extLst>
             <a:ext uri="{C572A759-6A51-4108-AA02-DFA0A04FC94B}">
-              <ma14:wrappingTextBoxFlag xmlns:ma14="http://schemas.microsoft.com/office/mac/drawingml/2011/main" xmlns="" val="1"/>
+              <ma14:wrappingTextBoxFlag xmlns="" xmlns:ma14="http://schemas.microsoft.com/office/mac/drawingml/2011/main" val="1"/>
             </a:ext>
           </a:extLst>
         </p:spPr>
@@ -20494,14 +21058,7 @@
                 <a:latin typeface="나눔고딕 Light" pitchFamily="50" charset="-127"/>
                 <a:ea typeface="나눔고딕 Light" pitchFamily="50" charset="-127"/>
               </a:rPr>
-              <a:t> Kang</a:t>
-            </a:r>
-            <a:r>
-              <a:rPr lang="en-US" altLang="ko-KR" dirty="0" smtClean="0">
-                <a:latin typeface="나눔고딕 Light" pitchFamily="50" charset="-127"/>
-                <a:ea typeface="나눔고딕 Light" pitchFamily="50" charset="-127"/>
-              </a:rPr>
-              <a:t>: Configuring Raspberry Pi for the RC car, Writing the codes for </a:t>
+              <a:t> Kang: Configuring Raspberry Pi for the RC car, Writing the codes for </a:t>
             </a:r>
           </a:p>
           <a:p>
@@ -20522,14 +21079,7 @@
                 <a:latin typeface="나눔고딕 Light" pitchFamily="50" charset="-127"/>
                 <a:ea typeface="나눔고딕 Light" pitchFamily="50" charset="-127"/>
               </a:rPr>
-              <a:t>                              </a:t>
-            </a:r>
-            <a:r>
-              <a:rPr lang="en-US" altLang="ko-KR" dirty="0" smtClean="0">
-                <a:latin typeface="나눔고딕 Light" pitchFamily="50" charset="-127"/>
-                <a:ea typeface="나눔고딕 Light" pitchFamily="50" charset="-127"/>
-              </a:rPr>
-              <a:t>controlling the RC car</a:t>
+              <a:t>                              controlling the RC car</a:t>
             </a:r>
           </a:p>
           <a:p>
@@ -20563,14 +21113,7 @@
                 <a:latin typeface="나눔고딕 Light" pitchFamily="50" charset="-127"/>
                 <a:ea typeface="나눔고딕 Light" pitchFamily="50" charset="-127"/>
               </a:rPr>
-              <a:t> Kim: </a:t>
-            </a:r>
-            <a:r>
-              <a:rPr lang="en-US" altLang="ko-KR" dirty="0" smtClean="0">
-                <a:latin typeface="나눔고딕 Light" pitchFamily="50" charset="-127"/>
-                <a:ea typeface="나눔고딕 Light" pitchFamily="50" charset="-127"/>
-              </a:rPr>
-              <a:t>Writing the codes for neural networks, Re-assembling the RC car</a:t>
+              <a:t> Kim: Writing the codes for neural networks, Re-assembling the RC car</a:t>
             </a:r>
           </a:p>
           <a:p>
@@ -20642,21 +21185,7 @@
                 <a:latin typeface="나눔고딕 Light" pitchFamily="50" charset="-127"/>
                 <a:ea typeface="나눔고딕 Light" pitchFamily="50" charset="-127"/>
               </a:rPr>
-              <a:t> </a:t>
-            </a:r>
-            <a:r>
-              <a:rPr lang="en-US" altLang="ko-KR" dirty="0" smtClean="0">
-                <a:latin typeface="나눔고딕 Light" pitchFamily="50" charset="-127"/>
-                <a:ea typeface="나눔고딕 Light" pitchFamily="50" charset="-127"/>
-              </a:rPr>
-              <a:t>Lee: </a:t>
-            </a:r>
-            <a:r>
-              <a:rPr lang="en-US" altLang="ko-KR" dirty="0" smtClean="0">
-                <a:latin typeface="나눔고딕 Light" pitchFamily="50" charset="-127"/>
-                <a:ea typeface="나눔고딕 Light" pitchFamily="50" charset="-127"/>
-              </a:rPr>
-              <a:t>Managing our GitHub, Preparing presentation slides</a:t>
+              <a:t> Lee: Managing our GitHub, Preparing presentation slides</a:t>
             </a:r>
           </a:p>
         </p:txBody>
@@ -20919,15 +21448,7 @@
                 <a:ea typeface="나눔스퀘어 Bold" panose="020B0600000101010101" pitchFamily="50" charset="-127"/>
                 <a:cs typeface="Calibri" panose="020F0502020204030204" pitchFamily="34" charset="0"/>
               </a:rPr>
-              <a:t>Hardware </a:t>
-            </a:r>
-            <a:r>
-              <a:rPr lang="en-US" altLang="ko-KR" sz="2800" b="1" dirty="0" smtClean="0">
-                <a:latin typeface="나눔스퀘어 Bold" panose="020B0600000101010101" pitchFamily="50" charset="-127"/>
-                <a:ea typeface="나눔스퀘어 Bold" panose="020B0600000101010101" pitchFamily="50" charset="-127"/>
-                <a:cs typeface="Calibri" panose="020F0502020204030204" pitchFamily="34" charset="0"/>
-              </a:rPr>
-              <a:t>Component</a:t>
+              <a:t>Hardware Component</a:t>
             </a:r>
             <a:endParaRPr lang="ru-RU" altLang="ko-KR" sz="2800" b="1" dirty="0">
               <a:latin typeface="나눔스퀘어 Bold" panose="020B0600000101010101" pitchFamily="50" charset="-127"/>
@@ -20956,7 +21477,7 @@
           </a:ln>
           <a:extLst>
             <a:ext uri="{C572A759-6A51-4108-AA02-DFA0A04FC94B}">
-              <ma14:wrappingTextBoxFlag xmlns:ma14="http://schemas.microsoft.com/office/mac/drawingml/2011/main" xmlns="" val="1"/>
+              <ma14:wrappingTextBoxFlag xmlns="" xmlns:ma14="http://schemas.microsoft.com/office/mac/drawingml/2011/main" val="1"/>
             </a:ext>
           </a:extLst>
         </p:spPr>
@@ -21460,8 +21981,8 @@
           </a:p>
         </p:txBody>
       </p:sp>
-      <mc:AlternateContent xmlns:mc="http://schemas.openxmlformats.org/markup-compatibility/2006">
-        <mc:Choice xmlns:a14="http://schemas.microsoft.com/office/drawing/2010/main" Requires="a14">
+      <mc:AlternateContent xmlns:mc="http://schemas.openxmlformats.org/markup-compatibility/2006" xmlns:a14="http://schemas.microsoft.com/office/drawing/2010/main">
+        <mc:Choice Requires="a14">
           <p:sp>
             <p:nvSpPr>
               <p:cNvPr id="10" name="Shape 388"/>
@@ -21481,7 +22002,7 @@
               </a:ln>
               <a:extLst>
                 <a:ext uri="{C572A759-6A51-4108-AA02-DFA0A04FC94B}">
-                  <ma14:wrappingTextBoxFlag xmlns:ma14="http://schemas.microsoft.com/office/mac/drawingml/2011/main" xmlns="" val="1"/>
+                  <ma14:wrappingTextBoxFlag xmlns="" xmlns:ma14="http://schemas.microsoft.com/office/mac/drawingml/2011/main" val="1"/>
                 </a:ext>
               </a:extLst>
             </p:spPr>
@@ -21525,14 +22046,7 @@
                     <a:latin typeface="나눔고딕 Light" pitchFamily="50" charset="-127"/>
                     <a:ea typeface="나눔고딕 Light" pitchFamily="50" charset="-127"/>
                   </a:rPr>
-                  <a:t>Size: 34cm</a:t>
-                </a:r>
-                <a:r>
-                  <a:rPr lang="en-US" altLang="ko-KR" dirty="0" smtClean="0">
-                    <a:latin typeface="나눔고딕 Light" pitchFamily="50" charset="-127"/>
-                    <a:ea typeface="나눔고딕 Light" pitchFamily="50" charset="-127"/>
-                  </a:rPr>
-                  <a:t> </a:t>
+                  <a:t>Size: 34cm </a:t>
                 </a:r>
                 <a14:m>
                   <m:oMath xmlns:m="http://schemas.openxmlformats.org/officeDocument/2006/math">
@@ -21550,21 +22064,7 @@
                     <a:latin typeface="나눔고딕 Light" pitchFamily="50" charset="-127"/>
                     <a:ea typeface="Cambria Math" panose="02040503050406030204" pitchFamily="18" charset="0"/>
                   </a:rPr>
-                  <a:t> </a:t>
-                </a:r>
-                <a:r>
-                  <a:rPr lang="en-US" altLang="ko-KR" dirty="0" smtClean="0">
-                    <a:latin typeface="나눔고딕 Light" pitchFamily="50" charset="-127"/>
-                    <a:ea typeface="Cambria Math" panose="02040503050406030204" pitchFamily="18" charset="0"/>
-                  </a:rPr>
-                  <a:t>15.16cm</a:t>
-                </a:r>
-                <a:r>
-                  <a:rPr lang="en-US" altLang="ko-KR" dirty="0" smtClean="0">
-                    <a:latin typeface="나눔고딕 Light" pitchFamily="50" charset="-127"/>
-                    <a:ea typeface="Cambria Math" panose="02040503050406030204" pitchFamily="18" charset="0"/>
-                  </a:rPr>
-                  <a:t> </a:t>
+                  <a:t> 15.16cm </a:t>
                 </a:r>
                 <a14:m>
                   <m:oMath xmlns:m="http://schemas.openxmlformats.org/officeDocument/2006/math">
@@ -21582,14 +22082,7 @@
                     <a:latin typeface="나눔고딕 Light" pitchFamily="50" charset="-127"/>
                     <a:ea typeface="Cambria Math" panose="02040503050406030204" pitchFamily="18" charset="0"/>
                   </a:rPr>
-                  <a:t> </a:t>
-                </a:r>
-                <a:r>
-                  <a:rPr lang="en-US" altLang="ko-KR" dirty="0" smtClean="0">
-                    <a:latin typeface="나눔고딕 Light" pitchFamily="50" charset="-127"/>
-                    <a:ea typeface="Cambria Math" panose="02040503050406030204" pitchFamily="18" charset="0"/>
-                  </a:rPr>
-                  <a:t>12.43cm</a:t>
+                  <a:t> 12.43cm</a:t>
                 </a:r>
               </a:p>
               <a:p>
@@ -21666,7 +22159,7 @@
             </p:txBody>
           </p:sp>
         </mc:Choice>
-        <mc:Fallback>
+        <mc:Fallback xmlns="">
           <p:sp>
             <p:nvSpPr>
               <p:cNvPr id="10" name="Shape 388"/>
@@ -22111,7 +22604,7 @@
           </a:ln>
           <a:extLst>
             <a:ext uri="{C572A759-6A51-4108-AA02-DFA0A04FC94B}">
-              <ma14:wrappingTextBoxFlag xmlns:mc="http://schemas.openxmlformats.org/markup-compatibility/2006" xmlns:a14="http://schemas.microsoft.com/office/drawing/2010/main" xmlns:ma14="http://schemas.microsoft.com/office/mac/drawingml/2011/main" xmlns="" val="1"/>
+              <ma14:wrappingTextBoxFlag xmlns="" xmlns:ma14="http://schemas.microsoft.com/office/mac/drawingml/2011/main" xmlns:a14="http://schemas.microsoft.com/office/drawing/2010/main" xmlns:mc="http://schemas.openxmlformats.org/markup-compatibility/2006" val="1"/>
             </a:ext>
           </a:extLst>
         </p:spPr>
